--- a/programmingWindows_extra.pptx
+++ b/programmingWindows_extra.pptx
@@ -6,7 +6,7 @@
     <p:sldMasterId id="2147483684" r:id="rId2"/>
   </p:sldMasterIdLst>
   <p:notesMasterIdLst>
-    <p:notesMasterId r:id="rId26"/>
+    <p:notesMasterId r:id="rId28"/>
   </p:notesMasterIdLst>
   <p:sldIdLst>
     <p:sldId id="256" r:id="rId3"/>
@@ -28,10 +28,12 @@
     <p:sldId id="530" r:id="rId19"/>
     <p:sldId id="534" r:id="rId20"/>
     <p:sldId id="535" r:id="rId21"/>
-    <p:sldId id="536" r:id="rId22"/>
-    <p:sldId id="537" r:id="rId23"/>
+    <p:sldId id="540" r:id="rId22"/>
+    <p:sldId id="536" r:id="rId23"/>
     <p:sldId id="538" r:id="rId24"/>
-    <p:sldId id="455" r:id="rId25"/>
+    <p:sldId id="539" r:id="rId25"/>
+    <p:sldId id="541" r:id="rId26"/>
+    <p:sldId id="455" r:id="rId27"/>
   </p:sldIdLst>
   <p:sldSz cx="12192000" cy="6858000"/>
   <p:notesSz cx="6858000" cy="9144000"/>
@@ -4032,6 +4034,90 @@
 </p:notes>
 </file>
 
+<file path=ppt/notesSlides/notesSlide10.xml><?xml version="1.0" encoding="utf-8"?>
+<p:notes xmlns:a="http://schemas.openxmlformats.org/drawingml/2006/main" xmlns:r="http://schemas.openxmlformats.org/officeDocument/2006/relationships" xmlns:p="http://schemas.openxmlformats.org/presentationml/2006/main">
+  <p:cSld>
+    <p:spTree>
+      <p:nvGrpSpPr>
+        <p:cNvPr id="1" name=""/>
+        <p:cNvGrpSpPr/>
+        <p:nvPr/>
+      </p:nvGrpSpPr>
+      <p:grpSpPr>
+        <a:xfrm>
+          <a:off x="0" y="0"/>
+          <a:ext cx="0" cy="0"/>
+          <a:chOff x="0" y="0"/>
+          <a:chExt cx="0" cy="0"/>
+        </a:xfrm>
+      </p:grpSpPr>
+      <p:sp>
+        <p:nvSpPr>
+          <p:cNvPr id="2" name="幻灯片图像占位符 1"/>
+          <p:cNvSpPr>
+            <a:spLocks noGrp="1" noRot="1" noChangeAspect="1"/>
+          </p:cNvSpPr>
+          <p:nvPr>
+            <p:ph type="sldImg"/>
+          </p:nvPr>
+        </p:nvSpPr>
+        <p:spPr/>
+      </p:sp>
+      <p:sp>
+        <p:nvSpPr>
+          <p:cNvPr id="3" name="备注占位符 2"/>
+          <p:cNvSpPr>
+            <a:spLocks noGrp="1"/>
+          </p:cNvSpPr>
+          <p:nvPr>
+            <p:ph type="body" idx="1"/>
+          </p:nvPr>
+        </p:nvSpPr>
+        <p:spPr/>
+        <p:txBody>
+          <a:bodyPr/>
+          <a:lstStyle/>
+          <a:p>
+            <a:endParaRPr lang="zh-CN" altLang="en-US" dirty="0"/>
+          </a:p>
+        </p:txBody>
+      </p:sp>
+      <p:sp>
+        <p:nvSpPr>
+          <p:cNvPr id="4" name="灯片编号占位符 3"/>
+          <p:cNvSpPr>
+            <a:spLocks noGrp="1"/>
+          </p:cNvSpPr>
+          <p:nvPr>
+            <p:ph type="sldNum" sz="quarter" idx="5"/>
+          </p:nvPr>
+        </p:nvSpPr>
+        <p:spPr/>
+        <p:txBody>
+          <a:bodyPr/>
+          <a:lstStyle/>
+          <a:p>
+            <a:fld id="{FF6B7014-1CA7-42FF-9E69-87C27AE33F47}" type="slidenum">
+              <a:rPr lang="zh-CN" altLang="en-US" smtClean="0"/>
+              <a:t>24</a:t>
+            </a:fld>
+            <a:endParaRPr lang="zh-CN" altLang="en-US"/>
+          </a:p>
+        </p:txBody>
+      </p:sp>
+    </p:spTree>
+    <p:extLst>
+      <p:ext uri="{BB962C8B-B14F-4D97-AF65-F5344CB8AC3E}">
+        <p14:creationId xmlns:p14="http://schemas.microsoft.com/office/powerpoint/2010/main" val="1874684656"/>
+      </p:ext>
+    </p:extLst>
+  </p:cSld>
+  <p:clrMapOvr>
+    <a:masterClrMapping/>
+  </p:clrMapOvr>
+</p:notes>
+</file>
+
 <file path=ppt/notesSlides/notesSlide2.xml><?xml version="1.0" encoding="utf-8"?>
 <p:notes xmlns:a="http://schemas.openxmlformats.org/drawingml/2006/main" xmlns:r="http://schemas.openxmlformats.org/officeDocument/2006/relationships" xmlns:p="http://schemas.openxmlformats.org/presentationml/2006/main">
   <p:cSld>
@@ -4442,7 +4528,7 @@
     </p:spTree>
     <p:extLst>
       <p:ext uri="{BB962C8B-B14F-4D97-AF65-F5344CB8AC3E}">
-        <p14:creationId xmlns:p14="http://schemas.microsoft.com/office/powerpoint/2010/main" val="627531641"/>
+        <p14:creationId xmlns:p14="http://schemas.microsoft.com/office/powerpoint/2010/main" val="1781269013"/>
       </p:ext>
     </p:extLst>
   </p:cSld>
@@ -4526,7 +4612,7 @@
     </p:spTree>
     <p:extLst>
       <p:ext uri="{BB962C8B-B14F-4D97-AF65-F5344CB8AC3E}">
-        <p14:creationId xmlns:p14="http://schemas.microsoft.com/office/powerpoint/2010/main" val="1368265758"/>
+        <p14:creationId xmlns:p14="http://schemas.microsoft.com/office/powerpoint/2010/main" val="627531641"/>
       </p:ext>
     </p:extLst>
   </p:cSld>
@@ -4611,6 +4697,90 @@
     <p:extLst>
       <p:ext uri="{BB962C8B-B14F-4D97-AF65-F5344CB8AC3E}">
         <p14:creationId xmlns:p14="http://schemas.microsoft.com/office/powerpoint/2010/main" val="893950893"/>
+      </p:ext>
+    </p:extLst>
+  </p:cSld>
+  <p:clrMapOvr>
+    <a:masterClrMapping/>
+  </p:clrMapOvr>
+</p:notes>
+</file>
+
+<file path=ppt/notesSlides/notesSlide9.xml><?xml version="1.0" encoding="utf-8"?>
+<p:notes xmlns:a="http://schemas.openxmlformats.org/drawingml/2006/main" xmlns:r="http://schemas.openxmlformats.org/officeDocument/2006/relationships" xmlns:p="http://schemas.openxmlformats.org/presentationml/2006/main">
+  <p:cSld>
+    <p:spTree>
+      <p:nvGrpSpPr>
+        <p:cNvPr id="1" name=""/>
+        <p:cNvGrpSpPr/>
+        <p:nvPr/>
+      </p:nvGrpSpPr>
+      <p:grpSpPr>
+        <a:xfrm>
+          <a:off x="0" y="0"/>
+          <a:ext cx="0" cy="0"/>
+          <a:chOff x="0" y="0"/>
+          <a:chExt cx="0" cy="0"/>
+        </a:xfrm>
+      </p:grpSpPr>
+      <p:sp>
+        <p:nvSpPr>
+          <p:cNvPr id="2" name="幻灯片图像占位符 1"/>
+          <p:cNvSpPr>
+            <a:spLocks noGrp="1" noRot="1" noChangeAspect="1"/>
+          </p:cNvSpPr>
+          <p:nvPr>
+            <p:ph type="sldImg"/>
+          </p:nvPr>
+        </p:nvSpPr>
+        <p:spPr/>
+      </p:sp>
+      <p:sp>
+        <p:nvSpPr>
+          <p:cNvPr id="3" name="备注占位符 2"/>
+          <p:cNvSpPr>
+            <a:spLocks noGrp="1"/>
+          </p:cNvSpPr>
+          <p:nvPr>
+            <p:ph type="body" idx="1"/>
+          </p:nvPr>
+        </p:nvSpPr>
+        <p:spPr/>
+        <p:txBody>
+          <a:bodyPr/>
+          <a:lstStyle/>
+          <a:p>
+            <a:endParaRPr lang="zh-CN" altLang="en-US" dirty="0"/>
+          </a:p>
+        </p:txBody>
+      </p:sp>
+      <p:sp>
+        <p:nvSpPr>
+          <p:cNvPr id="4" name="灯片编号占位符 3"/>
+          <p:cNvSpPr>
+            <a:spLocks noGrp="1"/>
+          </p:cNvSpPr>
+          <p:nvPr>
+            <p:ph type="sldNum" sz="quarter" idx="5"/>
+          </p:nvPr>
+        </p:nvSpPr>
+        <p:spPr/>
+        <p:txBody>
+          <a:bodyPr/>
+          <a:lstStyle/>
+          <a:p>
+            <a:fld id="{FF6B7014-1CA7-42FF-9E69-87C27AE33F47}" type="slidenum">
+              <a:rPr lang="zh-CN" altLang="en-US" smtClean="0"/>
+              <a:t>23</a:t>
+            </a:fld>
+            <a:endParaRPr lang="zh-CN" altLang="en-US"/>
+          </a:p>
+        </p:txBody>
+      </p:sp>
+    </p:spTree>
+    <p:extLst>
+      <p:ext uri="{BB962C8B-B14F-4D97-AF65-F5344CB8AC3E}">
+        <p14:creationId xmlns:p14="http://schemas.microsoft.com/office/powerpoint/2010/main" val="3695862339"/>
       </p:ext>
     </p:extLst>
   </p:cSld>
@@ -16117,8 +16287,8 @@
         </p:nvSpPr>
         <p:spPr>
           <a:xfrm>
-            <a:off x="1999791" y="785091"/>
-            <a:ext cx="5047555" cy="618836"/>
+            <a:off x="2810590" y="877653"/>
+            <a:ext cx="5164749" cy="618836"/>
           </a:xfrm>
           <a:prstGeom prst="rect">
             <a:avLst/>
@@ -16126,7 +16296,7 @@
         </p:spPr>
         <p:txBody>
           <a:bodyPr>
-            <a:normAutofit/>
+            <a:normAutofit fontScale="92500"/>
           </a:bodyPr>
           <a:lstStyle>
             <a:lvl1pPr marL="228526" indent="-228526" algn="l" rtl="0" eaLnBrk="1" fontAlgn="base" hangingPunct="1">
@@ -16316,18 +16486,21 @@
               <a:buNone/>
             </a:pPr>
             <a:r>
-              <a:rPr lang="en-US" altLang="zh-CN" sz="3300" kern="0" dirty="0"/>
-              <a:t>enumeration</a:t>
+              <a:rPr lang="en-US" altLang="zh-CN" sz="3300" kern="0" dirty="0">
+                <a:latin typeface="Arial" panose="020B0604020202020204" pitchFamily="34" charset="0"/>
+                <a:cs typeface="Arial" panose="020B0604020202020204" pitchFamily="34" charset="0"/>
+              </a:rPr>
+              <a:t>Codes formatted in columns</a:t>
             </a:r>
           </a:p>
         </p:txBody>
       </p:sp>
       <p:sp>
         <p:nvSpPr>
-          <p:cNvPr id="10" name="Rectangle 1">
+          <p:cNvPr id="7" name="Rectangle 1">
             <a:extLst>
               <a:ext uri="{FF2B5EF4-FFF2-40B4-BE49-F238E27FC236}">
-                <a16:creationId xmlns:a16="http://schemas.microsoft.com/office/drawing/2014/main" id="{D808C697-1633-4242-98E7-2C0CDB1BFF8F}"/>
+                <a16:creationId xmlns:a16="http://schemas.microsoft.com/office/drawing/2014/main" id="{891D156D-B397-4ADC-8F01-2D3D6508E22D}"/>
               </a:ext>
             </a:extLst>
           </p:cNvPr>
@@ -16338,8 +16511,8 @@
         </p:nvSpPr>
         <p:spPr bwMode="auto">
           <a:xfrm>
-            <a:off x="503499" y="1650901"/>
-            <a:ext cx="4096209" cy="3939540"/>
+            <a:off x="1988467" y="2724380"/>
+            <a:ext cx="7731781" cy="2708434"/>
           </a:xfrm>
           <a:prstGeom prst="rect">
             <a:avLst/>
@@ -16372,14 +16545,32 @@
             <a:r>
               <a:rPr lang="en-US" altLang="zh-CN" sz="1600" dirty="0">
                 <a:solidFill>
-                  <a:schemeClr val="accent5">
-                    <a:lumMod val="75000"/>
-                  </a:schemeClr>
-                </a:solidFill>
-                <a:latin typeface="Arial Unicode MS" panose="020B0604020202020204" pitchFamily="34" charset="-122"/>
-                <a:ea typeface="SFMono-Regular"/>
-              </a:rPr>
-              <a:t>// obsolete in C++11</a:t>
+                  <a:schemeClr val="bg1"/>
+                </a:solidFill>
+                <a:latin typeface="Consolas" panose="020B0609020204030204" pitchFamily="49" charset="0"/>
+                <a:ea typeface="SFMono-Regular"/>
+              </a:rPr>
+              <a:t>int </a:t>
+            </a:r>
+            <a:r>
+              <a:rPr lang="en-US" altLang="zh-CN" sz="1600" dirty="0" err="1">
+                <a:solidFill>
+                  <a:schemeClr val="bg1"/>
+                </a:solidFill>
+                <a:latin typeface="Consolas" panose="020B0609020204030204" pitchFamily="49" charset="0"/>
+                <a:ea typeface="SFMono-Regular"/>
+              </a:rPr>
+              <a:t>myVar</a:t>
+            </a:r>
+            <a:r>
+              <a:rPr lang="en-US" altLang="zh-CN" sz="1600" dirty="0">
+                <a:solidFill>
+                  <a:schemeClr val="bg1"/>
+                </a:solidFill>
+                <a:latin typeface="Consolas" panose="020B0609020204030204" pitchFamily="49" charset="0"/>
+                <a:ea typeface="SFMono-Regular"/>
+              </a:rPr>
+              <a:t>        = 1;    // comment 1</a:t>
             </a:r>
           </a:p>
           <a:p>
@@ -16396,210 +16587,30 @@
                 <a:solidFill>
                   <a:schemeClr val="bg1"/>
                 </a:solidFill>
-                <a:latin typeface="Arial Unicode MS" panose="020B0604020202020204" pitchFamily="34" charset="-122"/>
-                <a:ea typeface="SFMono-Regular"/>
-              </a:rPr>
-              <a:t>namespace </a:t>
+                <a:latin typeface="Consolas" panose="020B0609020204030204" pitchFamily="49" charset="0"/>
+                <a:ea typeface="SFMono-Regular"/>
+              </a:rPr>
+              <a:t>int </a:t>
             </a:r>
             <a:r>
               <a:rPr lang="en-US" altLang="zh-CN" sz="1600" dirty="0" err="1">
                 <a:solidFill>
                   <a:schemeClr val="bg1"/>
                 </a:solidFill>
-                <a:latin typeface="Arial Unicode MS" panose="020B0604020202020204" pitchFamily="34" charset="-122"/>
-                <a:ea typeface="SFMono-Regular"/>
-              </a:rPr>
-              <a:t>EntityType</a:t>
+                <a:latin typeface="Consolas" panose="020B0609020204030204" pitchFamily="49" charset="0"/>
+                <a:ea typeface="SFMono-Regular"/>
+              </a:rPr>
+              <a:t>myLongerVar</a:t>
             </a:r>
             <a:r>
               <a:rPr lang="en-US" altLang="zh-CN" sz="1600" dirty="0">
                 <a:solidFill>
                   <a:schemeClr val="bg1"/>
                 </a:solidFill>
-                <a:latin typeface="Arial Unicode MS" panose="020B0604020202020204" pitchFamily="34" charset="-122"/>
-                <a:ea typeface="SFMono-Regular"/>
-              </a:rPr>
-              <a:t> {</a:t>
-            </a:r>
-          </a:p>
-          <a:p>
-            <a:pPr lvl="0" defTabSz="914400" eaLnBrk="0" fontAlgn="base" hangingPunct="0">
-              <a:spcBef>
-                <a:spcPct val="0"/>
-              </a:spcBef>
-              <a:spcAft>
-                <a:spcPct val="0"/>
-              </a:spcAft>
-            </a:pPr>
-            <a:r>
-              <a:rPr lang="en-US" altLang="zh-CN" sz="1600" dirty="0">
-                <a:solidFill>
-                  <a:schemeClr val="bg1"/>
-                </a:solidFill>
-                <a:latin typeface="Arial Unicode MS" panose="020B0604020202020204" pitchFamily="34" charset="-122"/>
-                <a:ea typeface="SFMono-Regular"/>
-              </a:rPr>
-              <a:t>    </a:t>
-            </a:r>
-            <a:r>
-              <a:rPr lang="en-US" altLang="zh-CN" sz="1600" dirty="0" err="1">
-                <a:solidFill>
-                  <a:schemeClr val="bg1"/>
-                </a:solidFill>
-                <a:latin typeface="Arial Unicode MS" panose="020B0604020202020204" pitchFamily="34" charset="-122"/>
-                <a:ea typeface="SFMono-Regular"/>
-              </a:rPr>
-              <a:t>enum</a:t>
-            </a:r>
-            <a:r>
-              <a:rPr lang="en-US" altLang="zh-CN" sz="1600" dirty="0">
-                <a:solidFill>
-                  <a:schemeClr val="bg1"/>
-                </a:solidFill>
-                <a:latin typeface="Arial Unicode MS" panose="020B0604020202020204" pitchFamily="34" charset="-122"/>
-                <a:ea typeface="SFMono-Regular"/>
-              </a:rPr>
-              <a:t> </a:t>
-            </a:r>
-            <a:r>
-              <a:rPr lang="en-US" altLang="zh-CN" sz="1600" dirty="0" err="1">
-                <a:solidFill>
-                  <a:schemeClr val="bg1"/>
-                </a:solidFill>
-                <a:latin typeface="Arial Unicode MS" panose="020B0604020202020204" pitchFamily="34" charset="-122"/>
-                <a:ea typeface="SFMono-Regular"/>
-              </a:rPr>
-              <a:t>Enum</a:t>
-            </a:r>
-            <a:r>
-              <a:rPr lang="en-US" altLang="zh-CN" sz="1600" dirty="0">
-                <a:solidFill>
-                  <a:schemeClr val="bg1"/>
-                </a:solidFill>
-                <a:latin typeface="Arial Unicode MS" panose="020B0604020202020204" pitchFamily="34" charset="-122"/>
-                <a:ea typeface="SFMono-Regular"/>
-              </a:rPr>
-              <a:t> {</a:t>
-            </a:r>
-          </a:p>
-          <a:p>
-            <a:pPr lvl="0" defTabSz="914400" eaLnBrk="0" fontAlgn="base" hangingPunct="0">
-              <a:spcBef>
-                <a:spcPct val="0"/>
-              </a:spcBef>
-              <a:spcAft>
-                <a:spcPct val="0"/>
-              </a:spcAft>
-            </a:pPr>
-            <a:r>
-              <a:rPr lang="en-US" altLang="zh-CN" sz="1600" dirty="0">
-                <a:solidFill>
-                  <a:schemeClr val="bg1"/>
-                </a:solidFill>
-                <a:latin typeface="Arial Unicode MS" panose="020B0604020202020204" pitchFamily="34" charset="-122"/>
-                <a:ea typeface="SFMono-Regular"/>
-              </a:rPr>
-              <a:t>        Ground = 0,</a:t>
-            </a:r>
-          </a:p>
-          <a:p>
-            <a:pPr lvl="0" defTabSz="914400" eaLnBrk="0" fontAlgn="base" hangingPunct="0">
-              <a:spcBef>
-                <a:spcPct val="0"/>
-              </a:spcBef>
-              <a:spcAft>
-                <a:spcPct val="0"/>
-              </a:spcAft>
-            </a:pPr>
-            <a:r>
-              <a:rPr lang="en-US" altLang="zh-CN" sz="1600" dirty="0">
-                <a:solidFill>
-                  <a:schemeClr val="bg1"/>
-                </a:solidFill>
-                <a:latin typeface="Arial Unicode MS" panose="020B0604020202020204" pitchFamily="34" charset="-122"/>
-                <a:ea typeface="SFMono-Regular"/>
-              </a:rPr>
-              <a:t>        Human,</a:t>
-            </a:r>
-          </a:p>
-          <a:p>
-            <a:pPr lvl="0" defTabSz="914400" eaLnBrk="0" fontAlgn="base" hangingPunct="0">
-              <a:spcBef>
-                <a:spcPct val="0"/>
-              </a:spcBef>
-              <a:spcAft>
-                <a:spcPct val="0"/>
-              </a:spcAft>
-            </a:pPr>
-            <a:r>
-              <a:rPr lang="en-US" altLang="zh-CN" sz="1600" dirty="0">
-                <a:solidFill>
-                  <a:schemeClr val="bg1"/>
-                </a:solidFill>
-                <a:latin typeface="Arial Unicode MS" panose="020B0604020202020204" pitchFamily="34" charset="-122"/>
-                <a:ea typeface="SFMono-Regular"/>
-              </a:rPr>
-              <a:t>        Aerial,</a:t>
-            </a:r>
-          </a:p>
-          <a:p>
-            <a:pPr lvl="0" defTabSz="914400" eaLnBrk="0" fontAlgn="base" hangingPunct="0">
-              <a:spcBef>
-                <a:spcPct val="0"/>
-              </a:spcBef>
-              <a:spcAft>
-                <a:spcPct val="0"/>
-              </a:spcAft>
-            </a:pPr>
-            <a:r>
-              <a:rPr lang="en-US" altLang="zh-CN" sz="1600" dirty="0">
-                <a:solidFill>
-                  <a:schemeClr val="bg1"/>
-                </a:solidFill>
-                <a:latin typeface="Arial Unicode MS" panose="020B0604020202020204" pitchFamily="34" charset="-122"/>
-                <a:ea typeface="SFMono-Regular"/>
-              </a:rPr>
-              <a:t>        Total</a:t>
-            </a:r>
-          </a:p>
-          <a:p>
-            <a:pPr lvl="0" defTabSz="914400" eaLnBrk="0" fontAlgn="base" hangingPunct="0">
-              <a:spcBef>
-                <a:spcPct val="0"/>
-              </a:spcBef>
-              <a:spcAft>
-                <a:spcPct val="0"/>
-              </a:spcAft>
-            </a:pPr>
-            <a:r>
-              <a:rPr lang="en-US" altLang="zh-CN" sz="1600" dirty="0">
-                <a:solidFill>
-                  <a:schemeClr val="bg1"/>
-                </a:solidFill>
-                <a:latin typeface="Arial Unicode MS" panose="020B0604020202020204" pitchFamily="34" charset="-122"/>
-                <a:ea typeface="SFMono-Regular"/>
-              </a:rPr>
-              <a:t>    };</a:t>
-            </a:r>
-          </a:p>
-          <a:p>
-            <a:pPr lvl="0" defTabSz="914400" eaLnBrk="0" fontAlgn="base" hangingPunct="0">
-              <a:spcBef>
-                <a:spcPct val="0"/>
-              </a:spcBef>
-              <a:spcAft>
-                <a:spcPct val="0"/>
-              </a:spcAft>
-            </a:pPr>
-            <a:r>
-              <a:rPr lang="en-US" altLang="zh-CN" sz="1600" dirty="0">
-                <a:solidFill>
-                  <a:schemeClr val="bg1"/>
-                </a:solidFill>
-                <a:latin typeface="Arial Unicode MS" panose="020B0604020202020204" pitchFamily="34" charset="-122"/>
-                <a:ea typeface="SFMono-Regular"/>
-              </a:rPr>
-              <a:t>}</a:t>
+                <a:latin typeface="Consolas" panose="020B0609020204030204" pitchFamily="49" charset="0"/>
+                <a:ea typeface="SFMono-Regular"/>
+              </a:rPr>
+              <a:t>  = 200;  // comment 2</a:t>
             </a:r>
           </a:p>
           <a:p>
@@ -16615,7 +16626,7 @@
               <a:solidFill>
                 <a:schemeClr val="bg1"/>
               </a:solidFill>
-              <a:latin typeface="Arial Unicode MS" panose="020B0604020202020204" pitchFamily="34" charset="-122"/>
+              <a:latin typeface="Consolas" panose="020B0609020204030204" pitchFamily="49" charset="0"/>
               <a:ea typeface="SFMono-Regular"/>
             </a:endParaRPr>
           </a:p>
@@ -16629,74 +16640,84 @@
               </a:spcAft>
             </a:pPr>
             <a:r>
+              <a:rPr lang="en-US" altLang="zh-CN" sz="1600" dirty="0" err="1">
+                <a:solidFill>
+                  <a:schemeClr val="bg1"/>
+                </a:solidFill>
+                <a:latin typeface="Consolas" panose="020B0609020204030204" pitchFamily="49" charset="0"/>
+                <a:ea typeface="SFMono-Regular"/>
+              </a:rPr>
+              <a:t>MyStruct</a:t>
+            </a:r>
+            <a:r>
               <a:rPr lang="en-US" altLang="zh-CN" sz="1600" dirty="0">
                 <a:solidFill>
                   <a:schemeClr val="bg1"/>
                 </a:solidFill>
-                <a:latin typeface="Arial Unicode MS" panose="020B0604020202020204" pitchFamily="34" charset="-122"/>
-                <a:ea typeface="SFMono-Regular"/>
-              </a:rPr>
-              <a:t>void foo(</a:t>
+                <a:latin typeface="Consolas" panose="020B0609020204030204" pitchFamily="49" charset="0"/>
+                <a:ea typeface="SFMono-Regular"/>
+              </a:rPr>
+              <a:t> </a:t>
             </a:r>
             <a:r>
               <a:rPr lang="en-US" altLang="zh-CN" sz="1600" dirty="0" err="1">
                 <a:solidFill>
                   <a:schemeClr val="bg1"/>
                 </a:solidFill>
-                <a:latin typeface="Arial Unicode MS" panose="020B0604020202020204" pitchFamily="34" charset="-122"/>
-                <a:ea typeface="SFMono-Regular"/>
-              </a:rPr>
-              <a:t>EntityType</a:t>
+                <a:latin typeface="Consolas" panose="020B0609020204030204" pitchFamily="49" charset="0"/>
+                <a:ea typeface="SFMono-Regular"/>
+              </a:rPr>
+              <a:t>arrayOfMyStruct</a:t>
             </a:r>
             <a:r>
               <a:rPr lang="en-US" altLang="zh-CN" sz="1600" dirty="0">
                 <a:solidFill>
                   <a:schemeClr val="bg1"/>
                 </a:solidFill>
-                <a:latin typeface="Arial Unicode MS" panose="020B0604020202020204" pitchFamily="34" charset="-122"/>
-                <a:ea typeface="SFMono-Regular"/>
-              </a:rPr>
-              <a:t>::</a:t>
-            </a:r>
-            <a:r>
-              <a:rPr lang="en-US" altLang="zh-CN" sz="1600" dirty="0" err="1">
-                <a:solidFill>
-                  <a:schemeClr val="bg1"/>
-                </a:solidFill>
-                <a:latin typeface="Arial Unicode MS" panose="020B0604020202020204" pitchFamily="34" charset="-122"/>
-                <a:ea typeface="SFMono-Regular"/>
-              </a:rPr>
-              <a:t>Enum</a:t>
-            </a:r>
+                <a:latin typeface="Consolas" panose="020B0609020204030204" pitchFamily="49" charset="0"/>
+                <a:ea typeface="SFMono-Regular"/>
+              </a:rPr>
+              <a:t>[] = </a:t>
+            </a:r>
+          </a:p>
+          <a:p>
+            <a:pPr lvl="0" defTabSz="914400" eaLnBrk="0" fontAlgn="base" hangingPunct="0">
+              <a:spcBef>
+                <a:spcPct val="0"/>
+              </a:spcBef>
+              <a:spcAft>
+                <a:spcPct val="0"/>
+              </a:spcAft>
+            </a:pPr>
             <a:r>
               <a:rPr lang="en-US" altLang="zh-CN" sz="1600" dirty="0">
                 <a:solidFill>
                   <a:schemeClr val="bg1"/>
                 </a:solidFill>
-                <a:latin typeface="Arial Unicode MS" panose="020B0604020202020204" pitchFamily="34" charset="-122"/>
-                <a:ea typeface="SFMono-Regular"/>
-              </a:rPr>
-              <a:t> </a:t>
-            </a:r>
-            <a:r>
-              <a:rPr lang="en-US" altLang="zh-CN" sz="1600" dirty="0" err="1">
-                <a:solidFill>
-                  <a:schemeClr val="bg1"/>
-                </a:solidFill>
-                <a:latin typeface="Arial Unicode MS" panose="020B0604020202020204" pitchFamily="34" charset="-122"/>
-                <a:ea typeface="SFMono-Regular"/>
-              </a:rPr>
-              <a:t>entityType</a:t>
-            </a:r>
+                <a:latin typeface="Consolas" panose="020B0609020204030204" pitchFamily="49" charset="0"/>
+                <a:ea typeface="SFMono-Regular"/>
+              </a:rPr>
+              <a:t>{   </a:t>
+            </a:r>
+          </a:p>
+          <a:p>
+            <a:pPr lvl="0" defTabSz="914400" eaLnBrk="0" fontAlgn="base" hangingPunct="0">
+              <a:spcBef>
+                <a:spcPct val="0"/>
+              </a:spcBef>
+              <a:spcAft>
+                <a:spcPct val="0"/>
+              </a:spcAft>
+            </a:pPr>
             <a:r>
               <a:rPr lang="en-US" altLang="zh-CN" sz="1600" dirty="0">
                 <a:solidFill>
                   <a:schemeClr val="bg1"/>
                 </a:solidFill>
-                <a:latin typeface="Arial Unicode MS" panose="020B0604020202020204" pitchFamily="34" charset="-122"/>
-                <a:ea typeface="SFMono-Regular"/>
-              </a:rPr>
-              <a:t>)</a:t>
+                <a:latin typeface="Consolas" panose="020B0609020204030204" pitchFamily="49" charset="0"/>
+                <a:ea typeface="SFMono-Regular"/>
+              </a:rPr>
+              <a:t>    // Name,                 timeout,   valid</a:t>
             </a:r>
           </a:p>
           <a:p>
@@ -16713,10 +16734,10 @@
                 <a:solidFill>
                   <a:schemeClr val="bg1"/>
                 </a:solidFill>
-                <a:latin typeface="Arial Unicode MS" panose="020B0604020202020204" pitchFamily="34" charset="-122"/>
-                <a:ea typeface="SFMono-Regular"/>
-              </a:rPr>
-              <a:t>{</a:t>
+                <a:latin typeface="Consolas" panose="020B0609020204030204" pitchFamily="49" charset="0"/>
+                <a:ea typeface="SFMono-Regular"/>
+              </a:rPr>
+              <a:t>    {"A string",             1000,      true    },   // Comment 1</a:t>
             </a:r>
           </a:p>
           <a:p>
@@ -16733,50 +16754,50 @@
                 <a:solidFill>
                   <a:schemeClr val="bg1"/>
                 </a:solidFill>
-                <a:latin typeface="Arial Unicode MS" panose="020B0604020202020204" pitchFamily="34" charset="-122"/>
-                <a:ea typeface="SFMono-Regular"/>
-              </a:rPr>
-              <a:t>    if (</a:t>
-            </a:r>
-            <a:r>
-              <a:rPr lang="en-US" altLang="zh-CN" sz="1600" dirty="0" err="1">
-                <a:solidFill>
-                  <a:schemeClr val="bg1"/>
-                </a:solidFill>
-                <a:latin typeface="Arial Unicode MS" panose="020B0604020202020204" pitchFamily="34" charset="-122"/>
-                <a:ea typeface="SFMono-Regular"/>
-              </a:rPr>
-              <a:t>entityType</a:t>
-            </a:r>
+                <a:latin typeface="Consolas" panose="020B0609020204030204" pitchFamily="49" charset="0"/>
+                <a:ea typeface="SFMono-Regular"/>
+              </a:rPr>
+              <a:t>    {"Another string",       2000,      false   },   // Comment 2 </a:t>
+            </a:r>
+          </a:p>
+          <a:p>
+            <a:pPr lvl="0" defTabSz="914400" eaLnBrk="0" fontAlgn="base" hangingPunct="0">
+              <a:spcBef>
+                <a:spcPct val="0"/>
+              </a:spcBef>
+              <a:spcAft>
+                <a:spcPct val="0"/>
+              </a:spcAft>
+            </a:pPr>
             <a:r>
               <a:rPr lang="en-US" altLang="zh-CN" sz="1600" dirty="0">
                 <a:solidFill>
                   <a:schemeClr val="bg1"/>
                 </a:solidFill>
-                <a:latin typeface="Arial Unicode MS" panose="020B0604020202020204" pitchFamily="34" charset="-122"/>
-                <a:ea typeface="SFMono-Regular"/>
-              </a:rPr>
-              <a:t> == </a:t>
-            </a:r>
-            <a:r>
-              <a:rPr lang="en-US" altLang="zh-CN" sz="1600" dirty="0" err="1">
-                <a:solidFill>
-                  <a:schemeClr val="bg1"/>
-                </a:solidFill>
-                <a:latin typeface="Arial Unicode MS" panose="020B0604020202020204" pitchFamily="34" charset="-122"/>
-                <a:ea typeface="SFMono-Regular"/>
-              </a:rPr>
-              <a:t>EntityType</a:t>
-            </a:r>
+                <a:latin typeface="Consolas" panose="020B0609020204030204" pitchFamily="49" charset="0"/>
+                <a:ea typeface="SFMono-Regular"/>
+              </a:rPr>
+              <a:t>    {"Yet another string",   11111000,  false   },   // Comment 3</a:t>
+            </a:r>
+          </a:p>
+          <a:p>
+            <a:pPr lvl="0" defTabSz="914400" eaLnBrk="0" fontAlgn="base" hangingPunct="0">
+              <a:spcBef>
+                <a:spcPct val="0"/>
+              </a:spcBef>
+              <a:spcAft>
+                <a:spcPct val="0"/>
+              </a:spcAft>
+            </a:pPr>
             <a:r>
               <a:rPr lang="en-US" altLang="zh-CN" sz="1600" dirty="0">
                 <a:solidFill>
                   <a:schemeClr val="bg1"/>
                 </a:solidFill>
-                <a:latin typeface="Arial Unicode MS" panose="020B0604020202020204" pitchFamily="34" charset="-122"/>
-                <a:ea typeface="SFMono-Regular"/>
-              </a:rPr>
-              <a:t>::Ground) {</a:t>
+                <a:latin typeface="Consolas" panose="020B0609020204030204" pitchFamily="49" charset="0"/>
+                <a:ea typeface="SFMono-Regular"/>
+              </a:rPr>
+              <a:t>    {NULL,                   5,         true    },   // Comment 4</a:t>
             </a:r>
           </a:p>
           <a:p>
@@ -16793,608 +16814,10 @@
                 <a:solidFill>
                   <a:schemeClr val="bg1"/>
                 </a:solidFill>
-                <a:latin typeface="Arial Unicode MS" panose="020B0604020202020204" pitchFamily="34" charset="-122"/>
-                <a:ea typeface="SFMono-Regular"/>
-              </a:rPr>
-              <a:t>        /*code*/</a:t>
-            </a:r>
-          </a:p>
-          <a:p>
-            <a:pPr lvl="0" defTabSz="914400" eaLnBrk="0" fontAlgn="base" hangingPunct="0">
-              <a:spcBef>
-                <a:spcPct val="0"/>
-              </a:spcBef>
-              <a:spcAft>
-                <a:spcPct val="0"/>
-              </a:spcAft>
-            </a:pPr>
-            <a:r>
-              <a:rPr lang="en-US" altLang="zh-CN" sz="1600" dirty="0">
-                <a:solidFill>
-                  <a:schemeClr val="bg1"/>
-                </a:solidFill>
-                <a:latin typeface="Arial Unicode MS" panose="020B0604020202020204" pitchFamily="34" charset="-122"/>
-                <a:ea typeface="SFMono-Regular"/>
-              </a:rPr>
-              <a:t>    }</a:t>
-            </a:r>
-          </a:p>
-          <a:p>
-            <a:pPr lvl="0" defTabSz="914400" eaLnBrk="0" fontAlgn="base" hangingPunct="0">
-              <a:spcBef>
-                <a:spcPct val="0"/>
-              </a:spcBef>
-              <a:spcAft>
-                <a:spcPct val="0"/>
-              </a:spcAft>
-            </a:pPr>
-            <a:r>
-              <a:rPr lang="en-US" altLang="zh-CN" sz="1600" dirty="0">
-                <a:solidFill>
-                  <a:schemeClr val="bg1"/>
-                </a:solidFill>
-                <a:latin typeface="Arial Unicode MS" panose="020B0604020202020204" pitchFamily="34" charset="-122"/>
-                <a:ea typeface="SFMono-Regular"/>
-              </a:rPr>
-              <a:t>}</a:t>
-            </a:r>
-          </a:p>
-        </p:txBody>
-      </p:sp>
-      <p:sp>
-        <p:nvSpPr>
-          <p:cNvPr id="7" name="Rectangle 1">
-            <a:extLst>
-              <a:ext uri="{FF2B5EF4-FFF2-40B4-BE49-F238E27FC236}">
-                <a16:creationId xmlns:a16="http://schemas.microsoft.com/office/drawing/2014/main" id="{891D156D-B397-4ADC-8F01-2D3D6508E22D}"/>
-              </a:ext>
-            </a:extLst>
-          </p:cNvPr>
-          <p:cNvSpPr>
-            <a:spLocks noChangeArrowheads="1"/>
-          </p:cNvSpPr>
-          <p:nvPr/>
-        </p:nvSpPr>
-        <p:spPr bwMode="auto">
-          <a:xfrm>
-            <a:off x="5366330" y="1650901"/>
-            <a:ext cx="6345381" cy="3939540"/>
-          </a:xfrm>
-          <a:prstGeom prst="rect">
-            <a:avLst/>
-          </a:prstGeom>
-          <a:solidFill>
-            <a:schemeClr val="tx1"/>
-          </a:solidFill>
-          <a:ln>
-            <a:noFill/>
-          </a:ln>
-          <a:effectLst/>
-        </p:spPr>
-        <p:txBody>
-          <a:bodyPr vert="horz" wrap="square" lIns="91440" tIns="0" rIns="91440" bIns="0" numCol="1" anchor="ctr" anchorCtr="0" compatLnSpc="1">
-            <a:prstTxWarp prst="textNoShape">
-              <a:avLst/>
-            </a:prstTxWarp>
-            <a:spAutoFit/>
-          </a:bodyPr>
-          <a:lstStyle/>
-          <a:p>
-            <a:pPr lvl="0" defTabSz="914400" eaLnBrk="0" fontAlgn="base" hangingPunct="0">
-              <a:spcBef>
-                <a:spcPct val="0"/>
-              </a:spcBef>
-              <a:spcAft>
-                <a:spcPct val="0"/>
-              </a:spcAft>
-            </a:pPr>
-            <a:r>
-              <a:rPr lang="zh-CN" altLang="zh-CN" sz="1600" dirty="0">
-                <a:solidFill>
-                  <a:schemeClr val="accent5">
-                    <a:lumMod val="75000"/>
-                  </a:schemeClr>
-                </a:solidFill>
-                <a:latin typeface="Arial Unicode MS" panose="020B0604020202020204" pitchFamily="34" charset="-122"/>
-                <a:ea typeface="SFMono-Regular"/>
-              </a:rPr>
-              <a:t>// </a:t>
-            </a:r>
-            <a:r>
-              <a:rPr lang="en-US" altLang="zh-CN" sz="1600" dirty="0">
-                <a:solidFill>
-                  <a:schemeClr val="accent5">
-                    <a:lumMod val="75000"/>
-                  </a:schemeClr>
-                </a:solidFill>
-                <a:latin typeface="Arial Unicode MS" panose="020B0604020202020204" pitchFamily="34" charset="-122"/>
-                <a:ea typeface="SFMono-Regular"/>
-              </a:rPr>
-              <a:t>Scoped enumeration (declared with </a:t>
-            </a:r>
-            <a:r>
-              <a:rPr lang="en-US" altLang="zh-CN" sz="1600" dirty="0" err="1">
-                <a:solidFill>
-                  <a:schemeClr val="accent5">
-                    <a:lumMod val="75000"/>
-                  </a:schemeClr>
-                </a:solidFill>
-                <a:latin typeface="Arial Unicode MS" panose="020B0604020202020204" pitchFamily="34" charset="-122"/>
-                <a:ea typeface="SFMono-Regular"/>
-              </a:rPr>
-              <a:t>enum</a:t>
-            </a:r>
-            <a:r>
-              <a:rPr lang="en-US" altLang="zh-CN" sz="1600" dirty="0">
-                <a:solidFill>
-                  <a:schemeClr val="accent5">
-                    <a:lumMod val="75000"/>
-                  </a:schemeClr>
-                </a:solidFill>
-                <a:latin typeface="Arial Unicode MS" panose="020B0604020202020204" pitchFamily="34" charset="-122"/>
-                <a:ea typeface="SFMono-Regular"/>
-              </a:rPr>
-              <a:t> class or </a:t>
-            </a:r>
-            <a:r>
-              <a:rPr lang="en-US" altLang="zh-CN" sz="1600" dirty="0" err="1">
-                <a:solidFill>
-                  <a:schemeClr val="accent5">
-                    <a:lumMod val="75000"/>
-                  </a:schemeClr>
-                </a:solidFill>
-                <a:latin typeface="Arial Unicode MS" panose="020B0604020202020204" pitchFamily="34" charset="-122"/>
-                <a:ea typeface="SFMono-Regular"/>
-              </a:rPr>
-              <a:t>enum</a:t>
-            </a:r>
-            <a:r>
-              <a:rPr lang="en-US" altLang="zh-CN" sz="1600" dirty="0">
-                <a:solidFill>
-                  <a:schemeClr val="accent5">
-                    <a:lumMod val="75000"/>
-                  </a:schemeClr>
-                </a:solidFill>
-                <a:latin typeface="Arial Unicode MS" panose="020B0604020202020204" pitchFamily="34" charset="-122"/>
-                <a:ea typeface="SFMono-Regular"/>
-              </a:rPr>
-              <a:t> struct)</a:t>
-            </a:r>
-            <a:r>
-              <a:rPr lang="zh-CN" altLang="zh-CN" sz="1600" dirty="0">
-                <a:solidFill>
-                  <a:schemeClr val="accent5">
-                    <a:lumMod val="75000"/>
-                  </a:schemeClr>
-                </a:solidFill>
-                <a:latin typeface="Arial Unicode MS" panose="020B0604020202020204" pitchFamily="34" charset="-122"/>
-                <a:ea typeface="SFMono-Regular"/>
-              </a:rPr>
-              <a:t> </a:t>
-            </a:r>
-            <a:endParaRPr lang="en-US" altLang="zh-CN" sz="1600" dirty="0">
-              <a:solidFill>
-                <a:schemeClr val="accent5">
-                  <a:lumMod val="75000"/>
-                </a:schemeClr>
-              </a:solidFill>
-              <a:latin typeface="Arial Unicode MS" panose="020B0604020202020204" pitchFamily="34" charset="-122"/>
-              <a:ea typeface="SFMono-Regular"/>
-            </a:endParaRPr>
-          </a:p>
-          <a:p>
-            <a:pPr lvl="0" defTabSz="914400" eaLnBrk="0" fontAlgn="base" hangingPunct="0">
-              <a:spcBef>
-                <a:spcPct val="0"/>
-              </a:spcBef>
-              <a:spcAft>
-                <a:spcPct val="0"/>
-              </a:spcAft>
-            </a:pPr>
-            <a:r>
-              <a:rPr lang="en-US" altLang="zh-CN" sz="1600" dirty="0" err="1">
-                <a:solidFill>
-                  <a:schemeClr val="bg1"/>
-                </a:solidFill>
-                <a:latin typeface="Arial Unicode MS" panose="020B0604020202020204" pitchFamily="34" charset="-122"/>
-                <a:ea typeface="SFMono-Regular"/>
-              </a:rPr>
-              <a:t>enum</a:t>
-            </a:r>
-            <a:r>
-              <a:rPr lang="en-US" altLang="zh-CN" sz="1600" dirty="0">
-                <a:solidFill>
-                  <a:schemeClr val="bg1"/>
-                </a:solidFill>
-                <a:latin typeface="Arial Unicode MS" panose="020B0604020202020204" pitchFamily="34" charset="-122"/>
-                <a:ea typeface="SFMono-Regular"/>
-              </a:rPr>
-              <a:t> class </a:t>
-            </a:r>
-            <a:r>
-              <a:rPr lang="en-US" altLang="zh-CN" sz="1600" dirty="0" err="1">
-                <a:solidFill>
-                  <a:schemeClr val="bg1"/>
-                </a:solidFill>
-                <a:latin typeface="Arial Unicode MS" panose="020B0604020202020204" pitchFamily="34" charset="-122"/>
-                <a:ea typeface="SFMono-Regular"/>
-              </a:rPr>
-              <a:t>EntityType</a:t>
-            </a:r>
-            <a:r>
-              <a:rPr lang="en-US" altLang="zh-CN" sz="1600" dirty="0">
-                <a:solidFill>
-                  <a:schemeClr val="bg1"/>
-                </a:solidFill>
-                <a:latin typeface="Arial Unicode MS" panose="020B0604020202020204" pitchFamily="34" charset="-122"/>
-                <a:ea typeface="SFMono-Regular"/>
-              </a:rPr>
-              <a:t> </a:t>
-            </a:r>
-          </a:p>
-          <a:p>
-            <a:pPr lvl="0" defTabSz="914400" eaLnBrk="0" fontAlgn="base" hangingPunct="0">
-              <a:spcBef>
-                <a:spcPct val="0"/>
-              </a:spcBef>
-              <a:spcAft>
-                <a:spcPct val="0"/>
-              </a:spcAft>
-            </a:pPr>
-            <a:r>
-              <a:rPr lang="en-US" altLang="zh-CN" sz="1600" dirty="0">
-                <a:solidFill>
-                  <a:schemeClr val="bg1"/>
-                </a:solidFill>
-                <a:latin typeface="Arial Unicode MS" panose="020B0604020202020204" pitchFamily="34" charset="-122"/>
-                <a:ea typeface="SFMono-Regular"/>
-              </a:rPr>
-              <a:t>{</a:t>
-            </a:r>
-          </a:p>
-          <a:p>
-            <a:pPr lvl="0" defTabSz="914400" eaLnBrk="0" fontAlgn="base" hangingPunct="0">
-              <a:spcBef>
-                <a:spcPct val="0"/>
-              </a:spcBef>
-              <a:spcAft>
-                <a:spcPct val="0"/>
-              </a:spcAft>
-            </a:pPr>
-            <a:r>
-              <a:rPr lang="en-US" altLang="zh-CN" sz="1600" dirty="0">
-                <a:solidFill>
-                  <a:schemeClr val="bg1"/>
-                </a:solidFill>
-                <a:latin typeface="Arial Unicode MS" panose="020B0604020202020204" pitchFamily="34" charset="-122"/>
-                <a:ea typeface="SFMono-Regular"/>
-              </a:rPr>
-              <a:t>    Ground = 0,</a:t>
-            </a:r>
-          </a:p>
-          <a:p>
-            <a:pPr lvl="0" defTabSz="914400" eaLnBrk="0" fontAlgn="base" hangingPunct="0">
-              <a:spcBef>
-                <a:spcPct val="0"/>
-              </a:spcBef>
-              <a:spcAft>
-                <a:spcPct val="0"/>
-              </a:spcAft>
-            </a:pPr>
-            <a:r>
-              <a:rPr lang="en-US" altLang="zh-CN" sz="1600" dirty="0">
-                <a:solidFill>
-                  <a:schemeClr val="bg1"/>
-                </a:solidFill>
-                <a:latin typeface="Arial Unicode MS" panose="020B0604020202020204" pitchFamily="34" charset="-122"/>
-                <a:ea typeface="SFMono-Regular"/>
-              </a:rPr>
-              <a:t>    Human,</a:t>
-            </a:r>
-          </a:p>
-          <a:p>
-            <a:pPr lvl="0" defTabSz="914400" eaLnBrk="0" fontAlgn="base" hangingPunct="0">
-              <a:spcBef>
-                <a:spcPct val="0"/>
-              </a:spcBef>
-              <a:spcAft>
-                <a:spcPct val="0"/>
-              </a:spcAft>
-            </a:pPr>
-            <a:r>
-              <a:rPr lang="en-US" altLang="zh-CN" sz="1600" dirty="0">
-                <a:solidFill>
-                  <a:schemeClr val="bg1"/>
-                </a:solidFill>
-                <a:latin typeface="Arial Unicode MS" panose="020B0604020202020204" pitchFamily="34" charset="-122"/>
-                <a:ea typeface="SFMono-Regular"/>
-              </a:rPr>
-              <a:t>    Aerial,</a:t>
-            </a:r>
-          </a:p>
-          <a:p>
-            <a:pPr lvl="0" defTabSz="914400" eaLnBrk="0" fontAlgn="base" hangingPunct="0">
-              <a:spcBef>
-                <a:spcPct val="0"/>
-              </a:spcBef>
-              <a:spcAft>
-                <a:spcPct val="0"/>
-              </a:spcAft>
-            </a:pPr>
-            <a:r>
-              <a:rPr lang="en-US" altLang="zh-CN" sz="1600" dirty="0">
-                <a:solidFill>
-                  <a:schemeClr val="bg1"/>
-                </a:solidFill>
-                <a:latin typeface="Arial Unicode MS" panose="020B0604020202020204" pitchFamily="34" charset="-122"/>
-                <a:ea typeface="SFMono-Regular"/>
-              </a:rPr>
-              <a:t>    Total</a:t>
-            </a:r>
-          </a:p>
-          <a:p>
-            <a:pPr lvl="0" defTabSz="914400" eaLnBrk="0" fontAlgn="base" hangingPunct="0">
-              <a:spcBef>
-                <a:spcPct val="0"/>
-              </a:spcBef>
-              <a:spcAft>
-                <a:spcPct val="0"/>
-              </a:spcAft>
-            </a:pPr>
-            <a:r>
-              <a:rPr lang="en-US" altLang="zh-CN" sz="1600" dirty="0">
-                <a:solidFill>
-                  <a:schemeClr val="bg1"/>
-                </a:solidFill>
-                <a:latin typeface="Arial Unicode MS" panose="020B0604020202020204" pitchFamily="34" charset="-122"/>
+                <a:latin typeface="Consolas" panose="020B0609020204030204" pitchFamily="49" charset="0"/>
                 <a:ea typeface="SFMono-Regular"/>
               </a:rPr>
               <a:t>};</a:t>
-            </a:r>
-          </a:p>
-          <a:p>
-            <a:pPr lvl="0" defTabSz="914400" eaLnBrk="0" fontAlgn="base" hangingPunct="0">
-              <a:spcBef>
-                <a:spcPct val="0"/>
-              </a:spcBef>
-              <a:spcAft>
-                <a:spcPct val="0"/>
-              </a:spcAft>
-            </a:pPr>
-            <a:endParaRPr lang="en-US" altLang="zh-CN" sz="1600" dirty="0">
-              <a:solidFill>
-                <a:schemeClr val="bg1"/>
-              </a:solidFill>
-              <a:latin typeface="Arial Unicode MS" panose="020B0604020202020204" pitchFamily="34" charset="-122"/>
-              <a:ea typeface="SFMono-Regular"/>
-            </a:endParaRPr>
-          </a:p>
-          <a:p>
-            <a:pPr lvl="0" defTabSz="914400" eaLnBrk="0" fontAlgn="base" hangingPunct="0">
-              <a:spcBef>
-                <a:spcPct val="0"/>
-              </a:spcBef>
-              <a:spcAft>
-                <a:spcPct val="0"/>
-              </a:spcAft>
-            </a:pPr>
-            <a:r>
-              <a:rPr lang="en-US" altLang="zh-CN" sz="1600" dirty="0">
-                <a:solidFill>
-                  <a:schemeClr val="bg1"/>
-                </a:solidFill>
-                <a:latin typeface="Arial Unicode MS" panose="020B0604020202020204" pitchFamily="34" charset="-122"/>
-                <a:ea typeface="SFMono-Regular"/>
-              </a:rPr>
-              <a:t>void foo ( </a:t>
-            </a:r>
-            <a:r>
-              <a:rPr lang="en-US" altLang="zh-CN" sz="1600" dirty="0" err="1">
-                <a:solidFill>
-                  <a:schemeClr val="bg1"/>
-                </a:solidFill>
-                <a:latin typeface="Arial Unicode MS" panose="020B0604020202020204" pitchFamily="34" charset="-122"/>
-                <a:ea typeface="SFMono-Regular"/>
-              </a:rPr>
-              <a:t>EntityType</a:t>
-            </a:r>
-            <a:r>
-              <a:rPr lang="en-US" altLang="zh-CN" sz="1600" dirty="0">
-                <a:solidFill>
-                  <a:schemeClr val="bg1"/>
-                </a:solidFill>
-                <a:latin typeface="Arial Unicode MS" panose="020B0604020202020204" pitchFamily="34" charset="-122"/>
-                <a:ea typeface="SFMono-Regular"/>
-              </a:rPr>
-              <a:t> </a:t>
-            </a:r>
-            <a:r>
-              <a:rPr lang="en-US" altLang="zh-CN" sz="1600" dirty="0" err="1">
-                <a:solidFill>
-                  <a:schemeClr val="bg1"/>
-                </a:solidFill>
-                <a:latin typeface="Arial Unicode MS" panose="020B0604020202020204" pitchFamily="34" charset="-122"/>
-                <a:ea typeface="SFMono-Regular"/>
-              </a:rPr>
-              <a:t>entityType</a:t>
-            </a:r>
-            <a:r>
-              <a:rPr lang="en-US" altLang="zh-CN" sz="1600" dirty="0">
-                <a:solidFill>
-                  <a:schemeClr val="bg1"/>
-                </a:solidFill>
-                <a:latin typeface="Arial Unicode MS" panose="020B0604020202020204" pitchFamily="34" charset="-122"/>
-                <a:ea typeface="SFMono-Regular"/>
-              </a:rPr>
-              <a:t> )</a:t>
-            </a:r>
-          </a:p>
-          <a:p>
-            <a:pPr lvl="0" defTabSz="914400" eaLnBrk="0" fontAlgn="base" hangingPunct="0">
-              <a:spcBef>
-                <a:spcPct val="0"/>
-              </a:spcBef>
-              <a:spcAft>
-                <a:spcPct val="0"/>
-              </a:spcAft>
-            </a:pPr>
-            <a:r>
-              <a:rPr lang="en-US" altLang="zh-CN" sz="1600" dirty="0">
-                <a:solidFill>
-                  <a:schemeClr val="bg1"/>
-                </a:solidFill>
-                <a:latin typeface="Arial Unicode MS" panose="020B0604020202020204" pitchFamily="34" charset="-122"/>
-                <a:ea typeface="SFMono-Regular"/>
-              </a:rPr>
-              <a:t>{</a:t>
-            </a:r>
-          </a:p>
-          <a:p>
-            <a:pPr lvl="0" defTabSz="914400" eaLnBrk="0" fontAlgn="base" hangingPunct="0">
-              <a:spcBef>
-                <a:spcPct val="0"/>
-              </a:spcBef>
-              <a:spcAft>
-                <a:spcPct val="0"/>
-              </a:spcAft>
-            </a:pPr>
-            <a:r>
-              <a:rPr lang="en-US" altLang="zh-CN" sz="1600" dirty="0">
-                <a:solidFill>
-                  <a:schemeClr val="bg1"/>
-                </a:solidFill>
-                <a:latin typeface="Arial Unicode MS" panose="020B0604020202020204" pitchFamily="34" charset="-122"/>
-                <a:ea typeface="SFMono-Regular"/>
-              </a:rPr>
-              <a:t>    if (</a:t>
-            </a:r>
-            <a:r>
-              <a:rPr lang="en-US" altLang="zh-CN" sz="1600" dirty="0" err="1">
-                <a:solidFill>
-                  <a:schemeClr val="bg1"/>
-                </a:solidFill>
-                <a:latin typeface="Arial Unicode MS" panose="020B0604020202020204" pitchFamily="34" charset="-122"/>
-                <a:ea typeface="SFMono-Regular"/>
-              </a:rPr>
-              <a:t>entityType</a:t>
-            </a:r>
-            <a:r>
-              <a:rPr lang="en-US" altLang="zh-CN" sz="1600" dirty="0">
-                <a:solidFill>
-                  <a:schemeClr val="bg1"/>
-                </a:solidFill>
-                <a:latin typeface="Arial Unicode MS" panose="020B0604020202020204" pitchFamily="34" charset="-122"/>
-                <a:ea typeface="SFMono-Regular"/>
-              </a:rPr>
-              <a:t> == </a:t>
-            </a:r>
-            <a:r>
-              <a:rPr lang="en-US" altLang="zh-CN" sz="1600" dirty="0" err="1">
-                <a:solidFill>
-                  <a:schemeClr val="bg1"/>
-                </a:solidFill>
-                <a:latin typeface="Arial Unicode MS" panose="020B0604020202020204" pitchFamily="34" charset="-122"/>
-                <a:ea typeface="SFMono-Regular"/>
-              </a:rPr>
-              <a:t>EntityType</a:t>
-            </a:r>
-            <a:r>
-              <a:rPr lang="en-US" altLang="zh-CN" sz="1600" dirty="0">
-                <a:solidFill>
-                  <a:schemeClr val="bg1"/>
-                </a:solidFill>
-                <a:latin typeface="Arial Unicode MS" panose="020B0604020202020204" pitchFamily="34" charset="-122"/>
-                <a:ea typeface="SFMono-Regular"/>
-              </a:rPr>
-              <a:t>::Ground ) </a:t>
-            </a:r>
-          </a:p>
-          <a:p>
-            <a:pPr lvl="0" defTabSz="914400" eaLnBrk="0" fontAlgn="base" hangingPunct="0">
-              <a:spcBef>
-                <a:spcPct val="0"/>
-              </a:spcBef>
-              <a:spcAft>
-                <a:spcPct val="0"/>
-              </a:spcAft>
-            </a:pPr>
-            <a:r>
-              <a:rPr lang="en-US" altLang="zh-CN" sz="1600" dirty="0">
-                <a:solidFill>
-                  <a:schemeClr val="bg1"/>
-                </a:solidFill>
-                <a:latin typeface="Arial Unicode MS" panose="020B0604020202020204" pitchFamily="34" charset="-122"/>
-                <a:ea typeface="SFMono-Regular"/>
-              </a:rPr>
-              <a:t>    {</a:t>
-            </a:r>
-          </a:p>
-          <a:p>
-            <a:pPr lvl="0" defTabSz="914400" eaLnBrk="0" fontAlgn="base" hangingPunct="0">
-              <a:spcBef>
-                <a:spcPct val="0"/>
-              </a:spcBef>
-              <a:spcAft>
-                <a:spcPct val="0"/>
-              </a:spcAft>
-            </a:pPr>
-            <a:r>
-              <a:rPr lang="en-US" altLang="zh-CN" sz="1600" dirty="0">
-                <a:solidFill>
-                  <a:schemeClr val="bg1"/>
-                </a:solidFill>
-                <a:latin typeface="Arial Unicode MS" panose="020B0604020202020204" pitchFamily="34" charset="-122"/>
-                <a:ea typeface="SFMono-Regular"/>
-              </a:rPr>
-              <a:t>        /*code*/</a:t>
-            </a:r>
-          </a:p>
-          <a:p>
-            <a:pPr lvl="0" defTabSz="914400" eaLnBrk="0" fontAlgn="base" hangingPunct="0">
-              <a:spcBef>
-                <a:spcPct val="0"/>
-              </a:spcBef>
-              <a:spcAft>
-                <a:spcPct val="0"/>
-              </a:spcAft>
-            </a:pPr>
-            <a:r>
-              <a:rPr lang="en-US" altLang="zh-CN" sz="1600" dirty="0">
-                <a:solidFill>
-                  <a:schemeClr val="bg1"/>
-                </a:solidFill>
-                <a:latin typeface="Arial Unicode MS" panose="020B0604020202020204" pitchFamily="34" charset="-122"/>
-                <a:ea typeface="SFMono-Regular"/>
-              </a:rPr>
-              <a:t>    }</a:t>
-            </a:r>
-          </a:p>
-          <a:p>
-            <a:pPr lvl="0" defTabSz="914400" eaLnBrk="0" fontAlgn="base" hangingPunct="0">
-              <a:spcBef>
-                <a:spcPct val="0"/>
-              </a:spcBef>
-              <a:spcAft>
-                <a:spcPct val="0"/>
-              </a:spcAft>
-            </a:pPr>
-            <a:r>
-              <a:rPr lang="en-US" altLang="zh-CN" sz="1600" dirty="0">
-                <a:solidFill>
-                  <a:schemeClr val="bg1"/>
-                </a:solidFill>
-                <a:latin typeface="Arial Unicode MS" panose="020B0604020202020204" pitchFamily="34" charset="-122"/>
-                <a:ea typeface="SFMono-Regular"/>
-              </a:rPr>
-              <a:t>}</a:t>
-            </a:r>
-            <a:r>
-              <a:rPr lang="zh-CN" altLang="zh-CN" sz="1600" dirty="0">
-                <a:solidFill>
-                  <a:schemeClr val="bg1"/>
-                </a:solidFill>
-              </a:rPr>
-              <a:t> </a:t>
             </a:r>
             <a:endParaRPr kumimoji="0" lang="zh-CN" altLang="zh-CN" sz="1600" b="0" i="0" u="none" strike="noStrike" cap="none" normalizeH="0" baseline="0" dirty="0">
               <a:ln>
@@ -17404,7 +16827,54 @@
                 <a:schemeClr val="bg1"/>
               </a:solidFill>
               <a:effectLst/>
+              <a:latin typeface="Consolas" panose="020B0609020204030204" pitchFamily="49" charset="0"/>
+            </a:endParaRPr>
+          </a:p>
+        </p:txBody>
+      </p:sp>
+      <p:sp>
+        <p:nvSpPr>
+          <p:cNvPr id="3" name="矩形 2">
+            <a:extLst>
+              <a:ext uri="{FF2B5EF4-FFF2-40B4-BE49-F238E27FC236}">
+                <a16:creationId xmlns:a16="http://schemas.microsoft.com/office/drawing/2014/main" id="{D08D304A-3D03-49D5-B91D-2D1F8C338916}"/>
+              </a:ext>
+            </a:extLst>
+          </p:cNvPr>
+          <p:cNvSpPr/>
+          <p:nvPr/>
+        </p:nvSpPr>
+        <p:spPr>
+          <a:xfrm>
+            <a:off x="3436660" y="2113083"/>
+            <a:ext cx="6414535" cy="369332"/>
+          </a:xfrm>
+          <a:prstGeom prst="rect">
+            <a:avLst/>
+          </a:prstGeom>
+        </p:spPr>
+        <p:txBody>
+          <a:bodyPr wrap="square">
+            <a:spAutoFit/>
+          </a:bodyPr>
+          <a:lstStyle/>
+          <a:p>
+            <a:r>
+              <a:rPr lang="en-US" altLang="zh-CN" sz="1800" dirty="0">
+                <a:solidFill>
+                  <a:srgbClr val="002060"/>
+                </a:solidFill>
+                <a:latin typeface="Arial" panose="020B0604020202020204" pitchFamily="34" charset="0"/>
+                <a:cs typeface="Arial" panose="020B0604020202020204" pitchFamily="34" charset="0"/>
+              </a:rPr>
+              <a:t>seems to be a lot easier for us to read...</a:t>
+            </a:r>
+            <a:endParaRPr lang="zh-CN" altLang="en-US" sz="1800" dirty="0">
+              <a:solidFill>
+                <a:srgbClr val="002060"/>
+              </a:solidFill>
               <a:latin typeface="Arial" panose="020B0604020202020204" pitchFamily="34" charset="0"/>
+              <a:cs typeface="Arial" panose="020B0604020202020204" pitchFamily="34" charset="0"/>
             </a:endParaRPr>
           </a:p>
         </p:txBody>
@@ -17412,7 +16882,7 @@
     </p:spTree>
     <p:extLst>
       <p:ext uri="{BB962C8B-B14F-4D97-AF65-F5344CB8AC3E}">
-        <p14:creationId xmlns:p14="http://schemas.microsoft.com/office/powerpoint/2010/main" val="1552221173"/>
+        <p14:creationId xmlns:p14="http://schemas.microsoft.com/office/powerpoint/2010/main" val="1271117093"/>
       </p:ext>
     </p:extLst>
   </p:cSld>
@@ -17455,7 +16925,7 @@
         </p:nvSpPr>
         <p:spPr>
           <a:xfrm>
-            <a:off x="1999791" y="785091"/>
+            <a:off x="503499" y="908578"/>
             <a:ext cx="5047555" cy="618836"/>
           </a:xfrm>
           <a:prstGeom prst="rect">
@@ -17654,11 +17124,8 @@
               <a:buNone/>
             </a:pPr>
             <a:r>
-              <a:rPr lang="en-US" altLang="zh-CN" sz="3300" kern="0" dirty="0">
-                <a:latin typeface="Arial" panose="020B0604020202020204" pitchFamily="34" charset="0"/>
-                <a:cs typeface="Arial" panose="020B0604020202020204" pitchFamily="34" charset="0"/>
-              </a:rPr>
-              <a:t>Scoped enumeration</a:t>
+              <a:rPr lang="en-US" altLang="zh-CN" sz="3300" kern="0" dirty="0"/>
+              <a:t>enumeration</a:t>
             </a:r>
           </a:p>
         </p:txBody>
@@ -18750,10 +18217,234 @@
           </a:p>
         </p:txBody>
       </p:sp>
+      <p:sp>
+        <p:nvSpPr>
+          <p:cNvPr id="5" name="Rectangle 3">
+            <a:extLst>
+              <a:ext uri="{FF2B5EF4-FFF2-40B4-BE49-F238E27FC236}">
+                <a16:creationId xmlns:a16="http://schemas.microsoft.com/office/drawing/2014/main" id="{51B7FEC2-9A9B-4912-BCB2-808521CDE903}"/>
+              </a:ext>
+            </a:extLst>
+          </p:cNvPr>
+          <p:cNvSpPr txBox="1">
+            <a:spLocks noChangeArrowheads="1"/>
+          </p:cNvSpPr>
+          <p:nvPr/>
+        </p:nvSpPr>
+        <p:spPr>
+          <a:xfrm>
+            <a:off x="5366330" y="908578"/>
+            <a:ext cx="5047555" cy="618836"/>
+          </a:xfrm>
+          <a:prstGeom prst="rect">
+            <a:avLst/>
+          </a:prstGeom>
+        </p:spPr>
+        <p:txBody>
+          <a:bodyPr>
+            <a:normAutofit/>
+          </a:bodyPr>
+          <a:lstStyle>
+            <a:lvl1pPr marL="228526" indent="-228526" algn="l" rtl="0" eaLnBrk="1" fontAlgn="base" hangingPunct="1">
+              <a:lnSpc>
+                <a:spcPct val="90000"/>
+              </a:lnSpc>
+              <a:spcBef>
+                <a:spcPts val="1000"/>
+              </a:spcBef>
+              <a:spcAft>
+                <a:spcPct val="0"/>
+              </a:spcAft>
+              <a:buFont typeface="Wingdings" panose="05000000000000000000" charset="0"/>
+              <a:buChar char=""/>
+              <a:defRPr sz="2799">
+                <a:solidFill>
+                  <a:srgbClr val="002060"/>
+                </a:solidFill>
+                <a:latin typeface="微软雅黑" panose="020B0503020204020204" pitchFamily="34" charset="-122"/>
+                <a:ea typeface="微软雅黑" panose="020B0503020204020204" pitchFamily="34" charset="-122"/>
+                <a:cs typeface="+mn-cs"/>
+              </a:defRPr>
+            </a:lvl1pPr>
+            <a:lvl2pPr marL="685577" indent="-228526" algn="l" rtl="0" eaLnBrk="1" fontAlgn="base" hangingPunct="1">
+              <a:lnSpc>
+                <a:spcPct val="90000"/>
+              </a:lnSpc>
+              <a:spcBef>
+                <a:spcPts val="500"/>
+              </a:spcBef>
+              <a:spcAft>
+                <a:spcPct val="0"/>
+              </a:spcAft>
+              <a:buFont typeface="宋体" panose="02010600030101010101" pitchFamily="2" charset="-122"/>
+              <a:buChar char="–"/>
+              <a:defRPr sz="2399">
+                <a:solidFill>
+                  <a:srgbClr val="002060"/>
+                </a:solidFill>
+                <a:latin typeface="微软雅黑" panose="020B0503020204020204" pitchFamily="34" charset="-122"/>
+                <a:ea typeface="微软雅黑" panose="020B0503020204020204" pitchFamily="34" charset="-122"/>
+              </a:defRPr>
+            </a:lvl2pPr>
+            <a:lvl3pPr marL="1142629" indent="-228526" algn="l" rtl="0" eaLnBrk="1" fontAlgn="base" hangingPunct="1">
+              <a:lnSpc>
+                <a:spcPct val="90000"/>
+              </a:lnSpc>
+              <a:spcBef>
+                <a:spcPts val="500"/>
+              </a:spcBef>
+              <a:spcAft>
+                <a:spcPct val="0"/>
+              </a:spcAft>
+              <a:buFont typeface="Wingdings" panose="05000000000000000000" charset="0"/>
+              <a:buChar char=""/>
+              <a:defRPr sz="1999">
+                <a:solidFill>
+                  <a:srgbClr val="002060"/>
+                </a:solidFill>
+                <a:latin typeface="微软雅黑" panose="020B0503020204020204" pitchFamily="34" charset="-122"/>
+                <a:ea typeface="微软雅黑" panose="020B0503020204020204" pitchFamily="34" charset="-122"/>
+              </a:defRPr>
+            </a:lvl3pPr>
+            <a:lvl4pPr marL="1599680" indent="-228526" algn="l" rtl="0" eaLnBrk="1" fontAlgn="base" hangingPunct="1">
+              <a:lnSpc>
+                <a:spcPct val="90000"/>
+              </a:lnSpc>
+              <a:spcBef>
+                <a:spcPts val="500"/>
+              </a:spcBef>
+              <a:spcAft>
+                <a:spcPct val="0"/>
+              </a:spcAft>
+              <a:buFont typeface="Arial" panose="020B0604020202020204" pitchFamily="34" charset="0"/>
+              <a:buChar char="•"/>
+              <a:defRPr sz="1999">
+                <a:solidFill>
+                  <a:srgbClr val="002060"/>
+                </a:solidFill>
+                <a:latin typeface="微软雅黑" panose="020B0503020204020204" pitchFamily="34" charset="-122"/>
+                <a:ea typeface="微软雅黑" panose="020B0503020204020204" pitchFamily="34" charset="-122"/>
+              </a:defRPr>
+            </a:lvl4pPr>
+            <a:lvl5pPr marL="2056731" indent="-228526" algn="l" rtl="0" eaLnBrk="1" fontAlgn="base" hangingPunct="1">
+              <a:lnSpc>
+                <a:spcPct val="90000"/>
+              </a:lnSpc>
+              <a:spcBef>
+                <a:spcPts val="500"/>
+              </a:spcBef>
+              <a:spcAft>
+                <a:spcPct val="0"/>
+              </a:spcAft>
+              <a:buFont typeface="Arial" panose="020B0604020202020204" pitchFamily="34" charset="0"/>
+              <a:buChar char="•"/>
+              <a:defRPr sz="1999">
+                <a:solidFill>
+                  <a:srgbClr val="002060"/>
+                </a:solidFill>
+                <a:latin typeface="微软雅黑" panose="020B0503020204020204" pitchFamily="34" charset="-122"/>
+                <a:ea typeface="微软雅黑" panose="020B0503020204020204" pitchFamily="34" charset="-122"/>
+              </a:defRPr>
+            </a:lvl5pPr>
+            <a:lvl6pPr marL="2513783" indent="-228526" algn="l" rtl="0" eaLnBrk="1" fontAlgn="base" hangingPunct="1">
+              <a:lnSpc>
+                <a:spcPct val="90000"/>
+              </a:lnSpc>
+              <a:spcBef>
+                <a:spcPts val="500"/>
+              </a:spcBef>
+              <a:spcAft>
+                <a:spcPct val="0"/>
+              </a:spcAft>
+              <a:buFont typeface="Arial" panose="020B0604020202020204" pitchFamily="34" charset="0"/>
+              <a:buChar char="•"/>
+              <a:defRPr>
+                <a:solidFill>
+                  <a:schemeClr val="tx1"/>
+                </a:solidFill>
+                <a:latin typeface="+mn-lt"/>
+                <a:ea typeface="+mn-ea"/>
+              </a:defRPr>
+            </a:lvl6pPr>
+            <a:lvl7pPr marL="2970834" indent="-228526" algn="l" rtl="0" eaLnBrk="1" fontAlgn="base" hangingPunct="1">
+              <a:lnSpc>
+                <a:spcPct val="90000"/>
+              </a:lnSpc>
+              <a:spcBef>
+                <a:spcPts val="500"/>
+              </a:spcBef>
+              <a:spcAft>
+                <a:spcPct val="0"/>
+              </a:spcAft>
+              <a:buFont typeface="Arial" panose="020B0604020202020204" pitchFamily="34" charset="0"/>
+              <a:buChar char="•"/>
+              <a:defRPr>
+                <a:solidFill>
+                  <a:schemeClr val="tx1"/>
+                </a:solidFill>
+                <a:latin typeface="+mn-lt"/>
+                <a:ea typeface="+mn-ea"/>
+              </a:defRPr>
+            </a:lvl7pPr>
+            <a:lvl8pPr marL="3428732" indent="-228526" algn="l" rtl="0" eaLnBrk="1" fontAlgn="base" hangingPunct="1">
+              <a:lnSpc>
+                <a:spcPct val="90000"/>
+              </a:lnSpc>
+              <a:spcBef>
+                <a:spcPts val="500"/>
+              </a:spcBef>
+              <a:spcAft>
+                <a:spcPct val="0"/>
+              </a:spcAft>
+              <a:buFont typeface="Arial" panose="020B0604020202020204" pitchFamily="34" charset="0"/>
+              <a:buChar char="•"/>
+              <a:defRPr>
+                <a:solidFill>
+                  <a:schemeClr val="tx1"/>
+                </a:solidFill>
+                <a:latin typeface="+mn-lt"/>
+                <a:ea typeface="+mn-ea"/>
+              </a:defRPr>
+            </a:lvl8pPr>
+            <a:lvl9pPr marL="3885783" indent="-228526" algn="l" rtl="0" eaLnBrk="1" fontAlgn="base" hangingPunct="1">
+              <a:lnSpc>
+                <a:spcPct val="90000"/>
+              </a:lnSpc>
+              <a:spcBef>
+                <a:spcPts val="500"/>
+              </a:spcBef>
+              <a:spcAft>
+                <a:spcPct val="0"/>
+              </a:spcAft>
+              <a:buFont typeface="Arial" panose="020B0604020202020204" pitchFamily="34" charset="0"/>
+              <a:buChar char="•"/>
+              <a:defRPr>
+                <a:solidFill>
+                  <a:schemeClr val="tx1"/>
+                </a:solidFill>
+                <a:latin typeface="+mn-lt"/>
+                <a:ea typeface="+mn-ea"/>
+              </a:defRPr>
+            </a:lvl9pPr>
+          </a:lstStyle>
+          <a:p>
+            <a:pPr marL="0" indent="0" defTabSz="914400">
+              <a:buNone/>
+            </a:pPr>
+            <a:r>
+              <a:rPr lang="en-US" altLang="zh-CN" sz="3300" kern="0" dirty="0">
+                <a:latin typeface="Arial" panose="020B0604020202020204" pitchFamily="34" charset="0"/>
+                <a:cs typeface="Arial" panose="020B0604020202020204" pitchFamily="34" charset="0"/>
+              </a:rPr>
+              <a:t>scoped enumeration</a:t>
+            </a:r>
+          </a:p>
+        </p:txBody>
+      </p:sp>
     </p:spTree>
     <p:extLst>
       <p:ext uri="{BB962C8B-B14F-4D97-AF65-F5344CB8AC3E}">
-        <p14:creationId xmlns:p14="http://schemas.microsoft.com/office/powerpoint/2010/main" val="1671912218"/>
+        <p14:creationId xmlns:p14="http://schemas.microsoft.com/office/powerpoint/2010/main" val="1552221173"/>
       </p:ext>
     </p:extLst>
   </p:cSld>
@@ -19785,6 +19476,2577 @@
 </file>
 
 <file path=ppt/slides/slide23.xml><?xml version="1.0" encoding="utf-8"?>
+<p:sld xmlns:a="http://schemas.openxmlformats.org/drawingml/2006/main" xmlns:r="http://schemas.openxmlformats.org/officeDocument/2006/relationships" xmlns:p="http://schemas.openxmlformats.org/presentationml/2006/main">
+  <p:cSld>
+    <p:spTree>
+      <p:nvGrpSpPr>
+        <p:cNvPr id="1" name=""/>
+        <p:cNvGrpSpPr/>
+        <p:nvPr/>
+      </p:nvGrpSpPr>
+      <p:grpSpPr>
+        <a:xfrm>
+          <a:off x="0" y="0"/>
+          <a:ext cx="0" cy="0"/>
+          <a:chOff x="0" y="0"/>
+          <a:chExt cx="0" cy="0"/>
+        </a:xfrm>
+      </p:grpSpPr>
+      <p:sp>
+        <p:nvSpPr>
+          <p:cNvPr id="14" name="Rectangle 3">
+            <a:extLst>
+              <a:ext uri="{FF2B5EF4-FFF2-40B4-BE49-F238E27FC236}">
+                <a16:creationId xmlns:a16="http://schemas.microsoft.com/office/drawing/2014/main" id="{6442E41E-3C4A-4226-B5BB-DF18B391D423}"/>
+              </a:ext>
+            </a:extLst>
+          </p:cNvPr>
+          <p:cNvSpPr txBox="1">
+            <a:spLocks noChangeArrowheads="1"/>
+          </p:cNvSpPr>
+          <p:nvPr/>
+        </p:nvSpPr>
+        <p:spPr>
+          <a:xfrm>
+            <a:off x="2810590" y="63921"/>
+            <a:ext cx="5164749" cy="618836"/>
+          </a:xfrm>
+          <a:prstGeom prst="rect">
+            <a:avLst/>
+          </a:prstGeom>
+        </p:spPr>
+        <p:txBody>
+          <a:bodyPr>
+            <a:normAutofit/>
+          </a:bodyPr>
+          <a:lstStyle>
+            <a:lvl1pPr marL="228526" indent="-228526" algn="l" rtl="0" eaLnBrk="1" fontAlgn="base" hangingPunct="1">
+              <a:lnSpc>
+                <a:spcPct val="90000"/>
+              </a:lnSpc>
+              <a:spcBef>
+                <a:spcPts val="1000"/>
+              </a:spcBef>
+              <a:spcAft>
+                <a:spcPct val="0"/>
+              </a:spcAft>
+              <a:buFont typeface="Wingdings" panose="05000000000000000000" charset="0"/>
+              <a:buChar char=""/>
+              <a:defRPr sz="2799">
+                <a:solidFill>
+                  <a:srgbClr val="002060"/>
+                </a:solidFill>
+                <a:latin typeface="微软雅黑" panose="020B0503020204020204" pitchFamily="34" charset="-122"/>
+                <a:ea typeface="微软雅黑" panose="020B0503020204020204" pitchFamily="34" charset="-122"/>
+                <a:cs typeface="+mn-cs"/>
+              </a:defRPr>
+            </a:lvl1pPr>
+            <a:lvl2pPr marL="685577" indent="-228526" algn="l" rtl="0" eaLnBrk="1" fontAlgn="base" hangingPunct="1">
+              <a:lnSpc>
+                <a:spcPct val="90000"/>
+              </a:lnSpc>
+              <a:spcBef>
+                <a:spcPts val="500"/>
+              </a:spcBef>
+              <a:spcAft>
+                <a:spcPct val="0"/>
+              </a:spcAft>
+              <a:buFont typeface="宋体" panose="02010600030101010101" pitchFamily="2" charset="-122"/>
+              <a:buChar char="–"/>
+              <a:defRPr sz="2399">
+                <a:solidFill>
+                  <a:srgbClr val="002060"/>
+                </a:solidFill>
+                <a:latin typeface="微软雅黑" panose="020B0503020204020204" pitchFamily="34" charset="-122"/>
+                <a:ea typeface="微软雅黑" panose="020B0503020204020204" pitchFamily="34" charset="-122"/>
+              </a:defRPr>
+            </a:lvl2pPr>
+            <a:lvl3pPr marL="1142629" indent="-228526" algn="l" rtl="0" eaLnBrk="1" fontAlgn="base" hangingPunct="1">
+              <a:lnSpc>
+                <a:spcPct val="90000"/>
+              </a:lnSpc>
+              <a:spcBef>
+                <a:spcPts val="500"/>
+              </a:spcBef>
+              <a:spcAft>
+                <a:spcPct val="0"/>
+              </a:spcAft>
+              <a:buFont typeface="Wingdings" panose="05000000000000000000" charset="0"/>
+              <a:buChar char=""/>
+              <a:defRPr sz="1999">
+                <a:solidFill>
+                  <a:srgbClr val="002060"/>
+                </a:solidFill>
+                <a:latin typeface="微软雅黑" panose="020B0503020204020204" pitchFamily="34" charset="-122"/>
+                <a:ea typeface="微软雅黑" panose="020B0503020204020204" pitchFamily="34" charset="-122"/>
+              </a:defRPr>
+            </a:lvl3pPr>
+            <a:lvl4pPr marL="1599680" indent="-228526" algn="l" rtl="0" eaLnBrk="1" fontAlgn="base" hangingPunct="1">
+              <a:lnSpc>
+                <a:spcPct val="90000"/>
+              </a:lnSpc>
+              <a:spcBef>
+                <a:spcPts val="500"/>
+              </a:spcBef>
+              <a:spcAft>
+                <a:spcPct val="0"/>
+              </a:spcAft>
+              <a:buFont typeface="Arial" panose="020B0604020202020204" pitchFamily="34" charset="0"/>
+              <a:buChar char="•"/>
+              <a:defRPr sz="1999">
+                <a:solidFill>
+                  <a:srgbClr val="002060"/>
+                </a:solidFill>
+                <a:latin typeface="微软雅黑" panose="020B0503020204020204" pitchFamily="34" charset="-122"/>
+                <a:ea typeface="微软雅黑" panose="020B0503020204020204" pitchFamily="34" charset="-122"/>
+              </a:defRPr>
+            </a:lvl4pPr>
+            <a:lvl5pPr marL="2056731" indent="-228526" algn="l" rtl="0" eaLnBrk="1" fontAlgn="base" hangingPunct="1">
+              <a:lnSpc>
+                <a:spcPct val="90000"/>
+              </a:lnSpc>
+              <a:spcBef>
+                <a:spcPts val="500"/>
+              </a:spcBef>
+              <a:spcAft>
+                <a:spcPct val="0"/>
+              </a:spcAft>
+              <a:buFont typeface="Arial" panose="020B0604020202020204" pitchFamily="34" charset="0"/>
+              <a:buChar char="•"/>
+              <a:defRPr sz="1999">
+                <a:solidFill>
+                  <a:srgbClr val="002060"/>
+                </a:solidFill>
+                <a:latin typeface="微软雅黑" panose="020B0503020204020204" pitchFamily="34" charset="-122"/>
+                <a:ea typeface="微软雅黑" panose="020B0503020204020204" pitchFamily="34" charset="-122"/>
+              </a:defRPr>
+            </a:lvl5pPr>
+            <a:lvl6pPr marL="2513783" indent="-228526" algn="l" rtl="0" eaLnBrk="1" fontAlgn="base" hangingPunct="1">
+              <a:lnSpc>
+                <a:spcPct val="90000"/>
+              </a:lnSpc>
+              <a:spcBef>
+                <a:spcPts val="500"/>
+              </a:spcBef>
+              <a:spcAft>
+                <a:spcPct val="0"/>
+              </a:spcAft>
+              <a:buFont typeface="Arial" panose="020B0604020202020204" pitchFamily="34" charset="0"/>
+              <a:buChar char="•"/>
+              <a:defRPr>
+                <a:solidFill>
+                  <a:schemeClr val="tx1"/>
+                </a:solidFill>
+                <a:latin typeface="+mn-lt"/>
+                <a:ea typeface="+mn-ea"/>
+              </a:defRPr>
+            </a:lvl6pPr>
+            <a:lvl7pPr marL="2970834" indent="-228526" algn="l" rtl="0" eaLnBrk="1" fontAlgn="base" hangingPunct="1">
+              <a:lnSpc>
+                <a:spcPct val="90000"/>
+              </a:lnSpc>
+              <a:spcBef>
+                <a:spcPts val="500"/>
+              </a:spcBef>
+              <a:spcAft>
+                <a:spcPct val="0"/>
+              </a:spcAft>
+              <a:buFont typeface="Arial" panose="020B0604020202020204" pitchFamily="34" charset="0"/>
+              <a:buChar char="•"/>
+              <a:defRPr>
+                <a:solidFill>
+                  <a:schemeClr val="tx1"/>
+                </a:solidFill>
+                <a:latin typeface="+mn-lt"/>
+                <a:ea typeface="+mn-ea"/>
+              </a:defRPr>
+            </a:lvl7pPr>
+            <a:lvl8pPr marL="3428732" indent="-228526" algn="l" rtl="0" eaLnBrk="1" fontAlgn="base" hangingPunct="1">
+              <a:lnSpc>
+                <a:spcPct val="90000"/>
+              </a:lnSpc>
+              <a:spcBef>
+                <a:spcPts val="500"/>
+              </a:spcBef>
+              <a:spcAft>
+                <a:spcPct val="0"/>
+              </a:spcAft>
+              <a:buFont typeface="Arial" panose="020B0604020202020204" pitchFamily="34" charset="0"/>
+              <a:buChar char="•"/>
+              <a:defRPr>
+                <a:solidFill>
+                  <a:schemeClr val="tx1"/>
+                </a:solidFill>
+                <a:latin typeface="+mn-lt"/>
+                <a:ea typeface="+mn-ea"/>
+              </a:defRPr>
+            </a:lvl8pPr>
+            <a:lvl9pPr marL="3885783" indent="-228526" algn="l" rtl="0" eaLnBrk="1" fontAlgn="base" hangingPunct="1">
+              <a:lnSpc>
+                <a:spcPct val="90000"/>
+              </a:lnSpc>
+              <a:spcBef>
+                <a:spcPts val="500"/>
+              </a:spcBef>
+              <a:spcAft>
+                <a:spcPct val="0"/>
+              </a:spcAft>
+              <a:buFont typeface="Arial" panose="020B0604020202020204" pitchFamily="34" charset="0"/>
+              <a:buChar char="•"/>
+              <a:defRPr>
+                <a:solidFill>
+                  <a:schemeClr val="tx1"/>
+                </a:solidFill>
+                <a:latin typeface="+mn-lt"/>
+                <a:ea typeface="+mn-ea"/>
+              </a:defRPr>
+            </a:lvl9pPr>
+          </a:lstStyle>
+          <a:p>
+            <a:pPr marL="0" indent="0" defTabSz="914400">
+              <a:buNone/>
+            </a:pPr>
+            <a:r>
+              <a:rPr lang="en-US" altLang="zh-CN" sz="3300" kern="0" dirty="0">
+                <a:latin typeface="Arial" panose="020B0604020202020204" pitchFamily="34" charset="0"/>
+                <a:cs typeface="Arial" panose="020B0604020202020204" pitchFamily="34" charset="0"/>
+              </a:rPr>
+              <a:t>Pointer-to-Implementation</a:t>
+            </a:r>
+          </a:p>
+        </p:txBody>
+      </p:sp>
+      <p:sp>
+        <p:nvSpPr>
+          <p:cNvPr id="7" name="Rectangle 1">
+            <a:extLst>
+              <a:ext uri="{FF2B5EF4-FFF2-40B4-BE49-F238E27FC236}">
+                <a16:creationId xmlns:a16="http://schemas.microsoft.com/office/drawing/2014/main" id="{891D156D-B397-4ADC-8F01-2D3D6508E22D}"/>
+              </a:ext>
+            </a:extLst>
+          </p:cNvPr>
+          <p:cNvSpPr>
+            <a:spLocks noChangeArrowheads="1"/>
+          </p:cNvSpPr>
+          <p:nvPr/>
+        </p:nvSpPr>
+        <p:spPr bwMode="auto">
+          <a:xfrm>
+            <a:off x="5659740" y="2298900"/>
+            <a:ext cx="6414536" cy="4185761"/>
+          </a:xfrm>
+          <a:prstGeom prst="rect">
+            <a:avLst/>
+          </a:prstGeom>
+          <a:solidFill>
+            <a:schemeClr val="tx1"/>
+          </a:solidFill>
+          <a:ln>
+            <a:noFill/>
+          </a:ln>
+          <a:effectLst/>
+        </p:spPr>
+        <p:txBody>
+          <a:bodyPr vert="horz" wrap="square" lIns="91440" tIns="0" rIns="91440" bIns="0" numCol="1" anchor="ctr" anchorCtr="0" compatLnSpc="1">
+            <a:prstTxWarp prst="textNoShape">
+              <a:avLst/>
+            </a:prstTxWarp>
+            <a:spAutoFit/>
+          </a:bodyPr>
+          <a:lstStyle/>
+          <a:p>
+            <a:pPr lvl="0" defTabSz="914400" eaLnBrk="0" fontAlgn="base" hangingPunct="0">
+              <a:spcBef>
+                <a:spcPct val="0"/>
+              </a:spcBef>
+              <a:spcAft>
+                <a:spcPct val="0"/>
+              </a:spcAft>
+            </a:pPr>
+            <a:r>
+              <a:rPr lang="en-US" altLang="zh-CN" sz="1600" dirty="0">
+                <a:solidFill>
+                  <a:schemeClr val="bg1"/>
+                </a:solidFill>
+                <a:latin typeface="Arial Unicode MS" panose="020B0604020202020204" pitchFamily="34" charset="-122"/>
+                <a:ea typeface="SFMono-Regular"/>
+              </a:rPr>
+              <a:t>// foo.cpp</a:t>
+            </a:r>
+          </a:p>
+          <a:p>
+            <a:pPr lvl="0" defTabSz="914400" eaLnBrk="0" fontAlgn="base" hangingPunct="0">
+              <a:spcBef>
+                <a:spcPct val="0"/>
+              </a:spcBef>
+              <a:spcAft>
+                <a:spcPct val="0"/>
+              </a:spcAft>
+            </a:pPr>
+            <a:r>
+              <a:rPr lang="en-US" altLang="zh-CN" sz="1600" dirty="0">
+                <a:solidFill>
+                  <a:schemeClr val="bg1"/>
+                </a:solidFill>
+                <a:latin typeface="Arial Unicode MS" panose="020B0604020202020204" pitchFamily="34" charset="-122"/>
+                <a:ea typeface="SFMono-Regular"/>
+              </a:rPr>
+              <a:t>#include whichever header defines the types T and U</a:t>
+            </a:r>
+          </a:p>
+          <a:p>
+            <a:pPr lvl="0" defTabSz="914400" eaLnBrk="0" fontAlgn="base" hangingPunct="0">
+              <a:spcBef>
+                <a:spcPct val="0"/>
+              </a:spcBef>
+              <a:spcAft>
+                <a:spcPct val="0"/>
+              </a:spcAft>
+            </a:pPr>
+            <a:endParaRPr lang="en-US" altLang="zh-CN" sz="1600" dirty="0">
+              <a:solidFill>
+                <a:schemeClr val="bg1"/>
+              </a:solidFill>
+              <a:latin typeface="Arial Unicode MS" panose="020B0604020202020204" pitchFamily="34" charset="-122"/>
+              <a:ea typeface="SFMono-Regular"/>
+            </a:endParaRPr>
+          </a:p>
+          <a:p>
+            <a:pPr lvl="0" defTabSz="914400" eaLnBrk="0" fontAlgn="base" hangingPunct="0">
+              <a:spcBef>
+                <a:spcPct val="0"/>
+              </a:spcBef>
+              <a:spcAft>
+                <a:spcPct val="0"/>
+              </a:spcAft>
+            </a:pPr>
+            <a:r>
+              <a:rPr lang="en-US" altLang="zh-CN" sz="1600" dirty="0">
+                <a:solidFill>
+                  <a:schemeClr val="bg1"/>
+                </a:solidFill>
+                <a:latin typeface="Arial Unicode MS" panose="020B0604020202020204" pitchFamily="34" charset="-122"/>
+                <a:ea typeface="SFMono-Regular"/>
+              </a:rPr>
+              <a:t>// define the private implementation class</a:t>
+            </a:r>
+          </a:p>
+          <a:p>
+            <a:pPr lvl="0" defTabSz="914400" eaLnBrk="0" fontAlgn="base" hangingPunct="0">
+              <a:spcBef>
+                <a:spcPct val="0"/>
+              </a:spcBef>
+              <a:spcAft>
+                <a:spcPct val="0"/>
+              </a:spcAft>
+            </a:pPr>
+            <a:r>
+              <a:rPr lang="en-US" altLang="zh-CN" sz="1600" dirty="0">
+                <a:solidFill>
+                  <a:schemeClr val="bg1"/>
+                </a:solidFill>
+                <a:latin typeface="Arial Unicode MS" panose="020B0604020202020204" pitchFamily="34" charset="-122"/>
+                <a:ea typeface="SFMono-Regular"/>
+              </a:rPr>
+              <a:t>class </a:t>
+            </a:r>
+            <a:r>
+              <a:rPr lang="en-US" altLang="zh-CN" sz="1600" dirty="0" err="1">
+                <a:solidFill>
+                  <a:schemeClr val="bg1"/>
+                </a:solidFill>
+                <a:latin typeface="Arial Unicode MS" panose="020B0604020202020204" pitchFamily="34" charset="-122"/>
+                <a:ea typeface="SFMono-Regular"/>
+              </a:rPr>
+              <a:t>private_foo</a:t>
+            </a:r>
+            <a:r>
+              <a:rPr lang="en-US" altLang="zh-CN" sz="1600" dirty="0">
+                <a:solidFill>
+                  <a:schemeClr val="bg1"/>
+                </a:solidFill>
+                <a:latin typeface="Arial Unicode MS" panose="020B0604020202020204" pitchFamily="34" charset="-122"/>
+                <a:ea typeface="SFMono-Regular"/>
+              </a:rPr>
+              <a:t> {</a:t>
+            </a:r>
+          </a:p>
+          <a:p>
+            <a:pPr lvl="0" defTabSz="914400" eaLnBrk="0" fontAlgn="base" hangingPunct="0">
+              <a:spcBef>
+                <a:spcPct val="0"/>
+              </a:spcBef>
+              <a:spcAft>
+                <a:spcPct val="0"/>
+              </a:spcAft>
+            </a:pPr>
+            <a:r>
+              <a:rPr lang="en-US" altLang="zh-CN" sz="1600" dirty="0">
+                <a:solidFill>
+                  <a:schemeClr val="bg1"/>
+                </a:solidFill>
+                <a:latin typeface="Arial Unicode MS" panose="020B0604020202020204" pitchFamily="34" charset="-122"/>
+                <a:ea typeface="SFMono-Regular"/>
+              </a:rPr>
+              <a:t>public:</a:t>
+            </a:r>
+          </a:p>
+          <a:p>
+            <a:pPr lvl="0" defTabSz="914400" eaLnBrk="0" fontAlgn="base" hangingPunct="0">
+              <a:spcBef>
+                <a:spcPct val="0"/>
+              </a:spcBef>
+              <a:spcAft>
+                <a:spcPct val="0"/>
+              </a:spcAft>
+            </a:pPr>
+            <a:r>
+              <a:rPr lang="en-US" altLang="zh-CN" sz="1600" dirty="0">
+                <a:solidFill>
+                  <a:schemeClr val="bg1"/>
+                </a:solidFill>
+                <a:latin typeface="Arial Unicode MS" panose="020B0604020202020204" pitchFamily="34" charset="-122"/>
+                <a:ea typeface="SFMono-Regular"/>
+              </a:rPr>
+              <a:t>  void bar() { /*...*/ }</a:t>
+            </a:r>
+          </a:p>
+          <a:p>
+            <a:pPr lvl="0" defTabSz="914400" eaLnBrk="0" fontAlgn="base" hangingPunct="0">
+              <a:spcBef>
+                <a:spcPct val="0"/>
+              </a:spcBef>
+              <a:spcAft>
+                <a:spcPct val="0"/>
+              </a:spcAft>
+            </a:pPr>
+            <a:endParaRPr lang="en-US" altLang="zh-CN" sz="1600" dirty="0">
+              <a:solidFill>
+                <a:schemeClr val="bg1"/>
+              </a:solidFill>
+              <a:latin typeface="Arial Unicode MS" panose="020B0604020202020204" pitchFamily="34" charset="-122"/>
+              <a:ea typeface="SFMono-Regular"/>
+            </a:endParaRPr>
+          </a:p>
+          <a:p>
+            <a:pPr lvl="0" defTabSz="914400" eaLnBrk="0" fontAlgn="base" hangingPunct="0">
+              <a:spcBef>
+                <a:spcPct val="0"/>
+              </a:spcBef>
+              <a:spcAft>
+                <a:spcPct val="0"/>
+              </a:spcAft>
+            </a:pPr>
+            <a:r>
+              <a:rPr lang="en-US" altLang="zh-CN" sz="1600" dirty="0">
+                <a:solidFill>
+                  <a:schemeClr val="bg1"/>
+                </a:solidFill>
+                <a:latin typeface="Arial Unicode MS" panose="020B0604020202020204" pitchFamily="34" charset="-122"/>
+                <a:ea typeface="SFMono-Regular"/>
+              </a:rPr>
+              <a:t>private:</a:t>
+            </a:r>
+          </a:p>
+          <a:p>
+            <a:pPr lvl="0" defTabSz="914400" eaLnBrk="0" fontAlgn="base" hangingPunct="0">
+              <a:spcBef>
+                <a:spcPct val="0"/>
+              </a:spcBef>
+              <a:spcAft>
+                <a:spcPct val="0"/>
+              </a:spcAft>
+            </a:pPr>
+            <a:r>
+              <a:rPr lang="en-US" altLang="zh-CN" sz="1600" dirty="0">
+                <a:solidFill>
+                  <a:schemeClr val="bg1"/>
+                </a:solidFill>
+                <a:latin typeface="Arial Unicode MS" panose="020B0604020202020204" pitchFamily="34" charset="-122"/>
+                <a:ea typeface="SFMono-Regular"/>
+              </a:rPr>
+              <a:t>  T member1;</a:t>
+            </a:r>
+          </a:p>
+          <a:p>
+            <a:pPr lvl="0" defTabSz="914400" eaLnBrk="0" fontAlgn="base" hangingPunct="0">
+              <a:spcBef>
+                <a:spcPct val="0"/>
+              </a:spcBef>
+              <a:spcAft>
+                <a:spcPct val="0"/>
+              </a:spcAft>
+            </a:pPr>
+            <a:r>
+              <a:rPr lang="en-US" altLang="zh-CN" sz="1600" dirty="0">
+                <a:solidFill>
+                  <a:schemeClr val="bg1"/>
+                </a:solidFill>
+                <a:latin typeface="Arial Unicode MS" panose="020B0604020202020204" pitchFamily="34" charset="-122"/>
+                <a:ea typeface="SFMono-Regular"/>
+              </a:rPr>
+              <a:t>  U member2;</a:t>
+            </a:r>
+          </a:p>
+          <a:p>
+            <a:pPr lvl="0" defTabSz="914400" eaLnBrk="0" fontAlgn="base" hangingPunct="0">
+              <a:spcBef>
+                <a:spcPct val="0"/>
+              </a:spcBef>
+              <a:spcAft>
+                <a:spcPct val="0"/>
+              </a:spcAft>
+            </a:pPr>
+            <a:r>
+              <a:rPr lang="en-US" altLang="zh-CN" sz="1600" dirty="0">
+                <a:solidFill>
+                  <a:schemeClr val="bg1"/>
+                </a:solidFill>
+                <a:latin typeface="Arial Unicode MS" panose="020B0604020202020204" pitchFamily="34" charset="-122"/>
+                <a:ea typeface="SFMono-Regular"/>
+              </a:rPr>
+              <a:t>};</a:t>
+            </a:r>
+          </a:p>
+          <a:p>
+            <a:pPr lvl="0" defTabSz="914400" eaLnBrk="0" fontAlgn="base" hangingPunct="0">
+              <a:spcBef>
+                <a:spcPct val="0"/>
+              </a:spcBef>
+              <a:spcAft>
+                <a:spcPct val="0"/>
+              </a:spcAft>
+            </a:pPr>
+            <a:endParaRPr lang="en-US" altLang="zh-CN" sz="1600" dirty="0">
+              <a:solidFill>
+                <a:schemeClr val="bg1"/>
+              </a:solidFill>
+              <a:latin typeface="Arial Unicode MS" panose="020B0604020202020204" pitchFamily="34" charset="-122"/>
+              <a:ea typeface="SFMono-Regular"/>
+            </a:endParaRPr>
+          </a:p>
+          <a:p>
+            <a:pPr lvl="0" defTabSz="914400" eaLnBrk="0" fontAlgn="base" hangingPunct="0">
+              <a:spcBef>
+                <a:spcPct val="0"/>
+              </a:spcBef>
+              <a:spcAft>
+                <a:spcPct val="0"/>
+              </a:spcAft>
+            </a:pPr>
+            <a:r>
+              <a:rPr lang="en-US" altLang="zh-CN" sz="1600" dirty="0">
+                <a:solidFill>
+                  <a:schemeClr val="bg1"/>
+                </a:solidFill>
+                <a:latin typeface="Arial Unicode MS" panose="020B0604020202020204" pitchFamily="34" charset="-122"/>
+                <a:ea typeface="SFMono-Regular"/>
+              </a:rPr>
+              <a:t>// fill in the public interface function definitions:</a:t>
+            </a:r>
+          </a:p>
+          <a:p>
+            <a:pPr lvl="0" defTabSz="914400" eaLnBrk="0" fontAlgn="base" hangingPunct="0">
+              <a:spcBef>
+                <a:spcPct val="0"/>
+              </a:spcBef>
+              <a:spcAft>
+                <a:spcPct val="0"/>
+              </a:spcAft>
+            </a:pPr>
+            <a:r>
+              <a:rPr lang="en-US" altLang="zh-CN" sz="1600" dirty="0">
+                <a:solidFill>
+                  <a:schemeClr val="bg1"/>
+                </a:solidFill>
+                <a:latin typeface="Arial Unicode MS" panose="020B0604020202020204" pitchFamily="34" charset="-122"/>
+                <a:ea typeface="SFMono-Regular"/>
+              </a:rPr>
+              <a:t>foo::foo() : </a:t>
+            </a:r>
+            <a:r>
+              <a:rPr lang="en-US" altLang="zh-CN" sz="1600" dirty="0" err="1">
+                <a:solidFill>
+                  <a:schemeClr val="bg1"/>
+                </a:solidFill>
+                <a:latin typeface="Arial Unicode MS" panose="020B0604020202020204" pitchFamily="34" charset="-122"/>
+                <a:ea typeface="SFMono-Regular"/>
+              </a:rPr>
+              <a:t>pImpl</a:t>
+            </a:r>
+            <a:r>
+              <a:rPr lang="en-US" altLang="zh-CN" sz="1600" dirty="0">
+                <a:solidFill>
+                  <a:schemeClr val="bg1"/>
+                </a:solidFill>
+                <a:latin typeface="Arial Unicode MS" panose="020B0604020202020204" pitchFamily="34" charset="-122"/>
+                <a:ea typeface="SFMono-Regular"/>
+              </a:rPr>
+              <a:t>(new </a:t>
+            </a:r>
+            <a:r>
+              <a:rPr lang="en-US" altLang="zh-CN" sz="1600" dirty="0" err="1">
+                <a:solidFill>
+                  <a:schemeClr val="bg1"/>
+                </a:solidFill>
+                <a:latin typeface="Arial Unicode MS" panose="020B0604020202020204" pitchFamily="34" charset="-122"/>
+                <a:ea typeface="SFMono-Regular"/>
+              </a:rPr>
+              <a:t>private_foo</a:t>
+            </a:r>
+            <a:r>
+              <a:rPr lang="en-US" altLang="zh-CN" sz="1600" dirty="0">
+                <a:solidFill>
+                  <a:schemeClr val="bg1"/>
+                </a:solidFill>
+                <a:latin typeface="Arial Unicode MS" panose="020B0604020202020204" pitchFamily="34" charset="-122"/>
+                <a:ea typeface="SFMono-Regular"/>
+              </a:rPr>
+              <a:t>()) {}</a:t>
+            </a:r>
+          </a:p>
+          <a:p>
+            <a:pPr lvl="0" defTabSz="914400" eaLnBrk="0" fontAlgn="base" hangingPunct="0">
+              <a:spcBef>
+                <a:spcPct val="0"/>
+              </a:spcBef>
+              <a:spcAft>
+                <a:spcPct val="0"/>
+              </a:spcAft>
+            </a:pPr>
+            <a:r>
+              <a:rPr lang="en-US" altLang="zh-CN" sz="1600" dirty="0">
+                <a:solidFill>
+                  <a:schemeClr val="bg1"/>
+                </a:solidFill>
+                <a:latin typeface="Arial Unicode MS" panose="020B0604020202020204" pitchFamily="34" charset="-122"/>
+                <a:ea typeface="SFMono-Regular"/>
+              </a:rPr>
+              <a:t>foo::~foo() { delete </a:t>
+            </a:r>
+            <a:r>
+              <a:rPr lang="en-US" altLang="zh-CN" sz="1600" dirty="0" err="1">
+                <a:solidFill>
+                  <a:schemeClr val="bg1"/>
+                </a:solidFill>
+                <a:latin typeface="Arial Unicode MS" panose="020B0604020202020204" pitchFamily="34" charset="-122"/>
+                <a:ea typeface="SFMono-Regular"/>
+              </a:rPr>
+              <a:t>pImpl</a:t>
+            </a:r>
+            <a:r>
+              <a:rPr lang="en-US" altLang="zh-CN" sz="1600" dirty="0">
+                <a:solidFill>
+                  <a:schemeClr val="bg1"/>
+                </a:solidFill>
+                <a:latin typeface="Arial Unicode MS" panose="020B0604020202020204" pitchFamily="34" charset="-122"/>
+                <a:ea typeface="SFMono-Regular"/>
+              </a:rPr>
+              <a:t>; }</a:t>
+            </a:r>
+          </a:p>
+          <a:p>
+            <a:pPr lvl="0" defTabSz="914400" eaLnBrk="0" fontAlgn="base" hangingPunct="0">
+              <a:spcBef>
+                <a:spcPct val="0"/>
+              </a:spcBef>
+              <a:spcAft>
+                <a:spcPct val="0"/>
+              </a:spcAft>
+            </a:pPr>
+            <a:r>
+              <a:rPr lang="en-US" altLang="zh-CN" sz="1600" dirty="0">
+                <a:solidFill>
+                  <a:schemeClr val="bg1"/>
+                </a:solidFill>
+                <a:latin typeface="Arial Unicode MS" panose="020B0604020202020204" pitchFamily="34" charset="-122"/>
+                <a:ea typeface="SFMono-Regular"/>
+              </a:rPr>
+              <a:t>void foo::bar() { </a:t>
+            </a:r>
+            <a:r>
+              <a:rPr lang="en-US" altLang="zh-CN" sz="1600" dirty="0" err="1">
+                <a:solidFill>
+                  <a:schemeClr val="bg1"/>
+                </a:solidFill>
+                <a:latin typeface="Arial Unicode MS" panose="020B0604020202020204" pitchFamily="34" charset="-122"/>
+                <a:ea typeface="SFMono-Regular"/>
+              </a:rPr>
+              <a:t>pImpl</a:t>
+            </a:r>
+            <a:r>
+              <a:rPr lang="en-US" altLang="zh-CN" sz="1600" dirty="0">
+                <a:solidFill>
+                  <a:schemeClr val="bg1"/>
+                </a:solidFill>
+                <a:latin typeface="Arial Unicode MS" panose="020B0604020202020204" pitchFamily="34" charset="-122"/>
+                <a:ea typeface="SFMono-Regular"/>
+              </a:rPr>
+              <a:t>-&gt;bar(); }</a:t>
+            </a:r>
+            <a:endParaRPr kumimoji="0" lang="zh-CN" altLang="zh-CN" sz="1600" b="0" i="0" u="none" strike="noStrike" cap="none" normalizeH="0" baseline="0" dirty="0">
+              <a:ln>
+                <a:noFill/>
+              </a:ln>
+              <a:solidFill>
+                <a:schemeClr val="bg1"/>
+              </a:solidFill>
+              <a:effectLst/>
+              <a:latin typeface="Arial" panose="020B0604020202020204" pitchFamily="34" charset="0"/>
+            </a:endParaRPr>
+          </a:p>
+        </p:txBody>
+      </p:sp>
+      <p:sp>
+        <p:nvSpPr>
+          <p:cNvPr id="2" name="矩形 1">
+            <a:extLst>
+              <a:ext uri="{FF2B5EF4-FFF2-40B4-BE49-F238E27FC236}">
+                <a16:creationId xmlns:a16="http://schemas.microsoft.com/office/drawing/2014/main" id="{97CFC890-A289-4E4C-96E0-1084A7C0C495}"/>
+              </a:ext>
+            </a:extLst>
+          </p:cNvPr>
+          <p:cNvSpPr/>
+          <p:nvPr/>
+        </p:nvSpPr>
+        <p:spPr>
+          <a:xfrm>
+            <a:off x="243558" y="844497"/>
+            <a:ext cx="4572000" cy="2585323"/>
+          </a:xfrm>
+          <a:prstGeom prst="rect">
+            <a:avLst/>
+          </a:prstGeom>
+        </p:spPr>
+        <p:txBody>
+          <a:bodyPr wrap="square">
+            <a:spAutoFit/>
+          </a:bodyPr>
+          <a:lstStyle/>
+          <a:p>
+            <a:r>
+              <a:rPr lang="en-US" altLang="zh-CN" sz="1800" dirty="0">
+                <a:solidFill>
+                  <a:srgbClr val="002060"/>
+                </a:solidFill>
+                <a:latin typeface="Arial" panose="020B0604020202020204" pitchFamily="34" charset="0"/>
+                <a:cs typeface="Arial" panose="020B0604020202020204" pitchFamily="34" charset="0"/>
+              </a:rPr>
+              <a:t>The implementation of foo is decoupled from its public interface, so that</a:t>
+            </a:r>
+          </a:p>
+          <a:p>
+            <a:pPr marL="285750" indent="-285750">
+              <a:buFont typeface="Wingdings" panose="05000000000000000000" pitchFamily="2" charset="2"/>
+              <a:buChar char="Ø"/>
+            </a:pPr>
+            <a:r>
+              <a:rPr lang="en-US" altLang="zh-CN" sz="1800" dirty="0">
+                <a:solidFill>
+                  <a:srgbClr val="002060"/>
+                </a:solidFill>
+                <a:latin typeface="Arial" panose="020B0604020202020204" pitchFamily="34" charset="0"/>
+                <a:cs typeface="Arial" panose="020B0604020202020204" pitchFamily="34" charset="0"/>
+              </a:rPr>
+              <a:t>it can use members and types from other headers without requiring these dependencies to be present when the class is used, and</a:t>
+            </a:r>
+          </a:p>
+          <a:p>
+            <a:pPr marL="285750" indent="-285750">
+              <a:buFont typeface="Wingdings" panose="05000000000000000000" pitchFamily="2" charset="2"/>
+              <a:buChar char="Ø"/>
+            </a:pPr>
+            <a:r>
+              <a:rPr lang="en-US" altLang="zh-CN" sz="1800" dirty="0">
+                <a:solidFill>
+                  <a:srgbClr val="002060"/>
+                </a:solidFill>
+                <a:latin typeface="Arial" panose="020B0604020202020204" pitchFamily="34" charset="0"/>
+                <a:cs typeface="Arial" panose="020B0604020202020204" pitchFamily="34" charset="0"/>
+              </a:rPr>
+              <a:t>the implementation can be modified without forcing a recompile of the code that uses the class.</a:t>
+            </a:r>
+            <a:endParaRPr lang="zh-CN" altLang="en-US" sz="1800" dirty="0">
+              <a:solidFill>
+                <a:srgbClr val="002060"/>
+              </a:solidFill>
+              <a:latin typeface="Arial" panose="020B0604020202020204" pitchFamily="34" charset="0"/>
+              <a:cs typeface="Arial" panose="020B0604020202020204" pitchFamily="34" charset="0"/>
+            </a:endParaRPr>
+          </a:p>
+        </p:txBody>
+      </p:sp>
+      <p:sp>
+        <p:nvSpPr>
+          <p:cNvPr id="6" name="Rectangle 1">
+            <a:extLst>
+              <a:ext uri="{FF2B5EF4-FFF2-40B4-BE49-F238E27FC236}">
+                <a16:creationId xmlns:a16="http://schemas.microsoft.com/office/drawing/2014/main" id="{B21285BC-885E-48F0-8AB9-CF8B31C9A188}"/>
+              </a:ext>
+            </a:extLst>
+          </p:cNvPr>
+          <p:cNvSpPr>
+            <a:spLocks noChangeArrowheads="1"/>
+          </p:cNvSpPr>
+          <p:nvPr/>
+        </p:nvSpPr>
+        <p:spPr bwMode="auto">
+          <a:xfrm>
+            <a:off x="243558" y="3530006"/>
+            <a:ext cx="5284786" cy="2954655"/>
+          </a:xfrm>
+          <a:prstGeom prst="rect">
+            <a:avLst/>
+          </a:prstGeom>
+          <a:solidFill>
+            <a:schemeClr val="tx1"/>
+          </a:solidFill>
+          <a:ln>
+            <a:noFill/>
+          </a:ln>
+          <a:effectLst/>
+        </p:spPr>
+        <p:txBody>
+          <a:bodyPr vert="horz" wrap="square" lIns="91440" tIns="0" rIns="91440" bIns="0" numCol="1" anchor="ctr" anchorCtr="0" compatLnSpc="1">
+            <a:prstTxWarp prst="textNoShape">
+              <a:avLst/>
+            </a:prstTxWarp>
+            <a:spAutoFit/>
+          </a:bodyPr>
+          <a:lstStyle/>
+          <a:p>
+            <a:pPr lvl="0" defTabSz="914400" eaLnBrk="0" fontAlgn="base" hangingPunct="0">
+              <a:spcBef>
+                <a:spcPct val="0"/>
+              </a:spcBef>
+              <a:spcAft>
+                <a:spcPct val="0"/>
+              </a:spcAft>
+            </a:pPr>
+            <a:r>
+              <a:rPr lang="en-US" altLang="zh-CN" sz="1600" dirty="0">
+                <a:solidFill>
+                  <a:schemeClr val="bg1"/>
+                </a:solidFill>
+                <a:latin typeface="Arial Unicode MS" panose="020B0604020202020204" pitchFamily="34" charset="-122"/>
+                <a:ea typeface="SFMono-Regular"/>
+              </a:rPr>
+              <a:t>// a forward declaration a pointer may be used</a:t>
+            </a:r>
+          </a:p>
+          <a:p>
+            <a:pPr lvl="0" defTabSz="914400" eaLnBrk="0" fontAlgn="base" hangingPunct="0">
+              <a:spcBef>
+                <a:spcPct val="0"/>
+              </a:spcBef>
+              <a:spcAft>
+                <a:spcPct val="0"/>
+              </a:spcAft>
+            </a:pPr>
+            <a:r>
+              <a:rPr lang="en-US" altLang="zh-CN" sz="1600" dirty="0">
+                <a:solidFill>
+                  <a:schemeClr val="bg1"/>
+                </a:solidFill>
+                <a:latin typeface="Arial Unicode MS" panose="020B0604020202020204" pitchFamily="34" charset="-122"/>
+                <a:ea typeface="SFMono-Regular"/>
+              </a:rPr>
+              <a:t>class </a:t>
+            </a:r>
+            <a:r>
+              <a:rPr lang="en-US" altLang="zh-CN" sz="1600" dirty="0" err="1">
+                <a:solidFill>
+                  <a:schemeClr val="bg1"/>
+                </a:solidFill>
+                <a:latin typeface="Arial Unicode MS" panose="020B0604020202020204" pitchFamily="34" charset="-122"/>
+                <a:ea typeface="SFMono-Regular"/>
+              </a:rPr>
+              <a:t>private_foo</a:t>
+            </a:r>
+            <a:r>
+              <a:rPr lang="en-US" altLang="zh-CN" sz="1600" dirty="0">
+                <a:solidFill>
+                  <a:schemeClr val="bg1"/>
+                </a:solidFill>
+                <a:latin typeface="Arial Unicode MS" panose="020B0604020202020204" pitchFamily="34" charset="-122"/>
+                <a:ea typeface="SFMono-Regular"/>
+              </a:rPr>
+              <a:t>;</a:t>
+            </a:r>
+          </a:p>
+          <a:p>
+            <a:pPr lvl="0" defTabSz="914400" eaLnBrk="0" fontAlgn="base" hangingPunct="0">
+              <a:spcBef>
+                <a:spcPct val="0"/>
+              </a:spcBef>
+              <a:spcAft>
+                <a:spcPct val="0"/>
+              </a:spcAft>
+            </a:pPr>
+            <a:endParaRPr lang="en-US" altLang="zh-CN" sz="1600" dirty="0">
+              <a:solidFill>
+                <a:schemeClr val="bg1"/>
+              </a:solidFill>
+              <a:latin typeface="Arial Unicode MS" panose="020B0604020202020204" pitchFamily="34" charset="-122"/>
+              <a:ea typeface="SFMono-Regular"/>
+            </a:endParaRPr>
+          </a:p>
+          <a:p>
+            <a:pPr lvl="0" defTabSz="914400" eaLnBrk="0" fontAlgn="base" hangingPunct="0">
+              <a:spcBef>
+                <a:spcPct val="0"/>
+              </a:spcBef>
+              <a:spcAft>
+                <a:spcPct val="0"/>
+              </a:spcAft>
+            </a:pPr>
+            <a:r>
+              <a:rPr lang="en-US" altLang="zh-CN" sz="1600" dirty="0">
+                <a:solidFill>
+                  <a:schemeClr val="bg1"/>
+                </a:solidFill>
+                <a:latin typeface="Arial Unicode MS" panose="020B0604020202020204" pitchFamily="34" charset="-122"/>
+                <a:ea typeface="SFMono-Regular"/>
+              </a:rPr>
+              <a:t>// </a:t>
+            </a:r>
+            <a:r>
+              <a:rPr lang="en-US" altLang="zh-CN" sz="1600" dirty="0" err="1">
+                <a:solidFill>
+                  <a:schemeClr val="bg1"/>
+                </a:solidFill>
+                <a:latin typeface="Arial Unicode MS" panose="020B0604020202020204" pitchFamily="34" charset="-122"/>
+                <a:ea typeface="SFMono-Regular"/>
+              </a:rPr>
+              <a:t>foo.h</a:t>
+            </a:r>
+            <a:endParaRPr lang="en-US" altLang="zh-CN" sz="1600" dirty="0">
+              <a:solidFill>
+                <a:schemeClr val="bg1"/>
+              </a:solidFill>
+              <a:latin typeface="Arial Unicode MS" panose="020B0604020202020204" pitchFamily="34" charset="-122"/>
+              <a:ea typeface="SFMono-Regular"/>
+            </a:endParaRPr>
+          </a:p>
+          <a:p>
+            <a:pPr lvl="0" defTabSz="914400" eaLnBrk="0" fontAlgn="base" hangingPunct="0">
+              <a:spcBef>
+                <a:spcPct val="0"/>
+              </a:spcBef>
+              <a:spcAft>
+                <a:spcPct val="0"/>
+              </a:spcAft>
+            </a:pPr>
+            <a:r>
+              <a:rPr lang="en-US" altLang="zh-CN" sz="1600" dirty="0">
+                <a:solidFill>
+                  <a:schemeClr val="bg1"/>
+                </a:solidFill>
+                <a:latin typeface="Arial Unicode MS" panose="020B0604020202020204" pitchFamily="34" charset="-122"/>
+                <a:ea typeface="SFMono-Regular"/>
+              </a:rPr>
+              <a:t>class foo {</a:t>
+            </a:r>
+          </a:p>
+          <a:p>
+            <a:pPr lvl="0" defTabSz="914400" eaLnBrk="0" fontAlgn="base" hangingPunct="0">
+              <a:spcBef>
+                <a:spcPct val="0"/>
+              </a:spcBef>
+              <a:spcAft>
+                <a:spcPct val="0"/>
+              </a:spcAft>
+            </a:pPr>
+            <a:r>
+              <a:rPr lang="en-US" altLang="zh-CN" sz="1600" dirty="0">
+                <a:solidFill>
+                  <a:schemeClr val="bg1"/>
+                </a:solidFill>
+                <a:latin typeface="Arial Unicode MS" panose="020B0604020202020204" pitchFamily="34" charset="-122"/>
+                <a:ea typeface="SFMono-Regular"/>
+              </a:rPr>
+              <a:t>public:</a:t>
+            </a:r>
+          </a:p>
+          <a:p>
+            <a:pPr lvl="0" defTabSz="914400" eaLnBrk="0" fontAlgn="base" hangingPunct="0">
+              <a:spcBef>
+                <a:spcPct val="0"/>
+              </a:spcBef>
+              <a:spcAft>
+                <a:spcPct val="0"/>
+              </a:spcAft>
+            </a:pPr>
+            <a:r>
+              <a:rPr lang="en-US" altLang="zh-CN" sz="1600" dirty="0">
+                <a:solidFill>
+                  <a:schemeClr val="bg1"/>
+                </a:solidFill>
+                <a:latin typeface="Arial Unicode MS" panose="020B0604020202020204" pitchFamily="34" charset="-122"/>
+                <a:ea typeface="SFMono-Regular"/>
+              </a:rPr>
+              <a:t>  foo();</a:t>
+            </a:r>
+          </a:p>
+          <a:p>
+            <a:pPr lvl="0" defTabSz="914400" eaLnBrk="0" fontAlgn="base" hangingPunct="0">
+              <a:spcBef>
+                <a:spcPct val="0"/>
+              </a:spcBef>
+              <a:spcAft>
+                <a:spcPct val="0"/>
+              </a:spcAft>
+            </a:pPr>
+            <a:r>
+              <a:rPr lang="en-US" altLang="zh-CN" sz="1600" dirty="0">
+                <a:solidFill>
+                  <a:schemeClr val="bg1"/>
+                </a:solidFill>
+                <a:latin typeface="Arial Unicode MS" panose="020B0604020202020204" pitchFamily="34" charset="-122"/>
+                <a:ea typeface="SFMono-Regular"/>
+              </a:rPr>
+              <a:t>  ~foo();</a:t>
+            </a:r>
+          </a:p>
+          <a:p>
+            <a:pPr lvl="0" defTabSz="914400" eaLnBrk="0" fontAlgn="base" hangingPunct="0">
+              <a:spcBef>
+                <a:spcPct val="0"/>
+              </a:spcBef>
+              <a:spcAft>
+                <a:spcPct val="0"/>
+              </a:spcAft>
+            </a:pPr>
+            <a:r>
+              <a:rPr lang="en-US" altLang="zh-CN" sz="1600" dirty="0">
+                <a:solidFill>
+                  <a:schemeClr val="bg1"/>
+                </a:solidFill>
+                <a:latin typeface="Arial Unicode MS" panose="020B0604020202020204" pitchFamily="34" charset="-122"/>
+                <a:ea typeface="SFMono-Regular"/>
+              </a:rPr>
+              <a:t>  void bar();</a:t>
+            </a:r>
+          </a:p>
+          <a:p>
+            <a:pPr lvl="0" defTabSz="914400" eaLnBrk="0" fontAlgn="base" hangingPunct="0">
+              <a:spcBef>
+                <a:spcPct val="0"/>
+              </a:spcBef>
+              <a:spcAft>
+                <a:spcPct val="0"/>
+              </a:spcAft>
+            </a:pPr>
+            <a:r>
+              <a:rPr lang="en-US" altLang="zh-CN" sz="1600" dirty="0">
+                <a:solidFill>
+                  <a:schemeClr val="bg1"/>
+                </a:solidFill>
+                <a:latin typeface="Arial Unicode MS" panose="020B0604020202020204" pitchFamily="34" charset="-122"/>
+                <a:ea typeface="SFMono-Regular"/>
+              </a:rPr>
+              <a:t>private:</a:t>
+            </a:r>
+          </a:p>
+          <a:p>
+            <a:pPr lvl="0" defTabSz="914400" eaLnBrk="0" fontAlgn="base" hangingPunct="0">
+              <a:spcBef>
+                <a:spcPct val="0"/>
+              </a:spcBef>
+              <a:spcAft>
+                <a:spcPct val="0"/>
+              </a:spcAft>
+            </a:pPr>
+            <a:r>
+              <a:rPr lang="en-US" altLang="zh-CN" sz="1600" dirty="0">
+                <a:solidFill>
+                  <a:schemeClr val="bg1"/>
+                </a:solidFill>
+                <a:latin typeface="Arial Unicode MS" panose="020B0604020202020204" pitchFamily="34" charset="-122"/>
+                <a:ea typeface="SFMono-Regular"/>
+              </a:rPr>
+              <a:t>  </a:t>
+            </a:r>
+            <a:r>
+              <a:rPr lang="en-US" altLang="zh-CN" sz="1600" dirty="0" err="1">
+                <a:solidFill>
+                  <a:schemeClr val="bg1"/>
+                </a:solidFill>
+                <a:latin typeface="Arial Unicode MS" panose="020B0604020202020204" pitchFamily="34" charset="-122"/>
+                <a:ea typeface="SFMono-Regular"/>
+              </a:rPr>
+              <a:t>private_foo</a:t>
+            </a:r>
+            <a:r>
+              <a:rPr lang="en-US" altLang="zh-CN" sz="1600" dirty="0">
+                <a:solidFill>
+                  <a:schemeClr val="bg1"/>
+                </a:solidFill>
+                <a:latin typeface="Arial Unicode MS" panose="020B0604020202020204" pitchFamily="34" charset="-122"/>
+                <a:ea typeface="SFMono-Regular"/>
+              </a:rPr>
+              <a:t>* </a:t>
+            </a:r>
+            <a:r>
+              <a:rPr lang="en-US" altLang="zh-CN" sz="1600" dirty="0" err="1">
+                <a:solidFill>
+                  <a:schemeClr val="bg1"/>
+                </a:solidFill>
+                <a:latin typeface="Arial Unicode MS" panose="020B0604020202020204" pitchFamily="34" charset="-122"/>
+                <a:ea typeface="SFMono-Regular"/>
+              </a:rPr>
+              <a:t>pImpl</a:t>
+            </a:r>
+            <a:r>
+              <a:rPr lang="en-US" altLang="zh-CN" sz="1600" dirty="0">
+                <a:solidFill>
+                  <a:schemeClr val="bg1"/>
+                </a:solidFill>
+                <a:latin typeface="Arial Unicode MS" panose="020B0604020202020204" pitchFamily="34" charset="-122"/>
+                <a:ea typeface="SFMono-Regular"/>
+              </a:rPr>
+              <a:t>;</a:t>
+            </a:r>
+          </a:p>
+          <a:p>
+            <a:pPr lvl="0" defTabSz="914400" eaLnBrk="0" fontAlgn="base" hangingPunct="0">
+              <a:spcBef>
+                <a:spcPct val="0"/>
+              </a:spcBef>
+              <a:spcAft>
+                <a:spcPct val="0"/>
+              </a:spcAft>
+            </a:pPr>
+            <a:r>
+              <a:rPr lang="en-US" altLang="zh-CN" sz="1600" dirty="0">
+                <a:solidFill>
+                  <a:schemeClr val="bg1"/>
+                </a:solidFill>
+                <a:latin typeface="Arial Unicode MS" panose="020B0604020202020204" pitchFamily="34" charset="-122"/>
+                <a:ea typeface="SFMono-Regular"/>
+              </a:rPr>
+              <a:t>};</a:t>
+            </a:r>
+          </a:p>
+        </p:txBody>
+      </p:sp>
+      <p:sp>
+        <p:nvSpPr>
+          <p:cNvPr id="3" name="矩形 2">
+            <a:extLst>
+              <a:ext uri="{FF2B5EF4-FFF2-40B4-BE49-F238E27FC236}">
+                <a16:creationId xmlns:a16="http://schemas.microsoft.com/office/drawing/2014/main" id="{D08D304A-3D03-49D5-B91D-2D1F8C338916}"/>
+              </a:ext>
+            </a:extLst>
+          </p:cNvPr>
+          <p:cNvSpPr/>
+          <p:nvPr/>
+        </p:nvSpPr>
+        <p:spPr>
+          <a:xfrm>
+            <a:off x="5533907" y="844497"/>
+            <a:ext cx="6414535" cy="923330"/>
+          </a:xfrm>
+          <a:prstGeom prst="rect">
+            <a:avLst/>
+          </a:prstGeom>
+        </p:spPr>
+        <p:txBody>
+          <a:bodyPr wrap="square">
+            <a:spAutoFit/>
+          </a:bodyPr>
+          <a:lstStyle/>
+          <a:p>
+            <a:r>
+              <a:rPr lang="en-US" altLang="zh-CN" sz="1800" dirty="0">
+                <a:solidFill>
+                  <a:srgbClr val="002060"/>
+                </a:solidFill>
+                <a:latin typeface="Arial" panose="020B0604020202020204" pitchFamily="34" charset="0"/>
+                <a:cs typeface="Arial" panose="020B0604020202020204" pitchFamily="34" charset="0"/>
+              </a:rPr>
+              <a:t>Users of the class simply include the header, which contains nothing specific about the implementation of the class. All implementation details are contained inside foo.cpp.</a:t>
+            </a:r>
+            <a:endParaRPr lang="zh-CN" altLang="en-US" sz="1800" dirty="0">
+              <a:solidFill>
+                <a:srgbClr val="002060"/>
+              </a:solidFill>
+              <a:latin typeface="Arial" panose="020B0604020202020204" pitchFamily="34" charset="0"/>
+              <a:cs typeface="Arial" panose="020B0604020202020204" pitchFamily="34" charset="0"/>
+            </a:endParaRPr>
+          </a:p>
+        </p:txBody>
+      </p:sp>
+      <p:sp>
+        <p:nvSpPr>
+          <p:cNvPr id="4" name="矩形 3">
+            <a:extLst>
+              <a:ext uri="{FF2B5EF4-FFF2-40B4-BE49-F238E27FC236}">
+                <a16:creationId xmlns:a16="http://schemas.microsoft.com/office/drawing/2014/main" id="{85390522-3878-4A46-856C-BAF940476238}"/>
+              </a:ext>
+            </a:extLst>
+          </p:cNvPr>
+          <p:cNvSpPr/>
+          <p:nvPr/>
+        </p:nvSpPr>
+        <p:spPr>
+          <a:xfrm>
+            <a:off x="5528344" y="1879816"/>
+            <a:ext cx="2811988" cy="307777"/>
+          </a:xfrm>
+          <a:prstGeom prst="rect">
+            <a:avLst/>
+          </a:prstGeom>
+        </p:spPr>
+        <p:txBody>
+          <a:bodyPr wrap="none">
+            <a:spAutoFit/>
+          </a:bodyPr>
+          <a:lstStyle/>
+          <a:p>
+            <a:r>
+              <a:rPr lang="en-US" altLang="zh-CN" dirty="0">
+                <a:solidFill>
+                  <a:srgbClr val="002060"/>
+                </a:solidFill>
+                <a:latin typeface="Arial" panose="020B0604020202020204" pitchFamily="34" charset="0"/>
+                <a:cs typeface="Arial" panose="020B0604020202020204" pitchFamily="34" charset="0"/>
+              </a:rPr>
+              <a:t>Someone called it "Handle Body"</a:t>
+            </a:r>
+            <a:endParaRPr lang="zh-CN" altLang="en-US" dirty="0">
+              <a:solidFill>
+                <a:srgbClr val="002060"/>
+              </a:solidFill>
+              <a:latin typeface="Arial" panose="020B0604020202020204" pitchFamily="34" charset="0"/>
+              <a:cs typeface="Arial" panose="020B0604020202020204" pitchFamily="34" charset="0"/>
+            </a:endParaRPr>
+          </a:p>
+        </p:txBody>
+      </p:sp>
+    </p:spTree>
+    <p:extLst>
+      <p:ext uri="{BB962C8B-B14F-4D97-AF65-F5344CB8AC3E}">
+        <p14:creationId xmlns:p14="http://schemas.microsoft.com/office/powerpoint/2010/main" val="1065753618"/>
+      </p:ext>
+    </p:extLst>
+  </p:cSld>
+  <p:clrMapOvr>
+    <a:masterClrMapping/>
+  </p:clrMapOvr>
+</p:sld>
+</file>
+
+<file path=ppt/slides/slide24.xml><?xml version="1.0" encoding="utf-8"?>
+<p:sld xmlns:a="http://schemas.openxmlformats.org/drawingml/2006/main" xmlns:r="http://schemas.openxmlformats.org/officeDocument/2006/relationships" xmlns:p="http://schemas.openxmlformats.org/presentationml/2006/main">
+  <p:cSld>
+    <p:spTree>
+      <p:nvGrpSpPr>
+        <p:cNvPr id="1" name=""/>
+        <p:cNvGrpSpPr/>
+        <p:nvPr/>
+      </p:nvGrpSpPr>
+      <p:grpSpPr>
+        <a:xfrm>
+          <a:off x="0" y="0"/>
+          <a:ext cx="0" cy="0"/>
+          <a:chOff x="0" y="0"/>
+          <a:chExt cx="0" cy="0"/>
+        </a:xfrm>
+      </p:grpSpPr>
+      <p:sp>
+        <p:nvSpPr>
+          <p:cNvPr id="14" name="Rectangle 3">
+            <a:extLst>
+              <a:ext uri="{FF2B5EF4-FFF2-40B4-BE49-F238E27FC236}">
+                <a16:creationId xmlns:a16="http://schemas.microsoft.com/office/drawing/2014/main" id="{6442E41E-3C4A-4226-B5BB-DF18B391D423}"/>
+              </a:ext>
+            </a:extLst>
+          </p:cNvPr>
+          <p:cNvSpPr txBox="1">
+            <a:spLocks noChangeArrowheads="1"/>
+          </p:cNvSpPr>
+          <p:nvPr/>
+        </p:nvSpPr>
+        <p:spPr>
+          <a:xfrm>
+            <a:off x="2810590" y="63921"/>
+            <a:ext cx="5164749" cy="618836"/>
+          </a:xfrm>
+          <a:prstGeom prst="rect">
+            <a:avLst/>
+          </a:prstGeom>
+        </p:spPr>
+        <p:txBody>
+          <a:bodyPr>
+            <a:normAutofit fontScale="92500"/>
+          </a:bodyPr>
+          <a:lstStyle>
+            <a:lvl1pPr marL="228526" indent="-228526" algn="l" rtl="0" eaLnBrk="1" fontAlgn="base" hangingPunct="1">
+              <a:lnSpc>
+                <a:spcPct val="90000"/>
+              </a:lnSpc>
+              <a:spcBef>
+                <a:spcPts val="1000"/>
+              </a:spcBef>
+              <a:spcAft>
+                <a:spcPct val="0"/>
+              </a:spcAft>
+              <a:buFont typeface="Wingdings" panose="05000000000000000000" charset="0"/>
+              <a:buChar char=""/>
+              <a:defRPr sz="2799">
+                <a:solidFill>
+                  <a:srgbClr val="002060"/>
+                </a:solidFill>
+                <a:latin typeface="微软雅黑" panose="020B0503020204020204" pitchFamily="34" charset="-122"/>
+                <a:ea typeface="微软雅黑" panose="020B0503020204020204" pitchFamily="34" charset="-122"/>
+                <a:cs typeface="+mn-cs"/>
+              </a:defRPr>
+            </a:lvl1pPr>
+            <a:lvl2pPr marL="685577" indent="-228526" algn="l" rtl="0" eaLnBrk="1" fontAlgn="base" hangingPunct="1">
+              <a:lnSpc>
+                <a:spcPct val="90000"/>
+              </a:lnSpc>
+              <a:spcBef>
+                <a:spcPts val="500"/>
+              </a:spcBef>
+              <a:spcAft>
+                <a:spcPct val="0"/>
+              </a:spcAft>
+              <a:buFont typeface="宋体" panose="02010600030101010101" pitchFamily="2" charset="-122"/>
+              <a:buChar char="–"/>
+              <a:defRPr sz="2399">
+                <a:solidFill>
+                  <a:srgbClr val="002060"/>
+                </a:solidFill>
+                <a:latin typeface="微软雅黑" panose="020B0503020204020204" pitchFamily="34" charset="-122"/>
+                <a:ea typeface="微软雅黑" panose="020B0503020204020204" pitchFamily="34" charset="-122"/>
+              </a:defRPr>
+            </a:lvl2pPr>
+            <a:lvl3pPr marL="1142629" indent="-228526" algn="l" rtl="0" eaLnBrk="1" fontAlgn="base" hangingPunct="1">
+              <a:lnSpc>
+                <a:spcPct val="90000"/>
+              </a:lnSpc>
+              <a:spcBef>
+                <a:spcPts val="500"/>
+              </a:spcBef>
+              <a:spcAft>
+                <a:spcPct val="0"/>
+              </a:spcAft>
+              <a:buFont typeface="Wingdings" panose="05000000000000000000" charset="0"/>
+              <a:buChar char=""/>
+              <a:defRPr sz="1999">
+                <a:solidFill>
+                  <a:srgbClr val="002060"/>
+                </a:solidFill>
+                <a:latin typeface="微软雅黑" panose="020B0503020204020204" pitchFamily="34" charset="-122"/>
+                <a:ea typeface="微软雅黑" panose="020B0503020204020204" pitchFamily="34" charset="-122"/>
+              </a:defRPr>
+            </a:lvl3pPr>
+            <a:lvl4pPr marL="1599680" indent="-228526" algn="l" rtl="0" eaLnBrk="1" fontAlgn="base" hangingPunct="1">
+              <a:lnSpc>
+                <a:spcPct val="90000"/>
+              </a:lnSpc>
+              <a:spcBef>
+                <a:spcPts val="500"/>
+              </a:spcBef>
+              <a:spcAft>
+                <a:spcPct val="0"/>
+              </a:spcAft>
+              <a:buFont typeface="Arial" panose="020B0604020202020204" pitchFamily="34" charset="0"/>
+              <a:buChar char="•"/>
+              <a:defRPr sz="1999">
+                <a:solidFill>
+                  <a:srgbClr val="002060"/>
+                </a:solidFill>
+                <a:latin typeface="微软雅黑" panose="020B0503020204020204" pitchFamily="34" charset="-122"/>
+                <a:ea typeface="微软雅黑" panose="020B0503020204020204" pitchFamily="34" charset="-122"/>
+              </a:defRPr>
+            </a:lvl4pPr>
+            <a:lvl5pPr marL="2056731" indent="-228526" algn="l" rtl="0" eaLnBrk="1" fontAlgn="base" hangingPunct="1">
+              <a:lnSpc>
+                <a:spcPct val="90000"/>
+              </a:lnSpc>
+              <a:spcBef>
+                <a:spcPts val="500"/>
+              </a:spcBef>
+              <a:spcAft>
+                <a:spcPct val="0"/>
+              </a:spcAft>
+              <a:buFont typeface="Arial" panose="020B0604020202020204" pitchFamily="34" charset="0"/>
+              <a:buChar char="•"/>
+              <a:defRPr sz="1999">
+                <a:solidFill>
+                  <a:srgbClr val="002060"/>
+                </a:solidFill>
+                <a:latin typeface="微软雅黑" panose="020B0503020204020204" pitchFamily="34" charset="-122"/>
+                <a:ea typeface="微软雅黑" panose="020B0503020204020204" pitchFamily="34" charset="-122"/>
+              </a:defRPr>
+            </a:lvl5pPr>
+            <a:lvl6pPr marL="2513783" indent="-228526" algn="l" rtl="0" eaLnBrk="1" fontAlgn="base" hangingPunct="1">
+              <a:lnSpc>
+                <a:spcPct val="90000"/>
+              </a:lnSpc>
+              <a:spcBef>
+                <a:spcPts val="500"/>
+              </a:spcBef>
+              <a:spcAft>
+                <a:spcPct val="0"/>
+              </a:spcAft>
+              <a:buFont typeface="Arial" panose="020B0604020202020204" pitchFamily="34" charset="0"/>
+              <a:buChar char="•"/>
+              <a:defRPr>
+                <a:solidFill>
+                  <a:schemeClr val="tx1"/>
+                </a:solidFill>
+                <a:latin typeface="+mn-lt"/>
+                <a:ea typeface="+mn-ea"/>
+              </a:defRPr>
+            </a:lvl6pPr>
+            <a:lvl7pPr marL="2970834" indent="-228526" algn="l" rtl="0" eaLnBrk="1" fontAlgn="base" hangingPunct="1">
+              <a:lnSpc>
+                <a:spcPct val="90000"/>
+              </a:lnSpc>
+              <a:spcBef>
+                <a:spcPts val="500"/>
+              </a:spcBef>
+              <a:spcAft>
+                <a:spcPct val="0"/>
+              </a:spcAft>
+              <a:buFont typeface="Arial" panose="020B0604020202020204" pitchFamily="34" charset="0"/>
+              <a:buChar char="•"/>
+              <a:defRPr>
+                <a:solidFill>
+                  <a:schemeClr val="tx1"/>
+                </a:solidFill>
+                <a:latin typeface="+mn-lt"/>
+                <a:ea typeface="+mn-ea"/>
+              </a:defRPr>
+            </a:lvl7pPr>
+            <a:lvl8pPr marL="3428732" indent="-228526" algn="l" rtl="0" eaLnBrk="1" fontAlgn="base" hangingPunct="1">
+              <a:lnSpc>
+                <a:spcPct val="90000"/>
+              </a:lnSpc>
+              <a:spcBef>
+                <a:spcPts val="500"/>
+              </a:spcBef>
+              <a:spcAft>
+                <a:spcPct val="0"/>
+              </a:spcAft>
+              <a:buFont typeface="Arial" panose="020B0604020202020204" pitchFamily="34" charset="0"/>
+              <a:buChar char="•"/>
+              <a:defRPr>
+                <a:solidFill>
+                  <a:schemeClr val="tx1"/>
+                </a:solidFill>
+                <a:latin typeface="+mn-lt"/>
+                <a:ea typeface="+mn-ea"/>
+              </a:defRPr>
+            </a:lvl8pPr>
+            <a:lvl9pPr marL="3885783" indent="-228526" algn="l" rtl="0" eaLnBrk="1" fontAlgn="base" hangingPunct="1">
+              <a:lnSpc>
+                <a:spcPct val="90000"/>
+              </a:lnSpc>
+              <a:spcBef>
+                <a:spcPts val="500"/>
+              </a:spcBef>
+              <a:spcAft>
+                <a:spcPct val="0"/>
+              </a:spcAft>
+              <a:buFont typeface="Arial" panose="020B0604020202020204" pitchFamily="34" charset="0"/>
+              <a:buChar char="•"/>
+              <a:defRPr>
+                <a:solidFill>
+                  <a:schemeClr val="tx1"/>
+                </a:solidFill>
+                <a:latin typeface="+mn-lt"/>
+                <a:ea typeface="+mn-ea"/>
+              </a:defRPr>
+            </a:lvl9pPr>
+          </a:lstStyle>
+          <a:p>
+            <a:pPr marL="0" indent="0" defTabSz="914400">
+              <a:buNone/>
+            </a:pPr>
+            <a:r>
+              <a:rPr lang="en-US" altLang="zh-CN" sz="3300" kern="0" dirty="0">
+                <a:latin typeface="Arial" panose="020B0604020202020204" pitchFamily="34" charset="0"/>
+                <a:cs typeface="Arial" panose="020B0604020202020204" pitchFamily="34" charset="0"/>
+              </a:rPr>
+              <a:t>Compile-time polymorphism</a:t>
+            </a:r>
+          </a:p>
+        </p:txBody>
+      </p:sp>
+      <p:sp>
+        <p:nvSpPr>
+          <p:cNvPr id="7" name="Rectangle 1">
+            <a:extLst>
+              <a:ext uri="{FF2B5EF4-FFF2-40B4-BE49-F238E27FC236}">
+                <a16:creationId xmlns:a16="http://schemas.microsoft.com/office/drawing/2014/main" id="{891D156D-B397-4ADC-8F01-2D3D6508E22D}"/>
+              </a:ext>
+            </a:extLst>
+          </p:cNvPr>
+          <p:cNvSpPr>
+            <a:spLocks noChangeArrowheads="1"/>
+          </p:cNvSpPr>
+          <p:nvPr/>
+        </p:nvSpPr>
+        <p:spPr bwMode="auto">
+          <a:xfrm>
+            <a:off x="5659740" y="2298900"/>
+            <a:ext cx="6414536" cy="4185761"/>
+          </a:xfrm>
+          <a:prstGeom prst="rect">
+            <a:avLst/>
+          </a:prstGeom>
+          <a:solidFill>
+            <a:schemeClr val="tx1"/>
+          </a:solidFill>
+          <a:ln>
+            <a:noFill/>
+          </a:ln>
+          <a:effectLst/>
+        </p:spPr>
+        <p:txBody>
+          <a:bodyPr vert="horz" wrap="square" lIns="91440" tIns="0" rIns="91440" bIns="0" numCol="1" anchor="ctr" anchorCtr="0" compatLnSpc="1">
+            <a:prstTxWarp prst="textNoShape">
+              <a:avLst/>
+            </a:prstTxWarp>
+            <a:spAutoFit/>
+          </a:bodyPr>
+          <a:lstStyle/>
+          <a:p>
+            <a:pPr lvl="0" defTabSz="914400" eaLnBrk="0" fontAlgn="base" hangingPunct="0">
+              <a:spcBef>
+                <a:spcPct val="0"/>
+              </a:spcBef>
+              <a:spcAft>
+                <a:spcPct val="0"/>
+              </a:spcAft>
+            </a:pPr>
+            <a:r>
+              <a:rPr lang="en-US" altLang="zh-CN" sz="1600" dirty="0">
+                <a:solidFill>
+                  <a:schemeClr val="bg1"/>
+                </a:solidFill>
+                <a:latin typeface="Arial Unicode MS" panose="020B0604020202020204" pitchFamily="34" charset="-122"/>
+                <a:ea typeface="SFMono-Regular"/>
+              </a:rPr>
+              <a:t>// foo.cpp</a:t>
+            </a:r>
+          </a:p>
+          <a:p>
+            <a:pPr lvl="0" defTabSz="914400" eaLnBrk="0" fontAlgn="base" hangingPunct="0">
+              <a:spcBef>
+                <a:spcPct val="0"/>
+              </a:spcBef>
+              <a:spcAft>
+                <a:spcPct val="0"/>
+              </a:spcAft>
+            </a:pPr>
+            <a:r>
+              <a:rPr lang="en-US" altLang="zh-CN" sz="1600" dirty="0">
+                <a:solidFill>
+                  <a:schemeClr val="bg1"/>
+                </a:solidFill>
+                <a:latin typeface="Arial Unicode MS" panose="020B0604020202020204" pitchFamily="34" charset="-122"/>
+                <a:ea typeface="SFMono-Regular"/>
+              </a:rPr>
+              <a:t>#include whichever header defines the types T and U</a:t>
+            </a:r>
+          </a:p>
+          <a:p>
+            <a:pPr lvl="0" defTabSz="914400" eaLnBrk="0" fontAlgn="base" hangingPunct="0">
+              <a:spcBef>
+                <a:spcPct val="0"/>
+              </a:spcBef>
+              <a:spcAft>
+                <a:spcPct val="0"/>
+              </a:spcAft>
+            </a:pPr>
+            <a:endParaRPr lang="en-US" altLang="zh-CN" sz="1600" dirty="0">
+              <a:solidFill>
+                <a:schemeClr val="bg1"/>
+              </a:solidFill>
+              <a:latin typeface="Arial Unicode MS" panose="020B0604020202020204" pitchFamily="34" charset="-122"/>
+              <a:ea typeface="SFMono-Regular"/>
+            </a:endParaRPr>
+          </a:p>
+          <a:p>
+            <a:pPr lvl="0" defTabSz="914400" eaLnBrk="0" fontAlgn="base" hangingPunct="0">
+              <a:spcBef>
+                <a:spcPct val="0"/>
+              </a:spcBef>
+              <a:spcAft>
+                <a:spcPct val="0"/>
+              </a:spcAft>
+            </a:pPr>
+            <a:r>
+              <a:rPr lang="en-US" altLang="zh-CN" sz="1600" dirty="0">
+                <a:solidFill>
+                  <a:schemeClr val="bg1"/>
+                </a:solidFill>
+                <a:latin typeface="Arial Unicode MS" panose="020B0604020202020204" pitchFamily="34" charset="-122"/>
+                <a:ea typeface="SFMono-Regular"/>
+              </a:rPr>
+              <a:t>// define the private implementation class</a:t>
+            </a:r>
+          </a:p>
+          <a:p>
+            <a:pPr lvl="0" defTabSz="914400" eaLnBrk="0" fontAlgn="base" hangingPunct="0">
+              <a:spcBef>
+                <a:spcPct val="0"/>
+              </a:spcBef>
+              <a:spcAft>
+                <a:spcPct val="0"/>
+              </a:spcAft>
+            </a:pPr>
+            <a:r>
+              <a:rPr lang="en-US" altLang="zh-CN" sz="1600" dirty="0">
+                <a:solidFill>
+                  <a:schemeClr val="bg1"/>
+                </a:solidFill>
+                <a:latin typeface="Arial Unicode MS" panose="020B0604020202020204" pitchFamily="34" charset="-122"/>
+                <a:ea typeface="SFMono-Regular"/>
+              </a:rPr>
+              <a:t>class </a:t>
+            </a:r>
+            <a:r>
+              <a:rPr lang="en-US" altLang="zh-CN" sz="1600" dirty="0" err="1">
+                <a:solidFill>
+                  <a:schemeClr val="bg1"/>
+                </a:solidFill>
+                <a:latin typeface="Arial Unicode MS" panose="020B0604020202020204" pitchFamily="34" charset="-122"/>
+                <a:ea typeface="SFMono-Regular"/>
+              </a:rPr>
+              <a:t>private_foo</a:t>
+            </a:r>
+            <a:r>
+              <a:rPr lang="en-US" altLang="zh-CN" sz="1600" dirty="0">
+                <a:solidFill>
+                  <a:schemeClr val="bg1"/>
+                </a:solidFill>
+                <a:latin typeface="Arial Unicode MS" panose="020B0604020202020204" pitchFamily="34" charset="-122"/>
+                <a:ea typeface="SFMono-Regular"/>
+              </a:rPr>
+              <a:t> {</a:t>
+            </a:r>
+          </a:p>
+          <a:p>
+            <a:pPr lvl="0" defTabSz="914400" eaLnBrk="0" fontAlgn="base" hangingPunct="0">
+              <a:spcBef>
+                <a:spcPct val="0"/>
+              </a:spcBef>
+              <a:spcAft>
+                <a:spcPct val="0"/>
+              </a:spcAft>
+            </a:pPr>
+            <a:r>
+              <a:rPr lang="en-US" altLang="zh-CN" sz="1600" dirty="0">
+                <a:solidFill>
+                  <a:schemeClr val="bg1"/>
+                </a:solidFill>
+                <a:latin typeface="Arial Unicode MS" panose="020B0604020202020204" pitchFamily="34" charset="-122"/>
+                <a:ea typeface="SFMono-Regular"/>
+              </a:rPr>
+              <a:t>public:</a:t>
+            </a:r>
+          </a:p>
+          <a:p>
+            <a:pPr lvl="0" defTabSz="914400" eaLnBrk="0" fontAlgn="base" hangingPunct="0">
+              <a:spcBef>
+                <a:spcPct val="0"/>
+              </a:spcBef>
+              <a:spcAft>
+                <a:spcPct val="0"/>
+              </a:spcAft>
+            </a:pPr>
+            <a:r>
+              <a:rPr lang="en-US" altLang="zh-CN" sz="1600" dirty="0">
+                <a:solidFill>
+                  <a:schemeClr val="bg1"/>
+                </a:solidFill>
+                <a:latin typeface="Arial Unicode MS" panose="020B0604020202020204" pitchFamily="34" charset="-122"/>
+                <a:ea typeface="SFMono-Regular"/>
+              </a:rPr>
+              <a:t>  void bar() { /*...*/ }</a:t>
+            </a:r>
+          </a:p>
+          <a:p>
+            <a:pPr lvl="0" defTabSz="914400" eaLnBrk="0" fontAlgn="base" hangingPunct="0">
+              <a:spcBef>
+                <a:spcPct val="0"/>
+              </a:spcBef>
+              <a:spcAft>
+                <a:spcPct val="0"/>
+              </a:spcAft>
+            </a:pPr>
+            <a:endParaRPr lang="en-US" altLang="zh-CN" sz="1600" dirty="0">
+              <a:solidFill>
+                <a:schemeClr val="bg1"/>
+              </a:solidFill>
+              <a:latin typeface="Arial Unicode MS" panose="020B0604020202020204" pitchFamily="34" charset="-122"/>
+              <a:ea typeface="SFMono-Regular"/>
+            </a:endParaRPr>
+          </a:p>
+          <a:p>
+            <a:pPr lvl="0" defTabSz="914400" eaLnBrk="0" fontAlgn="base" hangingPunct="0">
+              <a:spcBef>
+                <a:spcPct val="0"/>
+              </a:spcBef>
+              <a:spcAft>
+                <a:spcPct val="0"/>
+              </a:spcAft>
+            </a:pPr>
+            <a:r>
+              <a:rPr lang="en-US" altLang="zh-CN" sz="1600" dirty="0">
+                <a:solidFill>
+                  <a:schemeClr val="bg1"/>
+                </a:solidFill>
+                <a:latin typeface="Arial Unicode MS" panose="020B0604020202020204" pitchFamily="34" charset="-122"/>
+                <a:ea typeface="SFMono-Regular"/>
+              </a:rPr>
+              <a:t>private:</a:t>
+            </a:r>
+          </a:p>
+          <a:p>
+            <a:pPr lvl="0" defTabSz="914400" eaLnBrk="0" fontAlgn="base" hangingPunct="0">
+              <a:spcBef>
+                <a:spcPct val="0"/>
+              </a:spcBef>
+              <a:spcAft>
+                <a:spcPct val="0"/>
+              </a:spcAft>
+            </a:pPr>
+            <a:r>
+              <a:rPr lang="en-US" altLang="zh-CN" sz="1600" dirty="0">
+                <a:solidFill>
+                  <a:schemeClr val="bg1"/>
+                </a:solidFill>
+                <a:latin typeface="Arial Unicode MS" panose="020B0604020202020204" pitchFamily="34" charset="-122"/>
+                <a:ea typeface="SFMono-Regular"/>
+              </a:rPr>
+              <a:t>  T member1;</a:t>
+            </a:r>
+          </a:p>
+          <a:p>
+            <a:pPr lvl="0" defTabSz="914400" eaLnBrk="0" fontAlgn="base" hangingPunct="0">
+              <a:spcBef>
+                <a:spcPct val="0"/>
+              </a:spcBef>
+              <a:spcAft>
+                <a:spcPct val="0"/>
+              </a:spcAft>
+            </a:pPr>
+            <a:r>
+              <a:rPr lang="en-US" altLang="zh-CN" sz="1600" dirty="0">
+                <a:solidFill>
+                  <a:schemeClr val="bg1"/>
+                </a:solidFill>
+                <a:latin typeface="Arial Unicode MS" panose="020B0604020202020204" pitchFamily="34" charset="-122"/>
+                <a:ea typeface="SFMono-Regular"/>
+              </a:rPr>
+              <a:t>  U member2;</a:t>
+            </a:r>
+          </a:p>
+          <a:p>
+            <a:pPr lvl="0" defTabSz="914400" eaLnBrk="0" fontAlgn="base" hangingPunct="0">
+              <a:spcBef>
+                <a:spcPct val="0"/>
+              </a:spcBef>
+              <a:spcAft>
+                <a:spcPct val="0"/>
+              </a:spcAft>
+            </a:pPr>
+            <a:r>
+              <a:rPr lang="en-US" altLang="zh-CN" sz="1600" dirty="0">
+                <a:solidFill>
+                  <a:schemeClr val="bg1"/>
+                </a:solidFill>
+                <a:latin typeface="Arial Unicode MS" panose="020B0604020202020204" pitchFamily="34" charset="-122"/>
+                <a:ea typeface="SFMono-Regular"/>
+              </a:rPr>
+              <a:t>};</a:t>
+            </a:r>
+          </a:p>
+          <a:p>
+            <a:pPr lvl="0" defTabSz="914400" eaLnBrk="0" fontAlgn="base" hangingPunct="0">
+              <a:spcBef>
+                <a:spcPct val="0"/>
+              </a:spcBef>
+              <a:spcAft>
+                <a:spcPct val="0"/>
+              </a:spcAft>
+            </a:pPr>
+            <a:endParaRPr lang="en-US" altLang="zh-CN" sz="1600" dirty="0">
+              <a:solidFill>
+                <a:schemeClr val="bg1"/>
+              </a:solidFill>
+              <a:latin typeface="Arial Unicode MS" panose="020B0604020202020204" pitchFamily="34" charset="-122"/>
+              <a:ea typeface="SFMono-Regular"/>
+            </a:endParaRPr>
+          </a:p>
+          <a:p>
+            <a:pPr lvl="0" defTabSz="914400" eaLnBrk="0" fontAlgn="base" hangingPunct="0">
+              <a:spcBef>
+                <a:spcPct val="0"/>
+              </a:spcBef>
+              <a:spcAft>
+                <a:spcPct val="0"/>
+              </a:spcAft>
+            </a:pPr>
+            <a:r>
+              <a:rPr lang="en-US" altLang="zh-CN" sz="1600" dirty="0">
+                <a:solidFill>
+                  <a:schemeClr val="bg1"/>
+                </a:solidFill>
+                <a:latin typeface="Arial Unicode MS" panose="020B0604020202020204" pitchFamily="34" charset="-122"/>
+                <a:ea typeface="SFMono-Regular"/>
+              </a:rPr>
+              <a:t>// fill in the public interface function definitions:</a:t>
+            </a:r>
+          </a:p>
+          <a:p>
+            <a:pPr lvl="0" defTabSz="914400" eaLnBrk="0" fontAlgn="base" hangingPunct="0">
+              <a:spcBef>
+                <a:spcPct val="0"/>
+              </a:spcBef>
+              <a:spcAft>
+                <a:spcPct val="0"/>
+              </a:spcAft>
+            </a:pPr>
+            <a:r>
+              <a:rPr lang="en-US" altLang="zh-CN" sz="1600" dirty="0">
+                <a:solidFill>
+                  <a:schemeClr val="bg1"/>
+                </a:solidFill>
+                <a:latin typeface="Arial Unicode MS" panose="020B0604020202020204" pitchFamily="34" charset="-122"/>
+                <a:ea typeface="SFMono-Regular"/>
+              </a:rPr>
+              <a:t>foo::foo() : </a:t>
+            </a:r>
+            <a:r>
+              <a:rPr lang="en-US" altLang="zh-CN" sz="1600" dirty="0" err="1">
+                <a:solidFill>
+                  <a:schemeClr val="bg1"/>
+                </a:solidFill>
+                <a:latin typeface="Arial Unicode MS" panose="020B0604020202020204" pitchFamily="34" charset="-122"/>
+                <a:ea typeface="SFMono-Regular"/>
+              </a:rPr>
+              <a:t>pImpl</a:t>
+            </a:r>
+            <a:r>
+              <a:rPr lang="en-US" altLang="zh-CN" sz="1600" dirty="0">
+                <a:solidFill>
+                  <a:schemeClr val="bg1"/>
+                </a:solidFill>
+                <a:latin typeface="Arial Unicode MS" panose="020B0604020202020204" pitchFamily="34" charset="-122"/>
+                <a:ea typeface="SFMono-Regular"/>
+              </a:rPr>
+              <a:t>(new </a:t>
+            </a:r>
+            <a:r>
+              <a:rPr lang="en-US" altLang="zh-CN" sz="1600" dirty="0" err="1">
+                <a:solidFill>
+                  <a:schemeClr val="bg1"/>
+                </a:solidFill>
+                <a:latin typeface="Arial Unicode MS" panose="020B0604020202020204" pitchFamily="34" charset="-122"/>
+                <a:ea typeface="SFMono-Regular"/>
+              </a:rPr>
+              <a:t>private_foo</a:t>
+            </a:r>
+            <a:r>
+              <a:rPr lang="en-US" altLang="zh-CN" sz="1600" dirty="0">
+                <a:solidFill>
+                  <a:schemeClr val="bg1"/>
+                </a:solidFill>
+                <a:latin typeface="Arial Unicode MS" panose="020B0604020202020204" pitchFamily="34" charset="-122"/>
+                <a:ea typeface="SFMono-Regular"/>
+              </a:rPr>
+              <a:t>()) {}</a:t>
+            </a:r>
+          </a:p>
+          <a:p>
+            <a:pPr lvl="0" defTabSz="914400" eaLnBrk="0" fontAlgn="base" hangingPunct="0">
+              <a:spcBef>
+                <a:spcPct val="0"/>
+              </a:spcBef>
+              <a:spcAft>
+                <a:spcPct val="0"/>
+              </a:spcAft>
+            </a:pPr>
+            <a:r>
+              <a:rPr lang="en-US" altLang="zh-CN" sz="1600" dirty="0">
+                <a:solidFill>
+                  <a:schemeClr val="bg1"/>
+                </a:solidFill>
+                <a:latin typeface="Arial Unicode MS" panose="020B0604020202020204" pitchFamily="34" charset="-122"/>
+                <a:ea typeface="SFMono-Regular"/>
+              </a:rPr>
+              <a:t>foo::~foo() { delete </a:t>
+            </a:r>
+            <a:r>
+              <a:rPr lang="en-US" altLang="zh-CN" sz="1600" dirty="0" err="1">
+                <a:solidFill>
+                  <a:schemeClr val="bg1"/>
+                </a:solidFill>
+                <a:latin typeface="Arial Unicode MS" panose="020B0604020202020204" pitchFamily="34" charset="-122"/>
+                <a:ea typeface="SFMono-Regular"/>
+              </a:rPr>
+              <a:t>pImpl</a:t>
+            </a:r>
+            <a:r>
+              <a:rPr lang="en-US" altLang="zh-CN" sz="1600" dirty="0">
+                <a:solidFill>
+                  <a:schemeClr val="bg1"/>
+                </a:solidFill>
+                <a:latin typeface="Arial Unicode MS" panose="020B0604020202020204" pitchFamily="34" charset="-122"/>
+                <a:ea typeface="SFMono-Regular"/>
+              </a:rPr>
+              <a:t>; }</a:t>
+            </a:r>
+          </a:p>
+          <a:p>
+            <a:pPr lvl="0" defTabSz="914400" eaLnBrk="0" fontAlgn="base" hangingPunct="0">
+              <a:spcBef>
+                <a:spcPct val="0"/>
+              </a:spcBef>
+              <a:spcAft>
+                <a:spcPct val="0"/>
+              </a:spcAft>
+            </a:pPr>
+            <a:r>
+              <a:rPr lang="en-US" altLang="zh-CN" sz="1600" dirty="0">
+                <a:solidFill>
+                  <a:schemeClr val="bg1"/>
+                </a:solidFill>
+                <a:latin typeface="Arial Unicode MS" panose="020B0604020202020204" pitchFamily="34" charset="-122"/>
+                <a:ea typeface="SFMono-Regular"/>
+              </a:rPr>
+              <a:t>void foo::bar() { </a:t>
+            </a:r>
+            <a:r>
+              <a:rPr lang="en-US" altLang="zh-CN" sz="1600" dirty="0" err="1">
+                <a:solidFill>
+                  <a:schemeClr val="bg1"/>
+                </a:solidFill>
+                <a:latin typeface="Arial Unicode MS" panose="020B0604020202020204" pitchFamily="34" charset="-122"/>
+                <a:ea typeface="SFMono-Regular"/>
+              </a:rPr>
+              <a:t>pImpl</a:t>
+            </a:r>
+            <a:r>
+              <a:rPr lang="en-US" altLang="zh-CN" sz="1600" dirty="0">
+                <a:solidFill>
+                  <a:schemeClr val="bg1"/>
+                </a:solidFill>
+                <a:latin typeface="Arial Unicode MS" panose="020B0604020202020204" pitchFamily="34" charset="-122"/>
+                <a:ea typeface="SFMono-Regular"/>
+              </a:rPr>
+              <a:t>-&gt;bar(); }</a:t>
+            </a:r>
+            <a:endParaRPr kumimoji="0" lang="zh-CN" altLang="zh-CN" sz="1600" b="0" i="0" u="none" strike="noStrike" cap="none" normalizeH="0" baseline="0" dirty="0">
+              <a:ln>
+                <a:noFill/>
+              </a:ln>
+              <a:solidFill>
+                <a:schemeClr val="bg1"/>
+              </a:solidFill>
+              <a:effectLst/>
+              <a:latin typeface="Arial" panose="020B0604020202020204" pitchFamily="34" charset="0"/>
+            </a:endParaRPr>
+          </a:p>
+        </p:txBody>
+      </p:sp>
+      <p:sp>
+        <p:nvSpPr>
+          <p:cNvPr id="2" name="矩形 1">
+            <a:extLst>
+              <a:ext uri="{FF2B5EF4-FFF2-40B4-BE49-F238E27FC236}">
+                <a16:creationId xmlns:a16="http://schemas.microsoft.com/office/drawing/2014/main" id="{97CFC890-A289-4E4C-96E0-1084A7C0C495}"/>
+              </a:ext>
+            </a:extLst>
+          </p:cNvPr>
+          <p:cNvSpPr/>
+          <p:nvPr/>
+        </p:nvSpPr>
+        <p:spPr>
+          <a:xfrm>
+            <a:off x="243558" y="844497"/>
+            <a:ext cx="4572000" cy="2585323"/>
+          </a:xfrm>
+          <a:prstGeom prst="rect">
+            <a:avLst/>
+          </a:prstGeom>
+        </p:spPr>
+        <p:txBody>
+          <a:bodyPr wrap="square">
+            <a:spAutoFit/>
+          </a:bodyPr>
+          <a:lstStyle/>
+          <a:p>
+            <a:r>
+              <a:rPr lang="en-US" altLang="zh-CN" sz="1800" dirty="0">
+                <a:solidFill>
+                  <a:srgbClr val="002060"/>
+                </a:solidFill>
+                <a:latin typeface="Arial" panose="020B0604020202020204" pitchFamily="34" charset="0"/>
+                <a:cs typeface="Arial" panose="020B0604020202020204" pitchFamily="34" charset="0"/>
+              </a:rPr>
+              <a:t>The implementation of foo is decoupled from its public interface, so that</a:t>
+            </a:r>
+          </a:p>
+          <a:p>
+            <a:pPr marL="285750" indent="-285750">
+              <a:buFont typeface="Wingdings" panose="05000000000000000000" pitchFamily="2" charset="2"/>
+              <a:buChar char="Ø"/>
+            </a:pPr>
+            <a:r>
+              <a:rPr lang="en-US" altLang="zh-CN" sz="1800" dirty="0">
+                <a:solidFill>
+                  <a:srgbClr val="002060"/>
+                </a:solidFill>
+                <a:latin typeface="Arial" panose="020B0604020202020204" pitchFamily="34" charset="0"/>
+                <a:cs typeface="Arial" panose="020B0604020202020204" pitchFamily="34" charset="0"/>
+              </a:rPr>
+              <a:t>it can use members and types from other headers without requiring these dependencies to be present when the class is used, and</a:t>
+            </a:r>
+          </a:p>
+          <a:p>
+            <a:pPr marL="285750" indent="-285750">
+              <a:buFont typeface="Wingdings" panose="05000000000000000000" pitchFamily="2" charset="2"/>
+              <a:buChar char="Ø"/>
+            </a:pPr>
+            <a:r>
+              <a:rPr lang="en-US" altLang="zh-CN" sz="1800" dirty="0">
+                <a:solidFill>
+                  <a:srgbClr val="002060"/>
+                </a:solidFill>
+                <a:latin typeface="Arial" panose="020B0604020202020204" pitchFamily="34" charset="0"/>
+                <a:cs typeface="Arial" panose="020B0604020202020204" pitchFamily="34" charset="0"/>
+              </a:rPr>
+              <a:t>the implementation can be modified without forcing a recompile of the code that uses the class.</a:t>
+            </a:r>
+            <a:endParaRPr lang="zh-CN" altLang="en-US" sz="1800" dirty="0">
+              <a:solidFill>
+                <a:srgbClr val="002060"/>
+              </a:solidFill>
+              <a:latin typeface="Arial" panose="020B0604020202020204" pitchFamily="34" charset="0"/>
+              <a:cs typeface="Arial" panose="020B0604020202020204" pitchFamily="34" charset="0"/>
+            </a:endParaRPr>
+          </a:p>
+        </p:txBody>
+      </p:sp>
+      <p:sp>
+        <p:nvSpPr>
+          <p:cNvPr id="6" name="Rectangle 1">
+            <a:extLst>
+              <a:ext uri="{FF2B5EF4-FFF2-40B4-BE49-F238E27FC236}">
+                <a16:creationId xmlns:a16="http://schemas.microsoft.com/office/drawing/2014/main" id="{B21285BC-885E-48F0-8AB9-CF8B31C9A188}"/>
+              </a:ext>
+            </a:extLst>
+          </p:cNvPr>
+          <p:cNvSpPr>
+            <a:spLocks noChangeArrowheads="1"/>
+          </p:cNvSpPr>
+          <p:nvPr/>
+        </p:nvSpPr>
+        <p:spPr bwMode="auto">
+          <a:xfrm>
+            <a:off x="243558" y="3530006"/>
+            <a:ext cx="5284786" cy="2954655"/>
+          </a:xfrm>
+          <a:prstGeom prst="rect">
+            <a:avLst/>
+          </a:prstGeom>
+          <a:solidFill>
+            <a:schemeClr val="tx1"/>
+          </a:solidFill>
+          <a:ln>
+            <a:noFill/>
+          </a:ln>
+          <a:effectLst/>
+        </p:spPr>
+        <p:txBody>
+          <a:bodyPr vert="horz" wrap="square" lIns="91440" tIns="0" rIns="91440" bIns="0" numCol="1" anchor="ctr" anchorCtr="0" compatLnSpc="1">
+            <a:prstTxWarp prst="textNoShape">
+              <a:avLst/>
+            </a:prstTxWarp>
+            <a:spAutoFit/>
+          </a:bodyPr>
+          <a:lstStyle/>
+          <a:p>
+            <a:pPr lvl="0" defTabSz="914400" eaLnBrk="0" fontAlgn="base" hangingPunct="0">
+              <a:spcBef>
+                <a:spcPct val="0"/>
+              </a:spcBef>
+              <a:spcAft>
+                <a:spcPct val="0"/>
+              </a:spcAft>
+            </a:pPr>
+            <a:r>
+              <a:rPr lang="en-US" altLang="zh-CN" sz="1600" dirty="0">
+                <a:solidFill>
+                  <a:schemeClr val="bg1"/>
+                </a:solidFill>
+                <a:latin typeface="Arial Unicode MS" panose="020B0604020202020204" pitchFamily="34" charset="-122"/>
+                <a:ea typeface="SFMono-Regular"/>
+              </a:rPr>
+              <a:t>// a forward declaration a pointer may be used</a:t>
+            </a:r>
+          </a:p>
+          <a:p>
+            <a:pPr lvl="0" defTabSz="914400" eaLnBrk="0" fontAlgn="base" hangingPunct="0">
+              <a:spcBef>
+                <a:spcPct val="0"/>
+              </a:spcBef>
+              <a:spcAft>
+                <a:spcPct val="0"/>
+              </a:spcAft>
+            </a:pPr>
+            <a:r>
+              <a:rPr lang="en-US" altLang="zh-CN" sz="1600" dirty="0">
+                <a:solidFill>
+                  <a:schemeClr val="bg1"/>
+                </a:solidFill>
+                <a:latin typeface="Arial Unicode MS" panose="020B0604020202020204" pitchFamily="34" charset="-122"/>
+                <a:ea typeface="SFMono-Regular"/>
+              </a:rPr>
+              <a:t>class </a:t>
+            </a:r>
+            <a:r>
+              <a:rPr lang="en-US" altLang="zh-CN" sz="1600" dirty="0" err="1">
+                <a:solidFill>
+                  <a:schemeClr val="bg1"/>
+                </a:solidFill>
+                <a:latin typeface="Arial Unicode MS" panose="020B0604020202020204" pitchFamily="34" charset="-122"/>
+                <a:ea typeface="SFMono-Regular"/>
+              </a:rPr>
+              <a:t>private_foo</a:t>
+            </a:r>
+            <a:r>
+              <a:rPr lang="en-US" altLang="zh-CN" sz="1600" dirty="0">
+                <a:solidFill>
+                  <a:schemeClr val="bg1"/>
+                </a:solidFill>
+                <a:latin typeface="Arial Unicode MS" panose="020B0604020202020204" pitchFamily="34" charset="-122"/>
+                <a:ea typeface="SFMono-Regular"/>
+              </a:rPr>
+              <a:t>;</a:t>
+            </a:r>
+          </a:p>
+          <a:p>
+            <a:pPr lvl="0" defTabSz="914400" eaLnBrk="0" fontAlgn="base" hangingPunct="0">
+              <a:spcBef>
+                <a:spcPct val="0"/>
+              </a:spcBef>
+              <a:spcAft>
+                <a:spcPct val="0"/>
+              </a:spcAft>
+            </a:pPr>
+            <a:endParaRPr lang="en-US" altLang="zh-CN" sz="1600" dirty="0">
+              <a:solidFill>
+                <a:schemeClr val="bg1"/>
+              </a:solidFill>
+              <a:latin typeface="Arial Unicode MS" panose="020B0604020202020204" pitchFamily="34" charset="-122"/>
+              <a:ea typeface="SFMono-Regular"/>
+            </a:endParaRPr>
+          </a:p>
+          <a:p>
+            <a:pPr lvl="0" defTabSz="914400" eaLnBrk="0" fontAlgn="base" hangingPunct="0">
+              <a:spcBef>
+                <a:spcPct val="0"/>
+              </a:spcBef>
+              <a:spcAft>
+                <a:spcPct val="0"/>
+              </a:spcAft>
+            </a:pPr>
+            <a:r>
+              <a:rPr lang="en-US" altLang="zh-CN" sz="1600" dirty="0">
+                <a:solidFill>
+                  <a:schemeClr val="bg1"/>
+                </a:solidFill>
+                <a:latin typeface="Arial Unicode MS" panose="020B0604020202020204" pitchFamily="34" charset="-122"/>
+                <a:ea typeface="SFMono-Regular"/>
+              </a:rPr>
+              <a:t>// </a:t>
+            </a:r>
+            <a:r>
+              <a:rPr lang="en-US" altLang="zh-CN" sz="1600" dirty="0" err="1">
+                <a:solidFill>
+                  <a:schemeClr val="bg1"/>
+                </a:solidFill>
+                <a:latin typeface="Arial Unicode MS" panose="020B0604020202020204" pitchFamily="34" charset="-122"/>
+                <a:ea typeface="SFMono-Regular"/>
+              </a:rPr>
+              <a:t>foo.h</a:t>
+            </a:r>
+            <a:endParaRPr lang="en-US" altLang="zh-CN" sz="1600" dirty="0">
+              <a:solidFill>
+                <a:schemeClr val="bg1"/>
+              </a:solidFill>
+              <a:latin typeface="Arial Unicode MS" panose="020B0604020202020204" pitchFamily="34" charset="-122"/>
+              <a:ea typeface="SFMono-Regular"/>
+            </a:endParaRPr>
+          </a:p>
+          <a:p>
+            <a:pPr lvl="0" defTabSz="914400" eaLnBrk="0" fontAlgn="base" hangingPunct="0">
+              <a:spcBef>
+                <a:spcPct val="0"/>
+              </a:spcBef>
+              <a:spcAft>
+                <a:spcPct val="0"/>
+              </a:spcAft>
+            </a:pPr>
+            <a:r>
+              <a:rPr lang="en-US" altLang="zh-CN" sz="1600" dirty="0">
+                <a:solidFill>
+                  <a:schemeClr val="bg1"/>
+                </a:solidFill>
+                <a:latin typeface="Arial Unicode MS" panose="020B0604020202020204" pitchFamily="34" charset="-122"/>
+                <a:ea typeface="SFMono-Regular"/>
+              </a:rPr>
+              <a:t>class foo {</a:t>
+            </a:r>
+          </a:p>
+          <a:p>
+            <a:pPr lvl="0" defTabSz="914400" eaLnBrk="0" fontAlgn="base" hangingPunct="0">
+              <a:spcBef>
+                <a:spcPct val="0"/>
+              </a:spcBef>
+              <a:spcAft>
+                <a:spcPct val="0"/>
+              </a:spcAft>
+            </a:pPr>
+            <a:r>
+              <a:rPr lang="en-US" altLang="zh-CN" sz="1600" dirty="0">
+                <a:solidFill>
+                  <a:schemeClr val="bg1"/>
+                </a:solidFill>
+                <a:latin typeface="Arial Unicode MS" panose="020B0604020202020204" pitchFamily="34" charset="-122"/>
+                <a:ea typeface="SFMono-Regular"/>
+              </a:rPr>
+              <a:t>public:</a:t>
+            </a:r>
+          </a:p>
+          <a:p>
+            <a:pPr lvl="0" defTabSz="914400" eaLnBrk="0" fontAlgn="base" hangingPunct="0">
+              <a:spcBef>
+                <a:spcPct val="0"/>
+              </a:spcBef>
+              <a:spcAft>
+                <a:spcPct val="0"/>
+              </a:spcAft>
+            </a:pPr>
+            <a:r>
+              <a:rPr lang="en-US" altLang="zh-CN" sz="1600" dirty="0">
+                <a:solidFill>
+                  <a:schemeClr val="bg1"/>
+                </a:solidFill>
+                <a:latin typeface="Arial Unicode MS" panose="020B0604020202020204" pitchFamily="34" charset="-122"/>
+                <a:ea typeface="SFMono-Regular"/>
+              </a:rPr>
+              <a:t>  foo();</a:t>
+            </a:r>
+          </a:p>
+          <a:p>
+            <a:pPr lvl="0" defTabSz="914400" eaLnBrk="0" fontAlgn="base" hangingPunct="0">
+              <a:spcBef>
+                <a:spcPct val="0"/>
+              </a:spcBef>
+              <a:spcAft>
+                <a:spcPct val="0"/>
+              </a:spcAft>
+            </a:pPr>
+            <a:r>
+              <a:rPr lang="en-US" altLang="zh-CN" sz="1600" dirty="0">
+                <a:solidFill>
+                  <a:schemeClr val="bg1"/>
+                </a:solidFill>
+                <a:latin typeface="Arial Unicode MS" panose="020B0604020202020204" pitchFamily="34" charset="-122"/>
+                <a:ea typeface="SFMono-Regular"/>
+              </a:rPr>
+              <a:t>  ~foo();</a:t>
+            </a:r>
+          </a:p>
+          <a:p>
+            <a:pPr lvl="0" defTabSz="914400" eaLnBrk="0" fontAlgn="base" hangingPunct="0">
+              <a:spcBef>
+                <a:spcPct val="0"/>
+              </a:spcBef>
+              <a:spcAft>
+                <a:spcPct val="0"/>
+              </a:spcAft>
+            </a:pPr>
+            <a:r>
+              <a:rPr lang="en-US" altLang="zh-CN" sz="1600" dirty="0">
+                <a:solidFill>
+                  <a:schemeClr val="bg1"/>
+                </a:solidFill>
+                <a:latin typeface="Arial Unicode MS" panose="020B0604020202020204" pitchFamily="34" charset="-122"/>
+                <a:ea typeface="SFMono-Regular"/>
+              </a:rPr>
+              <a:t>  void bar();</a:t>
+            </a:r>
+          </a:p>
+          <a:p>
+            <a:pPr lvl="0" defTabSz="914400" eaLnBrk="0" fontAlgn="base" hangingPunct="0">
+              <a:spcBef>
+                <a:spcPct val="0"/>
+              </a:spcBef>
+              <a:spcAft>
+                <a:spcPct val="0"/>
+              </a:spcAft>
+            </a:pPr>
+            <a:r>
+              <a:rPr lang="en-US" altLang="zh-CN" sz="1600" dirty="0">
+                <a:solidFill>
+                  <a:schemeClr val="bg1"/>
+                </a:solidFill>
+                <a:latin typeface="Arial Unicode MS" panose="020B0604020202020204" pitchFamily="34" charset="-122"/>
+                <a:ea typeface="SFMono-Regular"/>
+              </a:rPr>
+              <a:t>private:</a:t>
+            </a:r>
+          </a:p>
+          <a:p>
+            <a:pPr lvl="0" defTabSz="914400" eaLnBrk="0" fontAlgn="base" hangingPunct="0">
+              <a:spcBef>
+                <a:spcPct val="0"/>
+              </a:spcBef>
+              <a:spcAft>
+                <a:spcPct val="0"/>
+              </a:spcAft>
+            </a:pPr>
+            <a:r>
+              <a:rPr lang="en-US" altLang="zh-CN" sz="1600" dirty="0">
+                <a:solidFill>
+                  <a:schemeClr val="bg1"/>
+                </a:solidFill>
+                <a:latin typeface="Arial Unicode MS" panose="020B0604020202020204" pitchFamily="34" charset="-122"/>
+                <a:ea typeface="SFMono-Regular"/>
+              </a:rPr>
+              <a:t>  </a:t>
+            </a:r>
+            <a:r>
+              <a:rPr lang="en-US" altLang="zh-CN" sz="1600" dirty="0" err="1">
+                <a:solidFill>
+                  <a:schemeClr val="bg1"/>
+                </a:solidFill>
+                <a:latin typeface="Arial Unicode MS" panose="020B0604020202020204" pitchFamily="34" charset="-122"/>
+                <a:ea typeface="SFMono-Regular"/>
+              </a:rPr>
+              <a:t>private_foo</a:t>
+            </a:r>
+            <a:r>
+              <a:rPr lang="en-US" altLang="zh-CN" sz="1600" dirty="0">
+                <a:solidFill>
+                  <a:schemeClr val="bg1"/>
+                </a:solidFill>
+                <a:latin typeface="Arial Unicode MS" panose="020B0604020202020204" pitchFamily="34" charset="-122"/>
+                <a:ea typeface="SFMono-Regular"/>
+              </a:rPr>
+              <a:t>* </a:t>
+            </a:r>
+            <a:r>
+              <a:rPr lang="en-US" altLang="zh-CN" sz="1600" dirty="0" err="1">
+                <a:solidFill>
+                  <a:schemeClr val="bg1"/>
+                </a:solidFill>
+                <a:latin typeface="Arial Unicode MS" panose="020B0604020202020204" pitchFamily="34" charset="-122"/>
+                <a:ea typeface="SFMono-Regular"/>
+              </a:rPr>
+              <a:t>pImpl</a:t>
+            </a:r>
+            <a:r>
+              <a:rPr lang="en-US" altLang="zh-CN" sz="1600" dirty="0">
+                <a:solidFill>
+                  <a:schemeClr val="bg1"/>
+                </a:solidFill>
+                <a:latin typeface="Arial Unicode MS" panose="020B0604020202020204" pitchFamily="34" charset="-122"/>
+                <a:ea typeface="SFMono-Regular"/>
+              </a:rPr>
+              <a:t>;</a:t>
+            </a:r>
+          </a:p>
+          <a:p>
+            <a:pPr lvl="0" defTabSz="914400" eaLnBrk="0" fontAlgn="base" hangingPunct="0">
+              <a:spcBef>
+                <a:spcPct val="0"/>
+              </a:spcBef>
+              <a:spcAft>
+                <a:spcPct val="0"/>
+              </a:spcAft>
+            </a:pPr>
+            <a:r>
+              <a:rPr lang="en-US" altLang="zh-CN" sz="1600" dirty="0">
+                <a:solidFill>
+                  <a:schemeClr val="bg1"/>
+                </a:solidFill>
+                <a:latin typeface="Arial Unicode MS" panose="020B0604020202020204" pitchFamily="34" charset="-122"/>
+                <a:ea typeface="SFMono-Regular"/>
+              </a:rPr>
+              <a:t>};</a:t>
+            </a:r>
+          </a:p>
+        </p:txBody>
+      </p:sp>
+      <p:sp>
+        <p:nvSpPr>
+          <p:cNvPr id="3" name="矩形 2">
+            <a:extLst>
+              <a:ext uri="{FF2B5EF4-FFF2-40B4-BE49-F238E27FC236}">
+                <a16:creationId xmlns:a16="http://schemas.microsoft.com/office/drawing/2014/main" id="{D08D304A-3D03-49D5-B91D-2D1F8C338916}"/>
+              </a:ext>
+            </a:extLst>
+          </p:cNvPr>
+          <p:cNvSpPr/>
+          <p:nvPr/>
+        </p:nvSpPr>
+        <p:spPr>
+          <a:xfrm>
+            <a:off x="5533907" y="844497"/>
+            <a:ext cx="6414535" cy="923330"/>
+          </a:xfrm>
+          <a:prstGeom prst="rect">
+            <a:avLst/>
+          </a:prstGeom>
+        </p:spPr>
+        <p:txBody>
+          <a:bodyPr wrap="square">
+            <a:spAutoFit/>
+          </a:bodyPr>
+          <a:lstStyle/>
+          <a:p>
+            <a:r>
+              <a:rPr lang="en-US" altLang="zh-CN" sz="1800" dirty="0">
+                <a:solidFill>
+                  <a:srgbClr val="002060"/>
+                </a:solidFill>
+                <a:latin typeface="Arial" panose="020B0604020202020204" pitchFamily="34" charset="0"/>
+                <a:cs typeface="Arial" panose="020B0604020202020204" pitchFamily="34" charset="0"/>
+              </a:rPr>
+              <a:t>Users of the class simply include the header, which contains nothing specific about the implementation of the class. All implementation details are contained inside foo.cpp.</a:t>
+            </a:r>
+            <a:endParaRPr lang="zh-CN" altLang="en-US" sz="1800" dirty="0">
+              <a:solidFill>
+                <a:srgbClr val="002060"/>
+              </a:solidFill>
+              <a:latin typeface="Arial" panose="020B0604020202020204" pitchFamily="34" charset="0"/>
+              <a:cs typeface="Arial" panose="020B0604020202020204" pitchFamily="34" charset="0"/>
+            </a:endParaRPr>
+          </a:p>
+        </p:txBody>
+      </p:sp>
+      <p:sp>
+        <p:nvSpPr>
+          <p:cNvPr id="4" name="矩形 3">
+            <a:extLst>
+              <a:ext uri="{FF2B5EF4-FFF2-40B4-BE49-F238E27FC236}">
+                <a16:creationId xmlns:a16="http://schemas.microsoft.com/office/drawing/2014/main" id="{85390522-3878-4A46-856C-BAF940476238}"/>
+              </a:ext>
+            </a:extLst>
+          </p:cNvPr>
+          <p:cNvSpPr/>
+          <p:nvPr/>
+        </p:nvSpPr>
+        <p:spPr>
+          <a:xfrm>
+            <a:off x="5528344" y="1879816"/>
+            <a:ext cx="2811988" cy="307777"/>
+          </a:xfrm>
+          <a:prstGeom prst="rect">
+            <a:avLst/>
+          </a:prstGeom>
+        </p:spPr>
+        <p:txBody>
+          <a:bodyPr wrap="none">
+            <a:spAutoFit/>
+          </a:bodyPr>
+          <a:lstStyle/>
+          <a:p>
+            <a:r>
+              <a:rPr lang="en-US" altLang="zh-CN" dirty="0">
+                <a:solidFill>
+                  <a:srgbClr val="002060"/>
+                </a:solidFill>
+                <a:latin typeface="Arial" panose="020B0604020202020204" pitchFamily="34" charset="0"/>
+                <a:cs typeface="Arial" panose="020B0604020202020204" pitchFamily="34" charset="0"/>
+              </a:rPr>
+              <a:t>Someone called it "Handle Body"</a:t>
+            </a:r>
+            <a:endParaRPr lang="zh-CN" altLang="en-US" dirty="0">
+              <a:solidFill>
+                <a:srgbClr val="002060"/>
+              </a:solidFill>
+              <a:latin typeface="Arial" panose="020B0604020202020204" pitchFamily="34" charset="0"/>
+              <a:cs typeface="Arial" panose="020B0604020202020204" pitchFamily="34" charset="0"/>
+            </a:endParaRPr>
+          </a:p>
+        </p:txBody>
+      </p:sp>
+      <p:sp>
+        <p:nvSpPr>
+          <p:cNvPr id="5" name="矩形 4">
+            <a:extLst>
+              <a:ext uri="{FF2B5EF4-FFF2-40B4-BE49-F238E27FC236}">
+                <a16:creationId xmlns:a16="http://schemas.microsoft.com/office/drawing/2014/main" id="{4072B494-B6B1-4598-9F54-471F7A47F73F}"/>
+              </a:ext>
+            </a:extLst>
+          </p:cNvPr>
+          <p:cNvSpPr/>
+          <p:nvPr/>
+        </p:nvSpPr>
+        <p:spPr>
+          <a:xfrm>
+            <a:off x="4815558" y="475165"/>
+            <a:ext cx="3595856" cy="369332"/>
+          </a:xfrm>
+          <a:prstGeom prst="rect">
+            <a:avLst/>
+          </a:prstGeom>
+        </p:spPr>
+        <p:txBody>
+          <a:bodyPr wrap="none">
+            <a:spAutoFit/>
+          </a:bodyPr>
+          <a:lstStyle/>
+          <a:p>
+            <a:r>
+              <a:rPr lang="en-US" altLang="zh-CN" sz="1800" dirty="0">
+                <a:solidFill>
+                  <a:srgbClr val="7030A0"/>
+                </a:solidFill>
+                <a:latin typeface="Arial" panose="020B0604020202020204" pitchFamily="34" charset="0"/>
+                <a:cs typeface="Arial" panose="020B0604020202020204" pitchFamily="34" charset="0"/>
+              </a:rPr>
+              <a:t>contrast to runtime polymorphism</a:t>
+            </a:r>
+            <a:endParaRPr lang="zh-CN" altLang="en-US" sz="1800" dirty="0">
+              <a:solidFill>
+                <a:srgbClr val="7030A0"/>
+              </a:solidFill>
+              <a:latin typeface="Arial" panose="020B0604020202020204" pitchFamily="34" charset="0"/>
+              <a:cs typeface="Arial" panose="020B0604020202020204" pitchFamily="34" charset="0"/>
+            </a:endParaRPr>
+          </a:p>
+        </p:txBody>
+      </p:sp>
+    </p:spTree>
+    <p:extLst>
+      <p:ext uri="{BB962C8B-B14F-4D97-AF65-F5344CB8AC3E}">
+        <p14:creationId xmlns:p14="http://schemas.microsoft.com/office/powerpoint/2010/main" val="2438132771"/>
+      </p:ext>
+    </p:extLst>
+  </p:cSld>
+  <p:clrMapOvr>
+    <a:masterClrMapping/>
+  </p:clrMapOvr>
+</p:sld>
+</file>
+
+<file path=ppt/slides/slide25.xml><?xml version="1.0" encoding="utf-8"?>
 <p:sld xmlns:a="http://schemas.openxmlformats.org/drawingml/2006/main" xmlns:r="http://schemas.openxmlformats.org/officeDocument/2006/relationships" xmlns:p="http://schemas.openxmlformats.org/presentationml/2006/main">
   <p:cSld>
     <p:spTree>
@@ -23137,6 +25399,57 @@
           </a:p>
         </p:txBody>
       </p:sp>
+      <p:sp>
+        <p:nvSpPr>
+          <p:cNvPr id="2" name="矩形 1">
+            <a:extLst>
+              <a:ext uri="{FF2B5EF4-FFF2-40B4-BE49-F238E27FC236}">
+                <a16:creationId xmlns:a16="http://schemas.microsoft.com/office/drawing/2014/main" id="{C0A04B8F-3FC4-4572-9398-A55B17B796F9}"/>
+              </a:ext>
+            </a:extLst>
+          </p:cNvPr>
+          <p:cNvSpPr/>
+          <p:nvPr/>
+        </p:nvSpPr>
+        <p:spPr>
+          <a:xfrm>
+            <a:off x="2320954" y="5222603"/>
+            <a:ext cx="7550092" cy="369332"/>
+          </a:xfrm>
+          <a:prstGeom prst="rect">
+            <a:avLst/>
+          </a:prstGeom>
+        </p:spPr>
+        <p:txBody>
+          <a:bodyPr wrap="square">
+            <a:spAutoFit/>
+          </a:bodyPr>
+          <a:lstStyle/>
+          <a:p>
+            <a:r>
+              <a:rPr lang="en-US" altLang="zh-CN" sz="1800" dirty="0" err="1">
+                <a:solidFill>
+                  <a:srgbClr val="7030A0"/>
+                </a:solidFill>
+              </a:rPr>
+              <a:t>RAII,java</a:t>
+            </a:r>
+            <a:r>
+              <a:rPr lang="en-US" altLang="zh-CN" sz="1800" dirty="0">
+                <a:solidFill>
+                  <a:srgbClr val="7030A0"/>
+                </a:solidFill>
+              </a:rPr>
+              <a:t> &amp; C#: https://blog.csdn.net/u014053368/article/details/22595289</a:t>
+            </a:r>
+            <a:endParaRPr lang="zh-CN" altLang="en-US" sz="1800" dirty="0">
+              <a:solidFill>
+                <a:srgbClr val="7030A0"/>
+              </a:solidFill>
+            </a:endParaRPr>
+          </a:p>
+        </p:txBody>
+      </p:sp>
     </p:spTree>
     <p:extLst>
       <p:ext uri="{BB962C8B-B14F-4D97-AF65-F5344CB8AC3E}">

--- a/programmingWindows_extra.pptx
+++ b/programmingWindows_extra.pptx
@@ -6,7 +6,7 @@
     <p:sldMasterId id="2147483684" r:id="rId2"/>
   </p:sldMasterIdLst>
   <p:notesMasterIdLst>
-    <p:notesMasterId r:id="rId28"/>
+    <p:notesMasterId r:id="rId35"/>
   </p:notesMasterIdLst>
   <p:sldIdLst>
     <p:sldId id="256" r:id="rId3"/>
@@ -33,7 +33,14 @@
     <p:sldId id="538" r:id="rId24"/>
     <p:sldId id="539" r:id="rId25"/>
     <p:sldId id="541" r:id="rId26"/>
-    <p:sldId id="455" r:id="rId27"/>
+    <p:sldId id="542" r:id="rId27"/>
+    <p:sldId id="543" r:id="rId28"/>
+    <p:sldId id="545" r:id="rId29"/>
+    <p:sldId id="546" r:id="rId30"/>
+    <p:sldId id="547" r:id="rId31"/>
+    <p:sldId id="548" r:id="rId32"/>
+    <p:sldId id="549" r:id="rId33"/>
+    <p:sldId id="455" r:id="rId34"/>
   </p:sldIdLst>
   <p:sldSz cx="12192000" cy="6858000"/>
   <p:notesSz cx="6858000" cy="9144000"/>
@@ -1158,33 +1165,7 @@
               <a:latin typeface="微软雅黑" panose="020B0503020204020204" pitchFamily="34" charset="-122"/>
               <a:ea typeface="微软雅黑" panose="020B0503020204020204" pitchFamily="34" charset="-122"/>
             </a:rPr>
-            <a:t>x.4 </a:t>
-          </a:r>
-          <a:r>
-            <a:rPr lang="zh-CN" altLang="en-US" sz="2800" dirty="0">
-              <a:solidFill>
-                <a:schemeClr val="accent6">
-                  <a:lumMod val="60000"/>
-                  <a:lumOff val="40000"/>
-                </a:schemeClr>
-              </a:solidFill>
-              <a:latin typeface="微软雅黑" panose="020B0503020204020204" pitchFamily="34" charset="-122"/>
-              <a:ea typeface="微软雅黑" panose="020B0503020204020204" pitchFamily="34" charset="-122"/>
-            </a:rPr>
-            <a:t>内容</a:t>
-          </a:r>
-          <a:r>
-            <a:rPr lang="en-US" altLang="zh-CN" sz="2800" dirty="0">
-              <a:solidFill>
-                <a:schemeClr val="accent6">
-                  <a:lumMod val="60000"/>
-                  <a:lumOff val="40000"/>
-                </a:schemeClr>
-              </a:solidFill>
-              <a:latin typeface="微软雅黑" panose="020B0503020204020204" pitchFamily="34" charset="-122"/>
-              <a:ea typeface="微软雅黑" panose="020B0503020204020204" pitchFamily="34" charset="-122"/>
-            </a:rPr>
-            <a:t>4</a:t>
+            <a:t>x.4 XAML Islands</a:t>
           </a:r>
           <a:endParaRPr lang="zh-CN" altLang="en-US" sz="2800" dirty="0">
             <a:solidFill>
@@ -2106,33 +2087,7 @@
               <a:latin typeface="微软雅黑" panose="020B0503020204020204" pitchFamily="34" charset="-122"/>
               <a:ea typeface="微软雅黑" panose="020B0503020204020204" pitchFamily="34" charset="-122"/>
             </a:rPr>
-            <a:t>x.4 </a:t>
-          </a:r>
-          <a:r>
-            <a:rPr lang="zh-CN" altLang="en-US" sz="2800" kern="1200" dirty="0">
-              <a:solidFill>
-                <a:schemeClr val="accent6">
-                  <a:lumMod val="60000"/>
-                  <a:lumOff val="40000"/>
-                </a:schemeClr>
-              </a:solidFill>
-              <a:latin typeface="微软雅黑" panose="020B0503020204020204" pitchFamily="34" charset="-122"/>
-              <a:ea typeface="微软雅黑" panose="020B0503020204020204" pitchFamily="34" charset="-122"/>
-            </a:rPr>
-            <a:t>内容</a:t>
-          </a:r>
-          <a:r>
-            <a:rPr lang="en-US" altLang="zh-CN" sz="2800" kern="1200" dirty="0">
-              <a:solidFill>
-                <a:schemeClr val="accent6">
-                  <a:lumMod val="60000"/>
-                  <a:lumOff val="40000"/>
-                </a:schemeClr>
-              </a:solidFill>
-              <a:latin typeface="微软雅黑" panose="020B0503020204020204" pitchFamily="34" charset="-122"/>
-              <a:ea typeface="微软雅黑" panose="020B0503020204020204" pitchFamily="34" charset="-122"/>
-            </a:rPr>
-            <a:t>4</a:t>
+            <a:t>x.4 XAML Islands</a:t>
           </a:r>
           <a:endParaRPr lang="zh-CN" altLang="en-US" sz="2800" kern="1200" dirty="0">
             <a:solidFill>
@@ -4118,6 +4073,510 @@
 </p:notes>
 </file>
 
+<file path=ppt/notesSlides/notesSlide11.xml><?xml version="1.0" encoding="utf-8"?>
+<p:notes xmlns:a="http://schemas.openxmlformats.org/drawingml/2006/main" xmlns:r="http://schemas.openxmlformats.org/officeDocument/2006/relationships" xmlns:p="http://schemas.openxmlformats.org/presentationml/2006/main">
+  <p:cSld>
+    <p:spTree>
+      <p:nvGrpSpPr>
+        <p:cNvPr id="1" name=""/>
+        <p:cNvGrpSpPr/>
+        <p:nvPr/>
+      </p:nvGrpSpPr>
+      <p:grpSpPr>
+        <a:xfrm>
+          <a:off x="0" y="0"/>
+          <a:ext cx="0" cy="0"/>
+          <a:chOff x="0" y="0"/>
+          <a:chExt cx="0" cy="0"/>
+        </a:xfrm>
+      </p:grpSpPr>
+      <p:sp>
+        <p:nvSpPr>
+          <p:cNvPr id="2" name="幻灯片图像占位符 1"/>
+          <p:cNvSpPr>
+            <a:spLocks noGrp="1" noRot="1" noChangeAspect="1"/>
+          </p:cNvSpPr>
+          <p:nvPr>
+            <p:ph type="sldImg"/>
+          </p:nvPr>
+        </p:nvSpPr>
+        <p:spPr/>
+      </p:sp>
+      <p:sp>
+        <p:nvSpPr>
+          <p:cNvPr id="3" name="备注占位符 2"/>
+          <p:cNvSpPr>
+            <a:spLocks noGrp="1"/>
+          </p:cNvSpPr>
+          <p:nvPr>
+            <p:ph type="body" idx="1"/>
+          </p:nvPr>
+        </p:nvSpPr>
+        <p:spPr/>
+        <p:txBody>
+          <a:bodyPr/>
+          <a:lstStyle/>
+          <a:p>
+            <a:endParaRPr lang="zh-CN" altLang="en-US" dirty="0"/>
+          </a:p>
+        </p:txBody>
+      </p:sp>
+      <p:sp>
+        <p:nvSpPr>
+          <p:cNvPr id="4" name="灯片编号占位符 3"/>
+          <p:cNvSpPr>
+            <a:spLocks noGrp="1"/>
+          </p:cNvSpPr>
+          <p:nvPr>
+            <p:ph type="sldNum" sz="quarter" idx="5"/>
+          </p:nvPr>
+        </p:nvSpPr>
+        <p:spPr/>
+        <p:txBody>
+          <a:bodyPr/>
+          <a:lstStyle/>
+          <a:p>
+            <a:fld id="{FF6B7014-1CA7-42FF-9E69-87C27AE33F47}" type="slidenum">
+              <a:rPr lang="zh-CN" altLang="en-US" smtClean="0"/>
+              <a:t>26</a:t>
+            </a:fld>
+            <a:endParaRPr lang="zh-CN" altLang="en-US"/>
+          </a:p>
+        </p:txBody>
+      </p:sp>
+    </p:spTree>
+    <p:extLst>
+      <p:ext uri="{BB962C8B-B14F-4D97-AF65-F5344CB8AC3E}">
+        <p14:creationId xmlns:p14="http://schemas.microsoft.com/office/powerpoint/2010/main" val="2978829972"/>
+      </p:ext>
+    </p:extLst>
+  </p:cSld>
+  <p:clrMapOvr>
+    <a:masterClrMapping/>
+  </p:clrMapOvr>
+</p:notes>
+</file>
+
+<file path=ppt/notesSlides/notesSlide12.xml><?xml version="1.0" encoding="utf-8"?>
+<p:notes xmlns:a="http://schemas.openxmlformats.org/drawingml/2006/main" xmlns:r="http://schemas.openxmlformats.org/officeDocument/2006/relationships" xmlns:p="http://schemas.openxmlformats.org/presentationml/2006/main">
+  <p:cSld>
+    <p:spTree>
+      <p:nvGrpSpPr>
+        <p:cNvPr id="1" name=""/>
+        <p:cNvGrpSpPr/>
+        <p:nvPr/>
+      </p:nvGrpSpPr>
+      <p:grpSpPr>
+        <a:xfrm>
+          <a:off x="0" y="0"/>
+          <a:ext cx="0" cy="0"/>
+          <a:chOff x="0" y="0"/>
+          <a:chExt cx="0" cy="0"/>
+        </a:xfrm>
+      </p:grpSpPr>
+      <p:sp>
+        <p:nvSpPr>
+          <p:cNvPr id="2" name="幻灯片图像占位符 1"/>
+          <p:cNvSpPr>
+            <a:spLocks noGrp="1" noRot="1" noChangeAspect="1"/>
+          </p:cNvSpPr>
+          <p:nvPr>
+            <p:ph type="sldImg"/>
+          </p:nvPr>
+        </p:nvSpPr>
+        <p:spPr/>
+      </p:sp>
+      <p:sp>
+        <p:nvSpPr>
+          <p:cNvPr id="3" name="备注占位符 2"/>
+          <p:cNvSpPr>
+            <a:spLocks noGrp="1"/>
+          </p:cNvSpPr>
+          <p:nvPr>
+            <p:ph type="body" idx="1"/>
+          </p:nvPr>
+        </p:nvSpPr>
+        <p:spPr/>
+        <p:txBody>
+          <a:bodyPr/>
+          <a:lstStyle/>
+          <a:p>
+            <a:endParaRPr lang="zh-CN" altLang="en-US" dirty="0"/>
+          </a:p>
+        </p:txBody>
+      </p:sp>
+      <p:sp>
+        <p:nvSpPr>
+          <p:cNvPr id="4" name="灯片编号占位符 3"/>
+          <p:cNvSpPr>
+            <a:spLocks noGrp="1"/>
+          </p:cNvSpPr>
+          <p:nvPr>
+            <p:ph type="sldNum" sz="quarter" idx="5"/>
+          </p:nvPr>
+        </p:nvSpPr>
+        <p:spPr/>
+        <p:txBody>
+          <a:bodyPr/>
+          <a:lstStyle/>
+          <a:p>
+            <a:fld id="{FF6B7014-1CA7-42FF-9E69-87C27AE33F47}" type="slidenum">
+              <a:rPr lang="zh-CN" altLang="en-US" smtClean="0"/>
+              <a:t>27</a:t>
+            </a:fld>
+            <a:endParaRPr lang="zh-CN" altLang="en-US"/>
+          </a:p>
+        </p:txBody>
+      </p:sp>
+    </p:spTree>
+    <p:extLst>
+      <p:ext uri="{BB962C8B-B14F-4D97-AF65-F5344CB8AC3E}">
+        <p14:creationId xmlns:p14="http://schemas.microsoft.com/office/powerpoint/2010/main" val="2627110843"/>
+      </p:ext>
+    </p:extLst>
+  </p:cSld>
+  <p:clrMapOvr>
+    <a:masterClrMapping/>
+  </p:clrMapOvr>
+</p:notes>
+</file>
+
+<file path=ppt/notesSlides/notesSlide13.xml><?xml version="1.0" encoding="utf-8"?>
+<p:notes xmlns:a="http://schemas.openxmlformats.org/drawingml/2006/main" xmlns:r="http://schemas.openxmlformats.org/officeDocument/2006/relationships" xmlns:p="http://schemas.openxmlformats.org/presentationml/2006/main">
+  <p:cSld>
+    <p:spTree>
+      <p:nvGrpSpPr>
+        <p:cNvPr id="1" name=""/>
+        <p:cNvGrpSpPr/>
+        <p:nvPr/>
+      </p:nvGrpSpPr>
+      <p:grpSpPr>
+        <a:xfrm>
+          <a:off x="0" y="0"/>
+          <a:ext cx="0" cy="0"/>
+          <a:chOff x="0" y="0"/>
+          <a:chExt cx="0" cy="0"/>
+        </a:xfrm>
+      </p:grpSpPr>
+      <p:sp>
+        <p:nvSpPr>
+          <p:cNvPr id="2" name="幻灯片图像占位符 1"/>
+          <p:cNvSpPr>
+            <a:spLocks noGrp="1" noRot="1" noChangeAspect="1"/>
+          </p:cNvSpPr>
+          <p:nvPr>
+            <p:ph type="sldImg"/>
+          </p:nvPr>
+        </p:nvSpPr>
+        <p:spPr/>
+      </p:sp>
+      <p:sp>
+        <p:nvSpPr>
+          <p:cNvPr id="3" name="备注占位符 2"/>
+          <p:cNvSpPr>
+            <a:spLocks noGrp="1"/>
+          </p:cNvSpPr>
+          <p:nvPr>
+            <p:ph type="body" idx="1"/>
+          </p:nvPr>
+        </p:nvSpPr>
+        <p:spPr/>
+        <p:txBody>
+          <a:bodyPr/>
+          <a:lstStyle/>
+          <a:p>
+            <a:endParaRPr lang="zh-CN" altLang="en-US" dirty="0"/>
+          </a:p>
+        </p:txBody>
+      </p:sp>
+      <p:sp>
+        <p:nvSpPr>
+          <p:cNvPr id="4" name="灯片编号占位符 3"/>
+          <p:cNvSpPr>
+            <a:spLocks noGrp="1"/>
+          </p:cNvSpPr>
+          <p:nvPr>
+            <p:ph type="sldNum" sz="quarter" idx="5"/>
+          </p:nvPr>
+        </p:nvSpPr>
+        <p:spPr/>
+        <p:txBody>
+          <a:bodyPr/>
+          <a:lstStyle/>
+          <a:p>
+            <a:fld id="{FF6B7014-1CA7-42FF-9E69-87C27AE33F47}" type="slidenum">
+              <a:rPr lang="zh-CN" altLang="en-US" smtClean="0"/>
+              <a:t>28</a:t>
+            </a:fld>
+            <a:endParaRPr lang="zh-CN" altLang="en-US"/>
+          </a:p>
+        </p:txBody>
+      </p:sp>
+    </p:spTree>
+    <p:extLst>
+      <p:ext uri="{BB962C8B-B14F-4D97-AF65-F5344CB8AC3E}">
+        <p14:creationId xmlns:p14="http://schemas.microsoft.com/office/powerpoint/2010/main" val="2975290090"/>
+      </p:ext>
+    </p:extLst>
+  </p:cSld>
+  <p:clrMapOvr>
+    <a:masterClrMapping/>
+  </p:clrMapOvr>
+</p:notes>
+</file>
+
+<file path=ppt/notesSlides/notesSlide14.xml><?xml version="1.0" encoding="utf-8"?>
+<p:notes xmlns:a="http://schemas.openxmlformats.org/drawingml/2006/main" xmlns:r="http://schemas.openxmlformats.org/officeDocument/2006/relationships" xmlns:p="http://schemas.openxmlformats.org/presentationml/2006/main">
+  <p:cSld>
+    <p:spTree>
+      <p:nvGrpSpPr>
+        <p:cNvPr id="1" name=""/>
+        <p:cNvGrpSpPr/>
+        <p:nvPr/>
+      </p:nvGrpSpPr>
+      <p:grpSpPr>
+        <a:xfrm>
+          <a:off x="0" y="0"/>
+          <a:ext cx="0" cy="0"/>
+          <a:chOff x="0" y="0"/>
+          <a:chExt cx="0" cy="0"/>
+        </a:xfrm>
+      </p:grpSpPr>
+      <p:sp>
+        <p:nvSpPr>
+          <p:cNvPr id="2" name="幻灯片图像占位符 1"/>
+          <p:cNvSpPr>
+            <a:spLocks noGrp="1" noRot="1" noChangeAspect="1"/>
+          </p:cNvSpPr>
+          <p:nvPr>
+            <p:ph type="sldImg"/>
+          </p:nvPr>
+        </p:nvSpPr>
+        <p:spPr/>
+      </p:sp>
+      <p:sp>
+        <p:nvSpPr>
+          <p:cNvPr id="3" name="备注占位符 2"/>
+          <p:cNvSpPr>
+            <a:spLocks noGrp="1"/>
+          </p:cNvSpPr>
+          <p:nvPr>
+            <p:ph type="body" idx="1"/>
+          </p:nvPr>
+        </p:nvSpPr>
+        <p:spPr/>
+        <p:txBody>
+          <a:bodyPr/>
+          <a:lstStyle/>
+          <a:p>
+            <a:endParaRPr lang="zh-CN" altLang="en-US" dirty="0"/>
+          </a:p>
+        </p:txBody>
+      </p:sp>
+      <p:sp>
+        <p:nvSpPr>
+          <p:cNvPr id="4" name="灯片编号占位符 3"/>
+          <p:cNvSpPr>
+            <a:spLocks noGrp="1"/>
+          </p:cNvSpPr>
+          <p:nvPr>
+            <p:ph type="sldNum" sz="quarter" idx="5"/>
+          </p:nvPr>
+        </p:nvSpPr>
+        <p:spPr/>
+        <p:txBody>
+          <a:bodyPr/>
+          <a:lstStyle/>
+          <a:p>
+            <a:fld id="{FF6B7014-1CA7-42FF-9E69-87C27AE33F47}" type="slidenum">
+              <a:rPr lang="zh-CN" altLang="en-US" smtClean="0"/>
+              <a:t>29</a:t>
+            </a:fld>
+            <a:endParaRPr lang="zh-CN" altLang="en-US"/>
+          </a:p>
+        </p:txBody>
+      </p:sp>
+    </p:spTree>
+    <p:extLst>
+      <p:ext uri="{BB962C8B-B14F-4D97-AF65-F5344CB8AC3E}">
+        <p14:creationId xmlns:p14="http://schemas.microsoft.com/office/powerpoint/2010/main" val="2198808036"/>
+      </p:ext>
+    </p:extLst>
+  </p:cSld>
+  <p:clrMapOvr>
+    <a:masterClrMapping/>
+  </p:clrMapOvr>
+</p:notes>
+</file>
+
+<file path=ppt/notesSlides/notesSlide15.xml><?xml version="1.0" encoding="utf-8"?>
+<p:notes xmlns:a="http://schemas.openxmlformats.org/drawingml/2006/main" xmlns:r="http://schemas.openxmlformats.org/officeDocument/2006/relationships" xmlns:p="http://schemas.openxmlformats.org/presentationml/2006/main">
+  <p:cSld>
+    <p:spTree>
+      <p:nvGrpSpPr>
+        <p:cNvPr id="1" name=""/>
+        <p:cNvGrpSpPr/>
+        <p:nvPr/>
+      </p:nvGrpSpPr>
+      <p:grpSpPr>
+        <a:xfrm>
+          <a:off x="0" y="0"/>
+          <a:ext cx="0" cy="0"/>
+          <a:chOff x="0" y="0"/>
+          <a:chExt cx="0" cy="0"/>
+        </a:xfrm>
+      </p:grpSpPr>
+      <p:sp>
+        <p:nvSpPr>
+          <p:cNvPr id="2" name="幻灯片图像占位符 1"/>
+          <p:cNvSpPr>
+            <a:spLocks noGrp="1" noRot="1" noChangeAspect="1"/>
+          </p:cNvSpPr>
+          <p:nvPr>
+            <p:ph type="sldImg"/>
+          </p:nvPr>
+        </p:nvSpPr>
+        <p:spPr/>
+      </p:sp>
+      <p:sp>
+        <p:nvSpPr>
+          <p:cNvPr id="3" name="备注占位符 2"/>
+          <p:cNvSpPr>
+            <a:spLocks noGrp="1"/>
+          </p:cNvSpPr>
+          <p:nvPr>
+            <p:ph type="body" idx="1"/>
+          </p:nvPr>
+        </p:nvSpPr>
+        <p:spPr/>
+        <p:txBody>
+          <a:bodyPr/>
+          <a:lstStyle/>
+          <a:p>
+            <a:endParaRPr lang="zh-CN" altLang="en-US" dirty="0"/>
+          </a:p>
+        </p:txBody>
+      </p:sp>
+      <p:sp>
+        <p:nvSpPr>
+          <p:cNvPr id="4" name="灯片编号占位符 3"/>
+          <p:cNvSpPr>
+            <a:spLocks noGrp="1"/>
+          </p:cNvSpPr>
+          <p:nvPr>
+            <p:ph type="sldNum" sz="quarter" idx="5"/>
+          </p:nvPr>
+        </p:nvSpPr>
+        <p:spPr/>
+        <p:txBody>
+          <a:bodyPr/>
+          <a:lstStyle/>
+          <a:p>
+            <a:fld id="{FF6B7014-1CA7-42FF-9E69-87C27AE33F47}" type="slidenum">
+              <a:rPr lang="zh-CN" altLang="en-US" smtClean="0"/>
+              <a:t>30</a:t>
+            </a:fld>
+            <a:endParaRPr lang="zh-CN" altLang="en-US"/>
+          </a:p>
+        </p:txBody>
+      </p:sp>
+    </p:spTree>
+    <p:extLst>
+      <p:ext uri="{BB962C8B-B14F-4D97-AF65-F5344CB8AC3E}">
+        <p14:creationId xmlns:p14="http://schemas.microsoft.com/office/powerpoint/2010/main" val="3320332000"/>
+      </p:ext>
+    </p:extLst>
+  </p:cSld>
+  <p:clrMapOvr>
+    <a:masterClrMapping/>
+  </p:clrMapOvr>
+</p:notes>
+</file>
+
+<file path=ppt/notesSlides/notesSlide16.xml><?xml version="1.0" encoding="utf-8"?>
+<p:notes xmlns:a="http://schemas.openxmlformats.org/drawingml/2006/main" xmlns:r="http://schemas.openxmlformats.org/officeDocument/2006/relationships" xmlns:p="http://schemas.openxmlformats.org/presentationml/2006/main">
+  <p:cSld>
+    <p:spTree>
+      <p:nvGrpSpPr>
+        <p:cNvPr id="1" name=""/>
+        <p:cNvGrpSpPr/>
+        <p:nvPr/>
+      </p:nvGrpSpPr>
+      <p:grpSpPr>
+        <a:xfrm>
+          <a:off x="0" y="0"/>
+          <a:ext cx="0" cy="0"/>
+          <a:chOff x="0" y="0"/>
+          <a:chExt cx="0" cy="0"/>
+        </a:xfrm>
+      </p:grpSpPr>
+      <p:sp>
+        <p:nvSpPr>
+          <p:cNvPr id="2" name="幻灯片图像占位符 1"/>
+          <p:cNvSpPr>
+            <a:spLocks noGrp="1" noRot="1" noChangeAspect="1"/>
+          </p:cNvSpPr>
+          <p:nvPr>
+            <p:ph type="sldImg"/>
+          </p:nvPr>
+        </p:nvSpPr>
+        <p:spPr/>
+      </p:sp>
+      <p:sp>
+        <p:nvSpPr>
+          <p:cNvPr id="3" name="备注占位符 2"/>
+          <p:cNvSpPr>
+            <a:spLocks noGrp="1"/>
+          </p:cNvSpPr>
+          <p:nvPr>
+            <p:ph type="body" idx="1"/>
+          </p:nvPr>
+        </p:nvSpPr>
+        <p:spPr/>
+        <p:txBody>
+          <a:bodyPr/>
+          <a:lstStyle/>
+          <a:p>
+            <a:endParaRPr lang="zh-CN" altLang="en-US" dirty="0"/>
+          </a:p>
+        </p:txBody>
+      </p:sp>
+      <p:sp>
+        <p:nvSpPr>
+          <p:cNvPr id="4" name="灯片编号占位符 3"/>
+          <p:cNvSpPr>
+            <a:spLocks noGrp="1"/>
+          </p:cNvSpPr>
+          <p:nvPr>
+            <p:ph type="sldNum" sz="quarter" idx="5"/>
+          </p:nvPr>
+        </p:nvSpPr>
+        <p:spPr/>
+        <p:txBody>
+          <a:bodyPr/>
+          <a:lstStyle/>
+          <a:p>
+            <a:fld id="{FF6B7014-1CA7-42FF-9E69-87C27AE33F47}" type="slidenum">
+              <a:rPr lang="zh-CN" altLang="en-US" smtClean="0"/>
+              <a:t>31</a:t>
+            </a:fld>
+            <a:endParaRPr lang="zh-CN" altLang="en-US"/>
+          </a:p>
+        </p:txBody>
+      </p:sp>
+    </p:spTree>
+    <p:extLst>
+      <p:ext uri="{BB962C8B-B14F-4D97-AF65-F5344CB8AC3E}">
+        <p14:creationId xmlns:p14="http://schemas.microsoft.com/office/powerpoint/2010/main" val="2079557789"/>
+      </p:ext>
+    </p:extLst>
+  </p:cSld>
+  <p:clrMapOvr>
+    <a:masterClrMapping/>
+  </p:clrMapOvr>
+</p:notes>
+</file>
+
 <file path=ppt/notesSlides/notesSlide2.xml><?xml version="1.0" encoding="utf-8"?>
 <p:notes xmlns:a="http://schemas.openxmlformats.org/drawingml/2006/main" xmlns:r="http://schemas.openxmlformats.org/officeDocument/2006/relationships" xmlns:p="http://schemas.openxmlformats.org/presentationml/2006/main">
   <p:cSld>
@@ -6037,6 +6496,17 @@
 <file path=ppt/slideLayouts/slideLayout8.xml><?xml version="1.0" encoding="utf-8"?>
 <p:sldLayout xmlns:a="http://schemas.openxmlformats.org/drawingml/2006/main" xmlns:r="http://schemas.openxmlformats.org/officeDocument/2006/relationships" xmlns:p="http://schemas.openxmlformats.org/presentationml/2006/main" preserve="1" userDrawn="1">
   <p:cSld name="section 4">
+    <p:bg>
+      <p:bgPr>
+        <a:solidFill>
+          <a:schemeClr val="accent4">
+            <a:lumMod val="20000"/>
+            <a:lumOff val="80000"/>
+          </a:schemeClr>
+        </a:solidFill>
+        <a:effectLst/>
+      </p:bgPr>
+    </p:bg>
     <p:spTree>
       <p:nvGrpSpPr>
         <p:cNvPr id="1" name=""/>
@@ -6062,7 +6532,7 @@
         <p:spPr bwMode="auto">
           <a:xfrm>
             <a:off x="44018" y="63144"/>
-            <a:ext cx="3211561" cy="328231"/>
+            <a:ext cx="2571961" cy="328231"/>
           </a:xfrm>
           <a:prstGeom prst="rect">
             <a:avLst/>
@@ -6098,27 +6568,7 @@
                 <a:latin typeface="微软雅黑" panose="020B0503020204020204" pitchFamily="34" charset="-122"/>
                 <a:ea typeface="微软雅黑" panose="020B0503020204020204" pitchFamily="34" charset="-122"/>
               </a:rPr>
-              <a:t>x.4 </a:t>
-            </a:r>
-            <a:r>
-              <a:rPr lang="zh-CN" altLang="en-US" sz="2133" b="1" dirty="0">
-                <a:solidFill>
-                  <a:srgbClr val="1C4885"/>
-                </a:solidFill>
-                <a:latin typeface="微软雅黑" panose="020B0503020204020204" pitchFamily="34" charset="-122"/>
-                <a:ea typeface="微软雅黑" panose="020B0503020204020204" pitchFamily="34" charset="-122"/>
-              </a:rPr>
-              <a:t>内容</a:t>
-            </a:r>
-            <a:r>
-              <a:rPr lang="en-US" altLang="zh-CN" sz="2133" b="1" dirty="0">
-                <a:solidFill>
-                  <a:srgbClr val="1C4885"/>
-                </a:solidFill>
-                <a:latin typeface="微软雅黑" panose="020B0503020204020204" pitchFamily="34" charset="-122"/>
-                <a:ea typeface="微软雅黑" panose="020B0503020204020204" pitchFamily="34" charset="-122"/>
-              </a:rPr>
-              <a:t>4</a:t>
+              <a:t>x.4 XAML Islands</a:t>
             </a:r>
             <a:endParaRPr lang="zh-CN" altLang="en-US" sz="2133" b="1" dirty="0">
               <a:solidFill>
@@ -22033,6 +22483,104 @@
           </a:p>
         </p:txBody>
       </p:sp>
+      <p:sp>
+        <p:nvSpPr>
+          <p:cNvPr id="8" name="矩形 7">
+            <a:extLst>
+              <a:ext uri="{FF2B5EF4-FFF2-40B4-BE49-F238E27FC236}">
+                <a16:creationId xmlns:a16="http://schemas.microsoft.com/office/drawing/2014/main" id="{F90B51E7-6E37-4D36-B533-51C2C5144FF2}"/>
+              </a:ext>
+            </a:extLst>
+          </p:cNvPr>
+          <p:cNvSpPr/>
+          <p:nvPr/>
+        </p:nvSpPr>
+        <p:spPr>
+          <a:xfrm>
+            <a:off x="5468264" y="3275112"/>
+            <a:ext cx="1255472" cy="307777"/>
+          </a:xfrm>
+          <a:prstGeom prst="rect">
+            <a:avLst/>
+          </a:prstGeom>
+        </p:spPr>
+        <p:txBody>
+          <a:bodyPr wrap="none">
+            <a:spAutoFit/>
+          </a:bodyPr>
+          <a:lstStyle/>
+          <a:p>
+            <a:r>
+              <a:rPr lang="en-US" altLang="zh-CN" i="1" dirty="0">
+                <a:solidFill>
+                  <a:srgbClr val="171717"/>
+                </a:solidFill>
+                <a:latin typeface="Segoe UI" panose="020B0502040204020203" pitchFamily="34" charset="0"/>
+              </a:rPr>
+              <a:t>XAML Islands</a:t>
+            </a:r>
+            <a:r>
+              <a:rPr lang="en-US" altLang="zh-CN" dirty="0">
+                <a:solidFill>
+                  <a:srgbClr val="171717"/>
+                </a:solidFill>
+                <a:latin typeface="Segoe UI" panose="020B0502040204020203" pitchFamily="34" charset="0"/>
+              </a:rPr>
+              <a:t>.</a:t>
+            </a:r>
+            <a:endParaRPr lang="zh-CN" altLang="en-US" dirty="0"/>
+          </a:p>
+        </p:txBody>
+      </p:sp>
+      <p:sp>
+        <p:nvSpPr>
+          <p:cNvPr id="9" name="矩形 8">
+            <a:extLst>
+              <a:ext uri="{FF2B5EF4-FFF2-40B4-BE49-F238E27FC236}">
+                <a16:creationId xmlns:a16="http://schemas.microsoft.com/office/drawing/2014/main" id="{7101F1E2-D434-4B0F-AF2F-13475805F2B4}"/>
+              </a:ext>
+            </a:extLst>
+          </p:cNvPr>
+          <p:cNvSpPr/>
+          <p:nvPr/>
+        </p:nvSpPr>
+        <p:spPr>
+          <a:xfrm>
+            <a:off x="5468264" y="3275112"/>
+            <a:ext cx="1255472" cy="307777"/>
+          </a:xfrm>
+          <a:prstGeom prst="rect">
+            <a:avLst/>
+          </a:prstGeom>
+        </p:spPr>
+        <p:txBody>
+          <a:bodyPr wrap="none">
+            <a:spAutoFit/>
+          </a:bodyPr>
+          <a:lstStyle/>
+          <a:p>
+            <a:r>
+              <a:rPr lang="en-US" altLang="zh-CN" i="1" dirty="0">
+                <a:solidFill>
+                  <a:srgbClr val="171717"/>
+                </a:solidFill>
+                <a:latin typeface="Segoe UI" panose="020B0502040204020203" pitchFamily="34" charset="0"/>
+              </a:rPr>
+              <a:t>XAML Islands</a:t>
+            </a:r>
+            <a:r>
+              <a:rPr lang="en-US" altLang="zh-CN" dirty="0">
+                <a:solidFill>
+                  <a:srgbClr val="171717"/>
+                </a:solidFill>
+                <a:latin typeface="Segoe UI" panose="020B0502040204020203" pitchFamily="34" charset="0"/>
+              </a:rPr>
+              <a:t>.</a:t>
+            </a:r>
+            <a:endParaRPr lang="zh-CN" altLang="en-US" dirty="0"/>
+          </a:p>
+        </p:txBody>
+      </p:sp>
     </p:spTree>
     <p:extLst>
       <p:ext uri="{BB962C8B-B14F-4D97-AF65-F5344CB8AC3E}">
@@ -22047,6 +22595,934 @@
 </file>
 
 <file path=ppt/slides/slide25.xml><?xml version="1.0" encoding="utf-8"?>
+<p:sld xmlns:a="http://schemas.openxmlformats.org/drawingml/2006/main" xmlns:r="http://schemas.openxmlformats.org/officeDocument/2006/relationships" xmlns:p="http://schemas.openxmlformats.org/presentationml/2006/main">
+  <p:cSld>
+    <p:bg>
+      <p:bgPr>
+        <a:solidFill>
+          <a:schemeClr val="accent4">
+            <a:lumMod val="20000"/>
+            <a:lumOff val="80000"/>
+          </a:schemeClr>
+        </a:solidFill>
+        <a:effectLst/>
+      </p:bgPr>
+    </p:bg>
+    <p:spTree>
+      <p:nvGrpSpPr>
+        <p:cNvPr id="1" name=""/>
+        <p:cNvGrpSpPr/>
+        <p:nvPr/>
+      </p:nvGrpSpPr>
+      <p:grpSpPr>
+        <a:xfrm>
+          <a:off x="0" y="0"/>
+          <a:ext cx="0" cy="0"/>
+          <a:chOff x="0" y="0"/>
+          <a:chExt cx="0" cy="0"/>
+        </a:xfrm>
+      </p:grpSpPr>
+      <p:sp>
+        <p:nvSpPr>
+          <p:cNvPr id="7171" name="Rectangle 2"/>
+          <p:cNvSpPr>
+            <a:spLocks noGrp="1" noChangeArrowheads="1"/>
+          </p:cNvSpPr>
+          <p:nvPr>
+            <p:ph type="title"/>
+          </p:nvPr>
+        </p:nvSpPr>
+        <p:spPr>
+          <a:xfrm>
+            <a:off x="330199" y="1143000"/>
+            <a:ext cx="3336365" cy="727494"/>
+          </a:xfrm>
+        </p:spPr>
+        <p:txBody>
+          <a:bodyPr>
+            <a:normAutofit fontScale="90000"/>
+          </a:bodyPr>
+          <a:lstStyle/>
+          <a:p>
+            <a:r>
+              <a:rPr lang="en-US" altLang="zh-CN" dirty="0">
+                <a:latin typeface="Arial" panose="020B0604020202020204" pitchFamily="34" charset="0"/>
+                <a:cs typeface="Arial" panose="020B0604020202020204" pitchFamily="34" charset="0"/>
+              </a:rPr>
+              <a:t>x.4 XAML Islands</a:t>
+            </a:r>
+            <a:endParaRPr lang="zh-CN" altLang="en-US" dirty="0">
+              <a:latin typeface="Arial" panose="020B0604020202020204" pitchFamily="34" charset="0"/>
+              <a:cs typeface="Arial" panose="020B0604020202020204" pitchFamily="34" charset="0"/>
+            </a:endParaRPr>
+          </a:p>
+        </p:txBody>
+      </p:sp>
+      <p:sp>
+        <p:nvSpPr>
+          <p:cNvPr id="7172" name="Rectangle 3"/>
+          <p:cNvSpPr>
+            <a:spLocks noGrp="1" noChangeArrowheads="1"/>
+          </p:cNvSpPr>
+          <p:nvPr>
+            <p:ph type="body" idx="1"/>
+          </p:nvPr>
+        </p:nvSpPr>
+        <p:spPr>
+          <a:xfrm>
+            <a:off x="1480329" y="1981006"/>
+            <a:ext cx="8982517" cy="3631858"/>
+          </a:xfrm>
+        </p:spPr>
+        <p:txBody>
+          <a:bodyPr>
+            <a:normAutofit fontScale="77500" lnSpcReduction="20000"/>
+          </a:bodyPr>
+          <a:lstStyle/>
+          <a:p>
+            <a:pPr marL="0" indent="0">
+              <a:buNone/>
+            </a:pPr>
+            <a:r>
+              <a:rPr lang="en-US" altLang="zh-CN" sz="3600" dirty="0"/>
+              <a:t>Starting in Windows 10, version 1903, non-UWP desktop apps (including C++ Win32, WPF, and Windows Forms apps) can use the UWP XAML hosting API to host UWP controls in any UI element that is associated with a window handle (HWND)</a:t>
+            </a:r>
+            <a:endParaRPr lang="zh-CN" altLang="en-US" sz="3600" dirty="0"/>
+          </a:p>
+          <a:p>
+            <a:pPr lvl="1"/>
+            <a:endParaRPr lang="en-US" altLang="zh-CN" sz="3300" dirty="0"/>
+          </a:p>
+          <a:p>
+            <a:pPr lvl="1"/>
+            <a:r>
+              <a:rPr lang="en-US" altLang="zh-CN" sz="3300" dirty="0"/>
+              <a:t>enables non-UWP desktop apps to use the UI features that are only available via UWP controls</a:t>
+            </a:r>
+          </a:p>
+          <a:p>
+            <a:pPr lvl="2"/>
+            <a:r>
+              <a:rPr lang="en-US" altLang="zh-CN" sz="2900" dirty="0">
+                <a:latin typeface="Arial" panose="020B0604020202020204" pitchFamily="34" charset="0"/>
+                <a:cs typeface="Arial" panose="020B0604020202020204" pitchFamily="34" charset="0"/>
+              </a:rPr>
+              <a:t>host UWP controls that use the Fluent Design System</a:t>
+            </a:r>
+          </a:p>
+          <a:p>
+            <a:pPr lvl="2"/>
+            <a:r>
+              <a:rPr lang="en-US" altLang="zh-CN" sz="2900" dirty="0">
+                <a:latin typeface="Arial" panose="020B0604020202020204" pitchFamily="34" charset="0"/>
+                <a:cs typeface="Arial" panose="020B0604020202020204" pitchFamily="34" charset="0"/>
+              </a:rPr>
+              <a:t>support Windows Ink</a:t>
+            </a:r>
+          </a:p>
+        </p:txBody>
+      </p:sp>
+      <p:sp>
+        <p:nvSpPr>
+          <p:cNvPr id="7" name="矩形 6">
+            <a:extLst>
+              <a:ext uri="{FF2B5EF4-FFF2-40B4-BE49-F238E27FC236}">
+                <a16:creationId xmlns:a16="http://schemas.microsoft.com/office/drawing/2014/main" id="{4F541047-89E9-4DBC-A29E-290C41DF8CBE}"/>
+              </a:ext>
+            </a:extLst>
+          </p:cNvPr>
+          <p:cNvSpPr/>
+          <p:nvPr/>
+        </p:nvSpPr>
+        <p:spPr>
+          <a:xfrm>
+            <a:off x="1134208" y="6123819"/>
+            <a:ext cx="10454054" cy="369332"/>
+          </a:xfrm>
+          <a:prstGeom prst="rect">
+            <a:avLst/>
+          </a:prstGeom>
+        </p:spPr>
+        <p:txBody>
+          <a:bodyPr wrap="square">
+            <a:spAutoFit/>
+          </a:bodyPr>
+          <a:lstStyle/>
+          <a:p>
+            <a:r>
+              <a:rPr lang="zh-CN" altLang="en-US" sz="1800" dirty="0">
+                <a:solidFill>
+                  <a:srgbClr val="FF0000"/>
+                </a:solidFill>
+                <a:latin typeface="微软雅黑" panose="020B0503020204020204" pitchFamily="34" charset="-122"/>
+                <a:ea typeface="微软雅黑" panose="020B0503020204020204" pitchFamily="34" charset="-122"/>
+              </a:rPr>
+              <a:t>参考网页  </a:t>
+            </a:r>
+            <a:r>
+              <a:rPr lang="en-US" altLang="zh-CN" sz="1800" dirty="0">
+                <a:solidFill>
+                  <a:srgbClr val="7030A0"/>
+                </a:solidFill>
+              </a:rPr>
+              <a:t>https://docs.microsoft.com/en-us/windows/apps/desktop/modernize/using-the-xaml-hosting-api</a:t>
+            </a:r>
+            <a:endParaRPr lang="zh-CN" altLang="en-US" sz="1800" dirty="0">
+              <a:solidFill>
+                <a:srgbClr val="7030A0"/>
+              </a:solidFill>
+            </a:endParaRPr>
+          </a:p>
+        </p:txBody>
+      </p:sp>
+      <p:sp>
+        <p:nvSpPr>
+          <p:cNvPr id="2" name="矩形 1">
+            <a:extLst>
+              <a:ext uri="{FF2B5EF4-FFF2-40B4-BE49-F238E27FC236}">
+                <a16:creationId xmlns:a16="http://schemas.microsoft.com/office/drawing/2014/main" id="{92748AA7-DED5-47AE-A37C-0B6BB15450C0}"/>
+              </a:ext>
+            </a:extLst>
+          </p:cNvPr>
+          <p:cNvSpPr/>
+          <p:nvPr/>
+        </p:nvSpPr>
+        <p:spPr>
+          <a:xfrm>
+            <a:off x="5005599" y="1245137"/>
+            <a:ext cx="3995453" cy="523220"/>
+          </a:xfrm>
+          <a:prstGeom prst="rect">
+            <a:avLst/>
+          </a:prstGeom>
+        </p:spPr>
+        <p:txBody>
+          <a:bodyPr wrap="none">
+            <a:spAutoFit/>
+          </a:bodyPr>
+          <a:lstStyle/>
+          <a:p>
+            <a:r>
+              <a:rPr lang="en-US" altLang="zh-CN" sz="2800" dirty="0">
+                <a:solidFill>
+                  <a:srgbClr val="7030A0"/>
+                </a:solidFill>
+                <a:latin typeface="Arial" panose="020B0604020202020204" pitchFamily="34" charset="0"/>
+                <a:cs typeface="Arial" panose="020B0604020202020204" pitchFamily="34" charset="0"/>
+              </a:rPr>
+              <a:t>UWP XAML hosting API</a:t>
+            </a:r>
+            <a:endParaRPr lang="zh-CN" altLang="en-US" sz="2800" dirty="0">
+              <a:solidFill>
+                <a:srgbClr val="7030A0"/>
+              </a:solidFill>
+              <a:latin typeface="Arial" panose="020B0604020202020204" pitchFamily="34" charset="0"/>
+              <a:cs typeface="Arial" panose="020B0604020202020204" pitchFamily="34" charset="0"/>
+            </a:endParaRPr>
+          </a:p>
+        </p:txBody>
+      </p:sp>
+    </p:spTree>
+    <p:extLst>
+      <p:ext uri="{BB962C8B-B14F-4D97-AF65-F5344CB8AC3E}">
+        <p14:creationId xmlns:p14="http://schemas.microsoft.com/office/powerpoint/2010/main" val="1906562942"/>
+      </p:ext>
+    </p:extLst>
+  </p:cSld>
+  <p:clrMapOvr>
+    <a:masterClrMapping/>
+  </p:clrMapOvr>
+  <mc:AlternateContent xmlns:mc="http://schemas.openxmlformats.org/markup-compatibility/2006" xmlns:p14="http://schemas.microsoft.com/office/powerpoint/2010/main">
+    <mc:Choice Requires="p14">
+      <p:transition p14:dur="10"/>
+    </mc:Choice>
+    <mc:Fallback xmlns="">
+      <p:transition/>
+    </mc:Fallback>
+  </mc:AlternateContent>
+</p:sld>
+</file>
+
+<file path=ppt/slides/slide26.xml><?xml version="1.0" encoding="utf-8"?>
+<p:sld xmlns:a="http://schemas.openxmlformats.org/drawingml/2006/main" xmlns:r="http://schemas.openxmlformats.org/officeDocument/2006/relationships" xmlns:p="http://schemas.openxmlformats.org/presentationml/2006/main">
+  <p:cSld>
+    <p:bg>
+      <p:bgPr>
+        <a:solidFill>
+          <a:schemeClr val="accent4">
+            <a:lumMod val="20000"/>
+            <a:lumOff val="80000"/>
+          </a:schemeClr>
+        </a:solidFill>
+        <a:effectLst/>
+      </p:bgPr>
+    </p:bg>
+    <p:spTree>
+      <p:nvGrpSpPr>
+        <p:cNvPr id="1" name=""/>
+        <p:cNvGrpSpPr/>
+        <p:nvPr/>
+      </p:nvGrpSpPr>
+      <p:grpSpPr>
+        <a:xfrm>
+          <a:off x="0" y="0"/>
+          <a:ext cx="0" cy="0"/>
+          <a:chOff x="0" y="0"/>
+          <a:chExt cx="0" cy="0"/>
+        </a:xfrm>
+      </p:grpSpPr>
+      <p:sp>
+        <p:nvSpPr>
+          <p:cNvPr id="7171" name="Rectangle 2"/>
+          <p:cNvSpPr>
+            <a:spLocks noGrp="1" noChangeArrowheads="1"/>
+          </p:cNvSpPr>
+          <p:nvPr>
+            <p:ph type="title"/>
+          </p:nvPr>
+        </p:nvSpPr>
+        <p:spPr>
+          <a:xfrm>
+            <a:off x="330199" y="1143000"/>
+            <a:ext cx="3502891" cy="727494"/>
+          </a:xfrm>
+        </p:spPr>
+        <p:txBody>
+          <a:bodyPr>
+            <a:normAutofit fontScale="90000"/>
+          </a:bodyPr>
+          <a:lstStyle/>
+          <a:p>
+            <a:r>
+              <a:rPr lang="en-US" altLang="zh-CN" dirty="0">
+                <a:latin typeface="Arial" panose="020B0604020202020204" pitchFamily="34" charset="0"/>
+                <a:cs typeface="Arial" panose="020B0604020202020204" pitchFamily="34" charset="0"/>
+              </a:rPr>
+              <a:t>x.4 XAML Islands</a:t>
+            </a:r>
+            <a:endParaRPr lang="zh-CN" altLang="en-US" dirty="0">
+              <a:latin typeface="Arial" panose="020B0604020202020204" pitchFamily="34" charset="0"/>
+              <a:cs typeface="Arial" panose="020B0604020202020204" pitchFamily="34" charset="0"/>
+            </a:endParaRPr>
+          </a:p>
+        </p:txBody>
+      </p:sp>
+      <p:sp>
+        <p:nvSpPr>
+          <p:cNvPr id="5" name="Rectangle 6">
+            <a:extLst>
+              <a:ext uri="{FF2B5EF4-FFF2-40B4-BE49-F238E27FC236}">
+                <a16:creationId xmlns:a16="http://schemas.microsoft.com/office/drawing/2014/main" id="{E09C1E02-3324-44AD-B44A-49A99D989185}"/>
+              </a:ext>
+            </a:extLst>
+          </p:cNvPr>
+          <p:cNvSpPr>
+            <a:spLocks noChangeArrowheads="1"/>
+          </p:cNvSpPr>
+          <p:nvPr/>
+        </p:nvSpPr>
+        <p:spPr bwMode="auto">
+          <a:xfrm>
+            <a:off x="44021" y="63145"/>
+            <a:ext cx="2479372" cy="328231"/>
+          </a:xfrm>
+          <a:prstGeom prst="rect">
+            <a:avLst/>
+          </a:prstGeom>
+          <a:noFill/>
+          <a:ln>
+            <a:solidFill>
+              <a:schemeClr val="accent1"/>
+            </a:solidFill>
+          </a:ln>
+          <a:extLst>
+            <a:ext uri="{909E8E84-426E-40DD-AFC4-6F175D3DCCD1}">
+              <a14:hiddenFill xmlns:a14="http://schemas.microsoft.com/office/drawing/2010/main">
+                <a:solidFill>
+                  <a:srgbClr val="FFFFFF"/>
+                </a:solidFill>
+              </a14:hiddenFill>
+            </a:ext>
+          </a:extLst>
+        </p:spPr>
+        <p:txBody>
+          <a:bodyPr wrap="square" lIns="143889" tIns="0" rIns="0" bIns="0" anchor="ctr" anchorCtr="0">
+            <a:spAutoFit/>
+          </a:bodyPr>
+          <a:lstStyle/>
+          <a:p>
+            <a:r>
+              <a:rPr lang="en-US" altLang="zh-CN" sz="2133" b="1" dirty="0">
+                <a:solidFill>
+                  <a:srgbClr val="1C4885"/>
+                </a:solidFill>
+                <a:latin typeface="Arial" panose="020B0604020202020204" pitchFamily="34" charset="0"/>
+                <a:ea typeface="微软雅黑" panose="020B0503020204020204" pitchFamily="34" charset="-122"/>
+                <a:cs typeface="Arial" panose="020B0604020202020204" pitchFamily="34" charset="0"/>
+              </a:rPr>
+              <a:t>x.4 XAML Islands</a:t>
+            </a:r>
+            <a:endParaRPr lang="zh-CN" altLang="en-US" sz="2133" b="1" dirty="0">
+              <a:solidFill>
+                <a:srgbClr val="1C4885"/>
+              </a:solidFill>
+              <a:latin typeface="Arial" panose="020B0604020202020204" pitchFamily="34" charset="0"/>
+              <a:ea typeface="微软雅黑" panose="020B0503020204020204" pitchFamily="34" charset="-122"/>
+              <a:cs typeface="Arial" panose="020B0604020202020204" pitchFamily="34" charset="0"/>
+            </a:endParaRPr>
+          </a:p>
+        </p:txBody>
+      </p:sp>
+      <p:sp>
+        <p:nvSpPr>
+          <p:cNvPr id="8" name="Rectangle 3">
+            <a:extLst>
+              <a:ext uri="{FF2B5EF4-FFF2-40B4-BE49-F238E27FC236}">
+                <a16:creationId xmlns:a16="http://schemas.microsoft.com/office/drawing/2014/main" id="{F95559FD-3B33-405F-875C-C2769F06D8E6}"/>
+              </a:ext>
+            </a:extLst>
+          </p:cNvPr>
+          <p:cNvSpPr txBox="1">
+            <a:spLocks noChangeArrowheads="1"/>
+          </p:cNvSpPr>
+          <p:nvPr/>
+        </p:nvSpPr>
+        <p:spPr bwMode="auto">
+          <a:xfrm>
+            <a:off x="1480329" y="1981006"/>
+            <a:ext cx="8982517" cy="3631858"/>
+          </a:xfrm>
+          <a:prstGeom prst="rect">
+            <a:avLst/>
+          </a:prstGeom>
+          <a:noFill/>
+          <a:ln>
+            <a:noFill/>
+          </a:ln>
+          <a:extLst>
+            <a:ext uri="{909E8E84-426E-40DD-AFC4-6F175D3DCCD1}">
+              <a14:hiddenFill xmlns:a14="http://schemas.microsoft.com/office/drawing/2010/main">
+                <a:solidFill>
+                  <a:srgbClr val="FFFFFF"/>
+                </a:solidFill>
+              </a14:hiddenFill>
+            </a:ext>
+            <a:ext uri="{91240B29-F687-4F45-9708-019B960494DF}">
+              <a14:hiddenLine xmlns:a14="http://schemas.microsoft.com/office/drawing/2010/main" w="9525">
+                <a:solidFill>
+                  <a:srgbClr val="000000"/>
+                </a:solidFill>
+                <a:miter lim="800000"/>
+                <a:headEnd/>
+                <a:tailEnd/>
+              </a14:hiddenLine>
+            </a:ext>
+          </a:extLst>
+        </p:spPr>
+        <p:txBody>
+          <a:bodyPr vert="horz" wrap="square" lIns="68589" tIns="34295" rIns="68589" bIns="34295" numCol="1" anchor="t" anchorCtr="0" compatLnSpc="1">
+            <a:normAutofit fontScale="77500" lnSpcReduction="20000"/>
+          </a:bodyPr>
+          <a:lstStyle>
+            <a:lvl1pPr marL="228526" indent="-228526" algn="l" rtl="0" eaLnBrk="1" fontAlgn="base" hangingPunct="1">
+              <a:lnSpc>
+                <a:spcPct val="90000"/>
+              </a:lnSpc>
+              <a:spcBef>
+                <a:spcPts val="1000"/>
+              </a:spcBef>
+              <a:spcAft>
+                <a:spcPct val="0"/>
+              </a:spcAft>
+              <a:buFont typeface="Wingdings" panose="05000000000000000000" charset="0"/>
+              <a:buChar char=""/>
+              <a:defRPr sz="2799">
+                <a:solidFill>
+                  <a:srgbClr val="002060"/>
+                </a:solidFill>
+                <a:latin typeface="微软雅黑" panose="020B0503020204020204" pitchFamily="34" charset="-122"/>
+                <a:ea typeface="微软雅黑" panose="020B0503020204020204" pitchFamily="34" charset="-122"/>
+                <a:cs typeface="+mn-cs"/>
+              </a:defRPr>
+            </a:lvl1pPr>
+            <a:lvl2pPr marL="685577" indent="-228526" algn="l" rtl="0" eaLnBrk="1" fontAlgn="base" hangingPunct="1">
+              <a:lnSpc>
+                <a:spcPct val="90000"/>
+              </a:lnSpc>
+              <a:spcBef>
+                <a:spcPts val="500"/>
+              </a:spcBef>
+              <a:spcAft>
+                <a:spcPct val="0"/>
+              </a:spcAft>
+              <a:buFont typeface="宋体" panose="02010600030101010101" pitchFamily="2" charset="-122"/>
+              <a:buChar char="–"/>
+              <a:defRPr sz="2399">
+                <a:solidFill>
+                  <a:srgbClr val="002060"/>
+                </a:solidFill>
+                <a:latin typeface="微软雅黑" panose="020B0503020204020204" pitchFamily="34" charset="-122"/>
+                <a:ea typeface="微软雅黑" panose="020B0503020204020204" pitchFamily="34" charset="-122"/>
+              </a:defRPr>
+            </a:lvl2pPr>
+            <a:lvl3pPr marL="1142629" indent="-228526" algn="l" rtl="0" eaLnBrk="1" fontAlgn="base" hangingPunct="1">
+              <a:lnSpc>
+                <a:spcPct val="90000"/>
+              </a:lnSpc>
+              <a:spcBef>
+                <a:spcPts val="500"/>
+              </a:spcBef>
+              <a:spcAft>
+                <a:spcPct val="0"/>
+              </a:spcAft>
+              <a:buFont typeface="Wingdings" panose="05000000000000000000" charset="0"/>
+              <a:buChar char=""/>
+              <a:defRPr sz="1999">
+                <a:solidFill>
+                  <a:srgbClr val="002060"/>
+                </a:solidFill>
+                <a:latin typeface="微软雅黑" panose="020B0503020204020204" pitchFamily="34" charset="-122"/>
+                <a:ea typeface="微软雅黑" panose="020B0503020204020204" pitchFamily="34" charset="-122"/>
+              </a:defRPr>
+            </a:lvl3pPr>
+            <a:lvl4pPr marL="1599680" indent="-228526" algn="l" rtl="0" eaLnBrk="1" fontAlgn="base" hangingPunct="1">
+              <a:lnSpc>
+                <a:spcPct val="90000"/>
+              </a:lnSpc>
+              <a:spcBef>
+                <a:spcPts val="500"/>
+              </a:spcBef>
+              <a:spcAft>
+                <a:spcPct val="0"/>
+              </a:spcAft>
+              <a:buFont typeface="Arial" panose="020B0604020202020204" pitchFamily="34" charset="0"/>
+              <a:buChar char="•"/>
+              <a:defRPr sz="1999">
+                <a:solidFill>
+                  <a:srgbClr val="002060"/>
+                </a:solidFill>
+                <a:latin typeface="微软雅黑" panose="020B0503020204020204" pitchFamily="34" charset="-122"/>
+                <a:ea typeface="微软雅黑" panose="020B0503020204020204" pitchFamily="34" charset="-122"/>
+              </a:defRPr>
+            </a:lvl4pPr>
+            <a:lvl5pPr marL="2056731" indent="-228526" algn="l" rtl="0" eaLnBrk="1" fontAlgn="base" hangingPunct="1">
+              <a:lnSpc>
+                <a:spcPct val="90000"/>
+              </a:lnSpc>
+              <a:spcBef>
+                <a:spcPts val="500"/>
+              </a:spcBef>
+              <a:spcAft>
+                <a:spcPct val="0"/>
+              </a:spcAft>
+              <a:buFont typeface="Arial" panose="020B0604020202020204" pitchFamily="34" charset="0"/>
+              <a:buChar char="•"/>
+              <a:defRPr sz="1999">
+                <a:solidFill>
+                  <a:srgbClr val="002060"/>
+                </a:solidFill>
+                <a:latin typeface="微软雅黑" panose="020B0503020204020204" pitchFamily="34" charset="-122"/>
+                <a:ea typeface="微软雅黑" panose="020B0503020204020204" pitchFamily="34" charset="-122"/>
+              </a:defRPr>
+            </a:lvl5pPr>
+            <a:lvl6pPr marL="2513783" indent="-228526" algn="l" rtl="0" eaLnBrk="1" fontAlgn="base" hangingPunct="1">
+              <a:lnSpc>
+                <a:spcPct val="90000"/>
+              </a:lnSpc>
+              <a:spcBef>
+                <a:spcPts val="500"/>
+              </a:spcBef>
+              <a:spcAft>
+                <a:spcPct val="0"/>
+              </a:spcAft>
+              <a:buFont typeface="Arial" panose="020B0604020202020204" pitchFamily="34" charset="0"/>
+              <a:buChar char="•"/>
+              <a:defRPr>
+                <a:solidFill>
+                  <a:schemeClr val="tx1"/>
+                </a:solidFill>
+                <a:latin typeface="+mn-lt"/>
+                <a:ea typeface="+mn-ea"/>
+              </a:defRPr>
+            </a:lvl6pPr>
+            <a:lvl7pPr marL="2970834" indent="-228526" algn="l" rtl="0" eaLnBrk="1" fontAlgn="base" hangingPunct="1">
+              <a:lnSpc>
+                <a:spcPct val="90000"/>
+              </a:lnSpc>
+              <a:spcBef>
+                <a:spcPts val="500"/>
+              </a:spcBef>
+              <a:spcAft>
+                <a:spcPct val="0"/>
+              </a:spcAft>
+              <a:buFont typeface="Arial" panose="020B0604020202020204" pitchFamily="34" charset="0"/>
+              <a:buChar char="•"/>
+              <a:defRPr>
+                <a:solidFill>
+                  <a:schemeClr val="tx1"/>
+                </a:solidFill>
+                <a:latin typeface="+mn-lt"/>
+                <a:ea typeface="+mn-ea"/>
+              </a:defRPr>
+            </a:lvl7pPr>
+            <a:lvl8pPr marL="3428732" indent="-228526" algn="l" rtl="0" eaLnBrk="1" fontAlgn="base" hangingPunct="1">
+              <a:lnSpc>
+                <a:spcPct val="90000"/>
+              </a:lnSpc>
+              <a:spcBef>
+                <a:spcPts val="500"/>
+              </a:spcBef>
+              <a:spcAft>
+                <a:spcPct val="0"/>
+              </a:spcAft>
+              <a:buFont typeface="Arial" panose="020B0604020202020204" pitchFamily="34" charset="0"/>
+              <a:buChar char="•"/>
+              <a:defRPr>
+                <a:solidFill>
+                  <a:schemeClr val="tx1"/>
+                </a:solidFill>
+                <a:latin typeface="+mn-lt"/>
+                <a:ea typeface="+mn-ea"/>
+              </a:defRPr>
+            </a:lvl8pPr>
+            <a:lvl9pPr marL="3885783" indent="-228526" algn="l" rtl="0" eaLnBrk="1" fontAlgn="base" hangingPunct="1">
+              <a:lnSpc>
+                <a:spcPct val="90000"/>
+              </a:lnSpc>
+              <a:spcBef>
+                <a:spcPts val="500"/>
+              </a:spcBef>
+              <a:spcAft>
+                <a:spcPct val="0"/>
+              </a:spcAft>
+              <a:buFont typeface="Arial" panose="020B0604020202020204" pitchFamily="34" charset="0"/>
+              <a:buChar char="•"/>
+              <a:defRPr>
+                <a:solidFill>
+                  <a:schemeClr val="tx1"/>
+                </a:solidFill>
+                <a:latin typeface="+mn-lt"/>
+                <a:ea typeface="+mn-ea"/>
+              </a:defRPr>
+            </a:lvl9pPr>
+          </a:lstStyle>
+          <a:p>
+            <a:pPr marL="0" indent="0" defTabSz="914400">
+              <a:buFont typeface="Wingdings" panose="05000000000000000000" charset="0"/>
+              <a:buNone/>
+            </a:pPr>
+            <a:r>
+              <a:rPr lang="en-US" altLang="zh-CN" sz="3600" kern="0"/>
+              <a:t>Starting in Windows 10, version 1903, non-UWP desktop apps (including C++ Win32, WPF, and Windows Forms apps) can use the UWP XAML hosting API to host UWP controls in any UI element that is associated with a window handle (HWND)</a:t>
+            </a:r>
+            <a:endParaRPr lang="zh-CN" altLang="en-US" sz="3600" kern="0"/>
+          </a:p>
+          <a:p>
+            <a:pPr lvl="1" defTabSz="914400"/>
+            <a:endParaRPr lang="en-US" altLang="zh-CN" sz="3300" kern="0"/>
+          </a:p>
+          <a:p>
+            <a:pPr lvl="1" defTabSz="914400"/>
+            <a:r>
+              <a:rPr lang="en-US" altLang="zh-CN" sz="3300" kern="0"/>
+              <a:t>enables non-UWP desktop apps to use the UI features that are only available via UWP controls</a:t>
+            </a:r>
+          </a:p>
+          <a:p>
+            <a:pPr lvl="2" defTabSz="914400"/>
+            <a:r>
+              <a:rPr lang="en-US" altLang="zh-CN" sz="2900" kern="0">
+                <a:latin typeface="Arial" panose="020B0604020202020204" pitchFamily="34" charset="0"/>
+                <a:cs typeface="Arial" panose="020B0604020202020204" pitchFamily="34" charset="0"/>
+              </a:rPr>
+              <a:t>host UWP controls that use the Fluent Design System</a:t>
+            </a:r>
+          </a:p>
+          <a:p>
+            <a:pPr lvl="2" defTabSz="914400"/>
+            <a:r>
+              <a:rPr lang="en-US" altLang="zh-CN" sz="2900" kern="0">
+                <a:latin typeface="Arial" panose="020B0604020202020204" pitchFamily="34" charset="0"/>
+                <a:cs typeface="Arial" panose="020B0604020202020204" pitchFamily="34" charset="0"/>
+              </a:rPr>
+              <a:t>support Windows Ink</a:t>
+            </a:r>
+            <a:endParaRPr lang="en-US" altLang="zh-CN" sz="2900" kern="0" dirty="0">
+              <a:latin typeface="Arial" panose="020B0604020202020204" pitchFamily="34" charset="0"/>
+              <a:cs typeface="Arial" panose="020B0604020202020204" pitchFamily="34" charset="0"/>
+            </a:endParaRPr>
+          </a:p>
+        </p:txBody>
+      </p:sp>
+      <p:sp>
+        <p:nvSpPr>
+          <p:cNvPr id="11" name="矩形 10">
+            <a:extLst>
+              <a:ext uri="{FF2B5EF4-FFF2-40B4-BE49-F238E27FC236}">
+                <a16:creationId xmlns:a16="http://schemas.microsoft.com/office/drawing/2014/main" id="{068086ED-C649-47CB-8396-70B9CB1339D3}"/>
+              </a:ext>
+            </a:extLst>
+          </p:cNvPr>
+          <p:cNvSpPr/>
+          <p:nvPr/>
+        </p:nvSpPr>
+        <p:spPr>
+          <a:xfrm>
+            <a:off x="1134208" y="6123819"/>
+            <a:ext cx="10454054" cy="369332"/>
+          </a:xfrm>
+          <a:prstGeom prst="rect">
+            <a:avLst/>
+          </a:prstGeom>
+        </p:spPr>
+        <p:txBody>
+          <a:bodyPr wrap="square">
+            <a:spAutoFit/>
+          </a:bodyPr>
+          <a:lstStyle/>
+          <a:p>
+            <a:r>
+              <a:rPr lang="zh-CN" altLang="en-US" sz="1800" dirty="0">
+                <a:solidFill>
+                  <a:srgbClr val="FF0000"/>
+                </a:solidFill>
+                <a:latin typeface="微软雅黑" panose="020B0503020204020204" pitchFamily="34" charset="-122"/>
+                <a:ea typeface="微软雅黑" panose="020B0503020204020204" pitchFamily="34" charset="-122"/>
+              </a:rPr>
+              <a:t>参考网页  </a:t>
+            </a:r>
+            <a:r>
+              <a:rPr lang="en-US" altLang="zh-CN" sz="1800" dirty="0">
+                <a:solidFill>
+                  <a:srgbClr val="7030A0"/>
+                </a:solidFill>
+              </a:rPr>
+              <a:t>https://docs.microsoft.com/en-us/windows/apps/desktop/modernize/using-the-xaml-hosting-api</a:t>
+            </a:r>
+            <a:endParaRPr lang="zh-CN" altLang="en-US" sz="1800" dirty="0">
+              <a:solidFill>
+                <a:srgbClr val="7030A0"/>
+              </a:solidFill>
+            </a:endParaRPr>
+          </a:p>
+        </p:txBody>
+      </p:sp>
+      <p:sp>
+        <p:nvSpPr>
+          <p:cNvPr id="12" name="矩形 11">
+            <a:extLst>
+              <a:ext uri="{FF2B5EF4-FFF2-40B4-BE49-F238E27FC236}">
+                <a16:creationId xmlns:a16="http://schemas.microsoft.com/office/drawing/2014/main" id="{48DCE06A-1579-4C7D-8649-EB8E5461D62C}"/>
+              </a:ext>
+            </a:extLst>
+          </p:cNvPr>
+          <p:cNvSpPr/>
+          <p:nvPr/>
+        </p:nvSpPr>
+        <p:spPr>
+          <a:xfrm>
+            <a:off x="5005599" y="1245137"/>
+            <a:ext cx="3995453" cy="523220"/>
+          </a:xfrm>
+          <a:prstGeom prst="rect">
+            <a:avLst/>
+          </a:prstGeom>
+        </p:spPr>
+        <p:txBody>
+          <a:bodyPr wrap="none">
+            <a:spAutoFit/>
+          </a:bodyPr>
+          <a:lstStyle/>
+          <a:p>
+            <a:r>
+              <a:rPr lang="en-US" altLang="zh-CN" sz="2800" dirty="0">
+                <a:solidFill>
+                  <a:srgbClr val="7030A0"/>
+                </a:solidFill>
+                <a:latin typeface="Arial" panose="020B0604020202020204" pitchFamily="34" charset="0"/>
+                <a:cs typeface="Arial" panose="020B0604020202020204" pitchFamily="34" charset="0"/>
+              </a:rPr>
+              <a:t>UWP XAML hosting API</a:t>
+            </a:r>
+            <a:endParaRPr lang="zh-CN" altLang="en-US" sz="2800" dirty="0">
+              <a:solidFill>
+                <a:srgbClr val="7030A0"/>
+              </a:solidFill>
+              <a:latin typeface="Arial" panose="020B0604020202020204" pitchFamily="34" charset="0"/>
+              <a:cs typeface="Arial" panose="020B0604020202020204" pitchFamily="34" charset="0"/>
+            </a:endParaRPr>
+          </a:p>
+        </p:txBody>
+      </p:sp>
+    </p:spTree>
+    <p:extLst>
+      <p:ext uri="{BB962C8B-B14F-4D97-AF65-F5344CB8AC3E}">
+        <p14:creationId xmlns:p14="http://schemas.microsoft.com/office/powerpoint/2010/main" val="3341191723"/>
+      </p:ext>
+    </p:extLst>
+  </p:cSld>
+  <p:clrMapOvr>
+    <a:masterClrMapping/>
+  </p:clrMapOvr>
+  <mc:AlternateContent xmlns:mc="http://schemas.openxmlformats.org/markup-compatibility/2006" xmlns:p14="http://schemas.microsoft.com/office/powerpoint/2010/main">
+    <mc:Choice Requires="p14">
+      <p:transition p14:dur="0" advClick="0" advTm="0"/>
+    </mc:Choice>
+    <mc:Fallback xmlns="">
+      <p:transition advClick="0" advTm="0"/>
+    </mc:Fallback>
+  </mc:AlternateContent>
+  <p:timing>
+    <p:tnLst>
+      <p:par>
+        <p:cTn id="1" dur="indefinite" restart="never" nodeType="tmRoot">
+          <p:childTnLst>
+            <p:seq concurrent="1" nextAc="seek">
+              <p:cTn id="2" dur="indefinite" nodeType="mainSeq">
+                <p:childTnLst>
+                  <p:par>
+                    <p:cTn id="3" fill="hold">
+                      <p:stCondLst>
+                        <p:cond delay="indefinite"/>
+                      </p:stCondLst>
+                      <p:childTnLst>
+                        <p:par>
+                          <p:cTn id="4" fill="hold">
+                            <p:stCondLst>
+                              <p:cond delay="0"/>
+                            </p:stCondLst>
+                            <p:childTnLst>
+                              <p:par>
+                                <p:cTn id="5" presetID="42" presetClass="path" presetSubtype="0" accel="50000" decel="50000" fill="hold" grpId="0" nodeType="clickEffect">
+                                  <p:stCondLst>
+                                    <p:cond delay="0"/>
+                                  </p:stCondLst>
+                                  <p:childTnLst>
+                                    <p:animMotion origin="layout" path="M 4.79167E-6 4.07407E-6 L -0.02344 -0.1625 " pathEditMode="relative" rAng="0" ptsTypes="AA">
+                                      <p:cBhvr>
+                                        <p:cTn id="6" dur="500" fill="hold"/>
+                                        <p:tgtEl>
+                                          <p:spTgt spid="7171"/>
+                                        </p:tgtEl>
+                                        <p:attrNameLst>
+                                          <p:attrName>ppt_x</p:attrName>
+                                          <p:attrName>ppt_y</p:attrName>
+                                        </p:attrNameLst>
+                                      </p:cBhvr>
+                                      <p:rCtr x="-1172" y="-8125"/>
+                                    </p:animMotion>
+                                  </p:childTnLst>
+                                </p:cTn>
+                              </p:par>
+                            </p:childTnLst>
+                          </p:cTn>
+                        </p:par>
+                        <p:par>
+                          <p:cTn id="7" fill="hold">
+                            <p:stCondLst>
+                              <p:cond delay="500"/>
+                            </p:stCondLst>
+                            <p:childTnLst>
+                              <p:par>
+                                <p:cTn id="8" presetID="1" presetClass="exit" presetSubtype="0" fill="hold" grpId="1" nodeType="afterEffect">
+                                  <p:stCondLst>
+                                    <p:cond delay="0"/>
+                                  </p:stCondLst>
+                                  <p:childTnLst>
+                                    <p:set>
+                                      <p:cBhvr>
+                                        <p:cTn id="9" dur="1" fill="hold">
+                                          <p:stCondLst>
+                                            <p:cond delay="0"/>
+                                          </p:stCondLst>
+                                        </p:cTn>
+                                        <p:tgtEl>
+                                          <p:spTgt spid="7171"/>
+                                        </p:tgtEl>
+                                        <p:attrNameLst>
+                                          <p:attrName>style.visibility</p:attrName>
+                                        </p:attrNameLst>
+                                      </p:cBhvr>
+                                      <p:to>
+                                        <p:strVal val="hidden"/>
+                                      </p:to>
+                                    </p:set>
+                                  </p:childTnLst>
+                                </p:cTn>
+                              </p:par>
+                            </p:childTnLst>
+                          </p:cTn>
+                        </p:par>
+                        <p:par>
+                          <p:cTn id="10" fill="hold">
+                            <p:stCondLst>
+                              <p:cond delay="500"/>
+                            </p:stCondLst>
+                            <p:childTnLst>
+                              <p:par>
+                                <p:cTn id="11" presetID="1" presetClass="entr" presetSubtype="0" fill="hold" grpId="0" nodeType="afterEffect">
+                                  <p:stCondLst>
+                                    <p:cond delay="0"/>
+                                  </p:stCondLst>
+                                  <p:childTnLst>
+                                    <p:set>
+                                      <p:cBhvr>
+                                        <p:cTn id="12" dur="1" fill="hold">
+                                          <p:stCondLst>
+                                            <p:cond delay="0"/>
+                                          </p:stCondLst>
+                                        </p:cTn>
+                                        <p:tgtEl>
+                                          <p:spTgt spid="5"/>
+                                        </p:tgtEl>
+                                        <p:attrNameLst>
+                                          <p:attrName>style.visibility</p:attrName>
+                                        </p:attrNameLst>
+                                      </p:cBhvr>
+                                      <p:to>
+                                        <p:strVal val="visible"/>
+                                      </p:to>
+                                    </p:set>
+                                  </p:childTnLst>
+                                </p:cTn>
+                              </p:par>
+                            </p:childTnLst>
+                          </p:cTn>
+                        </p:par>
+                      </p:childTnLst>
+                    </p:cTn>
+                  </p:par>
+                </p:childTnLst>
+              </p:cTn>
+              <p:prevCondLst>
+                <p:cond evt="onPrev" delay="0">
+                  <p:tgtEl>
+                    <p:sldTgt/>
+                  </p:tgtEl>
+                </p:cond>
+              </p:prevCondLst>
+              <p:nextCondLst>
+                <p:cond evt="onNext" delay="0">
+                  <p:tgtEl>
+                    <p:sldTgt/>
+                  </p:tgtEl>
+                </p:cond>
+              </p:nextCondLst>
+            </p:seq>
+          </p:childTnLst>
+        </p:cTn>
+      </p:par>
+    </p:tnLst>
+    <p:bldLst>
+      <p:bldP spid="7171" grpId="0"/>
+      <p:bldP spid="7171" grpId="1"/>
+      <p:bldP spid="5" grpId="0" animBg="1"/>
+    </p:bldLst>
+  </p:timing>
+</p:sld>
+</file>
+
+<file path=ppt/slides/slide27.xml><?xml version="1.0" encoding="utf-8"?>
 <p:sld xmlns:a="http://schemas.openxmlformats.org/drawingml/2006/main" xmlns:r="http://schemas.openxmlformats.org/officeDocument/2006/relationships" xmlns:p="http://schemas.openxmlformats.org/presentationml/2006/main">
   <p:cSld>
     <p:spTree>
@@ -22065,302 +23541,1432 @@
       </p:grpSpPr>
       <p:sp>
         <p:nvSpPr>
-          <p:cNvPr id="18435" name="Rectangle 2"/>
+          <p:cNvPr id="7171" name="Rectangle 2"/>
           <p:cNvSpPr>
             <a:spLocks noGrp="1" noChangeArrowheads="1"/>
           </p:cNvSpPr>
           <p:nvPr>
-            <p:ph type="title"/>
+            <p:ph type="title" idx="4294967295"/>
           </p:nvPr>
         </p:nvSpPr>
         <p:spPr>
           <a:xfrm>
-            <a:off x="739471" y="3571243"/>
-            <a:ext cx="7140272" cy="718868"/>
+            <a:off x="3328491" y="656570"/>
+            <a:ext cx="4396154" cy="727075"/>
           </a:xfrm>
         </p:spPr>
         <p:txBody>
           <a:bodyPr>
-            <a:noAutofit/>
+            <a:normAutofit/>
           </a:bodyPr>
           <a:lstStyle/>
           <a:p>
-            <a:pPr lvl="0"/>
-            <a:r>
-              <a:rPr lang="en-US" altLang="zh-CN" sz="6000" dirty="0">
-                <a:latin typeface="Arial Black" panose="020B0A04020102020204" pitchFamily="34" charset="0"/>
-              </a:rPr>
-              <a:t>THANK YOU !</a:t>
-            </a:r>
-            <a:endParaRPr lang="zh-CN" altLang="en-US" sz="6000" dirty="0">
-              <a:latin typeface="Arial Black" panose="020B0A04020102020204" pitchFamily="34" charset="0"/>
+            <a:pPr algn="ctr"/>
+            <a:r>
+              <a:rPr lang="en-US" altLang="zh-CN" dirty="0">
+                <a:latin typeface="Arial" panose="020B0604020202020204" pitchFamily="34" charset="0"/>
+                <a:cs typeface="Arial" panose="020B0604020202020204" pitchFamily="34" charset="0"/>
+              </a:rPr>
+              <a:t>1. Prerequisites</a:t>
+            </a:r>
+            <a:endParaRPr lang="zh-CN" altLang="en-US" dirty="0">
+              <a:latin typeface="Arial" panose="020B0604020202020204" pitchFamily="34" charset="0"/>
+              <a:cs typeface="Arial" panose="020B0604020202020204" pitchFamily="34" charset="0"/>
             </a:endParaRPr>
           </a:p>
         </p:txBody>
       </p:sp>
       <p:sp>
         <p:nvSpPr>
-          <p:cNvPr id="6" name="Rectangle 3"/>
+          <p:cNvPr id="9" name="Rectangle 3">
+            <a:extLst>
+              <a:ext uri="{FF2B5EF4-FFF2-40B4-BE49-F238E27FC236}">
+                <a16:creationId xmlns:a16="http://schemas.microsoft.com/office/drawing/2014/main" id="{7D1A2B2C-6323-4CC2-A745-D1558EF90B26}"/>
+              </a:ext>
+            </a:extLst>
+          </p:cNvPr>
           <p:cNvSpPr txBox="1">
             <a:spLocks noChangeArrowheads="1"/>
           </p:cNvSpPr>
           <p:nvPr/>
         </p:nvSpPr>
-        <p:spPr>
+        <p:spPr bwMode="auto">
           <a:xfrm>
-            <a:off x="366783" y="1276242"/>
-            <a:ext cx="8429975" cy="1953095"/>
+            <a:off x="1480330" y="1708445"/>
+            <a:ext cx="9378170" cy="4147232"/>
           </a:xfrm>
           <a:prstGeom prst="rect">
             <a:avLst/>
           </a:prstGeom>
+          <a:noFill/>
+          <a:ln>
+            <a:noFill/>
+          </a:ln>
+          <a:extLst>
+            <a:ext uri="{909E8E84-426E-40DD-AFC4-6F175D3DCCD1}">
+              <a14:hiddenFill xmlns:a14="http://schemas.microsoft.com/office/drawing/2010/main">
+                <a:solidFill>
+                  <a:srgbClr val="FFFFFF"/>
+                </a:solidFill>
+              </a14:hiddenFill>
+            </a:ext>
+            <a:ext uri="{91240B29-F687-4F45-9708-019B960494DF}">
+              <a14:hiddenLine xmlns:a14="http://schemas.microsoft.com/office/drawing/2010/main" w="9525">
+                <a:solidFill>
+                  <a:srgbClr val="000000"/>
+                </a:solidFill>
+                <a:miter lim="800000"/>
+                <a:headEnd/>
+                <a:tailEnd/>
+              </a14:hiddenLine>
+            </a:ext>
+          </a:extLst>
         </p:spPr>
         <p:txBody>
-          <a:bodyPr vert="horz" lIns="91440" tIns="45720" rIns="91440" bIns="45720" rtlCol="0">
-            <a:normAutofit/>
+          <a:bodyPr vert="horz" wrap="square" lIns="68589" tIns="34295" rIns="68589" bIns="34295" numCol="1" anchor="t" anchorCtr="0" compatLnSpc="1">
+            <a:normAutofit fontScale="77500" lnSpcReduction="20000"/>
           </a:bodyPr>
           <a:lstStyle>
-            <a:lvl1pPr marL="342900" indent="-342900" algn="l" defTabSz="457200" rtl="0" eaLnBrk="1" latinLnBrk="0" hangingPunct="1">
+            <a:lvl1pPr marL="228526" indent="-228526" algn="l" rtl="0" eaLnBrk="1" fontAlgn="base" hangingPunct="1">
+              <a:lnSpc>
+                <a:spcPct val="90000"/>
+              </a:lnSpc>
               <a:spcBef>
                 <a:spcPts val="1000"/>
               </a:spcBef>
               <a:spcAft>
-                <a:spcPts val="0"/>
-              </a:spcAft>
-              <a:buClr>
-                <a:schemeClr val="accent1"/>
-              </a:buClr>
-              <a:buSzPct val="80000"/>
-              <a:buFont typeface="Wingdings 3" charset="2"/>
-              <a:buChar char=""/>
-              <a:defRPr sz="1800" kern="1200">
-                <a:solidFill>
-                  <a:schemeClr val="tx1">
-                    <a:lumMod val="75000"/>
-                    <a:lumOff val="25000"/>
-                  </a:schemeClr>
-                </a:solidFill>
-                <a:latin typeface="+mn-lt"/>
-                <a:ea typeface="+mn-ea"/>
+                <a:spcPct val="0"/>
+              </a:spcAft>
+              <a:buFont typeface="Wingdings" panose="05000000000000000000" charset="0"/>
+              <a:buChar char=""/>
+              <a:defRPr sz="2799">
+                <a:solidFill>
+                  <a:srgbClr val="002060"/>
+                </a:solidFill>
+                <a:latin typeface="微软雅黑" panose="020B0503020204020204" pitchFamily="34" charset="-122"/>
+                <a:ea typeface="微软雅黑" panose="020B0503020204020204" pitchFamily="34" charset="-122"/>
                 <a:cs typeface="+mn-cs"/>
               </a:defRPr>
             </a:lvl1pPr>
-            <a:lvl2pPr marL="742950" indent="-285750" algn="l" defTabSz="457200" rtl="0" eaLnBrk="1" latinLnBrk="0" hangingPunct="1">
-              <a:spcBef>
-                <a:spcPts val="1000"/>
-              </a:spcBef>
-              <a:spcAft>
-                <a:spcPts val="0"/>
-              </a:spcAft>
-              <a:buClr>
-                <a:schemeClr val="accent1"/>
-              </a:buClr>
-              <a:buSzPct val="80000"/>
-              <a:buFont typeface="Wingdings 3" charset="2"/>
-              <a:buChar char=""/>
-              <a:defRPr sz="1600" kern="1200">
-                <a:solidFill>
-                  <a:schemeClr val="tx1">
-                    <a:lumMod val="75000"/>
-                    <a:lumOff val="25000"/>
-                  </a:schemeClr>
+            <a:lvl2pPr marL="685577" indent="-228526" algn="l" rtl="0" eaLnBrk="1" fontAlgn="base" hangingPunct="1">
+              <a:lnSpc>
+                <a:spcPct val="90000"/>
+              </a:lnSpc>
+              <a:spcBef>
+                <a:spcPts val="500"/>
+              </a:spcBef>
+              <a:spcAft>
+                <a:spcPct val="0"/>
+              </a:spcAft>
+              <a:buFont typeface="宋体" panose="02010600030101010101" pitchFamily="2" charset="-122"/>
+              <a:buChar char="–"/>
+              <a:defRPr sz="2399">
+                <a:solidFill>
+                  <a:srgbClr val="002060"/>
+                </a:solidFill>
+                <a:latin typeface="微软雅黑" panose="020B0503020204020204" pitchFamily="34" charset="-122"/>
+                <a:ea typeface="微软雅黑" panose="020B0503020204020204" pitchFamily="34" charset="-122"/>
+              </a:defRPr>
+            </a:lvl2pPr>
+            <a:lvl3pPr marL="1142629" indent="-228526" algn="l" rtl="0" eaLnBrk="1" fontAlgn="base" hangingPunct="1">
+              <a:lnSpc>
+                <a:spcPct val="90000"/>
+              </a:lnSpc>
+              <a:spcBef>
+                <a:spcPts val="500"/>
+              </a:spcBef>
+              <a:spcAft>
+                <a:spcPct val="0"/>
+              </a:spcAft>
+              <a:buFont typeface="Wingdings" panose="05000000000000000000" charset="0"/>
+              <a:buChar char=""/>
+              <a:defRPr sz="1999">
+                <a:solidFill>
+                  <a:srgbClr val="002060"/>
+                </a:solidFill>
+                <a:latin typeface="微软雅黑" panose="020B0503020204020204" pitchFamily="34" charset="-122"/>
+                <a:ea typeface="微软雅黑" panose="020B0503020204020204" pitchFamily="34" charset="-122"/>
+              </a:defRPr>
+            </a:lvl3pPr>
+            <a:lvl4pPr marL="1599680" indent="-228526" algn="l" rtl="0" eaLnBrk="1" fontAlgn="base" hangingPunct="1">
+              <a:lnSpc>
+                <a:spcPct val="90000"/>
+              </a:lnSpc>
+              <a:spcBef>
+                <a:spcPts val="500"/>
+              </a:spcBef>
+              <a:spcAft>
+                <a:spcPct val="0"/>
+              </a:spcAft>
+              <a:buFont typeface="Arial" panose="020B0604020202020204" pitchFamily="34" charset="0"/>
+              <a:buChar char="•"/>
+              <a:defRPr sz="1999">
+                <a:solidFill>
+                  <a:srgbClr val="002060"/>
+                </a:solidFill>
+                <a:latin typeface="微软雅黑" panose="020B0503020204020204" pitchFamily="34" charset="-122"/>
+                <a:ea typeface="微软雅黑" panose="020B0503020204020204" pitchFamily="34" charset="-122"/>
+              </a:defRPr>
+            </a:lvl4pPr>
+            <a:lvl5pPr marL="2056731" indent="-228526" algn="l" rtl="0" eaLnBrk="1" fontAlgn="base" hangingPunct="1">
+              <a:lnSpc>
+                <a:spcPct val="90000"/>
+              </a:lnSpc>
+              <a:spcBef>
+                <a:spcPts val="500"/>
+              </a:spcBef>
+              <a:spcAft>
+                <a:spcPct val="0"/>
+              </a:spcAft>
+              <a:buFont typeface="Arial" panose="020B0604020202020204" pitchFamily="34" charset="0"/>
+              <a:buChar char="•"/>
+              <a:defRPr sz="1999">
+                <a:solidFill>
+                  <a:srgbClr val="002060"/>
+                </a:solidFill>
+                <a:latin typeface="微软雅黑" panose="020B0503020204020204" pitchFamily="34" charset="-122"/>
+                <a:ea typeface="微软雅黑" panose="020B0503020204020204" pitchFamily="34" charset="-122"/>
+              </a:defRPr>
+            </a:lvl5pPr>
+            <a:lvl6pPr marL="2513783" indent="-228526" algn="l" rtl="0" eaLnBrk="1" fontAlgn="base" hangingPunct="1">
+              <a:lnSpc>
+                <a:spcPct val="90000"/>
+              </a:lnSpc>
+              <a:spcBef>
+                <a:spcPts val="500"/>
+              </a:spcBef>
+              <a:spcAft>
+                <a:spcPct val="0"/>
+              </a:spcAft>
+              <a:buFont typeface="Arial" panose="020B0604020202020204" pitchFamily="34" charset="0"/>
+              <a:buChar char="•"/>
+              <a:defRPr>
+                <a:solidFill>
+                  <a:schemeClr val="tx1"/>
                 </a:solidFill>
                 <a:latin typeface="+mn-lt"/>
                 <a:ea typeface="+mn-ea"/>
-                <a:cs typeface="+mn-cs"/>
               </a:defRPr>
-            </a:lvl2pPr>
-            <a:lvl3pPr marL="1143000" indent="-228600" algn="l" defTabSz="457200" rtl="0" eaLnBrk="1" latinLnBrk="0" hangingPunct="1">
-              <a:spcBef>
-                <a:spcPts val="1000"/>
-              </a:spcBef>
-              <a:spcAft>
-                <a:spcPts val="0"/>
-              </a:spcAft>
-              <a:buClr>
-                <a:schemeClr val="accent1"/>
-              </a:buClr>
-              <a:buSzPct val="80000"/>
-              <a:buFont typeface="Wingdings 3" charset="2"/>
-              <a:buChar char=""/>
-              <a:defRPr sz="1400" kern="1200">
-                <a:solidFill>
-                  <a:schemeClr val="tx1">
-                    <a:lumMod val="75000"/>
-                    <a:lumOff val="25000"/>
-                  </a:schemeClr>
+            </a:lvl6pPr>
+            <a:lvl7pPr marL="2970834" indent="-228526" algn="l" rtl="0" eaLnBrk="1" fontAlgn="base" hangingPunct="1">
+              <a:lnSpc>
+                <a:spcPct val="90000"/>
+              </a:lnSpc>
+              <a:spcBef>
+                <a:spcPts val="500"/>
+              </a:spcBef>
+              <a:spcAft>
+                <a:spcPct val="0"/>
+              </a:spcAft>
+              <a:buFont typeface="Arial" panose="020B0604020202020204" pitchFamily="34" charset="0"/>
+              <a:buChar char="•"/>
+              <a:defRPr>
+                <a:solidFill>
+                  <a:schemeClr val="tx1"/>
                 </a:solidFill>
                 <a:latin typeface="+mn-lt"/>
                 <a:ea typeface="+mn-ea"/>
-                <a:cs typeface="+mn-cs"/>
               </a:defRPr>
-            </a:lvl3pPr>
-            <a:lvl4pPr marL="1600200" indent="-228600" algn="l" defTabSz="457200" rtl="0" eaLnBrk="1" latinLnBrk="0" hangingPunct="1">
-              <a:spcBef>
-                <a:spcPts val="1000"/>
-              </a:spcBef>
-              <a:spcAft>
-                <a:spcPts val="0"/>
-              </a:spcAft>
-              <a:buClr>
-                <a:schemeClr val="accent1"/>
-              </a:buClr>
-              <a:buSzPct val="80000"/>
-              <a:buFont typeface="Wingdings 3" charset="2"/>
-              <a:buChar char=""/>
-              <a:defRPr sz="1200" kern="1200">
-                <a:solidFill>
-                  <a:schemeClr val="tx1">
-                    <a:lumMod val="75000"/>
-                    <a:lumOff val="25000"/>
-                  </a:schemeClr>
+            </a:lvl7pPr>
+            <a:lvl8pPr marL="3428732" indent="-228526" algn="l" rtl="0" eaLnBrk="1" fontAlgn="base" hangingPunct="1">
+              <a:lnSpc>
+                <a:spcPct val="90000"/>
+              </a:lnSpc>
+              <a:spcBef>
+                <a:spcPts val="500"/>
+              </a:spcBef>
+              <a:spcAft>
+                <a:spcPct val="0"/>
+              </a:spcAft>
+              <a:buFont typeface="Arial" panose="020B0604020202020204" pitchFamily="34" charset="0"/>
+              <a:buChar char="•"/>
+              <a:defRPr>
+                <a:solidFill>
+                  <a:schemeClr val="tx1"/>
                 </a:solidFill>
                 <a:latin typeface="+mn-lt"/>
                 <a:ea typeface="+mn-ea"/>
-                <a:cs typeface="+mn-cs"/>
               </a:defRPr>
-            </a:lvl4pPr>
-            <a:lvl5pPr marL="2057400" indent="-228600" algn="l" defTabSz="457200" rtl="0" eaLnBrk="1" latinLnBrk="0" hangingPunct="1">
-              <a:spcBef>
-                <a:spcPts val="1000"/>
-              </a:spcBef>
-              <a:spcAft>
-                <a:spcPts val="0"/>
-              </a:spcAft>
-              <a:buClr>
-                <a:schemeClr val="accent1"/>
-              </a:buClr>
-              <a:buSzPct val="80000"/>
-              <a:buFont typeface="Wingdings 3" charset="2"/>
-              <a:buChar char=""/>
-              <a:defRPr sz="1200" kern="1200">
-                <a:solidFill>
-                  <a:schemeClr val="tx1">
-                    <a:lumMod val="75000"/>
-                    <a:lumOff val="25000"/>
-                  </a:schemeClr>
+            </a:lvl8pPr>
+            <a:lvl9pPr marL="3885783" indent="-228526" algn="l" rtl="0" eaLnBrk="1" fontAlgn="base" hangingPunct="1">
+              <a:lnSpc>
+                <a:spcPct val="90000"/>
+              </a:lnSpc>
+              <a:spcBef>
+                <a:spcPts val="500"/>
+              </a:spcBef>
+              <a:spcAft>
+                <a:spcPct val="0"/>
+              </a:spcAft>
+              <a:buFont typeface="Arial" panose="020B0604020202020204" pitchFamily="34" charset="0"/>
+              <a:buChar char="•"/>
+              <a:defRPr>
+                <a:solidFill>
+                  <a:schemeClr val="tx1"/>
                 </a:solidFill>
                 <a:latin typeface="+mn-lt"/>
                 <a:ea typeface="+mn-ea"/>
-                <a:cs typeface="+mn-cs"/>
-              </a:defRPr>
-            </a:lvl5pPr>
-            <a:lvl6pPr marL="2514600" indent="-228600" algn="l" defTabSz="457200" rtl="0" eaLnBrk="1" latinLnBrk="0" hangingPunct="1">
-              <a:spcBef>
-                <a:spcPts val="1000"/>
-              </a:spcBef>
-              <a:spcAft>
-                <a:spcPts val="0"/>
-              </a:spcAft>
-              <a:buClr>
-                <a:schemeClr val="accent1"/>
-              </a:buClr>
-              <a:buSzPct val="80000"/>
-              <a:buFont typeface="Wingdings 3" charset="2"/>
-              <a:buChar char=""/>
-              <a:defRPr sz="1200" kern="1200">
-                <a:solidFill>
-                  <a:schemeClr val="tx1">
-                    <a:lumMod val="75000"/>
-                    <a:lumOff val="25000"/>
-                  </a:schemeClr>
-                </a:solidFill>
-                <a:latin typeface="+mn-lt"/>
-                <a:ea typeface="+mn-ea"/>
-                <a:cs typeface="+mn-cs"/>
-              </a:defRPr>
-            </a:lvl6pPr>
-            <a:lvl7pPr marL="2971800" indent="-228600" algn="l" defTabSz="457200" rtl="0" eaLnBrk="1" latinLnBrk="0" hangingPunct="1">
-              <a:spcBef>
-                <a:spcPts val="1000"/>
-              </a:spcBef>
-              <a:spcAft>
-                <a:spcPts val="0"/>
-              </a:spcAft>
-              <a:buClr>
-                <a:schemeClr val="accent1"/>
-              </a:buClr>
-              <a:buSzPct val="80000"/>
-              <a:buFont typeface="Wingdings 3" charset="2"/>
-              <a:buChar char=""/>
-              <a:defRPr sz="1200" kern="1200">
-                <a:solidFill>
-                  <a:schemeClr val="tx1">
-                    <a:lumMod val="75000"/>
-                    <a:lumOff val="25000"/>
-                  </a:schemeClr>
-                </a:solidFill>
-                <a:latin typeface="+mn-lt"/>
-                <a:ea typeface="+mn-ea"/>
-                <a:cs typeface="+mn-cs"/>
-              </a:defRPr>
-            </a:lvl7pPr>
-            <a:lvl8pPr marL="3429000" indent="-228600" algn="l" defTabSz="457200" rtl="0" eaLnBrk="1" latinLnBrk="0" hangingPunct="1">
-              <a:spcBef>
-                <a:spcPts val="1000"/>
-              </a:spcBef>
-              <a:spcAft>
-                <a:spcPts val="0"/>
-              </a:spcAft>
-              <a:buClr>
-                <a:schemeClr val="accent1"/>
-              </a:buClr>
-              <a:buSzPct val="80000"/>
-              <a:buFont typeface="Wingdings 3" charset="2"/>
-              <a:buChar char=""/>
-              <a:defRPr sz="1200" kern="1200">
-                <a:solidFill>
-                  <a:schemeClr val="tx1">
-                    <a:lumMod val="75000"/>
-                    <a:lumOff val="25000"/>
-                  </a:schemeClr>
-                </a:solidFill>
-                <a:latin typeface="+mn-lt"/>
-                <a:ea typeface="+mn-ea"/>
-                <a:cs typeface="+mn-cs"/>
-              </a:defRPr>
-            </a:lvl8pPr>
-            <a:lvl9pPr marL="3886200" indent="-228600" algn="l" defTabSz="457200" rtl="0" eaLnBrk="1" latinLnBrk="0" hangingPunct="1">
-              <a:spcBef>
-                <a:spcPts val="1000"/>
-              </a:spcBef>
-              <a:spcAft>
-                <a:spcPts val="0"/>
-              </a:spcAft>
-              <a:buClr>
-                <a:schemeClr val="accent1"/>
-              </a:buClr>
-              <a:buSzPct val="80000"/>
-              <a:buFont typeface="Wingdings 3" charset="2"/>
-              <a:buChar char=""/>
-              <a:defRPr sz="1200" kern="1200">
-                <a:solidFill>
-                  <a:schemeClr val="tx1">
-                    <a:lumMod val="75000"/>
-                    <a:lumOff val="25000"/>
-                  </a:schemeClr>
-                </a:solidFill>
-                <a:latin typeface="+mn-lt"/>
-                <a:ea typeface="+mn-ea"/>
-                <a:cs typeface="+mn-cs"/>
               </a:defRPr>
             </a:lvl9pPr>
           </a:lstStyle>
           <a:p>
-            <a:endParaRPr lang="zh-CN" altLang="en-US" sz="2800" dirty="0"/>
+            <a:pPr marL="0" indent="0" defTabSz="914400">
+              <a:buNone/>
+            </a:pPr>
+            <a:r>
+              <a:rPr lang="en-US" altLang="zh-CN" sz="4100" kern="0" dirty="0">
+                <a:latin typeface="Arial" panose="020B0604020202020204" pitchFamily="34" charset="0"/>
+                <a:cs typeface="Arial" panose="020B0604020202020204" pitchFamily="34" charset="0"/>
+              </a:rPr>
+              <a:t>XAML Islands require Windows 10, version 1903 (or later) and the corresponding build of the Windows SDK. To use XAML Islands in your C++ Win32 app, you must first set up your project.</a:t>
+            </a:r>
+          </a:p>
+          <a:p>
+            <a:pPr marL="0" indent="0" defTabSz="914400">
+              <a:buFont typeface="Wingdings" panose="05000000000000000000" charset="0"/>
+              <a:buNone/>
+            </a:pPr>
+            <a:endParaRPr lang="zh-CN" altLang="en-US" sz="3600" kern="0" dirty="0">
+              <a:latin typeface="Arial" panose="020B0604020202020204" pitchFamily="34" charset="0"/>
+              <a:cs typeface="Arial" panose="020B0604020202020204" pitchFamily="34" charset="0"/>
+            </a:endParaRPr>
+          </a:p>
+          <a:p>
+            <a:pPr marL="971401" lvl="1" indent="-514350" defTabSz="914400">
+              <a:buAutoNum type="arabicParenR"/>
+            </a:pPr>
+            <a:r>
+              <a:rPr lang="en-US" altLang="zh-CN" sz="3800" kern="0" dirty="0">
+                <a:latin typeface="Arial" panose="020B0604020202020204" pitchFamily="34" charset="0"/>
+                <a:cs typeface="Arial" panose="020B0604020202020204" pitchFamily="34" charset="0"/>
+              </a:rPr>
+              <a:t>Support for C++/WinRT</a:t>
+            </a:r>
+          </a:p>
+          <a:p>
+            <a:pPr lvl="2" defTabSz="914400"/>
+            <a:r>
+              <a:rPr lang="en-US" altLang="zh-CN" sz="2600" kern="0" dirty="0">
+                <a:latin typeface="Arial" panose="020B0604020202020204" pitchFamily="34" charset="0"/>
+                <a:cs typeface="Arial" panose="020B0604020202020204" pitchFamily="34" charset="0"/>
+              </a:rPr>
+              <a:t> install the </a:t>
+            </a:r>
+            <a:r>
+              <a:rPr lang="en-US" altLang="zh-CN" sz="2600" kern="0" dirty="0" err="1">
+                <a:latin typeface="Arial" panose="020B0604020202020204" pitchFamily="34" charset="0"/>
+                <a:cs typeface="Arial" panose="020B0604020202020204" pitchFamily="34" charset="0"/>
+              </a:rPr>
+              <a:t>Microsoft.Windows.CppWinRT</a:t>
+            </a:r>
+            <a:r>
+              <a:rPr lang="en-US" altLang="zh-CN" sz="2600" kern="0" dirty="0">
+                <a:latin typeface="Arial" panose="020B0604020202020204" pitchFamily="34" charset="0"/>
+                <a:cs typeface="Arial" panose="020B0604020202020204" pitchFamily="34" charset="0"/>
+              </a:rPr>
+              <a:t> NuGet package in the project</a:t>
+            </a:r>
+          </a:p>
+          <a:p>
+            <a:pPr marL="971401" lvl="1" indent="-514350" defTabSz="914400">
+              <a:buFont typeface="宋体" panose="02010600030101010101" pitchFamily="2" charset="-122"/>
+              <a:buAutoNum type="arabicParenR"/>
+            </a:pPr>
+            <a:r>
+              <a:rPr lang="en-US" altLang="zh-CN" sz="3800" kern="0" dirty="0">
+                <a:latin typeface="Arial" panose="020B0604020202020204" pitchFamily="34" charset="0"/>
+                <a:cs typeface="Arial" panose="020B0604020202020204" pitchFamily="34" charset="0"/>
+              </a:rPr>
+              <a:t>Configure your project for app deployment</a:t>
+            </a:r>
+          </a:p>
+          <a:p>
+            <a:pPr lvl="2" defTabSz="914400"/>
+            <a:r>
+              <a:rPr lang="en-US" altLang="zh-CN" sz="2400" kern="0" dirty="0">
+                <a:latin typeface="Arial" panose="020B0604020202020204" pitchFamily="34" charset="0"/>
+                <a:cs typeface="Arial" panose="020B0604020202020204" pitchFamily="34" charset="0"/>
+              </a:rPr>
+              <a:t> </a:t>
+            </a:r>
+            <a:r>
+              <a:rPr lang="en-US" altLang="zh-CN" sz="2600" kern="0" dirty="0">
+                <a:latin typeface="Arial" panose="020B0604020202020204" pitchFamily="34" charset="0"/>
+                <a:cs typeface="Arial" panose="020B0604020202020204" pitchFamily="34" charset="0"/>
+              </a:rPr>
+              <a:t>Install the Microsoft.Toolkit.Win32.UI.SDK package</a:t>
+            </a:r>
+          </a:p>
+          <a:p>
+            <a:pPr marL="971401" lvl="1" indent="-514350" defTabSz="914400">
+              <a:buFont typeface="宋体" panose="02010600030101010101" pitchFamily="2" charset="-122"/>
+              <a:buAutoNum type="arabicParenR"/>
+            </a:pPr>
+            <a:r>
+              <a:rPr lang="en-US" altLang="zh-CN" sz="3800" kern="0" dirty="0">
+                <a:latin typeface="Arial" panose="020B0604020202020204" pitchFamily="34" charset="0"/>
+                <a:cs typeface="Arial" panose="020B0604020202020204" pitchFamily="34" charset="0"/>
+              </a:rPr>
+              <a:t>Additional requirements for custom UWP controls</a:t>
+            </a:r>
+          </a:p>
+          <a:p>
+            <a:pPr lvl="2" defTabSz="914400"/>
+            <a:r>
+              <a:rPr lang="en-US" altLang="zh-CN" sz="2400" kern="0" dirty="0">
+                <a:latin typeface="Arial" panose="020B0604020202020204" pitchFamily="34" charset="0"/>
+                <a:cs typeface="Arial" panose="020B0604020202020204" pitchFamily="34" charset="0"/>
+              </a:rPr>
+              <a:t> </a:t>
+            </a:r>
+            <a:r>
+              <a:rPr lang="en-US" altLang="zh-CN" sz="2600" kern="0" dirty="0">
+                <a:latin typeface="Arial" panose="020B0604020202020204" pitchFamily="34" charset="0"/>
+                <a:cs typeface="Arial" panose="020B0604020202020204" pitchFamily="34" charset="0"/>
+              </a:rPr>
+              <a:t>for a custom UWP control, additional instructions will be discussed later</a:t>
+            </a:r>
           </a:p>
         </p:txBody>
       </p:sp>
     </p:spTree>
     <p:extLst>
       <p:ext uri="{BB962C8B-B14F-4D97-AF65-F5344CB8AC3E}">
-        <p14:creationId xmlns:p14="http://schemas.microsoft.com/office/powerpoint/2010/main" val="1431043831"/>
+        <p14:creationId xmlns:p14="http://schemas.microsoft.com/office/powerpoint/2010/main" val="3196692969"/>
       </p:ext>
     </p:extLst>
   </p:cSld>
   <p:clrMapOvr>
     <a:masterClrMapping/>
   </p:clrMapOvr>
+</p:sld>
+</file>
+
+<file path=ppt/slides/slide28.xml><?xml version="1.0" encoding="utf-8"?>
+<p:sld xmlns:a="http://schemas.openxmlformats.org/drawingml/2006/main" xmlns:r="http://schemas.openxmlformats.org/officeDocument/2006/relationships" xmlns:p="http://schemas.openxmlformats.org/presentationml/2006/main">
+  <p:cSld>
+    <p:spTree>
+      <p:nvGrpSpPr>
+        <p:cNvPr id="1" name=""/>
+        <p:cNvGrpSpPr/>
+        <p:nvPr/>
+      </p:nvGrpSpPr>
+      <p:grpSpPr>
+        <a:xfrm>
+          <a:off x="0" y="0"/>
+          <a:ext cx="0" cy="0"/>
+          <a:chOff x="0" y="0"/>
+          <a:chExt cx="0" cy="0"/>
+        </a:xfrm>
+      </p:grpSpPr>
+      <p:sp>
+        <p:nvSpPr>
+          <p:cNvPr id="7171" name="Rectangle 2"/>
+          <p:cNvSpPr>
+            <a:spLocks noGrp="1" noChangeArrowheads="1"/>
+          </p:cNvSpPr>
+          <p:nvPr>
+            <p:ph type="title" idx="4294967295"/>
+          </p:nvPr>
+        </p:nvSpPr>
+        <p:spPr>
+          <a:xfrm>
+            <a:off x="2365127" y="656570"/>
+            <a:ext cx="6022731" cy="727075"/>
+          </a:xfrm>
+        </p:spPr>
+        <p:txBody>
+          <a:bodyPr>
+            <a:normAutofit fontScale="90000"/>
+          </a:bodyPr>
+          <a:lstStyle/>
+          <a:p>
+            <a:pPr algn="ctr"/>
+            <a:r>
+              <a:rPr lang="en-US" altLang="zh-CN" dirty="0">
+                <a:latin typeface="Arial" panose="020B0604020202020204" pitchFamily="34" charset="0"/>
+                <a:cs typeface="Arial" panose="020B0604020202020204" pitchFamily="34" charset="0"/>
+              </a:rPr>
+              <a:t>2. Architecture of the API</a:t>
+            </a:r>
+            <a:endParaRPr lang="zh-CN" altLang="en-US" dirty="0">
+              <a:latin typeface="Arial" panose="020B0604020202020204" pitchFamily="34" charset="0"/>
+              <a:cs typeface="Arial" panose="020B0604020202020204" pitchFamily="34" charset="0"/>
+            </a:endParaRPr>
+          </a:p>
+        </p:txBody>
+      </p:sp>
+      <p:sp>
+        <p:nvSpPr>
+          <p:cNvPr id="9" name="Rectangle 3">
+            <a:extLst>
+              <a:ext uri="{FF2B5EF4-FFF2-40B4-BE49-F238E27FC236}">
+                <a16:creationId xmlns:a16="http://schemas.microsoft.com/office/drawing/2014/main" id="{7D1A2B2C-6323-4CC2-A745-D1558EF90B26}"/>
+              </a:ext>
+            </a:extLst>
+          </p:cNvPr>
+          <p:cNvSpPr txBox="1">
+            <a:spLocks noChangeArrowheads="1"/>
+          </p:cNvSpPr>
+          <p:nvPr/>
+        </p:nvSpPr>
+        <p:spPr bwMode="auto">
+          <a:xfrm>
+            <a:off x="1480330" y="1708445"/>
+            <a:ext cx="9378170" cy="4147232"/>
+          </a:xfrm>
+          <a:prstGeom prst="rect">
+            <a:avLst/>
+          </a:prstGeom>
+          <a:noFill/>
+          <a:ln>
+            <a:noFill/>
+          </a:ln>
+          <a:extLst>
+            <a:ext uri="{909E8E84-426E-40DD-AFC4-6F175D3DCCD1}">
+              <a14:hiddenFill xmlns:a14="http://schemas.microsoft.com/office/drawing/2010/main">
+                <a:solidFill>
+                  <a:srgbClr val="FFFFFF"/>
+                </a:solidFill>
+              </a14:hiddenFill>
+            </a:ext>
+            <a:ext uri="{91240B29-F687-4F45-9708-019B960494DF}">
+              <a14:hiddenLine xmlns:a14="http://schemas.microsoft.com/office/drawing/2010/main" w="9525">
+                <a:solidFill>
+                  <a:srgbClr val="000000"/>
+                </a:solidFill>
+                <a:miter lim="800000"/>
+                <a:headEnd/>
+                <a:tailEnd/>
+              </a14:hiddenLine>
+            </a:ext>
+          </a:extLst>
+        </p:spPr>
+        <p:txBody>
+          <a:bodyPr vert="horz" wrap="square" lIns="68589" tIns="34295" rIns="68589" bIns="34295" numCol="1" anchor="t" anchorCtr="0" compatLnSpc="1">
+            <a:normAutofit fontScale="70000" lnSpcReduction="20000"/>
+          </a:bodyPr>
+          <a:lstStyle>
+            <a:lvl1pPr marL="228526" indent="-228526" algn="l" rtl="0" eaLnBrk="1" fontAlgn="base" hangingPunct="1">
+              <a:lnSpc>
+                <a:spcPct val="90000"/>
+              </a:lnSpc>
+              <a:spcBef>
+                <a:spcPts val="1000"/>
+              </a:spcBef>
+              <a:spcAft>
+                <a:spcPct val="0"/>
+              </a:spcAft>
+              <a:buFont typeface="Wingdings" panose="05000000000000000000" charset="0"/>
+              <a:buChar char=""/>
+              <a:defRPr sz="2799">
+                <a:solidFill>
+                  <a:srgbClr val="002060"/>
+                </a:solidFill>
+                <a:latin typeface="微软雅黑" panose="020B0503020204020204" pitchFamily="34" charset="-122"/>
+                <a:ea typeface="微软雅黑" panose="020B0503020204020204" pitchFamily="34" charset="-122"/>
+                <a:cs typeface="+mn-cs"/>
+              </a:defRPr>
+            </a:lvl1pPr>
+            <a:lvl2pPr marL="685577" indent="-228526" algn="l" rtl="0" eaLnBrk="1" fontAlgn="base" hangingPunct="1">
+              <a:lnSpc>
+                <a:spcPct val="90000"/>
+              </a:lnSpc>
+              <a:spcBef>
+                <a:spcPts val="500"/>
+              </a:spcBef>
+              <a:spcAft>
+                <a:spcPct val="0"/>
+              </a:spcAft>
+              <a:buFont typeface="宋体" panose="02010600030101010101" pitchFamily="2" charset="-122"/>
+              <a:buChar char="–"/>
+              <a:defRPr sz="2399">
+                <a:solidFill>
+                  <a:srgbClr val="002060"/>
+                </a:solidFill>
+                <a:latin typeface="微软雅黑" panose="020B0503020204020204" pitchFamily="34" charset="-122"/>
+                <a:ea typeface="微软雅黑" panose="020B0503020204020204" pitchFamily="34" charset="-122"/>
+              </a:defRPr>
+            </a:lvl2pPr>
+            <a:lvl3pPr marL="1142629" indent="-228526" algn="l" rtl="0" eaLnBrk="1" fontAlgn="base" hangingPunct="1">
+              <a:lnSpc>
+                <a:spcPct val="90000"/>
+              </a:lnSpc>
+              <a:spcBef>
+                <a:spcPts val="500"/>
+              </a:spcBef>
+              <a:spcAft>
+                <a:spcPct val="0"/>
+              </a:spcAft>
+              <a:buFont typeface="Wingdings" panose="05000000000000000000" charset="0"/>
+              <a:buChar char=""/>
+              <a:defRPr sz="1999">
+                <a:solidFill>
+                  <a:srgbClr val="002060"/>
+                </a:solidFill>
+                <a:latin typeface="微软雅黑" panose="020B0503020204020204" pitchFamily="34" charset="-122"/>
+                <a:ea typeface="微软雅黑" panose="020B0503020204020204" pitchFamily="34" charset="-122"/>
+              </a:defRPr>
+            </a:lvl3pPr>
+            <a:lvl4pPr marL="1599680" indent="-228526" algn="l" rtl="0" eaLnBrk="1" fontAlgn="base" hangingPunct="1">
+              <a:lnSpc>
+                <a:spcPct val="90000"/>
+              </a:lnSpc>
+              <a:spcBef>
+                <a:spcPts val="500"/>
+              </a:spcBef>
+              <a:spcAft>
+                <a:spcPct val="0"/>
+              </a:spcAft>
+              <a:buFont typeface="Arial" panose="020B0604020202020204" pitchFamily="34" charset="0"/>
+              <a:buChar char="•"/>
+              <a:defRPr sz="1999">
+                <a:solidFill>
+                  <a:srgbClr val="002060"/>
+                </a:solidFill>
+                <a:latin typeface="微软雅黑" panose="020B0503020204020204" pitchFamily="34" charset="-122"/>
+                <a:ea typeface="微软雅黑" panose="020B0503020204020204" pitchFamily="34" charset="-122"/>
+              </a:defRPr>
+            </a:lvl4pPr>
+            <a:lvl5pPr marL="2056731" indent="-228526" algn="l" rtl="0" eaLnBrk="1" fontAlgn="base" hangingPunct="1">
+              <a:lnSpc>
+                <a:spcPct val="90000"/>
+              </a:lnSpc>
+              <a:spcBef>
+                <a:spcPts val="500"/>
+              </a:spcBef>
+              <a:spcAft>
+                <a:spcPct val="0"/>
+              </a:spcAft>
+              <a:buFont typeface="Arial" panose="020B0604020202020204" pitchFamily="34" charset="0"/>
+              <a:buChar char="•"/>
+              <a:defRPr sz="1999">
+                <a:solidFill>
+                  <a:srgbClr val="002060"/>
+                </a:solidFill>
+                <a:latin typeface="微软雅黑" panose="020B0503020204020204" pitchFamily="34" charset="-122"/>
+                <a:ea typeface="微软雅黑" panose="020B0503020204020204" pitchFamily="34" charset="-122"/>
+              </a:defRPr>
+            </a:lvl5pPr>
+            <a:lvl6pPr marL="2513783" indent="-228526" algn="l" rtl="0" eaLnBrk="1" fontAlgn="base" hangingPunct="1">
+              <a:lnSpc>
+                <a:spcPct val="90000"/>
+              </a:lnSpc>
+              <a:spcBef>
+                <a:spcPts val="500"/>
+              </a:spcBef>
+              <a:spcAft>
+                <a:spcPct val="0"/>
+              </a:spcAft>
+              <a:buFont typeface="Arial" panose="020B0604020202020204" pitchFamily="34" charset="0"/>
+              <a:buChar char="•"/>
+              <a:defRPr>
+                <a:solidFill>
+                  <a:schemeClr val="tx1"/>
+                </a:solidFill>
+                <a:latin typeface="+mn-lt"/>
+                <a:ea typeface="+mn-ea"/>
+              </a:defRPr>
+            </a:lvl6pPr>
+            <a:lvl7pPr marL="2970834" indent="-228526" algn="l" rtl="0" eaLnBrk="1" fontAlgn="base" hangingPunct="1">
+              <a:lnSpc>
+                <a:spcPct val="90000"/>
+              </a:lnSpc>
+              <a:spcBef>
+                <a:spcPts val="500"/>
+              </a:spcBef>
+              <a:spcAft>
+                <a:spcPct val="0"/>
+              </a:spcAft>
+              <a:buFont typeface="Arial" panose="020B0604020202020204" pitchFamily="34" charset="0"/>
+              <a:buChar char="•"/>
+              <a:defRPr>
+                <a:solidFill>
+                  <a:schemeClr val="tx1"/>
+                </a:solidFill>
+                <a:latin typeface="+mn-lt"/>
+                <a:ea typeface="+mn-ea"/>
+              </a:defRPr>
+            </a:lvl7pPr>
+            <a:lvl8pPr marL="3428732" indent="-228526" algn="l" rtl="0" eaLnBrk="1" fontAlgn="base" hangingPunct="1">
+              <a:lnSpc>
+                <a:spcPct val="90000"/>
+              </a:lnSpc>
+              <a:spcBef>
+                <a:spcPts val="500"/>
+              </a:spcBef>
+              <a:spcAft>
+                <a:spcPct val="0"/>
+              </a:spcAft>
+              <a:buFont typeface="Arial" panose="020B0604020202020204" pitchFamily="34" charset="0"/>
+              <a:buChar char="•"/>
+              <a:defRPr>
+                <a:solidFill>
+                  <a:schemeClr val="tx1"/>
+                </a:solidFill>
+                <a:latin typeface="+mn-lt"/>
+                <a:ea typeface="+mn-ea"/>
+              </a:defRPr>
+            </a:lvl8pPr>
+            <a:lvl9pPr marL="3885783" indent="-228526" algn="l" rtl="0" eaLnBrk="1" fontAlgn="base" hangingPunct="1">
+              <a:lnSpc>
+                <a:spcPct val="90000"/>
+              </a:lnSpc>
+              <a:spcBef>
+                <a:spcPts val="500"/>
+              </a:spcBef>
+              <a:spcAft>
+                <a:spcPct val="0"/>
+              </a:spcAft>
+              <a:buFont typeface="Arial" panose="020B0604020202020204" pitchFamily="34" charset="0"/>
+              <a:buChar char="•"/>
+              <a:defRPr>
+                <a:solidFill>
+                  <a:schemeClr val="tx1"/>
+                </a:solidFill>
+                <a:latin typeface="+mn-lt"/>
+                <a:ea typeface="+mn-ea"/>
+              </a:defRPr>
+            </a:lvl9pPr>
+          </a:lstStyle>
+          <a:p>
+            <a:pPr marL="971401" lvl="1" indent="-514350" defTabSz="914400">
+              <a:buAutoNum type="arabicParenR"/>
+            </a:pPr>
+            <a:r>
+              <a:rPr lang="en-US" altLang="zh-CN" sz="3800" kern="0" dirty="0">
+                <a:latin typeface="Arial" panose="020B0604020202020204" pitchFamily="34" charset="0"/>
+                <a:cs typeface="Arial" panose="020B0604020202020204" pitchFamily="34" charset="0"/>
+              </a:rPr>
+              <a:t>At the base level is the UI element in your app where you want to host the XAML Island</a:t>
+            </a:r>
+          </a:p>
+          <a:p>
+            <a:pPr lvl="2" defTabSz="914400"/>
+            <a:r>
+              <a:rPr lang="en-US" altLang="zh-CN" sz="2600" kern="0" dirty="0">
+                <a:latin typeface="Arial" panose="020B0604020202020204" pitchFamily="34" charset="0"/>
+                <a:cs typeface="Arial" panose="020B0604020202020204" pitchFamily="34" charset="0"/>
+              </a:rPr>
+              <a:t> must have a window handle (HWND)</a:t>
+            </a:r>
+          </a:p>
+          <a:p>
+            <a:pPr marL="971401" lvl="1" indent="-514350" defTabSz="914400">
+              <a:buFont typeface="宋体" panose="02010600030101010101" pitchFamily="2" charset="-122"/>
+              <a:buAutoNum type="arabicParenR"/>
+            </a:pPr>
+            <a:r>
+              <a:rPr lang="en-US" altLang="zh-CN" sz="3800" kern="0" dirty="0">
+                <a:latin typeface="Arial" panose="020B0604020202020204" pitchFamily="34" charset="0"/>
+                <a:cs typeface="Arial" panose="020B0604020202020204" pitchFamily="34" charset="0"/>
+              </a:rPr>
+              <a:t>At the 2</a:t>
+            </a:r>
+            <a:r>
+              <a:rPr lang="en-US" altLang="zh-CN" sz="3800" kern="0" baseline="30000" dirty="0">
+                <a:latin typeface="Arial" panose="020B0604020202020204" pitchFamily="34" charset="0"/>
+                <a:cs typeface="Arial" panose="020B0604020202020204" pitchFamily="34" charset="0"/>
+              </a:rPr>
+              <a:t>nd</a:t>
+            </a:r>
+            <a:r>
+              <a:rPr lang="en-US" altLang="zh-CN" sz="3800" kern="0" dirty="0">
+                <a:latin typeface="Arial" panose="020B0604020202020204" pitchFamily="34" charset="0"/>
+                <a:cs typeface="Arial" panose="020B0604020202020204" pitchFamily="34" charset="0"/>
+              </a:rPr>
+              <a:t> is a </a:t>
+            </a:r>
+            <a:r>
+              <a:rPr lang="en-US" altLang="zh-CN" sz="3800" kern="0" dirty="0" err="1">
+                <a:latin typeface="Arial" panose="020B0604020202020204" pitchFamily="34" charset="0"/>
+                <a:cs typeface="Arial" panose="020B0604020202020204" pitchFamily="34" charset="0"/>
+              </a:rPr>
+              <a:t>DesktopWindowXamlSource</a:t>
+            </a:r>
+            <a:r>
+              <a:rPr lang="en-US" altLang="zh-CN" sz="3800" kern="0" dirty="0">
+                <a:latin typeface="Arial" panose="020B0604020202020204" pitchFamily="34" charset="0"/>
+                <a:cs typeface="Arial" panose="020B0604020202020204" pitchFamily="34" charset="0"/>
+              </a:rPr>
+              <a:t> object</a:t>
+            </a:r>
+          </a:p>
+          <a:p>
+            <a:pPr lvl="2" defTabSz="914400"/>
+            <a:r>
+              <a:rPr lang="en-US" altLang="zh-CN" sz="2400" kern="0" dirty="0">
+                <a:latin typeface="Arial" panose="020B0604020202020204" pitchFamily="34" charset="0"/>
+                <a:cs typeface="Arial" panose="020B0604020202020204" pitchFamily="34" charset="0"/>
+              </a:rPr>
+              <a:t> </a:t>
+            </a:r>
+            <a:r>
+              <a:rPr lang="en-US" altLang="zh-CN" sz="2600" kern="0" dirty="0">
+                <a:latin typeface="Arial" panose="020B0604020202020204" pitchFamily="34" charset="0"/>
+                <a:cs typeface="Arial" panose="020B0604020202020204" pitchFamily="34" charset="0"/>
+              </a:rPr>
+              <a:t>provides the infrastructure for hosting the XAML Island</a:t>
+            </a:r>
+          </a:p>
+          <a:p>
+            <a:pPr lvl="2" defTabSz="914400"/>
+            <a:r>
+              <a:rPr lang="en-US" altLang="zh-CN" sz="2600" kern="0" dirty="0">
+                <a:latin typeface="Arial" panose="020B0604020202020204" pitchFamily="34" charset="0"/>
+                <a:cs typeface="Arial" panose="020B0604020202020204" pitchFamily="34" charset="0"/>
+              </a:rPr>
+              <a:t> Your code is responsible for creating this object and attaching it to the parent UI element</a:t>
+            </a:r>
+          </a:p>
+          <a:p>
+            <a:pPr marL="971401" lvl="1" indent="-514350" defTabSz="914400">
+              <a:buFont typeface="宋体" panose="02010600030101010101" pitchFamily="2" charset="-122"/>
+              <a:buAutoNum type="arabicParenR"/>
+            </a:pPr>
+            <a:r>
+              <a:rPr lang="en-US" altLang="zh-CN" sz="3800" kern="0" dirty="0">
+                <a:latin typeface="Arial" panose="020B0604020202020204" pitchFamily="34" charset="0"/>
+                <a:cs typeface="Arial" panose="020B0604020202020204" pitchFamily="34" charset="0"/>
+              </a:rPr>
+              <a:t>the </a:t>
+            </a:r>
+            <a:r>
+              <a:rPr lang="en-US" altLang="zh-CN" sz="3800" kern="0" dirty="0" err="1">
+                <a:latin typeface="Arial" panose="020B0604020202020204" pitchFamily="34" charset="0"/>
+                <a:cs typeface="Arial" panose="020B0604020202020204" pitchFamily="34" charset="0"/>
+              </a:rPr>
+              <a:t>DesktopWindowXamlSource</a:t>
+            </a:r>
+            <a:r>
+              <a:rPr lang="en-US" altLang="zh-CN" sz="3800" kern="0" dirty="0">
+                <a:latin typeface="Arial" panose="020B0604020202020204" pitchFamily="34" charset="0"/>
+                <a:cs typeface="Arial" panose="020B0604020202020204" pitchFamily="34" charset="0"/>
+              </a:rPr>
+              <a:t> object automatically creates a native child window to host your UWP control</a:t>
+            </a:r>
+          </a:p>
+          <a:p>
+            <a:pPr lvl="2" defTabSz="914400"/>
+            <a:r>
+              <a:rPr lang="en-US" altLang="zh-CN" sz="2400" kern="0" dirty="0">
+                <a:latin typeface="Arial" panose="020B0604020202020204" pitchFamily="34" charset="0"/>
+                <a:cs typeface="Arial" panose="020B0604020202020204" pitchFamily="34" charset="0"/>
+              </a:rPr>
+              <a:t>you can access its handle (HWND) if necessary</a:t>
+            </a:r>
+          </a:p>
+          <a:p>
+            <a:pPr marL="971401" lvl="1" indent="-514350" defTabSz="914400">
+              <a:buFont typeface="宋体" panose="02010600030101010101" pitchFamily="2" charset="-122"/>
+              <a:buAutoNum type="arabicParenR"/>
+            </a:pPr>
+            <a:r>
+              <a:rPr lang="en-US" altLang="zh-CN" sz="3800" kern="0" dirty="0">
+                <a:latin typeface="Arial" panose="020B0604020202020204" pitchFamily="34" charset="0"/>
+                <a:cs typeface="Arial" panose="020B0604020202020204" pitchFamily="34" charset="0"/>
+              </a:rPr>
+              <a:t>at the top level is the hosted UWP control</a:t>
+            </a:r>
+          </a:p>
+          <a:p>
+            <a:pPr lvl="2" defTabSz="914400"/>
+            <a:r>
+              <a:rPr lang="en-US" altLang="zh-CN" sz="2400" kern="0" dirty="0">
+                <a:latin typeface="Arial" panose="020B0604020202020204" pitchFamily="34" charset="0"/>
+                <a:cs typeface="Arial" panose="020B0604020202020204" pitchFamily="34" charset="0"/>
+              </a:rPr>
+              <a:t> </a:t>
+            </a:r>
+            <a:r>
+              <a:rPr lang="en-US" altLang="zh-CN" sz="2600" kern="0" dirty="0">
+                <a:latin typeface="Arial" panose="020B0604020202020204" pitchFamily="34" charset="0"/>
+                <a:cs typeface="Arial" panose="020B0604020202020204" pitchFamily="34" charset="0"/>
+              </a:rPr>
+              <a:t>any UWP control provided by the Windows SDK as well as custom user controls</a:t>
+            </a:r>
+          </a:p>
+        </p:txBody>
+      </p:sp>
+      <p:pic>
+        <p:nvPicPr>
+          <p:cNvPr id="6" name="Picture 3" descr="352a9af8bd5e6e9d62783a6cd2991f09.png">
+            <a:extLst>
+              <a:ext uri="{FF2B5EF4-FFF2-40B4-BE49-F238E27FC236}">
+                <a16:creationId xmlns:a16="http://schemas.microsoft.com/office/drawing/2014/main" id="{7D6A1917-D4DE-4EFB-994A-99F6D9D98E23}"/>
+              </a:ext>
+            </a:extLst>
+          </p:cNvPr>
+          <p:cNvPicPr>
+            <a:picLocks noChangeAspect="1" noChangeArrowheads="1"/>
+          </p:cNvPicPr>
+          <p:nvPr/>
+        </p:nvPicPr>
+        <p:blipFill>
+          <a:blip r:embed="rId3">
+            <a:extLst>
+              <a:ext uri="{28A0092B-C50C-407E-A947-70E740481C1C}">
+                <a14:useLocalDpi xmlns:a14="http://schemas.microsoft.com/office/drawing/2010/main" val="0"/>
+              </a:ext>
+            </a:extLst>
+          </a:blip>
+          <a:srcRect/>
+          <a:stretch>
+            <a:fillRect/>
+          </a:stretch>
+        </p:blipFill>
+        <p:spPr bwMode="auto">
+          <a:xfrm>
+            <a:off x="4026877" y="1383645"/>
+            <a:ext cx="7280031" cy="5200022"/>
+          </a:xfrm>
+          <a:prstGeom prst="rect">
+            <a:avLst/>
+          </a:prstGeom>
+          <a:noFill/>
+          <a:extLst>
+            <a:ext uri="{909E8E84-426E-40DD-AFC4-6F175D3DCCD1}">
+              <a14:hiddenFill xmlns:a14="http://schemas.microsoft.com/office/drawing/2010/main">
+                <a:solidFill>
+                  <a:srgbClr val="FFFFFF"/>
+                </a:solidFill>
+              </a14:hiddenFill>
+            </a:ext>
+          </a:extLst>
+        </p:spPr>
+      </p:pic>
+    </p:spTree>
+    <p:extLst>
+      <p:ext uri="{BB962C8B-B14F-4D97-AF65-F5344CB8AC3E}">
+        <p14:creationId xmlns:p14="http://schemas.microsoft.com/office/powerpoint/2010/main" val="1895981307"/>
+      </p:ext>
+    </p:extLst>
+  </p:cSld>
+  <p:clrMapOvr>
+    <a:masterClrMapping/>
+  </p:clrMapOvr>
+  <p:timing>
+    <p:tnLst>
+      <p:par>
+        <p:cTn id="1" dur="indefinite" restart="never" nodeType="tmRoot">
+          <p:childTnLst>
+            <p:seq concurrent="1" nextAc="seek">
+              <p:cTn id="2" dur="indefinite" nodeType="mainSeq">
+                <p:childTnLst>
+                  <p:par>
+                    <p:cTn id="3" fill="hold">
+                      <p:stCondLst>
+                        <p:cond delay="indefinite"/>
+                      </p:stCondLst>
+                      <p:childTnLst>
+                        <p:par>
+                          <p:cTn id="4" fill="hold">
+                            <p:stCondLst>
+                              <p:cond delay="0"/>
+                            </p:stCondLst>
+                            <p:childTnLst>
+                              <p:par>
+                                <p:cTn id="5" presetID="1" presetClass="entr" presetSubtype="0" fill="hold" nodeType="clickEffect">
+                                  <p:stCondLst>
+                                    <p:cond delay="0"/>
+                                  </p:stCondLst>
+                                  <p:childTnLst>
+                                    <p:set>
+                                      <p:cBhvr>
+                                        <p:cTn id="6" dur="1" fill="hold">
+                                          <p:stCondLst>
+                                            <p:cond delay="0"/>
+                                          </p:stCondLst>
+                                        </p:cTn>
+                                        <p:tgtEl>
+                                          <p:spTgt spid="6"/>
+                                        </p:tgtEl>
+                                        <p:attrNameLst>
+                                          <p:attrName>style.visibility</p:attrName>
+                                        </p:attrNameLst>
+                                      </p:cBhvr>
+                                      <p:to>
+                                        <p:strVal val="visible"/>
+                                      </p:to>
+                                    </p:set>
+                                  </p:childTnLst>
+                                </p:cTn>
+                              </p:par>
+                            </p:childTnLst>
+                          </p:cTn>
+                        </p:par>
+                      </p:childTnLst>
+                    </p:cTn>
+                  </p:par>
+                </p:childTnLst>
+              </p:cTn>
+              <p:prevCondLst>
+                <p:cond evt="onPrev" delay="0">
+                  <p:tgtEl>
+                    <p:sldTgt/>
+                  </p:tgtEl>
+                </p:cond>
+              </p:prevCondLst>
+              <p:nextCondLst>
+                <p:cond evt="onNext" delay="0">
+                  <p:tgtEl>
+                    <p:sldTgt/>
+                  </p:tgtEl>
+                </p:cond>
+              </p:nextCondLst>
+            </p:seq>
+          </p:childTnLst>
+        </p:cTn>
+      </p:par>
+    </p:tnLst>
+  </p:timing>
+</p:sld>
+</file>
+
+<file path=ppt/slides/slide29.xml><?xml version="1.0" encoding="utf-8"?>
+<p:sld xmlns:a="http://schemas.openxmlformats.org/drawingml/2006/main" xmlns:r="http://schemas.openxmlformats.org/officeDocument/2006/relationships" xmlns:p="http://schemas.openxmlformats.org/presentationml/2006/main">
+  <p:cSld>
+    <p:spTree>
+      <p:nvGrpSpPr>
+        <p:cNvPr id="1" name=""/>
+        <p:cNvGrpSpPr/>
+        <p:nvPr/>
+      </p:nvGrpSpPr>
+      <p:grpSpPr>
+        <a:xfrm>
+          <a:off x="0" y="0"/>
+          <a:ext cx="0" cy="0"/>
+          <a:chOff x="0" y="0"/>
+          <a:chExt cx="0" cy="0"/>
+        </a:xfrm>
+      </p:grpSpPr>
+      <p:sp>
+        <p:nvSpPr>
+          <p:cNvPr id="7171" name="Rectangle 2"/>
+          <p:cNvSpPr>
+            <a:spLocks noGrp="1" noChangeArrowheads="1"/>
+          </p:cNvSpPr>
+          <p:nvPr>
+            <p:ph type="title" idx="4294967295"/>
+          </p:nvPr>
+        </p:nvSpPr>
+        <p:spPr>
+          <a:xfrm>
+            <a:off x="1635364" y="656570"/>
+            <a:ext cx="7288827" cy="727075"/>
+          </a:xfrm>
+        </p:spPr>
+        <p:txBody>
+          <a:bodyPr>
+            <a:normAutofit fontScale="90000"/>
+          </a:bodyPr>
+          <a:lstStyle/>
+          <a:p>
+            <a:pPr algn="ctr"/>
+            <a:r>
+              <a:rPr lang="en-US" altLang="zh-CN" dirty="0">
+                <a:latin typeface="Arial" panose="020B0604020202020204" pitchFamily="34" charset="0"/>
+                <a:cs typeface="Arial" panose="020B0604020202020204" pitchFamily="34" charset="0"/>
+              </a:rPr>
+              <a:t>3. Host a standard UWP control</a:t>
+            </a:r>
+            <a:endParaRPr lang="zh-CN" altLang="en-US" dirty="0">
+              <a:latin typeface="Arial" panose="020B0604020202020204" pitchFamily="34" charset="0"/>
+              <a:cs typeface="Arial" panose="020B0604020202020204" pitchFamily="34" charset="0"/>
+            </a:endParaRPr>
+          </a:p>
+        </p:txBody>
+      </p:sp>
+      <p:sp>
+        <p:nvSpPr>
+          <p:cNvPr id="5" name="Rectangle 3">
+            <a:extLst>
+              <a:ext uri="{FF2B5EF4-FFF2-40B4-BE49-F238E27FC236}">
+                <a16:creationId xmlns:a16="http://schemas.microsoft.com/office/drawing/2014/main" id="{61C504E1-691D-4C82-AB62-C773467524F3}"/>
+              </a:ext>
+            </a:extLst>
+          </p:cNvPr>
+          <p:cNvSpPr txBox="1">
+            <a:spLocks noChangeArrowheads="1"/>
+          </p:cNvSpPr>
+          <p:nvPr/>
+        </p:nvSpPr>
+        <p:spPr bwMode="auto">
+          <a:xfrm>
+            <a:off x="1480330" y="1708445"/>
+            <a:ext cx="9378170" cy="4709940"/>
+          </a:xfrm>
+          <a:prstGeom prst="rect">
+            <a:avLst/>
+          </a:prstGeom>
+          <a:noFill/>
+          <a:ln>
+            <a:noFill/>
+          </a:ln>
+          <a:extLst>
+            <a:ext uri="{909E8E84-426E-40DD-AFC4-6F175D3DCCD1}">
+              <a14:hiddenFill xmlns:a14="http://schemas.microsoft.com/office/drawing/2010/main">
+                <a:solidFill>
+                  <a:srgbClr val="FFFFFF"/>
+                </a:solidFill>
+              </a14:hiddenFill>
+            </a:ext>
+            <a:ext uri="{91240B29-F687-4F45-9708-019B960494DF}">
+              <a14:hiddenLine xmlns:a14="http://schemas.microsoft.com/office/drawing/2010/main" w="9525">
+                <a:solidFill>
+                  <a:srgbClr val="000000"/>
+                </a:solidFill>
+                <a:miter lim="800000"/>
+                <a:headEnd/>
+                <a:tailEnd/>
+              </a14:hiddenLine>
+            </a:ext>
+          </a:extLst>
+        </p:spPr>
+        <p:txBody>
+          <a:bodyPr vert="horz" wrap="square" lIns="68589" tIns="34295" rIns="68589" bIns="34295" numCol="1" anchor="t" anchorCtr="0" compatLnSpc="1">
+            <a:normAutofit fontScale="85000" lnSpcReduction="20000"/>
+          </a:bodyPr>
+          <a:lstStyle>
+            <a:lvl1pPr marL="228526" indent="-228526" algn="l" rtl="0" eaLnBrk="1" fontAlgn="base" hangingPunct="1">
+              <a:lnSpc>
+                <a:spcPct val="90000"/>
+              </a:lnSpc>
+              <a:spcBef>
+                <a:spcPts val="1000"/>
+              </a:spcBef>
+              <a:spcAft>
+                <a:spcPct val="0"/>
+              </a:spcAft>
+              <a:buFont typeface="Wingdings" panose="05000000000000000000" charset="0"/>
+              <a:buChar char=""/>
+              <a:defRPr sz="2799">
+                <a:solidFill>
+                  <a:srgbClr val="002060"/>
+                </a:solidFill>
+                <a:latin typeface="微软雅黑" panose="020B0503020204020204" pitchFamily="34" charset="-122"/>
+                <a:ea typeface="微软雅黑" panose="020B0503020204020204" pitchFamily="34" charset="-122"/>
+                <a:cs typeface="+mn-cs"/>
+              </a:defRPr>
+            </a:lvl1pPr>
+            <a:lvl2pPr marL="685577" indent="-228526" algn="l" rtl="0" eaLnBrk="1" fontAlgn="base" hangingPunct="1">
+              <a:lnSpc>
+                <a:spcPct val="90000"/>
+              </a:lnSpc>
+              <a:spcBef>
+                <a:spcPts val="500"/>
+              </a:spcBef>
+              <a:spcAft>
+                <a:spcPct val="0"/>
+              </a:spcAft>
+              <a:buFont typeface="宋体" panose="02010600030101010101" pitchFamily="2" charset="-122"/>
+              <a:buChar char="–"/>
+              <a:defRPr sz="2399">
+                <a:solidFill>
+                  <a:srgbClr val="002060"/>
+                </a:solidFill>
+                <a:latin typeface="微软雅黑" panose="020B0503020204020204" pitchFamily="34" charset="-122"/>
+                <a:ea typeface="微软雅黑" panose="020B0503020204020204" pitchFamily="34" charset="-122"/>
+              </a:defRPr>
+            </a:lvl2pPr>
+            <a:lvl3pPr marL="1142629" indent="-228526" algn="l" rtl="0" eaLnBrk="1" fontAlgn="base" hangingPunct="1">
+              <a:lnSpc>
+                <a:spcPct val="90000"/>
+              </a:lnSpc>
+              <a:spcBef>
+                <a:spcPts val="500"/>
+              </a:spcBef>
+              <a:spcAft>
+                <a:spcPct val="0"/>
+              </a:spcAft>
+              <a:buFont typeface="Wingdings" panose="05000000000000000000" charset="0"/>
+              <a:buChar char=""/>
+              <a:defRPr sz="1999">
+                <a:solidFill>
+                  <a:srgbClr val="002060"/>
+                </a:solidFill>
+                <a:latin typeface="微软雅黑" panose="020B0503020204020204" pitchFamily="34" charset="-122"/>
+                <a:ea typeface="微软雅黑" panose="020B0503020204020204" pitchFamily="34" charset="-122"/>
+              </a:defRPr>
+            </a:lvl3pPr>
+            <a:lvl4pPr marL="1599680" indent="-228526" algn="l" rtl="0" eaLnBrk="1" fontAlgn="base" hangingPunct="1">
+              <a:lnSpc>
+                <a:spcPct val="90000"/>
+              </a:lnSpc>
+              <a:spcBef>
+                <a:spcPts val="500"/>
+              </a:spcBef>
+              <a:spcAft>
+                <a:spcPct val="0"/>
+              </a:spcAft>
+              <a:buFont typeface="Arial" panose="020B0604020202020204" pitchFamily="34" charset="0"/>
+              <a:buChar char="•"/>
+              <a:defRPr sz="1999">
+                <a:solidFill>
+                  <a:srgbClr val="002060"/>
+                </a:solidFill>
+                <a:latin typeface="微软雅黑" panose="020B0503020204020204" pitchFamily="34" charset="-122"/>
+                <a:ea typeface="微软雅黑" panose="020B0503020204020204" pitchFamily="34" charset="-122"/>
+              </a:defRPr>
+            </a:lvl4pPr>
+            <a:lvl5pPr marL="2056731" indent="-228526" algn="l" rtl="0" eaLnBrk="1" fontAlgn="base" hangingPunct="1">
+              <a:lnSpc>
+                <a:spcPct val="90000"/>
+              </a:lnSpc>
+              <a:spcBef>
+                <a:spcPts val="500"/>
+              </a:spcBef>
+              <a:spcAft>
+                <a:spcPct val="0"/>
+              </a:spcAft>
+              <a:buFont typeface="Arial" panose="020B0604020202020204" pitchFamily="34" charset="0"/>
+              <a:buChar char="•"/>
+              <a:defRPr sz="1999">
+                <a:solidFill>
+                  <a:srgbClr val="002060"/>
+                </a:solidFill>
+                <a:latin typeface="微软雅黑" panose="020B0503020204020204" pitchFamily="34" charset="-122"/>
+                <a:ea typeface="微软雅黑" panose="020B0503020204020204" pitchFamily="34" charset="-122"/>
+              </a:defRPr>
+            </a:lvl5pPr>
+            <a:lvl6pPr marL="2513783" indent="-228526" algn="l" rtl="0" eaLnBrk="1" fontAlgn="base" hangingPunct="1">
+              <a:lnSpc>
+                <a:spcPct val="90000"/>
+              </a:lnSpc>
+              <a:spcBef>
+                <a:spcPts val="500"/>
+              </a:spcBef>
+              <a:spcAft>
+                <a:spcPct val="0"/>
+              </a:spcAft>
+              <a:buFont typeface="Arial" panose="020B0604020202020204" pitchFamily="34" charset="0"/>
+              <a:buChar char="•"/>
+              <a:defRPr>
+                <a:solidFill>
+                  <a:schemeClr val="tx1"/>
+                </a:solidFill>
+                <a:latin typeface="+mn-lt"/>
+                <a:ea typeface="+mn-ea"/>
+              </a:defRPr>
+            </a:lvl6pPr>
+            <a:lvl7pPr marL="2970834" indent="-228526" algn="l" rtl="0" eaLnBrk="1" fontAlgn="base" hangingPunct="1">
+              <a:lnSpc>
+                <a:spcPct val="90000"/>
+              </a:lnSpc>
+              <a:spcBef>
+                <a:spcPts val="500"/>
+              </a:spcBef>
+              <a:spcAft>
+                <a:spcPct val="0"/>
+              </a:spcAft>
+              <a:buFont typeface="Arial" panose="020B0604020202020204" pitchFamily="34" charset="0"/>
+              <a:buChar char="•"/>
+              <a:defRPr>
+                <a:solidFill>
+                  <a:schemeClr val="tx1"/>
+                </a:solidFill>
+                <a:latin typeface="+mn-lt"/>
+                <a:ea typeface="+mn-ea"/>
+              </a:defRPr>
+            </a:lvl7pPr>
+            <a:lvl8pPr marL="3428732" indent="-228526" algn="l" rtl="0" eaLnBrk="1" fontAlgn="base" hangingPunct="1">
+              <a:lnSpc>
+                <a:spcPct val="90000"/>
+              </a:lnSpc>
+              <a:spcBef>
+                <a:spcPts val="500"/>
+              </a:spcBef>
+              <a:spcAft>
+                <a:spcPct val="0"/>
+              </a:spcAft>
+              <a:buFont typeface="Arial" panose="020B0604020202020204" pitchFamily="34" charset="0"/>
+              <a:buChar char="•"/>
+              <a:defRPr>
+                <a:solidFill>
+                  <a:schemeClr val="tx1"/>
+                </a:solidFill>
+                <a:latin typeface="+mn-lt"/>
+                <a:ea typeface="+mn-ea"/>
+              </a:defRPr>
+            </a:lvl8pPr>
+            <a:lvl9pPr marL="3885783" indent="-228526" algn="l" rtl="0" eaLnBrk="1" fontAlgn="base" hangingPunct="1">
+              <a:lnSpc>
+                <a:spcPct val="90000"/>
+              </a:lnSpc>
+              <a:spcBef>
+                <a:spcPts val="500"/>
+              </a:spcBef>
+              <a:spcAft>
+                <a:spcPct val="0"/>
+              </a:spcAft>
+              <a:buFont typeface="Arial" panose="020B0604020202020204" pitchFamily="34" charset="0"/>
+              <a:buChar char="•"/>
+              <a:defRPr>
+                <a:solidFill>
+                  <a:schemeClr val="tx1"/>
+                </a:solidFill>
+                <a:latin typeface="+mn-lt"/>
+                <a:ea typeface="+mn-ea"/>
+              </a:defRPr>
+            </a:lvl9pPr>
+          </a:lstStyle>
+          <a:p>
+            <a:pPr marL="971401" lvl="1" indent="-514350" defTabSz="914400">
+              <a:buAutoNum type="arabicParenR"/>
+            </a:pPr>
+            <a:r>
+              <a:rPr lang="en-US" altLang="zh-CN" sz="3800" kern="0" dirty="0">
+                <a:latin typeface="Arial" panose="020B0604020202020204" pitchFamily="34" charset="0"/>
+                <a:cs typeface="Arial" panose="020B0604020202020204" pitchFamily="34" charset="0"/>
+              </a:rPr>
+              <a:t>Windows 10, version 1903 SDK (version 10.0.18362) or a later</a:t>
+            </a:r>
+          </a:p>
+          <a:p>
+            <a:pPr lvl="2" defTabSz="914400"/>
+            <a:endParaRPr lang="en-US" altLang="zh-CN" sz="2600" kern="0" dirty="0">
+              <a:latin typeface="Arial" panose="020B0604020202020204" pitchFamily="34" charset="0"/>
+              <a:cs typeface="Arial" panose="020B0604020202020204" pitchFamily="34" charset="0"/>
+            </a:endParaRPr>
+          </a:p>
+          <a:p>
+            <a:pPr marL="971401" lvl="1" indent="-514350" defTabSz="914400">
+              <a:buFont typeface="宋体" panose="02010600030101010101" pitchFamily="2" charset="-122"/>
+              <a:buAutoNum type="arabicParenR"/>
+            </a:pPr>
+            <a:r>
+              <a:rPr lang="en-US" altLang="zh-CN" sz="3800" kern="0" dirty="0">
+                <a:latin typeface="Arial" panose="020B0604020202020204" pitchFamily="34" charset="0"/>
+                <a:cs typeface="Arial" panose="020B0604020202020204" pitchFamily="34" charset="0"/>
+              </a:rPr>
+              <a:t>Retarget solution, select the 10.0.18362.0 or later</a:t>
+            </a:r>
+          </a:p>
+          <a:p>
+            <a:pPr lvl="2" defTabSz="914400"/>
+            <a:endParaRPr lang="en-US" altLang="zh-CN" sz="2600" kern="0" dirty="0">
+              <a:latin typeface="Arial" panose="020B0604020202020204" pitchFamily="34" charset="0"/>
+              <a:cs typeface="Arial" panose="020B0604020202020204" pitchFamily="34" charset="0"/>
+            </a:endParaRPr>
+          </a:p>
+          <a:p>
+            <a:pPr marL="971401" lvl="1" indent="-514350" defTabSz="914400">
+              <a:buFont typeface="宋体" panose="02010600030101010101" pitchFamily="2" charset="-122"/>
+              <a:buAutoNum type="arabicParenR"/>
+            </a:pPr>
+            <a:r>
+              <a:rPr lang="en-US" altLang="zh-CN" sz="3800" kern="0" dirty="0">
+                <a:latin typeface="Arial" panose="020B0604020202020204" pitchFamily="34" charset="0"/>
+                <a:cs typeface="Arial" panose="020B0604020202020204" pitchFamily="34" charset="0"/>
+              </a:rPr>
+              <a:t>Install the </a:t>
+            </a:r>
+            <a:r>
+              <a:rPr lang="en-US" altLang="zh-CN" sz="3800" kern="0" dirty="0" err="1">
+                <a:latin typeface="Arial" panose="020B0604020202020204" pitchFamily="34" charset="0"/>
+                <a:cs typeface="Arial" panose="020B0604020202020204" pitchFamily="34" charset="0"/>
+              </a:rPr>
+              <a:t>Microsoft.Windows.CppWinRT</a:t>
+            </a:r>
+            <a:r>
+              <a:rPr lang="en-US" altLang="zh-CN" sz="3800" kern="0" dirty="0">
+                <a:latin typeface="Arial" panose="020B0604020202020204" pitchFamily="34" charset="0"/>
+                <a:cs typeface="Arial" panose="020B0604020202020204" pitchFamily="34" charset="0"/>
+              </a:rPr>
+              <a:t> NuGet package</a:t>
+            </a:r>
+          </a:p>
+          <a:p>
+            <a:pPr lvl="2" defTabSz="914400"/>
+            <a:endParaRPr lang="en-US" altLang="zh-CN" sz="2400" kern="0" dirty="0">
+              <a:latin typeface="Arial" panose="020B0604020202020204" pitchFamily="34" charset="0"/>
+              <a:cs typeface="Arial" panose="020B0604020202020204" pitchFamily="34" charset="0"/>
+            </a:endParaRPr>
+          </a:p>
+          <a:p>
+            <a:pPr marL="971401" lvl="1" indent="-514350" defTabSz="914400">
+              <a:buFont typeface="宋体" panose="02010600030101010101" pitchFamily="2" charset="-122"/>
+              <a:buAutoNum type="arabicParenR"/>
+            </a:pPr>
+            <a:r>
+              <a:rPr lang="en-US" altLang="zh-CN" sz="3800" kern="0" dirty="0">
+                <a:latin typeface="Arial" panose="020B0604020202020204" pitchFamily="34" charset="0"/>
+                <a:cs typeface="Arial" panose="020B0604020202020204" pitchFamily="34" charset="0"/>
+              </a:rPr>
+              <a:t>Install the Microsoft.Toolkit.Win32.UI.SDK NuGet package</a:t>
+            </a:r>
+          </a:p>
+          <a:p>
+            <a:pPr lvl="2" defTabSz="914400"/>
+            <a:r>
+              <a:rPr lang="en-US" altLang="zh-CN" sz="2400" kern="0" dirty="0">
+                <a:latin typeface="Arial" panose="020B0604020202020204" pitchFamily="34" charset="0"/>
+                <a:cs typeface="Arial" panose="020B0604020202020204" pitchFamily="34" charset="0"/>
+              </a:rPr>
+              <a:t> </a:t>
+            </a:r>
+            <a:r>
+              <a:rPr lang="en-US" altLang="zh-CN" sz="2600" kern="0" dirty="0">
+                <a:latin typeface="Arial" panose="020B0604020202020204" pitchFamily="34" charset="0"/>
+                <a:cs typeface="Arial" panose="020B0604020202020204" pitchFamily="34" charset="0"/>
+              </a:rPr>
+              <a:t>In the NuGet Package Manager window, make sure that Include </a:t>
+            </a:r>
+            <a:r>
+              <a:rPr lang="en-US" altLang="zh-CN" sz="2600" kern="0" dirty="0">
+                <a:solidFill>
+                  <a:srgbClr val="FF0000"/>
+                </a:solidFill>
+                <a:latin typeface="Arial" panose="020B0604020202020204" pitchFamily="34" charset="0"/>
+                <a:cs typeface="Arial" panose="020B0604020202020204" pitchFamily="34" charset="0"/>
+              </a:rPr>
+              <a:t>prerelease</a:t>
+            </a:r>
+            <a:r>
+              <a:rPr lang="en-US" altLang="zh-CN" sz="2600" kern="0" dirty="0">
+                <a:latin typeface="Arial" panose="020B0604020202020204" pitchFamily="34" charset="0"/>
+                <a:cs typeface="Arial" panose="020B0604020202020204" pitchFamily="34" charset="0"/>
+              </a:rPr>
+              <a:t> is selected</a:t>
+            </a:r>
+          </a:p>
+          <a:p>
+            <a:pPr lvl="2" defTabSz="914400"/>
+            <a:r>
+              <a:rPr lang="en-US" altLang="zh-CN" sz="2600" kern="0" dirty="0">
+                <a:latin typeface="Arial" panose="020B0604020202020204" pitchFamily="34" charset="0"/>
+                <a:cs typeface="Arial" panose="020B0604020202020204" pitchFamily="34" charset="0"/>
+              </a:rPr>
+              <a:t> install version v6.0.0-preview7 (or later) </a:t>
+            </a:r>
+          </a:p>
+          <a:p>
+            <a:pPr lvl="2" defTabSz="914400"/>
+            <a:endParaRPr lang="en-US" altLang="zh-CN" sz="2600" kern="0" dirty="0">
+              <a:latin typeface="Arial" panose="020B0604020202020204" pitchFamily="34" charset="0"/>
+              <a:cs typeface="Arial" panose="020B0604020202020204" pitchFamily="34" charset="0"/>
+            </a:endParaRPr>
+          </a:p>
+        </p:txBody>
+      </p:sp>
+    </p:spTree>
+    <p:extLst>
+      <p:ext uri="{BB962C8B-B14F-4D97-AF65-F5344CB8AC3E}">
+        <p14:creationId xmlns:p14="http://schemas.microsoft.com/office/powerpoint/2010/main" val="1100709358"/>
+      </p:ext>
+    </p:extLst>
+  </p:cSld>
+  <p:clrMapOvr>
+    <a:masterClrMapping/>
+  </p:clrMapOvr>
+  <mc:AlternateContent xmlns:mc="http://schemas.openxmlformats.org/markup-compatibility/2006">
+    <mc:Choice xmlns:p14="http://schemas.microsoft.com/office/powerpoint/2010/main" Requires="p14">
+      <p:transition p14:dur="10"/>
+    </mc:Choice>
+    <mc:Fallback>
+      <p:transition/>
+    </mc:Fallback>
+  </mc:AlternateContent>
 </p:sld>
 </file>
 
@@ -22388,7 +24994,7 @@
           <p:nvPr>
             <p:extLst>
               <p:ext uri="{D42A27DB-BD31-4B8C-83A1-F6EECF244321}">
-                <p14:modId xmlns:p14="http://schemas.microsoft.com/office/powerpoint/2010/main" val="2895527623"/>
+                <p14:modId xmlns:p14="http://schemas.microsoft.com/office/powerpoint/2010/main" val="2785959179"/>
               </p:ext>
             </p:extLst>
           </p:nvPr>
@@ -23556,6 +26162,1182 @@
 </p:sld>
 </file>
 
+<file path=ppt/slides/slide30.xml><?xml version="1.0" encoding="utf-8"?>
+<p:sld xmlns:a="http://schemas.openxmlformats.org/drawingml/2006/main" xmlns:r="http://schemas.openxmlformats.org/officeDocument/2006/relationships" xmlns:p="http://schemas.openxmlformats.org/presentationml/2006/main">
+  <p:cSld>
+    <p:spTree>
+      <p:nvGrpSpPr>
+        <p:cNvPr id="1" name=""/>
+        <p:cNvGrpSpPr/>
+        <p:nvPr/>
+      </p:nvGrpSpPr>
+      <p:grpSpPr>
+        <a:xfrm>
+          <a:off x="0" y="0"/>
+          <a:ext cx="0" cy="0"/>
+          <a:chOff x="0" y="0"/>
+          <a:chExt cx="0" cy="0"/>
+        </a:xfrm>
+      </p:grpSpPr>
+      <p:sp>
+        <p:nvSpPr>
+          <p:cNvPr id="7171" name="Rectangle 2"/>
+          <p:cNvSpPr>
+            <a:spLocks noGrp="1" noChangeArrowheads="1"/>
+          </p:cNvSpPr>
+          <p:nvPr>
+            <p:ph type="title" idx="4294967295"/>
+          </p:nvPr>
+        </p:nvSpPr>
+        <p:spPr>
+          <a:xfrm>
+            <a:off x="1635364" y="656570"/>
+            <a:ext cx="7288827" cy="727075"/>
+          </a:xfrm>
+        </p:spPr>
+        <p:txBody>
+          <a:bodyPr>
+            <a:normAutofit fontScale="90000"/>
+          </a:bodyPr>
+          <a:lstStyle/>
+          <a:p>
+            <a:pPr algn="ctr"/>
+            <a:r>
+              <a:rPr lang="en-US" altLang="zh-CN" dirty="0">
+                <a:latin typeface="Arial" panose="020B0604020202020204" pitchFamily="34" charset="0"/>
+                <a:cs typeface="Arial" panose="020B0604020202020204" pitchFamily="34" charset="0"/>
+              </a:rPr>
+              <a:t>4. Host a custom UWP control</a:t>
+            </a:r>
+            <a:endParaRPr lang="zh-CN" altLang="en-US" dirty="0">
+              <a:latin typeface="Arial" panose="020B0604020202020204" pitchFamily="34" charset="0"/>
+              <a:cs typeface="Arial" panose="020B0604020202020204" pitchFamily="34" charset="0"/>
+            </a:endParaRPr>
+          </a:p>
+        </p:txBody>
+      </p:sp>
+      <p:sp>
+        <p:nvSpPr>
+          <p:cNvPr id="5" name="Rectangle 3">
+            <a:extLst>
+              <a:ext uri="{FF2B5EF4-FFF2-40B4-BE49-F238E27FC236}">
+                <a16:creationId xmlns:a16="http://schemas.microsoft.com/office/drawing/2014/main" id="{61C504E1-691D-4C82-AB62-C773467524F3}"/>
+              </a:ext>
+            </a:extLst>
+          </p:cNvPr>
+          <p:cNvSpPr txBox="1">
+            <a:spLocks noChangeArrowheads="1"/>
+          </p:cNvSpPr>
+          <p:nvPr/>
+        </p:nvSpPr>
+        <p:spPr bwMode="auto">
+          <a:xfrm>
+            <a:off x="1480330" y="1708445"/>
+            <a:ext cx="9378170" cy="4709940"/>
+          </a:xfrm>
+          <a:prstGeom prst="rect">
+            <a:avLst/>
+          </a:prstGeom>
+          <a:noFill/>
+          <a:ln>
+            <a:noFill/>
+          </a:ln>
+          <a:extLst>
+            <a:ext uri="{909E8E84-426E-40DD-AFC4-6F175D3DCCD1}">
+              <a14:hiddenFill xmlns:a14="http://schemas.microsoft.com/office/drawing/2010/main">
+                <a:solidFill>
+                  <a:srgbClr val="FFFFFF"/>
+                </a:solidFill>
+              </a14:hiddenFill>
+            </a:ext>
+            <a:ext uri="{91240B29-F687-4F45-9708-019B960494DF}">
+              <a14:hiddenLine xmlns:a14="http://schemas.microsoft.com/office/drawing/2010/main" w="9525">
+                <a:solidFill>
+                  <a:srgbClr val="000000"/>
+                </a:solidFill>
+                <a:miter lim="800000"/>
+                <a:headEnd/>
+                <a:tailEnd/>
+              </a14:hiddenLine>
+            </a:ext>
+          </a:extLst>
+        </p:spPr>
+        <p:txBody>
+          <a:bodyPr vert="horz" wrap="square" lIns="68589" tIns="34295" rIns="68589" bIns="34295" numCol="1" anchor="t" anchorCtr="0" compatLnSpc="1">
+            <a:normAutofit fontScale="92500" lnSpcReduction="10000"/>
+          </a:bodyPr>
+          <a:lstStyle>
+            <a:lvl1pPr marL="228526" indent="-228526" algn="l" rtl="0" eaLnBrk="1" fontAlgn="base" hangingPunct="1">
+              <a:lnSpc>
+                <a:spcPct val="90000"/>
+              </a:lnSpc>
+              <a:spcBef>
+                <a:spcPts val="1000"/>
+              </a:spcBef>
+              <a:spcAft>
+                <a:spcPct val="0"/>
+              </a:spcAft>
+              <a:buFont typeface="Wingdings" panose="05000000000000000000" charset="0"/>
+              <a:buChar char=""/>
+              <a:defRPr sz="2799">
+                <a:solidFill>
+                  <a:srgbClr val="002060"/>
+                </a:solidFill>
+                <a:latin typeface="微软雅黑" panose="020B0503020204020204" pitchFamily="34" charset="-122"/>
+                <a:ea typeface="微软雅黑" panose="020B0503020204020204" pitchFamily="34" charset="-122"/>
+                <a:cs typeface="+mn-cs"/>
+              </a:defRPr>
+            </a:lvl1pPr>
+            <a:lvl2pPr marL="685577" indent="-228526" algn="l" rtl="0" eaLnBrk="1" fontAlgn="base" hangingPunct="1">
+              <a:lnSpc>
+                <a:spcPct val="90000"/>
+              </a:lnSpc>
+              <a:spcBef>
+                <a:spcPts val="500"/>
+              </a:spcBef>
+              <a:spcAft>
+                <a:spcPct val="0"/>
+              </a:spcAft>
+              <a:buFont typeface="宋体" panose="02010600030101010101" pitchFamily="2" charset="-122"/>
+              <a:buChar char="–"/>
+              <a:defRPr sz="2399">
+                <a:solidFill>
+                  <a:srgbClr val="002060"/>
+                </a:solidFill>
+                <a:latin typeface="微软雅黑" panose="020B0503020204020204" pitchFamily="34" charset="-122"/>
+                <a:ea typeface="微软雅黑" panose="020B0503020204020204" pitchFamily="34" charset="-122"/>
+              </a:defRPr>
+            </a:lvl2pPr>
+            <a:lvl3pPr marL="1142629" indent="-228526" algn="l" rtl="0" eaLnBrk="1" fontAlgn="base" hangingPunct="1">
+              <a:lnSpc>
+                <a:spcPct val="90000"/>
+              </a:lnSpc>
+              <a:spcBef>
+                <a:spcPts val="500"/>
+              </a:spcBef>
+              <a:spcAft>
+                <a:spcPct val="0"/>
+              </a:spcAft>
+              <a:buFont typeface="Wingdings" panose="05000000000000000000" charset="0"/>
+              <a:buChar char=""/>
+              <a:defRPr sz="1999">
+                <a:solidFill>
+                  <a:srgbClr val="002060"/>
+                </a:solidFill>
+                <a:latin typeface="微软雅黑" panose="020B0503020204020204" pitchFamily="34" charset="-122"/>
+                <a:ea typeface="微软雅黑" panose="020B0503020204020204" pitchFamily="34" charset="-122"/>
+              </a:defRPr>
+            </a:lvl3pPr>
+            <a:lvl4pPr marL="1599680" indent="-228526" algn="l" rtl="0" eaLnBrk="1" fontAlgn="base" hangingPunct="1">
+              <a:lnSpc>
+                <a:spcPct val="90000"/>
+              </a:lnSpc>
+              <a:spcBef>
+                <a:spcPts val="500"/>
+              </a:spcBef>
+              <a:spcAft>
+                <a:spcPct val="0"/>
+              </a:spcAft>
+              <a:buFont typeface="Arial" panose="020B0604020202020204" pitchFamily="34" charset="0"/>
+              <a:buChar char="•"/>
+              <a:defRPr sz="1999">
+                <a:solidFill>
+                  <a:srgbClr val="002060"/>
+                </a:solidFill>
+                <a:latin typeface="微软雅黑" panose="020B0503020204020204" pitchFamily="34" charset="-122"/>
+                <a:ea typeface="微软雅黑" panose="020B0503020204020204" pitchFamily="34" charset="-122"/>
+              </a:defRPr>
+            </a:lvl4pPr>
+            <a:lvl5pPr marL="2056731" indent="-228526" algn="l" rtl="0" eaLnBrk="1" fontAlgn="base" hangingPunct="1">
+              <a:lnSpc>
+                <a:spcPct val="90000"/>
+              </a:lnSpc>
+              <a:spcBef>
+                <a:spcPts val="500"/>
+              </a:spcBef>
+              <a:spcAft>
+                <a:spcPct val="0"/>
+              </a:spcAft>
+              <a:buFont typeface="Arial" panose="020B0604020202020204" pitchFamily="34" charset="0"/>
+              <a:buChar char="•"/>
+              <a:defRPr sz="1999">
+                <a:solidFill>
+                  <a:srgbClr val="002060"/>
+                </a:solidFill>
+                <a:latin typeface="微软雅黑" panose="020B0503020204020204" pitchFamily="34" charset="-122"/>
+                <a:ea typeface="微软雅黑" panose="020B0503020204020204" pitchFamily="34" charset="-122"/>
+              </a:defRPr>
+            </a:lvl5pPr>
+            <a:lvl6pPr marL="2513783" indent="-228526" algn="l" rtl="0" eaLnBrk="1" fontAlgn="base" hangingPunct="1">
+              <a:lnSpc>
+                <a:spcPct val="90000"/>
+              </a:lnSpc>
+              <a:spcBef>
+                <a:spcPts val="500"/>
+              </a:spcBef>
+              <a:spcAft>
+                <a:spcPct val="0"/>
+              </a:spcAft>
+              <a:buFont typeface="Arial" panose="020B0604020202020204" pitchFamily="34" charset="0"/>
+              <a:buChar char="•"/>
+              <a:defRPr>
+                <a:solidFill>
+                  <a:schemeClr val="tx1"/>
+                </a:solidFill>
+                <a:latin typeface="+mn-lt"/>
+                <a:ea typeface="+mn-ea"/>
+              </a:defRPr>
+            </a:lvl6pPr>
+            <a:lvl7pPr marL="2970834" indent="-228526" algn="l" rtl="0" eaLnBrk="1" fontAlgn="base" hangingPunct="1">
+              <a:lnSpc>
+                <a:spcPct val="90000"/>
+              </a:lnSpc>
+              <a:spcBef>
+                <a:spcPts val="500"/>
+              </a:spcBef>
+              <a:spcAft>
+                <a:spcPct val="0"/>
+              </a:spcAft>
+              <a:buFont typeface="Arial" panose="020B0604020202020204" pitchFamily="34" charset="0"/>
+              <a:buChar char="•"/>
+              <a:defRPr>
+                <a:solidFill>
+                  <a:schemeClr val="tx1"/>
+                </a:solidFill>
+                <a:latin typeface="+mn-lt"/>
+                <a:ea typeface="+mn-ea"/>
+              </a:defRPr>
+            </a:lvl7pPr>
+            <a:lvl8pPr marL="3428732" indent="-228526" algn="l" rtl="0" eaLnBrk="1" fontAlgn="base" hangingPunct="1">
+              <a:lnSpc>
+                <a:spcPct val="90000"/>
+              </a:lnSpc>
+              <a:spcBef>
+                <a:spcPts val="500"/>
+              </a:spcBef>
+              <a:spcAft>
+                <a:spcPct val="0"/>
+              </a:spcAft>
+              <a:buFont typeface="Arial" panose="020B0604020202020204" pitchFamily="34" charset="0"/>
+              <a:buChar char="•"/>
+              <a:defRPr>
+                <a:solidFill>
+                  <a:schemeClr val="tx1"/>
+                </a:solidFill>
+                <a:latin typeface="+mn-lt"/>
+                <a:ea typeface="+mn-ea"/>
+              </a:defRPr>
+            </a:lvl8pPr>
+            <a:lvl9pPr marL="3885783" indent="-228526" algn="l" rtl="0" eaLnBrk="1" fontAlgn="base" hangingPunct="1">
+              <a:lnSpc>
+                <a:spcPct val="90000"/>
+              </a:lnSpc>
+              <a:spcBef>
+                <a:spcPts val="500"/>
+              </a:spcBef>
+              <a:spcAft>
+                <a:spcPct val="0"/>
+              </a:spcAft>
+              <a:buFont typeface="Arial" panose="020B0604020202020204" pitchFamily="34" charset="0"/>
+              <a:buChar char="•"/>
+              <a:defRPr>
+                <a:solidFill>
+                  <a:schemeClr val="tx1"/>
+                </a:solidFill>
+                <a:latin typeface="+mn-lt"/>
+                <a:ea typeface="+mn-ea"/>
+              </a:defRPr>
+            </a:lvl9pPr>
+          </a:lstStyle>
+          <a:p>
+            <a:pPr marL="457051" lvl="1" indent="0" defTabSz="914400">
+              <a:buNone/>
+            </a:pPr>
+            <a:r>
+              <a:rPr lang="en-US" altLang="zh-CN" sz="3800" kern="0" dirty="0">
+                <a:latin typeface="Arial" panose="020B0604020202020204" pitchFamily="34" charset="0"/>
+                <a:cs typeface="Arial" panose="020B0604020202020204" pitchFamily="34" charset="0"/>
+              </a:rPr>
+              <a:t>what you need:</a:t>
+            </a:r>
+          </a:p>
+          <a:p>
+            <a:pPr marL="971401" lvl="1" indent="-514350" defTabSz="914400">
+              <a:buAutoNum type="arabicParenR"/>
+            </a:pPr>
+            <a:r>
+              <a:rPr lang="en-US" altLang="zh-CN" sz="3800" kern="0" dirty="0">
+                <a:latin typeface="Arial" panose="020B0604020202020204" pitchFamily="34" charset="0"/>
+                <a:cs typeface="Arial" panose="020B0604020202020204" pitchFamily="34" charset="0"/>
+              </a:rPr>
+              <a:t>configure the project to meet the prerequisites for hosting XAML Islands</a:t>
+            </a:r>
+          </a:p>
+          <a:p>
+            <a:pPr lvl="2" defTabSz="914400"/>
+            <a:endParaRPr lang="en-US" altLang="zh-CN" sz="2600" kern="0" dirty="0">
+              <a:latin typeface="Arial" panose="020B0604020202020204" pitchFamily="34" charset="0"/>
+              <a:cs typeface="Arial" panose="020B0604020202020204" pitchFamily="34" charset="0"/>
+            </a:endParaRPr>
+          </a:p>
+          <a:p>
+            <a:pPr marL="971401" lvl="1" indent="-514350" defTabSz="914400">
+              <a:buFont typeface="宋体" panose="02010600030101010101" pitchFamily="2" charset="-122"/>
+              <a:buAutoNum type="arabicParenR"/>
+            </a:pPr>
+            <a:r>
+              <a:rPr lang="en-US" altLang="zh-CN" sz="3800" kern="0" dirty="0">
+                <a:latin typeface="Arial" panose="020B0604020202020204" pitchFamily="34" charset="0"/>
+                <a:cs typeface="Arial" panose="020B0604020202020204" pitchFamily="34" charset="0"/>
+              </a:rPr>
+              <a:t>add reference to the project of custom control</a:t>
+            </a:r>
+          </a:p>
+          <a:p>
+            <a:pPr lvl="2" defTabSz="914400"/>
+            <a:endParaRPr lang="en-US" altLang="zh-CN" sz="2600" kern="0" dirty="0">
+              <a:latin typeface="Arial" panose="020B0604020202020204" pitchFamily="34" charset="0"/>
+              <a:cs typeface="Arial" panose="020B0604020202020204" pitchFamily="34" charset="0"/>
+            </a:endParaRPr>
+          </a:p>
+          <a:p>
+            <a:pPr marL="971401" lvl="1" indent="-514350" defTabSz="914400">
+              <a:buFont typeface="宋体" panose="02010600030101010101" pitchFamily="2" charset="-122"/>
+              <a:buAutoNum type="arabicParenR"/>
+            </a:pPr>
+            <a:r>
+              <a:rPr lang="en-US" altLang="zh-CN" sz="3800" kern="0" dirty="0">
+                <a:latin typeface="Arial" panose="020B0604020202020204" pitchFamily="34" charset="0"/>
+                <a:cs typeface="Arial" panose="020B0604020202020204" pitchFamily="34" charset="0"/>
+              </a:rPr>
+              <a:t>access to an instance of the Microsoft.Toolkit.Win32.UI.XamlHost.XamlApplication class</a:t>
+            </a:r>
+          </a:p>
+          <a:p>
+            <a:pPr lvl="2" defTabSz="914400"/>
+            <a:endParaRPr lang="en-US" altLang="zh-CN" sz="2400" kern="0" dirty="0">
+              <a:latin typeface="Arial" panose="020B0604020202020204" pitchFamily="34" charset="0"/>
+              <a:cs typeface="Arial" panose="020B0604020202020204" pitchFamily="34" charset="0"/>
+            </a:endParaRPr>
+          </a:p>
+          <a:p>
+            <a:pPr lvl="2" defTabSz="914400"/>
+            <a:endParaRPr lang="en-US" altLang="zh-CN" sz="2600" kern="0" dirty="0">
+              <a:latin typeface="Arial" panose="020B0604020202020204" pitchFamily="34" charset="0"/>
+              <a:cs typeface="Arial" panose="020B0604020202020204" pitchFamily="34" charset="0"/>
+            </a:endParaRPr>
+          </a:p>
+        </p:txBody>
+      </p:sp>
+    </p:spTree>
+    <p:extLst>
+      <p:ext uri="{BB962C8B-B14F-4D97-AF65-F5344CB8AC3E}">
+        <p14:creationId xmlns:p14="http://schemas.microsoft.com/office/powerpoint/2010/main" val="957928175"/>
+      </p:ext>
+    </p:extLst>
+  </p:cSld>
+  <p:clrMapOvr>
+    <a:masterClrMapping/>
+  </p:clrMapOvr>
+  <mc:AlternateContent xmlns:mc="http://schemas.openxmlformats.org/markup-compatibility/2006">
+    <mc:Choice xmlns:p14="http://schemas.microsoft.com/office/powerpoint/2010/main" Requires="p14">
+      <p:transition p14:dur="10"/>
+    </mc:Choice>
+    <mc:Fallback>
+      <p:transition/>
+    </mc:Fallback>
+  </mc:AlternateContent>
+</p:sld>
+</file>
+
+<file path=ppt/slides/slide31.xml><?xml version="1.0" encoding="utf-8"?>
+<p:sld xmlns:a="http://schemas.openxmlformats.org/drawingml/2006/main" xmlns:r="http://schemas.openxmlformats.org/officeDocument/2006/relationships" xmlns:p="http://schemas.openxmlformats.org/presentationml/2006/main">
+  <p:cSld>
+    <p:spTree>
+      <p:nvGrpSpPr>
+        <p:cNvPr id="1" name=""/>
+        <p:cNvGrpSpPr/>
+        <p:nvPr/>
+      </p:nvGrpSpPr>
+      <p:grpSpPr>
+        <a:xfrm>
+          <a:off x="0" y="0"/>
+          <a:ext cx="0" cy="0"/>
+          <a:chOff x="0" y="0"/>
+          <a:chExt cx="0" cy="0"/>
+        </a:xfrm>
+      </p:grpSpPr>
+      <p:sp>
+        <p:nvSpPr>
+          <p:cNvPr id="7171" name="Rectangle 2"/>
+          <p:cNvSpPr>
+            <a:spLocks noGrp="1" noChangeArrowheads="1"/>
+          </p:cNvSpPr>
+          <p:nvPr>
+            <p:ph type="title" idx="4294967295"/>
+          </p:nvPr>
+        </p:nvSpPr>
+        <p:spPr>
+          <a:xfrm>
+            <a:off x="1635364" y="656570"/>
+            <a:ext cx="7288827" cy="727075"/>
+          </a:xfrm>
+        </p:spPr>
+        <p:txBody>
+          <a:bodyPr>
+            <a:normAutofit fontScale="90000"/>
+          </a:bodyPr>
+          <a:lstStyle/>
+          <a:p>
+            <a:pPr algn="ctr"/>
+            <a:r>
+              <a:rPr lang="en-US" altLang="zh-CN" dirty="0">
+                <a:latin typeface="Arial" panose="020B0604020202020204" pitchFamily="34" charset="0"/>
+                <a:cs typeface="Arial" panose="020B0604020202020204" pitchFamily="34" charset="0"/>
+              </a:rPr>
+              <a:t>4. Host a custom UWP control</a:t>
+            </a:r>
+            <a:endParaRPr lang="zh-CN" altLang="en-US" dirty="0">
+              <a:latin typeface="Arial" panose="020B0604020202020204" pitchFamily="34" charset="0"/>
+              <a:cs typeface="Arial" panose="020B0604020202020204" pitchFamily="34" charset="0"/>
+            </a:endParaRPr>
+          </a:p>
+        </p:txBody>
+      </p:sp>
+      <p:sp>
+        <p:nvSpPr>
+          <p:cNvPr id="5" name="Rectangle 3">
+            <a:extLst>
+              <a:ext uri="{FF2B5EF4-FFF2-40B4-BE49-F238E27FC236}">
+                <a16:creationId xmlns:a16="http://schemas.microsoft.com/office/drawing/2014/main" id="{61C504E1-691D-4C82-AB62-C773467524F3}"/>
+              </a:ext>
+            </a:extLst>
+          </p:cNvPr>
+          <p:cNvSpPr txBox="1">
+            <a:spLocks noChangeArrowheads="1"/>
+          </p:cNvSpPr>
+          <p:nvPr/>
+        </p:nvSpPr>
+        <p:spPr bwMode="auto">
+          <a:xfrm>
+            <a:off x="1480330" y="1708445"/>
+            <a:ext cx="9492470" cy="4709940"/>
+          </a:xfrm>
+          <a:prstGeom prst="rect">
+            <a:avLst/>
+          </a:prstGeom>
+          <a:noFill/>
+          <a:ln>
+            <a:noFill/>
+          </a:ln>
+          <a:extLst>
+            <a:ext uri="{909E8E84-426E-40DD-AFC4-6F175D3DCCD1}">
+              <a14:hiddenFill xmlns:a14="http://schemas.microsoft.com/office/drawing/2010/main">
+                <a:solidFill>
+                  <a:srgbClr val="FFFFFF"/>
+                </a:solidFill>
+              </a14:hiddenFill>
+            </a:ext>
+            <a:ext uri="{91240B29-F687-4F45-9708-019B960494DF}">
+              <a14:hiddenLine xmlns:a14="http://schemas.microsoft.com/office/drawing/2010/main" w="9525">
+                <a:solidFill>
+                  <a:srgbClr val="000000"/>
+                </a:solidFill>
+                <a:miter lim="800000"/>
+                <a:headEnd/>
+                <a:tailEnd/>
+              </a14:hiddenLine>
+            </a:ext>
+          </a:extLst>
+        </p:spPr>
+        <p:txBody>
+          <a:bodyPr vert="horz" wrap="square" lIns="68589" tIns="34295" rIns="68589" bIns="34295" numCol="1" anchor="t" anchorCtr="0" compatLnSpc="1">
+            <a:normAutofit fontScale="77500" lnSpcReduction="20000"/>
+          </a:bodyPr>
+          <a:lstStyle>
+            <a:lvl1pPr marL="228526" indent="-228526" algn="l" rtl="0" eaLnBrk="1" fontAlgn="base" hangingPunct="1">
+              <a:lnSpc>
+                <a:spcPct val="90000"/>
+              </a:lnSpc>
+              <a:spcBef>
+                <a:spcPts val="1000"/>
+              </a:spcBef>
+              <a:spcAft>
+                <a:spcPct val="0"/>
+              </a:spcAft>
+              <a:buFont typeface="Wingdings" panose="05000000000000000000" charset="0"/>
+              <a:buChar char=""/>
+              <a:defRPr sz="2799">
+                <a:solidFill>
+                  <a:srgbClr val="002060"/>
+                </a:solidFill>
+                <a:latin typeface="微软雅黑" panose="020B0503020204020204" pitchFamily="34" charset="-122"/>
+                <a:ea typeface="微软雅黑" panose="020B0503020204020204" pitchFamily="34" charset="-122"/>
+                <a:cs typeface="+mn-cs"/>
+              </a:defRPr>
+            </a:lvl1pPr>
+            <a:lvl2pPr marL="685577" indent="-228526" algn="l" rtl="0" eaLnBrk="1" fontAlgn="base" hangingPunct="1">
+              <a:lnSpc>
+                <a:spcPct val="90000"/>
+              </a:lnSpc>
+              <a:spcBef>
+                <a:spcPts val="500"/>
+              </a:spcBef>
+              <a:spcAft>
+                <a:spcPct val="0"/>
+              </a:spcAft>
+              <a:buFont typeface="宋体" panose="02010600030101010101" pitchFamily="2" charset="-122"/>
+              <a:buChar char="–"/>
+              <a:defRPr sz="2399">
+                <a:solidFill>
+                  <a:srgbClr val="002060"/>
+                </a:solidFill>
+                <a:latin typeface="微软雅黑" panose="020B0503020204020204" pitchFamily="34" charset="-122"/>
+                <a:ea typeface="微软雅黑" panose="020B0503020204020204" pitchFamily="34" charset="-122"/>
+              </a:defRPr>
+            </a:lvl2pPr>
+            <a:lvl3pPr marL="1142629" indent="-228526" algn="l" rtl="0" eaLnBrk="1" fontAlgn="base" hangingPunct="1">
+              <a:lnSpc>
+                <a:spcPct val="90000"/>
+              </a:lnSpc>
+              <a:spcBef>
+                <a:spcPts val="500"/>
+              </a:spcBef>
+              <a:spcAft>
+                <a:spcPct val="0"/>
+              </a:spcAft>
+              <a:buFont typeface="Wingdings" panose="05000000000000000000" charset="0"/>
+              <a:buChar char=""/>
+              <a:defRPr sz="1999">
+                <a:solidFill>
+                  <a:srgbClr val="002060"/>
+                </a:solidFill>
+                <a:latin typeface="微软雅黑" panose="020B0503020204020204" pitchFamily="34" charset="-122"/>
+                <a:ea typeface="微软雅黑" panose="020B0503020204020204" pitchFamily="34" charset="-122"/>
+              </a:defRPr>
+            </a:lvl3pPr>
+            <a:lvl4pPr marL="1599680" indent="-228526" algn="l" rtl="0" eaLnBrk="1" fontAlgn="base" hangingPunct="1">
+              <a:lnSpc>
+                <a:spcPct val="90000"/>
+              </a:lnSpc>
+              <a:spcBef>
+                <a:spcPts val="500"/>
+              </a:spcBef>
+              <a:spcAft>
+                <a:spcPct val="0"/>
+              </a:spcAft>
+              <a:buFont typeface="Arial" panose="020B0604020202020204" pitchFamily="34" charset="0"/>
+              <a:buChar char="•"/>
+              <a:defRPr sz="1999">
+                <a:solidFill>
+                  <a:srgbClr val="002060"/>
+                </a:solidFill>
+                <a:latin typeface="微软雅黑" panose="020B0503020204020204" pitchFamily="34" charset="-122"/>
+                <a:ea typeface="微软雅黑" panose="020B0503020204020204" pitchFamily="34" charset="-122"/>
+              </a:defRPr>
+            </a:lvl4pPr>
+            <a:lvl5pPr marL="2056731" indent="-228526" algn="l" rtl="0" eaLnBrk="1" fontAlgn="base" hangingPunct="1">
+              <a:lnSpc>
+                <a:spcPct val="90000"/>
+              </a:lnSpc>
+              <a:spcBef>
+                <a:spcPts val="500"/>
+              </a:spcBef>
+              <a:spcAft>
+                <a:spcPct val="0"/>
+              </a:spcAft>
+              <a:buFont typeface="Arial" panose="020B0604020202020204" pitchFamily="34" charset="0"/>
+              <a:buChar char="•"/>
+              <a:defRPr sz="1999">
+                <a:solidFill>
+                  <a:srgbClr val="002060"/>
+                </a:solidFill>
+                <a:latin typeface="微软雅黑" panose="020B0503020204020204" pitchFamily="34" charset="-122"/>
+                <a:ea typeface="微软雅黑" panose="020B0503020204020204" pitchFamily="34" charset="-122"/>
+              </a:defRPr>
+            </a:lvl5pPr>
+            <a:lvl6pPr marL="2513783" indent="-228526" algn="l" rtl="0" eaLnBrk="1" fontAlgn="base" hangingPunct="1">
+              <a:lnSpc>
+                <a:spcPct val="90000"/>
+              </a:lnSpc>
+              <a:spcBef>
+                <a:spcPts val="500"/>
+              </a:spcBef>
+              <a:spcAft>
+                <a:spcPct val="0"/>
+              </a:spcAft>
+              <a:buFont typeface="Arial" panose="020B0604020202020204" pitchFamily="34" charset="0"/>
+              <a:buChar char="•"/>
+              <a:defRPr>
+                <a:solidFill>
+                  <a:schemeClr val="tx1"/>
+                </a:solidFill>
+                <a:latin typeface="+mn-lt"/>
+                <a:ea typeface="+mn-ea"/>
+              </a:defRPr>
+            </a:lvl6pPr>
+            <a:lvl7pPr marL="2970834" indent="-228526" algn="l" rtl="0" eaLnBrk="1" fontAlgn="base" hangingPunct="1">
+              <a:lnSpc>
+                <a:spcPct val="90000"/>
+              </a:lnSpc>
+              <a:spcBef>
+                <a:spcPts val="500"/>
+              </a:spcBef>
+              <a:spcAft>
+                <a:spcPct val="0"/>
+              </a:spcAft>
+              <a:buFont typeface="Arial" panose="020B0604020202020204" pitchFamily="34" charset="0"/>
+              <a:buChar char="•"/>
+              <a:defRPr>
+                <a:solidFill>
+                  <a:schemeClr val="tx1"/>
+                </a:solidFill>
+                <a:latin typeface="+mn-lt"/>
+                <a:ea typeface="+mn-ea"/>
+              </a:defRPr>
+            </a:lvl7pPr>
+            <a:lvl8pPr marL="3428732" indent="-228526" algn="l" rtl="0" eaLnBrk="1" fontAlgn="base" hangingPunct="1">
+              <a:lnSpc>
+                <a:spcPct val="90000"/>
+              </a:lnSpc>
+              <a:spcBef>
+                <a:spcPts val="500"/>
+              </a:spcBef>
+              <a:spcAft>
+                <a:spcPct val="0"/>
+              </a:spcAft>
+              <a:buFont typeface="Arial" panose="020B0604020202020204" pitchFamily="34" charset="0"/>
+              <a:buChar char="•"/>
+              <a:defRPr>
+                <a:solidFill>
+                  <a:schemeClr val="tx1"/>
+                </a:solidFill>
+                <a:latin typeface="+mn-lt"/>
+                <a:ea typeface="+mn-ea"/>
+              </a:defRPr>
+            </a:lvl8pPr>
+            <a:lvl9pPr marL="3885783" indent="-228526" algn="l" rtl="0" eaLnBrk="1" fontAlgn="base" hangingPunct="1">
+              <a:lnSpc>
+                <a:spcPct val="90000"/>
+              </a:lnSpc>
+              <a:spcBef>
+                <a:spcPts val="500"/>
+              </a:spcBef>
+              <a:spcAft>
+                <a:spcPct val="0"/>
+              </a:spcAft>
+              <a:buFont typeface="Arial" panose="020B0604020202020204" pitchFamily="34" charset="0"/>
+              <a:buChar char="•"/>
+              <a:defRPr>
+                <a:solidFill>
+                  <a:schemeClr val="tx1"/>
+                </a:solidFill>
+                <a:latin typeface="+mn-lt"/>
+                <a:ea typeface="+mn-ea"/>
+              </a:defRPr>
+            </a:lvl9pPr>
+          </a:lstStyle>
+          <a:p>
+            <a:pPr marL="457051" lvl="1" indent="0" defTabSz="914400">
+              <a:buNone/>
+            </a:pPr>
+            <a:r>
+              <a:rPr lang="en-US" altLang="zh-CN" sz="3800" kern="0" dirty="0">
+                <a:latin typeface="Arial" panose="020B0604020202020204" pitchFamily="34" charset="0"/>
+                <a:cs typeface="Arial" panose="020B0604020202020204" pitchFamily="34" charset="0"/>
+              </a:rPr>
+              <a:t>general steps:</a:t>
+            </a:r>
+          </a:p>
+          <a:p>
+            <a:pPr marL="971401" lvl="1" indent="-514350" defTabSz="914400">
+              <a:buAutoNum type="arabicParenR"/>
+            </a:pPr>
+            <a:r>
+              <a:rPr lang="en-US" altLang="zh-CN" sz="3800" kern="0" dirty="0">
+                <a:latin typeface="Arial" panose="020B0604020202020204" pitchFamily="34" charset="0"/>
+                <a:cs typeface="Arial" panose="020B0604020202020204" pitchFamily="34" charset="0"/>
+              </a:rPr>
+              <a:t>add a Blank UWP project</a:t>
+            </a:r>
+          </a:p>
+          <a:p>
+            <a:pPr lvl="2" defTabSz="914400"/>
+            <a:r>
+              <a:rPr lang="en-US" altLang="zh-CN" sz="2600" kern="0" dirty="0">
+                <a:latin typeface="Arial" panose="020B0604020202020204" pitchFamily="34" charset="0"/>
+                <a:cs typeface="Arial" panose="020B0604020202020204" pitchFamily="34" charset="0"/>
+              </a:rPr>
+              <a:t> in the solution that contains C++ Win32 desktop project</a:t>
+            </a:r>
+          </a:p>
+          <a:p>
+            <a:pPr marL="971401" lvl="1" indent="-514350" defTabSz="914400">
+              <a:buFont typeface="宋体" panose="02010600030101010101" pitchFamily="2" charset="-122"/>
+              <a:buAutoNum type="arabicParenR"/>
+            </a:pPr>
+            <a:r>
+              <a:rPr lang="en-US" altLang="zh-CN" sz="3800" kern="0" dirty="0">
+                <a:latin typeface="Arial" panose="020B0604020202020204" pitchFamily="34" charset="0"/>
+                <a:cs typeface="Arial" panose="020B0604020202020204" pitchFamily="34" charset="0"/>
+              </a:rPr>
+              <a:t>add the project that contains the source code for the custom UWP XAML control</a:t>
+            </a:r>
+          </a:p>
+          <a:p>
+            <a:pPr lvl="2" defTabSz="914400"/>
+            <a:r>
+              <a:rPr lang="en-US" altLang="zh-CN" sz="2600" kern="0" dirty="0">
+                <a:latin typeface="Arial" panose="020B0604020202020204" pitchFamily="34" charset="0"/>
+                <a:cs typeface="Arial" panose="020B0604020202020204" pitchFamily="34" charset="0"/>
+              </a:rPr>
+              <a:t> typically a UWP class library project</a:t>
+            </a:r>
+          </a:p>
+          <a:p>
+            <a:pPr marL="971401" lvl="1" indent="-514350" defTabSz="914400">
+              <a:buFont typeface="宋体" panose="02010600030101010101" pitchFamily="2" charset="-122"/>
+              <a:buAutoNum type="arabicParenR"/>
+            </a:pPr>
+            <a:r>
+              <a:rPr lang="en-US" altLang="zh-CN" sz="3800" kern="0" dirty="0">
+                <a:latin typeface="Arial" panose="020B0604020202020204" pitchFamily="34" charset="0"/>
+                <a:cs typeface="Arial" panose="020B0604020202020204" pitchFamily="34" charset="0"/>
+              </a:rPr>
+              <a:t>In the UWP app project, add a reference to the UWP class library project</a:t>
+            </a:r>
+          </a:p>
+          <a:p>
+            <a:pPr marL="971401" lvl="1" indent="-514350" defTabSz="914400">
+              <a:buFont typeface="宋体" panose="02010600030101010101" pitchFamily="2" charset="-122"/>
+              <a:buAutoNum type="arabicParenR"/>
+            </a:pPr>
+            <a:r>
+              <a:rPr lang="en-US" altLang="zh-CN" sz="3800" kern="0" dirty="0">
+                <a:latin typeface="Arial" panose="020B0604020202020204" pitchFamily="34" charset="0"/>
+                <a:cs typeface="Arial" panose="020B0604020202020204" pitchFamily="34" charset="0"/>
+              </a:rPr>
+              <a:t> In your C++ Win32 project, add a reference to the UWP app project and the UWP class library project</a:t>
+            </a:r>
+          </a:p>
+          <a:p>
+            <a:pPr marL="971401" lvl="1" indent="-514350" defTabSz="914400">
+              <a:buFont typeface="宋体" panose="02010600030101010101" pitchFamily="2" charset="-122"/>
+              <a:buAutoNum type="arabicParenR"/>
+            </a:pPr>
+            <a:r>
+              <a:rPr lang="en-US" altLang="zh-CN" sz="3800" kern="0" dirty="0">
+                <a:latin typeface="Arial" panose="020B0604020202020204" pitchFamily="34" charset="0"/>
+                <a:cs typeface="Arial" panose="020B0604020202020204" pitchFamily="34" charset="0"/>
+              </a:rPr>
+              <a:t>Assign an instance of the custom control to host to the Content property of the </a:t>
+            </a:r>
+            <a:r>
+              <a:rPr lang="en-US" altLang="zh-CN" sz="3800" kern="0" dirty="0" err="1">
+                <a:latin typeface="Arial" panose="020B0604020202020204" pitchFamily="34" charset="0"/>
+                <a:cs typeface="Arial" panose="020B0604020202020204" pitchFamily="34" charset="0"/>
+              </a:rPr>
+              <a:t>DesktopWindowXamlSource</a:t>
+            </a:r>
+            <a:r>
+              <a:rPr lang="en-US" altLang="zh-CN" sz="3800" kern="0" dirty="0">
+                <a:latin typeface="Arial" panose="020B0604020202020204" pitchFamily="34" charset="0"/>
+                <a:cs typeface="Arial" panose="020B0604020202020204" pitchFamily="34" charset="0"/>
+              </a:rPr>
+              <a:t> object in your code</a:t>
+            </a:r>
+          </a:p>
+          <a:p>
+            <a:pPr lvl="2" defTabSz="914400"/>
+            <a:endParaRPr lang="en-US" altLang="zh-CN" sz="2600" kern="0" dirty="0">
+              <a:latin typeface="Arial" panose="020B0604020202020204" pitchFamily="34" charset="0"/>
+              <a:cs typeface="Arial" panose="020B0604020202020204" pitchFamily="34" charset="0"/>
+            </a:endParaRPr>
+          </a:p>
+        </p:txBody>
+      </p:sp>
+      <p:sp>
+        <p:nvSpPr>
+          <p:cNvPr id="2" name="矩形 1">
+            <a:extLst>
+              <a:ext uri="{FF2B5EF4-FFF2-40B4-BE49-F238E27FC236}">
+                <a16:creationId xmlns:a16="http://schemas.microsoft.com/office/drawing/2014/main" id="{92D0E5D8-A895-4346-A590-952AB0392244}"/>
+              </a:ext>
+            </a:extLst>
+          </p:cNvPr>
+          <p:cNvSpPr/>
+          <p:nvPr/>
+        </p:nvSpPr>
+        <p:spPr>
+          <a:xfrm>
+            <a:off x="1837593" y="6264496"/>
+            <a:ext cx="9126415" cy="369332"/>
+          </a:xfrm>
+          <a:prstGeom prst="rect">
+            <a:avLst/>
+          </a:prstGeom>
+        </p:spPr>
+        <p:txBody>
+          <a:bodyPr wrap="square">
+            <a:spAutoFit/>
+          </a:bodyPr>
+          <a:lstStyle/>
+          <a:p>
+            <a:r>
+              <a:rPr lang="en-US" altLang="zh-CN" sz="1800" dirty="0">
+                <a:solidFill>
+                  <a:srgbClr val="FF0000"/>
+                </a:solidFill>
+              </a:rPr>
+              <a:t>https://github.com/marb2000/XamlIslands/tree/master/1903_Samples/CppWinRT_Win32_App</a:t>
+            </a:r>
+            <a:endParaRPr lang="zh-CN" altLang="en-US" sz="1800" dirty="0">
+              <a:solidFill>
+                <a:srgbClr val="FF0000"/>
+              </a:solidFill>
+            </a:endParaRPr>
+          </a:p>
+        </p:txBody>
+      </p:sp>
+    </p:spTree>
+    <p:extLst>
+      <p:ext uri="{BB962C8B-B14F-4D97-AF65-F5344CB8AC3E}">
+        <p14:creationId xmlns:p14="http://schemas.microsoft.com/office/powerpoint/2010/main" val="2346384771"/>
+      </p:ext>
+    </p:extLst>
+  </p:cSld>
+  <p:clrMapOvr>
+    <a:masterClrMapping/>
+  </p:clrMapOvr>
+  <mc:AlternateContent xmlns:mc="http://schemas.openxmlformats.org/markup-compatibility/2006">
+    <mc:Choice xmlns:p14="http://schemas.microsoft.com/office/powerpoint/2010/main" Requires="p14">
+      <p:transition p14:dur="10"/>
+    </mc:Choice>
+    <mc:Fallback>
+      <p:transition/>
+    </mc:Fallback>
+  </mc:AlternateContent>
+</p:sld>
+</file>
+
+<file path=ppt/slides/slide32.xml><?xml version="1.0" encoding="utf-8"?>
+<p:sld xmlns:a="http://schemas.openxmlformats.org/drawingml/2006/main" xmlns:r="http://schemas.openxmlformats.org/officeDocument/2006/relationships" xmlns:p="http://schemas.openxmlformats.org/presentationml/2006/main">
+  <p:cSld>
+    <p:spTree>
+      <p:nvGrpSpPr>
+        <p:cNvPr id="1" name=""/>
+        <p:cNvGrpSpPr/>
+        <p:nvPr/>
+      </p:nvGrpSpPr>
+      <p:grpSpPr>
+        <a:xfrm>
+          <a:off x="0" y="0"/>
+          <a:ext cx="0" cy="0"/>
+          <a:chOff x="0" y="0"/>
+          <a:chExt cx="0" cy="0"/>
+        </a:xfrm>
+      </p:grpSpPr>
+      <p:sp>
+        <p:nvSpPr>
+          <p:cNvPr id="18435" name="Rectangle 2"/>
+          <p:cNvSpPr>
+            <a:spLocks noGrp="1" noChangeArrowheads="1"/>
+          </p:cNvSpPr>
+          <p:nvPr>
+            <p:ph type="title"/>
+          </p:nvPr>
+        </p:nvSpPr>
+        <p:spPr>
+          <a:xfrm>
+            <a:off x="739471" y="3571243"/>
+            <a:ext cx="7140272" cy="718868"/>
+          </a:xfrm>
+        </p:spPr>
+        <p:txBody>
+          <a:bodyPr>
+            <a:noAutofit/>
+          </a:bodyPr>
+          <a:lstStyle/>
+          <a:p>
+            <a:pPr lvl="0"/>
+            <a:r>
+              <a:rPr lang="en-US" altLang="zh-CN" sz="6000" dirty="0">
+                <a:latin typeface="Arial Black" panose="020B0A04020102020204" pitchFamily="34" charset="0"/>
+              </a:rPr>
+              <a:t>THANK YOU !</a:t>
+            </a:r>
+            <a:endParaRPr lang="zh-CN" altLang="en-US" sz="6000" dirty="0">
+              <a:latin typeface="Arial Black" panose="020B0A04020102020204" pitchFamily="34" charset="0"/>
+            </a:endParaRPr>
+          </a:p>
+        </p:txBody>
+      </p:sp>
+      <p:sp>
+        <p:nvSpPr>
+          <p:cNvPr id="6" name="Rectangle 3"/>
+          <p:cNvSpPr txBox="1">
+            <a:spLocks noChangeArrowheads="1"/>
+          </p:cNvSpPr>
+          <p:nvPr/>
+        </p:nvSpPr>
+        <p:spPr>
+          <a:xfrm>
+            <a:off x="366783" y="1276242"/>
+            <a:ext cx="8429975" cy="1953095"/>
+          </a:xfrm>
+          <a:prstGeom prst="rect">
+            <a:avLst/>
+          </a:prstGeom>
+        </p:spPr>
+        <p:txBody>
+          <a:bodyPr vert="horz" lIns="91440" tIns="45720" rIns="91440" bIns="45720" rtlCol="0">
+            <a:normAutofit/>
+          </a:bodyPr>
+          <a:lstStyle>
+            <a:lvl1pPr marL="342900" indent="-342900" algn="l" defTabSz="457200" rtl="0" eaLnBrk="1" latinLnBrk="0" hangingPunct="1">
+              <a:spcBef>
+                <a:spcPts val="1000"/>
+              </a:spcBef>
+              <a:spcAft>
+                <a:spcPts val="0"/>
+              </a:spcAft>
+              <a:buClr>
+                <a:schemeClr val="accent1"/>
+              </a:buClr>
+              <a:buSzPct val="80000"/>
+              <a:buFont typeface="Wingdings 3" charset="2"/>
+              <a:buChar char=""/>
+              <a:defRPr sz="1800" kern="1200">
+                <a:solidFill>
+                  <a:schemeClr val="tx1">
+                    <a:lumMod val="75000"/>
+                    <a:lumOff val="25000"/>
+                  </a:schemeClr>
+                </a:solidFill>
+                <a:latin typeface="+mn-lt"/>
+                <a:ea typeface="+mn-ea"/>
+                <a:cs typeface="+mn-cs"/>
+              </a:defRPr>
+            </a:lvl1pPr>
+            <a:lvl2pPr marL="742950" indent="-285750" algn="l" defTabSz="457200" rtl="0" eaLnBrk="1" latinLnBrk="0" hangingPunct="1">
+              <a:spcBef>
+                <a:spcPts val="1000"/>
+              </a:spcBef>
+              <a:spcAft>
+                <a:spcPts val="0"/>
+              </a:spcAft>
+              <a:buClr>
+                <a:schemeClr val="accent1"/>
+              </a:buClr>
+              <a:buSzPct val="80000"/>
+              <a:buFont typeface="Wingdings 3" charset="2"/>
+              <a:buChar char=""/>
+              <a:defRPr sz="1600" kern="1200">
+                <a:solidFill>
+                  <a:schemeClr val="tx1">
+                    <a:lumMod val="75000"/>
+                    <a:lumOff val="25000"/>
+                  </a:schemeClr>
+                </a:solidFill>
+                <a:latin typeface="+mn-lt"/>
+                <a:ea typeface="+mn-ea"/>
+                <a:cs typeface="+mn-cs"/>
+              </a:defRPr>
+            </a:lvl2pPr>
+            <a:lvl3pPr marL="1143000" indent="-228600" algn="l" defTabSz="457200" rtl="0" eaLnBrk="1" latinLnBrk="0" hangingPunct="1">
+              <a:spcBef>
+                <a:spcPts val="1000"/>
+              </a:spcBef>
+              <a:spcAft>
+                <a:spcPts val="0"/>
+              </a:spcAft>
+              <a:buClr>
+                <a:schemeClr val="accent1"/>
+              </a:buClr>
+              <a:buSzPct val="80000"/>
+              <a:buFont typeface="Wingdings 3" charset="2"/>
+              <a:buChar char=""/>
+              <a:defRPr sz="1400" kern="1200">
+                <a:solidFill>
+                  <a:schemeClr val="tx1">
+                    <a:lumMod val="75000"/>
+                    <a:lumOff val="25000"/>
+                  </a:schemeClr>
+                </a:solidFill>
+                <a:latin typeface="+mn-lt"/>
+                <a:ea typeface="+mn-ea"/>
+                <a:cs typeface="+mn-cs"/>
+              </a:defRPr>
+            </a:lvl3pPr>
+            <a:lvl4pPr marL="1600200" indent="-228600" algn="l" defTabSz="457200" rtl="0" eaLnBrk="1" latinLnBrk="0" hangingPunct="1">
+              <a:spcBef>
+                <a:spcPts val="1000"/>
+              </a:spcBef>
+              <a:spcAft>
+                <a:spcPts val="0"/>
+              </a:spcAft>
+              <a:buClr>
+                <a:schemeClr val="accent1"/>
+              </a:buClr>
+              <a:buSzPct val="80000"/>
+              <a:buFont typeface="Wingdings 3" charset="2"/>
+              <a:buChar char=""/>
+              <a:defRPr sz="1200" kern="1200">
+                <a:solidFill>
+                  <a:schemeClr val="tx1">
+                    <a:lumMod val="75000"/>
+                    <a:lumOff val="25000"/>
+                  </a:schemeClr>
+                </a:solidFill>
+                <a:latin typeface="+mn-lt"/>
+                <a:ea typeface="+mn-ea"/>
+                <a:cs typeface="+mn-cs"/>
+              </a:defRPr>
+            </a:lvl4pPr>
+            <a:lvl5pPr marL="2057400" indent="-228600" algn="l" defTabSz="457200" rtl="0" eaLnBrk="1" latinLnBrk="0" hangingPunct="1">
+              <a:spcBef>
+                <a:spcPts val="1000"/>
+              </a:spcBef>
+              <a:spcAft>
+                <a:spcPts val="0"/>
+              </a:spcAft>
+              <a:buClr>
+                <a:schemeClr val="accent1"/>
+              </a:buClr>
+              <a:buSzPct val="80000"/>
+              <a:buFont typeface="Wingdings 3" charset="2"/>
+              <a:buChar char=""/>
+              <a:defRPr sz="1200" kern="1200">
+                <a:solidFill>
+                  <a:schemeClr val="tx1">
+                    <a:lumMod val="75000"/>
+                    <a:lumOff val="25000"/>
+                  </a:schemeClr>
+                </a:solidFill>
+                <a:latin typeface="+mn-lt"/>
+                <a:ea typeface="+mn-ea"/>
+                <a:cs typeface="+mn-cs"/>
+              </a:defRPr>
+            </a:lvl5pPr>
+            <a:lvl6pPr marL="2514600" indent="-228600" algn="l" defTabSz="457200" rtl="0" eaLnBrk="1" latinLnBrk="0" hangingPunct="1">
+              <a:spcBef>
+                <a:spcPts val="1000"/>
+              </a:spcBef>
+              <a:spcAft>
+                <a:spcPts val="0"/>
+              </a:spcAft>
+              <a:buClr>
+                <a:schemeClr val="accent1"/>
+              </a:buClr>
+              <a:buSzPct val="80000"/>
+              <a:buFont typeface="Wingdings 3" charset="2"/>
+              <a:buChar char=""/>
+              <a:defRPr sz="1200" kern="1200">
+                <a:solidFill>
+                  <a:schemeClr val="tx1">
+                    <a:lumMod val="75000"/>
+                    <a:lumOff val="25000"/>
+                  </a:schemeClr>
+                </a:solidFill>
+                <a:latin typeface="+mn-lt"/>
+                <a:ea typeface="+mn-ea"/>
+                <a:cs typeface="+mn-cs"/>
+              </a:defRPr>
+            </a:lvl6pPr>
+            <a:lvl7pPr marL="2971800" indent="-228600" algn="l" defTabSz="457200" rtl="0" eaLnBrk="1" latinLnBrk="0" hangingPunct="1">
+              <a:spcBef>
+                <a:spcPts val="1000"/>
+              </a:spcBef>
+              <a:spcAft>
+                <a:spcPts val="0"/>
+              </a:spcAft>
+              <a:buClr>
+                <a:schemeClr val="accent1"/>
+              </a:buClr>
+              <a:buSzPct val="80000"/>
+              <a:buFont typeface="Wingdings 3" charset="2"/>
+              <a:buChar char=""/>
+              <a:defRPr sz="1200" kern="1200">
+                <a:solidFill>
+                  <a:schemeClr val="tx1">
+                    <a:lumMod val="75000"/>
+                    <a:lumOff val="25000"/>
+                  </a:schemeClr>
+                </a:solidFill>
+                <a:latin typeface="+mn-lt"/>
+                <a:ea typeface="+mn-ea"/>
+                <a:cs typeface="+mn-cs"/>
+              </a:defRPr>
+            </a:lvl7pPr>
+            <a:lvl8pPr marL="3429000" indent="-228600" algn="l" defTabSz="457200" rtl="0" eaLnBrk="1" latinLnBrk="0" hangingPunct="1">
+              <a:spcBef>
+                <a:spcPts val="1000"/>
+              </a:spcBef>
+              <a:spcAft>
+                <a:spcPts val="0"/>
+              </a:spcAft>
+              <a:buClr>
+                <a:schemeClr val="accent1"/>
+              </a:buClr>
+              <a:buSzPct val="80000"/>
+              <a:buFont typeface="Wingdings 3" charset="2"/>
+              <a:buChar char=""/>
+              <a:defRPr sz="1200" kern="1200">
+                <a:solidFill>
+                  <a:schemeClr val="tx1">
+                    <a:lumMod val="75000"/>
+                    <a:lumOff val="25000"/>
+                  </a:schemeClr>
+                </a:solidFill>
+                <a:latin typeface="+mn-lt"/>
+                <a:ea typeface="+mn-ea"/>
+                <a:cs typeface="+mn-cs"/>
+              </a:defRPr>
+            </a:lvl8pPr>
+            <a:lvl9pPr marL="3886200" indent="-228600" algn="l" defTabSz="457200" rtl="0" eaLnBrk="1" latinLnBrk="0" hangingPunct="1">
+              <a:spcBef>
+                <a:spcPts val="1000"/>
+              </a:spcBef>
+              <a:spcAft>
+                <a:spcPts val="0"/>
+              </a:spcAft>
+              <a:buClr>
+                <a:schemeClr val="accent1"/>
+              </a:buClr>
+              <a:buSzPct val="80000"/>
+              <a:buFont typeface="Wingdings 3" charset="2"/>
+              <a:buChar char=""/>
+              <a:defRPr sz="1200" kern="1200">
+                <a:solidFill>
+                  <a:schemeClr val="tx1">
+                    <a:lumMod val="75000"/>
+                    <a:lumOff val="25000"/>
+                  </a:schemeClr>
+                </a:solidFill>
+                <a:latin typeface="+mn-lt"/>
+                <a:ea typeface="+mn-ea"/>
+                <a:cs typeface="+mn-cs"/>
+              </a:defRPr>
+            </a:lvl9pPr>
+          </a:lstStyle>
+          <a:p>
+            <a:endParaRPr lang="zh-CN" altLang="en-US" sz="2800" dirty="0"/>
+          </a:p>
+        </p:txBody>
+      </p:sp>
+    </p:spTree>
+    <p:extLst>
+      <p:ext uri="{BB962C8B-B14F-4D97-AF65-F5344CB8AC3E}">
+        <p14:creationId xmlns:p14="http://schemas.microsoft.com/office/powerpoint/2010/main" val="1431043831"/>
+      </p:ext>
+    </p:extLst>
+  </p:cSld>
+  <p:clrMapOvr>
+    <a:masterClrMapping/>
+  </p:clrMapOvr>
+</p:sld>
+</file>
+
 <file path=ppt/slides/slide4.xml><?xml version="1.0" encoding="utf-8"?>
 <p:sld xmlns:a="http://schemas.openxmlformats.org/drawingml/2006/main" xmlns:r="http://schemas.openxmlformats.org/officeDocument/2006/relationships" xmlns:p="http://schemas.openxmlformats.org/presentationml/2006/main">
   <p:cSld>
